--- a/teams.pptx
+++ b/teams.pptx
@@ -1,20 +1,20 @@
 
 <file path=ppt/presentation.xml><?xml version="1.0" encoding="utf-8"?>
-<p:presentation xmlns:a="http://schemas.openxmlformats.org/drawingml/2006/main" xmlns:r="http://schemas.openxmlformats.org/officeDocument/2006/relationships" xmlns:p="http://schemas.openxmlformats.org/presentationml/2006/main" xmlns:m="http://schemas.openxmlformats.org/officeDocument/2006/math" xmlns:a14="http://schemas.microsoft.com/office/drawing/2010/main">
+<p:presentation xmlns:a="http://schemas.openxmlformats.org/drawingml/2006/main" xmlns:r="http://schemas.openxmlformats.org/officeDocument/2006/relationships" xmlns:p="http://schemas.openxmlformats.org/presentationml/2006/main">
   <p:sldMasterIdLst>
-    <p:sldMasterId id="2147483648" r:id="rId5"/>
+    <p:sldMasterId id="2147483648" r:id="rId1"/>
   </p:sldMasterIdLst>
   <p:notesMasterIdLst>
-    <p:notesMasterId r:id="rId7"/>
+    <p:notesMasterId r:id="rId9"/>
   </p:notesMasterIdLst>
   <p:sldIdLst>
-    <p:sldId id="256" r:id="rId8"/>
-    <p:sldId id="257" r:id="rId9"/>
-    <p:sldId id="258" r:id="rId10"/>
-    <p:sldId id="259" r:id="rId11"/>
-    <p:sldId id="260" r:id="rId12"/>
-    <p:sldId id="261" r:id="rId13"/>
-    <p:sldId id="262" r:id="rId14"/>
+    <p:sldId id="256" r:id="rId2"/>
+    <p:sldId id="257" r:id="rId3"/>
+    <p:sldId id="258" r:id="rId4"/>
+    <p:sldId id="259" r:id="rId5"/>
+    <p:sldId id="260" r:id="rId6"/>
+    <p:sldId id="261" r:id="rId7"/>
+    <p:sldId id="262" r:id="rId8"/>
   </p:sldIdLst>
   <p:sldSz cx="24384000" cy="13716000"/>
   <p:notesSz cx="6858000" cy="9144000"/>
@@ -34,7 +34,7 @@
       <a:buFontTx/>
       <a:buNone/>
       <a:tabLst/>
-      <a:defRPr b="0" baseline="0" cap="none" i="0" spc="0" strike="noStrike" sz="1800" u="none" kumimoji="0" normalizeH="0">
+      <a:defRPr kumimoji="0" sz="1800" b="0" i="0" u="none" strike="noStrike" cap="none" spc="0" normalizeH="0" baseline="0">
         <a:ln>
           <a:noFill/>
         </a:ln>
@@ -60,7 +60,7 @@
       <a:buFontTx/>
       <a:buNone/>
       <a:tabLst/>
-      <a:defRPr b="1" baseline="0" cap="none" i="0" spc="0" strike="noStrike" sz="3000" u="none" kumimoji="0" normalizeH="0">
+      <a:defRPr kumimoji="0" sz="3000" b="1" i="0" u="none" strike="noStrike" cap="none" spc="0" normalizeH="0" baseline="0">
         <a:ln>
           <a:noFill/>
         </a:ln>
@@ -90,7 +90,7 @@
       <a:buFontTx/>
       <a:buNone/>
       <a:tabLst/>
-      <a:defRPr b="1" baseline="0" cap="none" i="0" spc="0" strike="noStrike" sz="3000" u="none" kumimoji="0" normalizeH="0">
+      <a:defRPr kumimoji="0" sz="3000" b="1" i="0" u="none" strike="noStrike" cap="none" spc="0" normalizeH="0" baseline="0">
         <a:ln>
           <a:noFill/>
         </a:ln>
@@ -120,7 +120,7 @@
       <a:buFontTx/>
       <a:buNone/>
       <a:tabLst/>
-      <a:defRPr b="1" baseline="0" cap="none" i="0" spc="0" strike="noStrike" sz="3000" u="none" kumimoji="0" normalizeH="0">
+      <a:defRPr kumimoji="0" sz="3000" b="1" i="0" u="none" strike="noStrike" cap="none" spc="0" normalizeH="0" baseline="0">
         <a:ln>
           <a:noFill/>
         </a:ln>
@@ -150,7 +150,7 @@
       <a:buFontTx/>
       <a:buNone/>
       <a:tabLst/>
-      <a:defRPr b="1" baseline="0" cap="none" i="0" spc="0" strike="noStrike" sz="3000" u="none" kumimoji="0" normalizeH="0">
+      <a:defRPr kumimoji="0" sz="3000" b="1" i="0" u="none" strike="noStrike" cap="none" spc="0" normalizeH="0" baseline="0">
         <a:ln>
           <a:noFill/>
         </a:ln>
@@ -180,7 +180,7 @@
       <a:buFontTx/>
       <a:buNone/>
       <a:tabLst/>
-      <a:defRPr b="1" baseline="0" cap="none" i="0" spc="0" strike="noStrike" sz="3000" u="none" kumimoji="0" normalizeH="0">
+      <a:defRPr kumimoji="0" sz="3000" b="1" i="0" u="none" strike="noStrike" cap="none" spc="0" normalizeH="0" baseline="0">
         <a:ln>
           <a:noFill/>
         </a:ln>
@@ -210,7 +210,7 @@
       <a:buFontTx/>
       <a:buNone/>
       <a:tabLst/>
-      <a:defRPr b="1" baseline="0" cap="none" i="0" spc="0" strike="noStrike" sz="3000" u="none" kumimoji="0" normalizeH="0">
+      <a:defRPr kumimoji="0" sz="3000" b="1" i="0" u="none" strike="noStrike" cap="none" spc="0" normalizeH="0" baseline="0">
         <a:ln>
           <a:noFill/>
         </a:ln>
@@ -240,7 +240,7 @@
       <a:buFontTx/>
       <a:buNone/>
       <a:tabLst/>
-      <a:defRPr b="1" baseline="0" cap="none" i="0" spc="0" strike="noStrike" sz="3000" u="none" kumimoji="0" normalizeH="0">
+      <a:defRPr kumimoji="0" sz="3000" b="1" i="0" u="none" strike="noStrike" cap="none" spc="0" normalizeH="0" baseline="0">
         <a:ln>
           <a:noFill/>
         </a:ln>
@@ -270,7 +270,7 @@
       <a:buFontTx/>
       <a:buNone/>
       <a:tabLst/>
-      <a:defRPr b="1" baseline="0" cap="none" i="0" spc="0" strike="noStrike" sz="3000" u="none" kumimoji="0" normalizeH="0">
+      <a:defRPr kumimoji="0" sz="3000" b="1" i="0" u="none" strike="noStrike" cap="none" spc="0" normalizeH="0" baseline="0">
         <a:ln>
           <a:noFill/>
         </a:ln>
@@ -300,7 +300,7 @@
       <a:buFontTx/>
       <a:buNone/>
       <a:tabLst/>
-      <a:defRPr b="1" baseline="0" cap="none" i="0" spc="0" strike="noStrike" sz="3000" u="none" kumimoji="0" normalizeH="0">
+      <a:defRPr kumimoji="0" sz="3000" b="1" i="0" u="none" strike="noStrike" cap="none" spc="0" normalizeH="0" baseline="0">
         <a:ln>
           <a:noFill/>
         </a:ln>
@@ -319,13 +319,14 @@
 </p:presentation>
 </file>
 
-<file path=ppt/commentAuthors.xml><?xml version="1.0" encoding="utf-8"?>
-<p:cmAuthorLst xmlns:a="http://schemas.openxmlformats.org/drawingml/2006/main" xmlns:r="http://schemas.openxmlformats.org/officeDocument/2006/relationships" xmlns:p="http://schemas.openxmlformats.org/presentationml/2006/main" xmlns:m="http://schemas.openxmlformats.org/officeDocument/2006/math" xmlns:a14="http://schemas.microsoft.com/office/drawing/2010/main"/>
-</file>
-
 <file path=ppt/notesMasters/notesMaster1.xml><?xml version="1.0" encoding="utf-8"?>
-<p:notesMaster xmlns:a="http://schemas.openxmlformats.org/drawingml/2006/main" xmlns:r="http://schemas.openxmlformats.org/officeDocument/2006/relationships" xmlns:p="http://schemas.openxmlformats.org/presentationml/2006/main" xmlns:m="http://schemas.openxmlformats.org/officeDocument/2006/math" xmlns:a14="http://schemas.microsoft.com/office/drawing/2010/main">
+<p:notesMaster xmlns:a="http://schemas.openxmlformats.org/drawingml/2006/main" xmlns:r="http://schemas.openxmlformats.org/officeDocument/2006/relationships" xmlns:p="http://schemas.openxmlformats.org/presentationml/2006/main">
   <p:cSld>
+    <p:bg>
+      <p:bgRef idx="1001">
+        <a:schemeClr val="bg1"/>
+      </p:bgRef>
+    </p:bg>
     <p:spTree>
       <p:nvGrpSpPr>
         <p:cNvPr id="1" name=""/>
@@ -343,7 +344,9 @@
       <p:sp>
         <p:nvSpPr>
           <p:cNvPr id="116" name="Shape 116"/>
-          <p:cNvSpPr/>
+          <p:cNvSpPr>
+            <a:spLocks noGrp="1" noRot="1" noChangeAspect="1"/>
+          </p:cNvSpPr>
           <p:nvPr>
             <p:ph type="sldImg"/>
           </p:nvPr>
@@ -361,14 +364,16 @@
           <a:bodyPr/>
           <a:lstStyle/>
           <a:p>
-            <a:pPr/>
+            <a:endParaRPr/>
           </a:p>
         </p:txBody>
       </p:sp>
       <p:sp>
         <p:nvSpPr>
           <p:cNvPr id="117" name="Shape 117"/>
-          <p:cNvSpPr/>
+          <p:cNvSpPr>
+            <a:spLocks noGrp="1"/>
+          </p:cNvSpPr>
           <p:nvPr>
             <p:ph type="body" sz="quarter" idx="1"/>
           </p:nvPr>
@@ -386,7 +391,7 @@
           <a:bodyPr/>
           <a:lstStyle/>
           <a:p>
-            <a:pPr/>
+            <a:endParaRPr/>
           </a:p>
         </p:txBody>
       </p:sp>
@@ -498,7 +503,7 @@
 </file>
 
 <file path=ppt/slideLayouts/slideLayout1.xml><?xml version="1.0" encoding="utf-8"?>
-<p:sldLayout xmlns:a="http://schemas.openxmlformats.org/drawingml/2006/main" xmlns:r="http://schemas.openxmlformats.org/officeDocument/2006/relationships" xmlns:p="http://schemas.openxmlformats.org/presentationml/2006/main" xmlns:m="http://schemas.openxmlformats.org/officeDocument/2006/math" xmlns:a14="http://schemas.microsoft.com/office/drawing/2010/main" type="title" showMasterSp="1" showMasterPhAnim="1">
+<p:sldLayout xmlns:a="http://schemas.openxmlformats.org/drawingml/2006/main" xmlns:r="http://schemas.openxmlformats.org/officeDocument/2006/relationships" xmlns:p="http://schemas.openxmlformats.org/presentationml/2006/main" type="title">
   <p:cSld name="Title &amp; Subtitle">
     <p:spTree>
       <p:nvGrpSpPr>
@@ -517,7 +522,9 @@
       <p:sp>
         <p:nvSpPr>
           <p:cNvPr id="11" name="Title Text"/>
-          <p:cNvSpPr txBox="1"/>
+          <p:cNvSpPr txBox="1">
+            <a:spLocks noGrp="1"/>
+          </p:cNvSpPr>
           <p:nvPr>
             <p:ph type="title"/>
           </p:nvPr>
@@ -535,7 +542,6 @@
           <a:bodyPr anchor="b"/>
           <a:lstStyle/>
           <a:p>
-            <a:pPr/>
             <a:r>
               <a:t>Title Text</a:t>
             </a:r>
@@ -545,7 +551,9 @@
       <p:sp>
         <p:nvSpPr>
           <p:cNvPr id="12" name="Body Level One…"/>
-          <p:cNvSpPr txBox="1"/>
+          <p:cNvSpPr txBox="1">
+            <a:spLocks noGrp="1"/>
+          </p:cNvSpPr>
           <p:nvPr>
             <p:ph type="body" sz="quarter" idx="1"/>
           </p:nvPr>
@@ -604,7 +612,6 @@
             </a:lvl5pPr>
           </a:lstStyle>
           <a:p>
-            <a:pPr/>
             <a:r>
               <a:t>Body Level One</a:t>
             </a:r>
@@ -638,7 +645,9 @@
       <p:sp>
         <p:nvSpPr>
           <p:cNvPr id="13" name="Slide Number"/>
-          <p:cNvSpPr txBox="1"/>
+          <p:cNvSpPr txBox="1">
+            <a:spLocks noGrp="1"/>
+          </p:cNvSpPr>
           <p:nvPr>
             <p:ph type="sldNum" sz="quarter" idx="2"/>
           </p:nvPr>
@@ -652,8 +661,10 @@
           <a:bodyPr/>
           <a:lstStyle/>
           <a:p>
-            <a:pPr/>
-            <a:fld id="{86CB4B4D-7CA3-9044-876B-883B54F8677D}" type="slidenum"/>
+            <a:fld id="{86CB4B4D-7CA3-9044-876B-883B54F8677D}" type="slidenum">
+              <a:t>‹#›</a:t>
+            </a:fld>
+            <a:endParaRPr/>
           </a:p>
         </p:txBody>
       </p:sp>
@@ -662,12 +673,12 @@
   <p:clrMapOvr>
     <a:masterClrMapping/>
   </p:clrMapOvr>
-  <p:transition xmlns:p14="http://schemas.microsoft.com/office/powerpoint/2010/main" spd="med" advClick="1"/>
+  <p:transition spd="med"/>
 </p:sldLayout>
 </file>
 
 <file path=ppt/slideLayouts/slideLayout10.xml><?xml version="1.0" encoding="utf-8"?>
-<p:sldLayout xmlns:a="http://schemas.openxmlformats.org/drawingml/2006/main" xmlns:r="http://schemas.openxmlformats.org/officeDocument/2006/relationships" xmlns:p="http://schemas.openxmlformats.org/presentationml/2006/main" xmlns:m="http://schemas.openxmlformats.org/officeDocument/2006/math" xmlns:a14="http://schemas.microsoft.com/office/drawing/2010/main" type="tx" showMasterSp="1" showMasterPhAnim="1">
+<p:sldLayout xmlns:a="http://schemas.openxmlformats.org/drawingml/2006/main" xmlns:r="http://schemas.openxmlformats.org/officeDocument/2006/relationships" xmlns:p="http://schemas.openxmlformats.org/presentationml/2006/main" type="tx">
   <p:cSld name="Quote">
     <p:spTree>
       <p:nvGrpSpPr>
@@ -686,7 +697,9 @@
       <p:sp>
         <p:nvSpPr>
           <p:cNvPr id="93" name="–Johnny Appleseed"/>
-          <p:cNvSpPr txBox="1"/>
+          <p:cNvSpPr txBox="1">
+            <a:spLocks noGrp="1"/>
+          </p:cNvSpPr>
           <p:nvPr>
             <p:ph type="body" sz="quarter" idx="13"/>
           </p:nvPr>
@@ -711,11 +724,10 @@
               </a:spcBef>
               <a:buSzTx/>
               <a:buNone/>
-              <a:defRPr i="1" sz="3200"/>
+              <a:defRPr sz="3200" i="1"/>
             </a:lvl1pPr>
           </a:lstStyle>
           <a:p>
-            <a:pPr/>
             <a:r>
               <a:t>–Johnny Appleseed</a:t>
             </a:r>
@@ -725,7 +737,9 @@
       <p:sp>
         <p:nvSpPr>
           <p:cNvPr id="94" name="“Type a quote here.”"/>
-          <p:cNvSpPr txBox="1"/>
+          <p:cNvSpPr txBox="1">
+            <a:spLocks noGrp="1"/>
+          </p:cNvSpPr>
           <p:nvPr>
             <p:ph type="body" sz="quarter" idx="14"/>
           </p:nvPr>
@@ -759,7 +773,6 @@
             </a:lvl1pPr>
           </a:lstStyle>
           <a:p>
-            <a:pPr/>
             <a:r>
               <a:t>“Type a quote here.” </a:t>
             </a:r>
@@ -769,7 +782,9 @@
       <p:sp>
         <p:nvSpPr>
           <p:cNvPr id="95" name="Slide Number"/>
-          <p:cNvSpPr txBox="1"/>
+          <p:cNvSpPr txBox="1">
+            <a:spLocks noGrp="1"/>
+          </p:cNvSpPr>
           <p:nvPr>
             <p:ph type="sldNum" sz="quarter" idx="2"/>
           </p:nvPr>
@@ -783,8 +798,10 @@
           <a:bodyPr/>
           <a:lstStyle/>
           <a:p>
-            <a:pPr/>
-            <a:fld id="{86CB4B4D-7CA3-9044-876B-883B54F8677D}" type="slidenum"/>
+            <a:fld id="{86CB4B4D-7CA3-9044-876B-883B54F8677D}" type="slidenum">
+              <a:t>‹#›</a:t>
+            </a:fld>
+            <a:endParaRPr/>
           </a:p>
         </p:txBody>
       </p:sp>
@@ -793,12 +810,12 @@
   <p:clrMapOvr>
     <a:masterClrMapping/>
   </p:clrMapOvr>
-  <p:transition xmlns:p14="http://schemas.microsoft.com/office/powerpoint/2010/main" spd="med" advClick="1"/>
+  <p:transition spd="med"/>
 </p:sldLayout>
 </file>
 
 <file path=ppt/slideLayouts/slideLayout11.xml><?xml version="1.0" encoding="utf-8"?>
-<p:sldLayout xmlns:a="http://schemas.openxmlformats.org/drawingml/2006/main" xmlns:r="http://schemas.openxmlformats.org/officeDocument/2006/relationships" xmlns:p="http://schemas.openxmlformats.org/presentationml/2006/main" xmlns:m="http://schemas.openxmlformats.org/officeDocument/2006/math" xmlns:a14="http://schemas.microsoft.com/office/drawing/2010/main" type="tx" showMasterSp="1" showMasterPhAnim="1">
+<p:sldLayout xmlns:a="http://schemas.openxmlformats.org/drawingml/2006/main" xmlns:r="http://schemas.openxmlformats.org/officeDocument/2006/relationships" xmlns:p="http://schemas.openxmlformats.org/presentationml/2006/main" type="tx">
   <p:cSld name="Photo">
     <p:spTree>
       <p:nvGrpSpPr>
@@ -817,7 +834,9 @@
       <p:sp>
         <p:nvSpPr>
           <p:cNvPr id="102" name="Image"/>
-          <p:cNvSpPr/>
+          <p:cNvSpPr>
+            <a:spLocks noGrp="1"/>
+          </p:cNvSpPr>
           <p:nvPr>
             <p:ph type="pic" idx="13"/>
           </p:nvPr>
@@ -837,14 +856,16 @@
           </a:bodyPr>
           <a:lstStyle/>
           <a:p>
-            <a:pPr/>
+            <a:endParaRPr/>
           </a:p>
         </p:txBody>
       </p:sp>
       <p:sp>
         <p:nvSpPr>
           <p:cNvPr id="103" name="Slide Number"/>
-          <p:cNvSpPr txBox="1"/>
+          <p:cNvSpPr txBox="1">
+            <a:spLocks noGrp="1"/>
+          </p:cNvSpPr>
           <p:nvPr>
             <p:ph type="sldNum" sz="quarter" idx="2"/>
           </p:nvPr>
@@ -858,8 +879,10 @@
           <a:bodyPr/>
           <a:lstStyle/>
           <a:p>
-            <a:pPr/>
-            <a:fld id="{86CB4B4D-7CA3-9044-876B-883B54F8677D}" type="slidenum"/>
+            <a:fld id="{86CB4B4D-7CA3-9044-876B-883B54F8677D}" type="slidenum">
+              <a:t>‹#›</a:t>
+            </a:fld>
+            <a:endParaRPr/>
           </a:p>
         </p:txBody>
       </p:sp>
@@ -868,12 +891,12 @@
   <p:clrMapOvr>
     <a:masterClrMapping/>
   </p:clrMapOvr>
-  <p:transition xmlns:p14="http://schemas.microsoft.com/office/powerpoint/2010/main" spd="med" advClick="1"/>
+  <p:transition spd="med"/>
 </p:sldLayout>
 </file>
 
 <file path=ppt/slideLayouts/slideLayout12.xml><?xml version="1.0" encoding="utf-8"?>
-<p:sldLayout xmlns:a="http://schemas.openxmlformats.org/drawingml/2006/main" xmlns:r="http://schemas.openxmlformats.org/officeDocument/2006/relationships" xmlns:p="http://schemas.openxmlformats.org/presentationml/2006/main" xmlns:m="http://schemas.openxmlformats.org/officeDocument/2006/math" xmlns:a14="http://schemas.microsoft.com/office/drawing/2010/main" type="tx" showMasterSp="1" showMasterPhAnim="1">
+<p:sldLayout xmlns:a="http://schemas.openxmlformats.org/drawingml/2006/main" xmlns:r="http://schemas.openxmlformats.org/officeDocument/2006/relationships" xmlns:p="http://schemas.openxmlformats.org/presentationml/2006/main" type="tx">
   <p:cSld name="Blank">
     <p:spTree>
       <p:nvGrpSpPr>
@@ -892,7 +915,9 @@
       <p:sp>
         <p:nvSpPr>
           <p:cNvPr id="110" name="Slide Number"/>
-          <p:cNvSpPr txBox="1"/>
+          <p:cNvSpPr txBox="1">
+            <a:spLocks noGrp="1"/>
+          </p:cNvSpPr>
           <p:nvPr>
             <p:ph type="sldNum" sz="quarter" idx="2"/>
           </p:nvPr>
@@ -906,8 +931,10 @@
           <a:bodyPr/>
           <a:lstStyle/>
           <a:p>
-            <a:pPr/>
-            <a:fld id="{86CB4B4D-7CA3-9044-876B-883B54F8677D}" type="slidenum"/>
+            <a:fld id="{86CB4B4D-7CA3-9044-876B-883B54F8677D}" type="slidenum">
+              <a:t>‹#›</a:t>
+            </a:fld>
+            <a:endParaRPr/>
           </a:p>
         </p:txBody>
       </p:sp>
@@ -916,12 +943,12 @@
   <p:clrMapOvr>
     <a:masterClrMapping/>
   </p:clrMapOvr>
-  <p:transition xmlns:p14="http://schemas.microsoft.com/office/powerpoint/2010/main" spd="med" advClick="1"/>
+  <p:transition spd="med"/>
 </p:sldLayout>
 </file>
 
 <file path=ppt/slideLayouts/slideLayout2.xml><?xml version="1.0" encoding="utf-8"?>
-<p:sldLayout xmlns:a="http://schemas.openxmlformats.org/drawingml/2006/main" xmlns:r="http://schemas.openxmlformats.org/officeDocument/2006/relationships" xmlns:p="http://schemas.openxmlformats.org/presentationml/2006/main" xmlns:m="http://schemas.openxmlformats.org/officeDocument/2006/math" xmlns:a14="http://schemas.microsoft.com/office/drawing/2010/main" type="tx" showMasterSp="1" showMasterPhAnim="1">
+<p:sldLayout xmlns:a="http://schemas.openxmlformats.org/drawingml/2006/main" xmlns:r="http://schemas.openxmlformats.org/officeDocument/2006/relationships" xmlns:p="http://schemas.openxmlformats.org/presentationml/2006/main" type="tx">
   <p:cSld name="Photo - Horizontal">
     <p:spTree>
       <p:nvGrpSpPr>
@@ -940,7 +967,9 @@
       <p:sp>
         <p:nvSpPr>
           <p:cNvPr id="20" name="Image"/>
-          <p:cNvSpPr/>
+          <p:cNvSpPr>
+            <a:spLocks noGrp="1"/>
+          </p:cNvSpPr>
           <p:nvPr>
             <p:ph type="pic" idx="13"/>
           </p:nvPr>
@@ -960,14 +989,16 @@
           </a:bodyPr>
           <a:lstStyle/>
           <a:p>
-            <a:pPr/>
+            <a:endParaRPr/>
           </a:p>
         </p:txBody>
       </p:sp>
       <p:sp>
         <p:nvSpPr>
           <p:cNvPr id="21" name="Title Text"/>
-          <p:cNvSpPr txBox="1"/>
+          <p:cNvSpPr txBox="1">
+            <a:spLocks noGrp="1"/>
+          </p:cNvSpPr>
           <p:nvPr>
             <p:ph type="title"/>
           </p:nvPr>
@@ -985,7 +1016,6 @@
           <a:bodyPr anchor="b"/>
           <a:lstStyle/>
           <a:p>
-            <a:pPr/>
             <a:r>
               <a:t>Title Text</a:t>
             </a:r>
@@ -995,7 +1025,9 @@
       <p:sp>
         <p:nvSpPr>
           <p:cNvPr id="22" name="Body Level One…"/>
-          <p:cNvSpPr txBox="1"/>
+          <p:cNvSpPr txBox="1">
+            <a:spLocks noGrp="1"/>
+          </p:cNvSpPr>
           <p:nvPr>
             <p:ph type="body" sz="quarter" idx="1"/>
           </p:nvPr>
@@ -1054,7 +1086,6 @@
             </a:lvl5pPr>
           </a:lstStyle>
           <a:p>
-            <a:pPr/>
             <a:r>
               <a:t>Body Level One</a:t>
             </a:r>
@@ -1088,7 +1119,9 @@
       <p:sp>
         <p:nvSpPr>
           <p:cNvPr id="23" name="Slide Number"/>
-          <p:cNvSpPr txBox="1"/>
+          <p:cNvSpPr txBox="1">
+            <a:spLocks noGrp="1"/>
+          </p:cNvSpPr>
           <p:nvPr>
             <p:ph type="sldNum" sz="quarter" idx="2"/>
           </p:nvPr>
@@ -1102,8 +1135,10 @@
           <a:bodyPr/>
           <a:lstStyle/>
           <a:p>
-            <a:pPr/>
-            <a:fld id="{86CB4B4D-7CA3-9044-876B-883B54F8677D}" type="slidenum"/>
+            <a:fld id="{86CB4B4D-7CA3-9044-876B-883B54F8677D}" type="slidenum">
+              <a:t>‹#›</a:t>
+            </a:fld>
+            <a:endParaRPr/>
           </a:p>
         </p:txBody>
       </p:sp>
@@ -1112,12 +1147,12 @@
   <p:clrMapOvr>
     <a:masterClrMapping/>
   </p:clrMapOvr>
-  <p:transition xmlns:p14="http://schemas.microsoft.com/office/powerpoint/2010/main" spd="med" advClick="1"/>
+  <p:transition spd="med"/>
 </p:sldLayout>
 </file>
 
 <file path=ppt/slideLayouts/slideLayout3.xml><?xml version="1.0" encoding="utf-8"?>
-<p:sldLayout xmlns:a="http://schemas.openxmlformats.org/drawingml/2006/main" xmlns:r="http://schemas.openxmlformats.org/officeDocument/2006/relationships" xmlns:p="http://schemas.openxmlformats.org/presentationml/2006/main" xmlns:m="http://schemas.openxmlformats.org/officeDocument/2006/math" xmlns:a14="http://schemas.microsoft.com/office/drawing/2010/main" type="tx" showMasterSp="1" showMasterPhAnim="1">
+<p:sldLayout xmlns:a="http://schemas.openxmlformats.org/drawingml/2006/main" xmlns:r="http://schemas.openxmlformats.org/officeDocument/2006/relationships" xmlns:p="http://schemas.openxmlformats.org/presentationml/2006/main" type="tx">
   <p:cSld name="Title - Center">
     <p:spTree>
       <p:nvGrpSpPr>
@@ -1136,7 +1171,9 @@
       <p:sp>
         <p:nvSpPr>
           <p:cNvPr id="30" name="Title Text"/>
-          <p:cNvSpPr txBox="1"/>
+          <p:cNvSpPr txBox="1">
+            <a:spLocks noGrp="1"/>
+          </p:cNvSpPr>
           <p:nvPr>
             <p:ph type="title"/>
           </p:nvPr>
@@ -1154,7 +1191,6 @@
           <a:bodyPr/>
           <a:lstStyle/>
           <a:p>
-            <a:pPr/>
             <a:r>
               <a:t>Title Text</a:t>
             </a:r>
@@ -1164,7 +1200,9 @@
       <p:sp>
         <p:nvSpPr>
           <p:cNvPr id="31" name="Slide Number"/>
-          <p:cNvSpPr txBox="1"/>
+          <p:cNvSpPr txBox="1">
+            <a:spLocks noGrp="1"/>
+          </p:cNvSpPr>
           <p:nvPr>
             <p:ph type="sldNum" sz="quarter" idx="2"/>
           </p:nvPr>
@@ -1178,8 +1216,10 @@
           <a:bodyPr/>
           <a:lstStyle/>
           <a:p>
-            <a:pPr/>
-            <a:fld id="{86CB4B4D-7CA3-9044-876B-883B54F8677D}" type="slidenum"/>
+            <a:fld id="{86CB4B4D-7CA3-9044-876B-883B54F8677D}" type="slidenum">
+              <a:t>‹#›</a:t>
+            </a:fld>
+            <a:endParaRPr/>
           </a:p>
         </p:txBody>
       </p:sp>
@@ -1188,12 +1228,12 @@
   <p:clrMapOvr>
     <a:masterClrMapping/>
   </p:clrMapOvr>
-  <p:transition xmlns:p14="http://schemas.microsoft.com/office/powerpoint/2010/main" spd="med" advClick="1"/>
+  <p:transition spd="med"/>
 </p:sldLayout>
 </file>
 
 <file path=ppt/slideLayouts/slideLayout4.xml><?xml version="1.0" encoding="utf-8"?>
-<p:sldLayout xmlns:a="http://schemas.openxmlformats.org/drawingml/2006/main" xmlns:r="http://schemas.openxmlformats.org/officeDocument/2006/relationships" xmlns:p="http://schemas.openxmlformats.org/presentationml/2006/main" xmlns:m="http://schemas.openxmlformats.org/officeDocument/2006/math" xmlns:a14="http://schemas.microsoft.com/office/drawing/2010/main" type="tx" showMasterSp="1" showMasterPhAnim="1">
+<p:sldLayout xmlns:a="http://schemas.openxmlformats.org/drawingml/2006/main" xmlns:r="http://schemas.openxmlformats.org/officeDocument/2006/relationships" xmlns:p="http://schemas.openxmlformats.org/presentationml/2006/main" type="tx">
   <p:cSld name="Photo - Vertical">
     <p:spTree>
       <p:nvGrpSpPr>
@@ -1212,7 +1252,9 @@
       <p:sp>
         <p:nvSpPr>
           <p:cNvPr id="38" name="Image"/>
-          <p:cNvSpPr/>
+          <p:cNvSpPr>
+            <a:spLocks noGrp="1"/>
+          </p:cNvSpPr>
           <p:nvPr>
             <p:ph type="pic" sz="half" idx="13"/>
           </p:nvPr>
@@ -1232,14 +1274,16 @@
           </a:bodyPr>
           <a:lstStyle/>
           <a:p>
-            <a:pPr/>
+            <a:endParaRPr/>
           </a:p>
         </p:txBody>
       </p:sp>
       <p:sp>
         <p:nvSpPr>
           <p:cNvPr id="39" name="Title Text"/>
-          <p:cNvSpPr txBox="1"/>
+          <p:cNvSpPr txBox="1">
+            <a:spLocks noGrp="1"/>
+          </p:cNvSpPr>
           <p:nvPr>
             <p:ph type="title"/>
           </p:nvPr>
@@ -1261,7 +1305,6 @@
             </a:lvl1pPr>
           </a:lstStyle>
           <a:p>
-            <a:pPr/>
             <a:r>
               <a:t>Title Text</a:t>
             </a:r>
@@ -1271,7 +1314,9 @@
       <p:sp>
         <p:nvSpPr>
           <p:cNvPr id="40" name="Body Level One…"/>
-          <p:cNvSpPr txBox="1"/>
+          <p:cNvSpPr txBox="1">
+            <a:spLocks noGrp="1"/>
+          </p:cNvSpPr>
           <p:nvPr>
             <p:ph type="body" sz="quarter" idx="1"/>
           </p:nvPr>
@@ -1330,7 +1375,6 @@
             </a:lvl5pPr>
           </a:lstStyle>
           <a:p>
-            <a:pPr/>
             <a:r>
               <a:t>Body Level One</a:t>
             </a:r>
@@ -1364,7 +1408,9 @@
       <p:sp>
         <p:nvSpPr>
           <p:cNvPr id="41" name="Slide Number"/>
-          <p:cNvSpPr txBox="1"/>
+          <p:cNvSpPr txBox="1">
+            <a:spLocks noGrp="1"/>
+          </p:cNvSpPr>
           <p:nvPr>
             <p:ph type="sldNum" sz="quarter" idx="2"/>
           </p:nvPr>
@@ -1378,8 +1424,10 @@
           <a:bodyPr/>
           <a:lstStyle/>
           <a:p>
-            <a:pPr/>
-            <a:fld id="{86CB4B4D-7CA3-9044-876B-883B54F8677D}" type="slidenum"/>
+            <a:fld id="{86CB4B4D-7CA3-9044-876B-883B54F8677D}" type="slidenum">
+              <a:t>‹#›</a:t>
+            </a:fld>
+            <a:endParaRPr/>
           </a:p>
         </p:txBody>
       </p:sp>
@@ -1388,12 +1436,12 @@
   <p:clrMapOvr>
     <a:masterClrMapping/>
   </p:clrMapOvr>
-  <p:transition xmlns:p14="http://schemas.microsoft.com/office/powerpoint/2010/main" spd="med" advClick="1"/>
+  <p:transition spd="med"/>
 </p:sldLayout>
 </file>
 
 <file path=ppt/slideLayouts/slideLayout5.xml><?xml version="1.0" encoding="utf-8"?>
-<p:sldLayout xmlns:a="http://schemas.openxmlformats.org/drawingml/2006/main" xmlns:r="http://schemas.openxmlformats.org/officeDocument/2006/relationships" xmlns:p="http://schemas.openxmlformats.org/presentationml/2006/main" xmlns:m="http://schemas.openxmlformats.org/officeDocument/2006/math" xmlns:a14="http://schemas.microsoft.com/office/drawing/2010/main" type="tx" showMasterSp="1" showMasterPhAnim="1">
+<p:sldLayout xmlns:a="http://schemas.openxmlformats.org/drawingml/2006/main" xmlns:r="http://schemas.openxmlformats.org/officeDocument/2006/relationships" xmlns:p="http://schemas.openxmlformats.org/presentationml/2006/main" type="tx">
   <p:cSld name="Title - Top">
     <p:spTree>
       <p:nvGrpSpPr>
@@ -1412,7 +1460,9 @@
       <p:sp>
         <p:nvSpPr>
           <p:cNvPr id="48" name="Title Text"/>
-          <p:cNvSpPr txBox="1"/>
+          <p:cNvSpPr txBox="1">
+            <a:spLocks noGrp="1"/>
+          </p:cNvSpPr>
           <p:nvPr>
             <p:ph type="title"/>
           </p:nvPr>
@@ -1426,7 +1476,6 @@
           <a:bodyPr/>
           <a:lstStyle/>
           <a:p>
-            <a:pPr/>
             <a:r>
               <a:t>Title Text</a:t>
             </a:r>
@@ -1436,7 +1485,9 @@
       <p:sp>
         <p:nvSpPr>
           <p:cNvPr id="49" name="Slide Number"/>
-          <p:cNvSpPr txBox="1"/>
+          <p:cNvSpPr txBox="1">
+            <a:spLocks noGrp="1"/>
+          </p:cNvSpPr>
           <p:nvPr>
             <p:ph type="sldNum" sz="quarter" idx="2"/>
           </p:nvPr>
@@ -1450,8 +1501,10 @@
           <a:bodyPr/>
           <a:lstStyle/>
           <a:p>
-            <a:pPr/>
-            <a:fld id="{86CB4B4D-7CA3-9044-876B-883B54F8677D}" type="slidenum"/>
+            <a:fld id="{86CB4B4D-7CA3-9044-876B-883B54F8677D}" type="slidenum">
+              <a:t>‹#›</a:t>
+            </a:fld>
+            <a:endParaRPr/>
           </a:p>
         </p:txBody>
       </p:sp>
@@ -1460,12 +1513,12 @@
   <p:clrMapOvr>
     <a:masterClrMapping/>
   </p:clrMapOvr>
-  <p:transition xmlns:p14="http://schemas.microsoft.com/office/powerpoint/2010/main" spd="med" advClick="1"/>
+  <p:transition spd="med"/>
 </p:sldLayout>
 </file>
 
 <file path=ppt/slideLayouts/slideLayout6.xml><?xml version="1.0" encoding="utf-8"?>
-<p:sldLayout xmlns:a="http://schemas.openxmlformats.org/drawingml/2006/main" xmlns:r="http://schemas.openxmlformats.org/officeDocument/2006/relationships" xmlns:p="http://schemas.openxmlformats.org/presentationml/2006/main" xmlns:m="http://schemas.openxmlformats.org/officeDocument/2006/math" xmlns:a14="http://schemas.microsoft.com/office/drawing/2010/main" type="tx" showMasterSp="1" showMasterPhAnim="1">
+<p:sldLayout xmlns:a="http://schemas.openxmlformats.org/drawingml/2006/main" xmlns:r="http://schemas.openxmlformats.org/officeDocument/2006/relationships" xmlns:p="http://schemas.openxmlformats.org/presentationml/2006/main" type="tx">
   <p:cSld name="Title &amp; Bullets">
     <p:spTree>
       <p:nvGrpSpPr>
@@ -1484,7 +1537,9 @@
       <p:sp>
         <p:nvSpPr>
           <p:cNvPr id="56" name="Title Text"/>
-          <p:cNvSpPr txBox="1"/>
+          <p:cNvSpPr txBox="1">
+            <a:spLocks noGrp="1"/>
+          </p:cNvSpPr>
           <p:nvPr>
             <p:ph type="title"/>
           </p:nvPr>
@@ -1498,7 +1553,6 @@
           <a:bodyPr/>
           <a:lstStyle/>
           <a:p>
-            <a:pPr/>
             <a:r>
               <a:t>Title Text</a:t>
             </a:r>
@@ -1508,7 +1562,9 @@
       <p:sp>
         <p:nvSpPr>
           <p:cNvPr id="57" name="Body Level One…"/>
-          <p:cNvSpPr txBox="1"/>
+          <p:cNvSpPr txBox="1">
+            <a:spLocks noGrp="1"/>
+          </p:cNvSpPr>
           <p:nvPr>
             <p:ph type="body" idx="1"/>
           </p:nvPr>
@@ -1538,7 +1594,6 @@
             </a:lvl5pPr>
           </a:lstStyle>
           <a:p>
-            <a:pPr/>
             <a:r>
               <a:t>Body Level One</a:t>
             </a:r>
@@ -1572,7 +1627,9 @@
       <p:sp>
         <p:nvSpPr>
           <p:cNvPr id="58" name="Slide Number"/>
-          <p:cNvSpPr txBox="1"/>
+          <p:cNvSpPr txBox="1">
+            <a:spLocks noGrp="1"/>
+          </p:cNvSpPr>
           <p:nvPr>
             <p:ph type="sldNum" sz="quarter" idx="2"/>
           </p:nvPr>
@@ -1586,8 +1643,10 @@
           <a:bodyPr/>
           <a:lstStyle/>
           <a:p>
-            <a:pPr/>
-            <a:fld id="{86CB4B4D-7CA3-9044-876B-883B54F8677D}" type="slidenum"/>
+            <a:fld id="{86CB4B4D-7CA3-9044-876B-883B54F8677D}" type="slidenum">
+              <a:t>‹#›</a:t>
+            </a:fld>
+            <a:endParaRPr/>
           </a:p>
         </p:txBody>
       </p:sp>
@@ -1596,12 +1655,12 @@
   <p:clrMapOvr>
     <a:masterClrMapping/>
   </p:clrMapOvr>
-  <p:transition xmlns:p14="http://schemas.microsoft.com/office/powerpoint/2010/main" spd="med" advClick="1"/>
+  <p:transition spd="med"/>
 </p:sldLayout>
 </file>
 
 <file path=ppt/slideLayouts/slideLayout7.xml><?xml version="1.0" encoding="utf-8"?>
-<p:sldLayout xmlns:a="http://schemas.openxmlformats.org/drawingml/2006/main" xmlns:r="http://schemas.openxmlformats.org/officeDocument/2006/relationships" xmlns:p="http://schemas.openxmlformats.org/presentationml/2006/main" xmlns:m="http://schemas.openxmlformats.org/officeDocument/2006/math" xmlns:a14="http://schemas.microsoft.com/office/drawing/2010/main" type="tx" showMasterSp="1" showMasterPhAnim="1">
+<p:sldLayout xmlns:a="http://schemas.openxmlformats.org/drawingml/2006/main" xmlns:r="http://schemas.openxmlformats.org/officeDocument/2006/relationships" xmlns:p="http://schemas.openxmlformats.org/presentationml/2006/main" type="tx">
   <p:cSld name="Title, Bullets &amp; Photo">
     <p:spTree>
       <p:nvGrpSpPr>
@@ -1620,7 +1679,9 @@
       <p:sp>
         <p:nvSpPr>
           <p:cNvPr id="65" name="Image"/>
-          <p:cNvSpPr/>
+          <p:cNvSpPr>
+            <a:spLocks noGrp="1"/>
+          </p:cNvSpPr>
           <p:nvPr>
             <p:ph type="pic" sz="half" idx="13"/>
           </p:nvPr>
@@ -1640,14 +1701,16 @@
           </a:bodyPr>
           <a:lstStyle/>
           <a:p>
-            <a:pPr/>
+            <a:endParaRPr/>
           </a:p>
         </p:txBody>
       </p:sp>
       <p:sp>
         <p:nvSpPr>
           <p:cNvPr id="66" name="Title Text"/>
-          <p:cNvSpPr txBox="1"/>
+          <p:cNvSpPr txBox="1">
+            <a:spLocks noGrp="1"/>
+          </p:cNvSpPr>
           <p:nvPr>
             <p:ph type="title"/>
           </p:nvPr>
@@ -1661,7 +1724,6 @@
           <a:bodyPr/>
           <a:lstStyle/>
           <a:p>
-            <a:pPr/>
             <a:r>
               <a:t>Title Text</a:t>
             </a:r>
@@ -1671,7 +1733,9 @@
       <p:sp>
         <p:nvSpPr>
           <p:cNvPr id="67" name="Body Level One…"/>
-          <p:cNvSpPr txBox="1"/>
+          <p:cNvSpPr txBox="1">
+            <a:spLocks noGrp="1"/>
+          </p:cNvSpPr>
           <p:nvPr>
             <p:ph type="body" sz="half" idx="1"/>
           </p:nvPr>
@@ -1720,7 +1784,6 @@
             </a:lvl5pPr>
           </a:lstStyle>
           <a:p>
-            <a:pPr/>
             <a:r>
               <a:t>Body Level One</a:t>
             </a:r>
@@ -1754,7 +1817,9 @@
       <p:sp>
         <p:nvSpPr>
           <p:cNvPr id="68" name="Slide Number"/>
-          <p:cNvSpPr txBox="1"/>
+          <p:cNvSpPr txBox="1">
+            <a:spLocks noGrp="1"/>
+          </p:cNvSpPr>
           <p:nvPr>
             <p:ph type="sldNum" sz="quarter" idx="2"/>
           </p:nvPr>
@@ -1768,8 +1833,10 @@
           <a:bodyPr/>
           <a:lstStyle/>
           <a:p>
-            <a:pPr/>
-            <a:fld id="{86CB4B4D-7CA3-9044-876B-883B54F8677D}" type="slidenum"/>
+            <a:fld id="{86CB4B4D-7CA3-9044-876B-883B54F8677D}" type="slidenum">
+              <a:t>‹#›</a:t>
+            </a:fld>
+            <a:endParaRPr/>
           </a:p>
         </p:txBody>
       </p:sp>
@@ -1778,12 +1845,12 @@
   <p:clrMapOvr>
     <a:masterClrMapping/>
   </p:clrMapOvr>
-  <p:transition xmlns:p14="http://schemas.microsoft.com/office/powerpoint/2010/main" spd="med" advClick="1"/>
+  <p:transition spd="med"/>
 </p:sldLayout>
 </file>
 
 <file path=ppt/slideLayouts/slideLayout8.xml><?xml version="1.0" encoding="utf-8"?>
-<p:sldLayout xmlns:a="http://schemas.openxmlformats.org/drawingml/2006/main" xmlns:r="http://schemas.openxmlformats.org/officeDocument/2006/relationships" xmlns:p="http://schemas.openxmlformats.org/presentationml/2006/main" xmlns:m="http://schemas.openxmlformats.org/officeDocument/2006/math" xmlns:a14="http://schemas.microsoft.com/office/drawing/2010/main" type="tx" showMasterSp="1" showMasterPhAnim="1">
+<p:sldLayout xmlns:a="http://schemas.openxmlformats.org/drawingml/2006/main" xmlns:r="http://schemas.openxmlformats.org/officeDocument/2006/relationships" xmlns:p="http://schemas.openxmlformats.org/presentationml/2006/main" type="tx">
   <p:cSld name="Bullets">
     <p:spTree>
       <p:nvGrpSpPr>
@@ -1802,7 +1869,9 @@
       <p:sp>
         <p:nvSpPr>
           <p:cNvPr id="75" name="Body Level One…"/>
-          <p:cNvSpPr txBox="1"/>
+          <p:cNvSpPr txBox="1">
+            <a:spLocks noGrp="1"/>
+          </p:cNvSpPr>
           <p:nvPr>
             <p:ph type="body" idx="1"/>
           </p:nvPr>
@@ -1836,7 +1905,6 @@
             </a:lvl5pPr>
           </a:lstStyle>
           <a:p>
-            <a:pPr/>
             <a:r>
               <a:t>Body Level One</a:t>
             </a:r>
@@ -1870,7 +1938,9 @@
       <p:sp>
         <p:nvSpPr>
           <p:cNvPr id="76" name="Slide Number"/>
-          <p:cNvSpPr txBox="1"/>
+          <p:cNvSpPr txBox="1">
+            <a:spLocks noGrp="1"/>
+          </p:cNvSpPr>
           <p:nvPr>
             <p:ph type="sldNum" sz="quarter" idx="2"/>
           </p:nvPr>
@@ -1884,8 +1954,10 @@
           <a:bodyPr/>
           <a:lstStyle/>
           <a:p>
-            <a:pPr/>
-            <a:fld id="{86CB4B4D-7CA3-9044-876B-883B54F8677D}" type="slidenum"/>
+            <a:fld id="{86CB4B4D-7CA3-9044-876B-883B54F8677D}" type="slidenum">
+              <a:t>‹#›</a:t>
+            </a:fld>
+            <a:endParaRPr/>
           </a:p>
         </p:txBody>
       </p:sp>
@@ -1894,12 +1966,12 @@
   <p:clrMapOvr>
     <a:masterClrMapping/>
   </p:clrMapOvr>
-  <p:transition xmlns:p14="http://schemas.microsoft.com/office/powerpoint/2010/main" spd="med" advClick="1"/>
+  <p:transition spd="med"/>
 </p:sldLayout>
 </file>
 
 <file path=ppt/slideLayouts/slideLayout9.xml><?xml version="1.0" encoding="utf-8"?>
-<p:sldLayout xmlns:a="http://schemas.openxmlformats.org/drawingml/2006/main" xmlns:r="http://schemas.openxmlformats.org/officeDocument/2006/relationships" xmlns:p="http://schemas.openxmlformats.org/presentationml/2006/main" xmlns:m="http://schemas.openxmlformats.org/officeDocument/2006/math" xmlns:a14="http://schemas.microsoft.com/office/drawing/2010/main" type="tx" showMasterSp="1" showMasterPhAnim="1">
+<p:sldLayout xmlns:a="http://schemas.openxmlformats.org/drawingml/2006/main" xmlns:r="http://schemas.openxmlformats.org/officeDocument/2006/relationships" xmlns:p="http://schemas.openxmlformats.org/presentationml/2006/main" type="tx">
   <p:cSld name="Photo - 3 Up">
     <p:spTree>
       <p:nvGrpSpPr>
@@ -1918,7 +1990,9 @@
       <p:sp>
         <p:nvSpPr>
           <p:cNvPr id="83" name="Image"/>
-          <p:cNvSpPr/>
+          <p:cNvSpPr>
+            <a:spLocks noGrp="1"/>
+          </p:cNvSpPr>
           <p:nvPr>
             <p:ph type="pic" sz="quarter" idx="13"/>
           </p:nvPr>
@@ -1938,14 +2012,16 @@
           </a:bodyPr>
           <a:lstStyle/>
           <a:p>
-            <a:pPr/>
+            <a:endParaRPr/>
           </a:p>
         </p:txBody>
       </p:sp>
       <p:sp>
         <p:nvSpPr>
           <p:cNvPr id="84" name="Image"/>
-          <p:cNvSpPr/>
+          <p:cNvSpPr>
+            <a:spLocks noGrp="1"/>
+          </p:cNvSpPr>
           <p:nvPr>
             <p:ph type="pic" sz="quarter" idx="14"/>
           </p:nvPr>
@@ -1965,14 +2041,16 @@
           </a:bodyPr>
           <a:lstStyle/>
           <a:p>
-            <a:pPr/>
+            <a:endParaRPr/>
           </a:p>
         </p:txBody>
       </p:sp>
       <p:sp>
         <p:nvSpPr>
           <p:cNvPr id="85" name="Image"/>
-          <p:cNvSpPr/>
+          <p:cNvSpPr>
+            <a:spLocks noGrp="1"/>
+          </p:cNvSpPr>
           <p:nvPr>
             <p:ph type="pic" idx="15"/>
           </p:nvPr>
@@ -1992,14 +2070,16 @@
           </a:bodyPr>
           <a:lstStyle/>
           <a:p>
-            <a:pPr/>
+            <a:endParaRPr/>
           </a:p>
         </p:txBody>
       </p:sp>
       <p:sp>
         <p:nvSpPr>
           <p:cNvPr id="86" name="Slide Number"/>
-          <p:cNvSpPr txBox="1"/>
+          <p:cNvSpPr txBox="1">
+            <a:spLocks noGrp="1"/>
+          </p:cNvSpPr>
           <p:nvPr>
             <p:ph type="sldNum" sz="quarter" idx="2"/>
           </p:nvPr>
@@ -2013,8 +2093,10 @@
           <a:bodyPr/>
           <a:lstStyle/>
           <a:p>
-            <a:pPr/>
-            <a:fld id="{86CB4B4D-7CA3-9044-876B-883B54F8677D}" type="slidenum"/>
+            <a:fld id="{86CB4B4D-7CA3-9044-876B-883B54F8677D}" type="slidenum">
+              <a:t>‹#›</a:t>
+            </a:fld>
+            <a:endParaRPr/>
           </a:p>
         </p:txBody>
       </p:sp>
@@ -2023,18 +2105,19 @@
   <p:clrMapOvr>
     <a:masterClrMapping/>
   </p:clrMapOvr>
-  <p:transition xmlns:p14="http://schemas.microsoft.com/office/powerpoint/2010/main" spd="med" advClick="1"/>
+  <p:transition spd="med"/>
 </p:sldLayout>
 </file>
 
 <file path=ppt/slideMasters/slideMaster1.xml><?xml version="1.0" encoding="utf-8"?>
-<p:sldMaster xmlns:a="http://schemas.openxmlformats.org/drawingml/2006/main" xmlns:r="http://schemas.openxmlformats.org/officeDocument/2006/relationships" xmlns:p="http://schemas.openxmlformats.org/presentationml/2006/main" xmlns:m="http://schemas.openxmlformats.org/officeDocument/2006/math" xmlns:a14="http://schemas.microsoft.com/office/drawing/2010/main">
+<p:sldMaster xmlns:a="http://schemas.openxmlformats.org/drawingml/2006/main" xmlns:r="http://schemas.openxmlformats.org/officeDocument/2006/relationships" xmlns:p="http://schemas.openxmlformats.org/presentationml/2006/main">
   <p:cSld>
     <p:bg>
       <p:bgPr>
         <a:solidFill>
           <a:srgbClr val="FFFFFF"/>
         </a:solidFill>
+        <a:effectLst/>
       </p:bgPr>
     </p:bg>
     <p:spTree>
@@ -2054,7 +2137,9 @@
       <p:sp>
         <p:nvSpPr>
           <p:cNvPr id="2" name="Title Text"/>
-          <p:cNvSpPr txBox="1"/>
+          <p:cNvSpPr txBox="1">
+            <a:spLocks noGrp="1"/>
+          </p:cNvSpPr>
           <p:nvPr>
             <p:ph type="title"/>
           </p:nvPr>
@@ -2072,17 +2157,16 @@
           </a:ln>
           <a:extLst>
             <a:ext uri="{C572A759-6A51-4108-AA02-DFA0A04FC94B}">
-              <ma14:wrappingTextBoxFlag xmlns:ma14="http://schemas.microsoft.com/office/mac/drawingml/2011/main" val="1"/>
+              <ma14:wrappingTextBoxFlag xmlns:ma14="http://schemas.microsoft.com/office/mac/drawingml/2011/main" xmlns:a14="http://schemas.microsoft.com/office/drawing/2010/main" xmlns:m="http://schemas.openxmlformats.org/officeDocument/2006/math" xmlns="" val="1"/>
             </a:ext>
           </a:extLst>
         </p:spPr>
         <p:txBody>
           <a:bodyPr lIns="50800" tIns="50800" rIns="50800" bIns="50800" anchor="ctr">
-            <a:normAutofit fontScale="100000" lnSpcReduction="0"/>
+            <a:normAutofit/>
           </a:bodyPr>
           <a:lstStyle/>
           <a:p>
-            <a:pPr/>
             <a:r>
               <a:t>Title Text</a:t>
             </a:r>
@@ -2092,7 +2176,9 @@
       <p:sp>
         <p:nvSpPr>
           <p:cNvPr id="3" name="Body Level One…"/>
-          <p:cNvSpPr txBox="1"/>
+          <p:cNvSpPr txBox="1">
+            <a:spLocks noGrp="1"/>
+          </p:cNvSpPr>
           <p:nvPr>
             <p:ph type="body" idx="1"/>
           </p:nvPr>
@@ -2110,17 +2196,16 @@
           </a:ln>
           <a:extLst>
             <a:ext uri="{C572A759-6A51-4108-AA02-DFA0A04FC94B}">
-              <ma14:wrappingTextBoxFlag xmlns:ma14="http://schemas.microsoft.com/office/mac/drawingml/2011/main" val="1"/>
+              <ma14:wrappingTextBoxFlag xmlns:ma14="http://schemas.microsoft.com/office/mac/drawingml/2011/main" xmlns:a14="http://schemas.microsoft.com/office/drawing/2010/main" xmlns:m="http://schemas.openxmlformats.org/officeDocument/2006/math" xmlns="" val="1"/>
             </a:ext>
           </a:extLst>
         </p:spPr>
         <p:txBody>
           <a:bodyPr lIns="50800" tIns="50800" rIns="50800" bIns="50800" anchor="ctr">
-            <a:normAutofit fontScale="100000" lnSpcReduction="0"/>
+            <a:normAutofit/>
           </a:bodyPr>
           <a:lstStyle/>
           <a:p>
-            <a:pPr/>
             <a:r>
               <a:t>Body Level One</a:t>
             </a:r>
@@ -2154,7 +2239,9 @@
       <p:sp>
         <p:nvSpPr>
           <p:cNvPr id="4" name="Slide Number"/>
-          <p:cNvSpPr txBox="1"/>
+          <p:cNvSpPr txBox="1">
+            <a:spLocks noGrp="1"/>
+          </p:cNvSpPr>
           <p:nvPr>
             <p:ph type="sldNum" sz="quarter" idx="2"/>
           </p:nvPr>
@@ -2177,7 +2264,7 @@
           </a:bodyPr>
           <a:lstStyle>
             <a:lvl1pPr>
-              <a:defRPr b="0" sz="2400">
+              <a:defRPr sz="2400" b="0">
                 <a:latin typeface="Helvetica Neue Light"/>
                 <a:ea typeface="Helvetica Neue Light"/>
                 <a:cs typeface="Helvetica Neue Light"/>
@@ -2186,8 +2273,10 @@
             </a:lvl1pPr>
           </a:lstStyle>
           <a:p>
-            <a:pPr/>
-            <a:fld id="{86CB4B4D-7CA3-9044-876B-883B54F8677D}" type="slidenum"/>
+            <a:fld id="{86CB4B4D-7CA3-9044-876B-883B54F8677D}" type="slidenum">
+              <a:t>‹#›</a:t>
+            </a:fld>
+            <a:endParaRPr/>
           </a:p>
         </p:txBody>
       </p:sp>
@@ -2195,20 +2284,20 @@
   </p:cSld>
   <p:clrMap bg1="lt1" tx1="dk1" bg2="lt2" tx2="dk2" accent1="accent1" accent2="accent2" accent3="accent3" accent4="accent4" accent5="accent5" accent6="accent6" hlink="hlink" folHlink="folHlink"/>
   <p:sldLayoutIdLst>
-    <p:sldLayoutId id="2147483649" r:id="rId2"/>
-    <p:sldLayoutId id="2147483650" r:id="rId3"/>
-    <p:sldLayoutId id="2147483651" r:id="rId4"/>
-    <p:sldLayoutId id="2147483652" r:id="rId5"/>
-    <p:sldLayoutId id="2147483653" r:id="rId6"/>
-    <p:sldLayoutId id="2147483654" r:id="rId7"/>
-    <p:sldLayoutId id="2147483655" r:id="rId8"/>
-    <p:sldLayoutId id="2147483656" r:id="rId9"/>
-    <p:sldLayoutId id="2147483657" r:id="rId10"/>
-    <p:sldLayoutId id="2147483658" r:id="rId11"/>
-    <p:sldLayoutId id="2147483659" r:id="rId12"/>
-    <p:sldLayoutId id="2147483660" r:id="rId13"/>
+    <p:sldLayoutId id="2147483649" r:id="rId1"/>
+    <p:sldLayoutId id="2147483650" r:id="rId2"/>
+    <p:sldLayoutId id="2147483651" r:id="rId3"/>
+    <p:sldLayoutId id="2147483652" r:id="rId4"/>
+    <p:sldLayoutId id="2147483653" r:id="rId5"/>
+    <p:sldLayoutId id="2147483654" r:id="rId6"/>
+    <p:sldLayoutId id="2147483655" r:id="rId7"/>
+    <p:sldLayoutId id="2147483656" r:id="rId8"/>
+    <p:sldLayoutId id="2147483657" r:id="rId9"/>
+    <p:sldLayoutId id="2147483658" r:id="rId10"/>
+    <p:sldLayoutId id="2147483659" r:id="rId11"/>
+    <p:sldLayoutId id="2147483660" r:id="rId12"/>
   </p:sldLayoutIdLst>
-  <p:transition xmlns:p14="http://schemas.microsoft.com/office/powerpoint/2010/main" spd="med" advClick="1"/>
+  <p:transition spd="med"/>
   <p:txStyles>
     <p:titleStyle>
       <a:lvl1pPr marL="0" marR="0" indent="0" algn="ctr" defTabSz="825500" rtl="0" latinLnBrk="0">
@@ -2226,7 +2315,7 @@
         <a:buFontTx/>
         <a:buNone/>
         <a:tabLst/>
-        <a:defRPr b="0" baseline="0" cap="none" i="0" spc="0" strike="noStrike" sz="11200" u="none">
+        <a:defRPr sz="11200" b="0" i="0" u="none" strike="noStrike" cap="none" spc="0" baseline="0">
           <a:ln>
             <a:noFill/>
           </a:ln>
@@ -2255,7 +2344,7 @@
         <a:buFontTx/>
         <a:buNone/>
         <a:tabLst/>
-        <a:defRPr b="0" baseline="0" cap="none" i="0" spc="0" strike="noStrike" sz="11200" u="none">
+        <a:defRPr sz="11200" b="0" i="0" u="none" strike="noStrike" cap="none" spc="0" baseline="0">
           <a:ln>
             <a:noFill/>
           </a:ln>
@@ -2284,7 +2373,7 @@
         <a:buFontTx/>
         <a:buNone/>
         <a:tabLst/>
-        <a:defRPr b="0" baseline="0" cap="none" i="0" spc="0" strike="noStrike" sz="11200" u="none">
+        <a:defRPr sz="11200" b="0" i="0" u="none" strike="noStrike" cap="none" spc="0" baseline="0">
           <a:ln>
             <a:noFill/>
           </a:ln>
@@ -2313,7 +2402,7 @@
         <a:buFontTx/>
         <a:buNone/>
         <a:tabLst/>
-        <a:defRPr b="0" baseline="0" cap="none" i="0" spc="0" strike="noStrike" sz="11200" u="none">
+        <a:defRPr sz="11200" b="0" i="0" u="none" strike="noStrike" cap="none" spc="0" baseline="0">
           <a:ln>
             <a:noFill/>
           </a:ln>
@@ -2342,7 +2431,7 @@
         <a:buFontTx/>
         <a:buNone/>
         <a:tabLst/>
-        <a:defRPr b="0" baseline="0" cap="none" i="0" spc="0" strike="noStrike" sz="11200" u="none">
+        <a:defRPr sz="11200" b="0" i="0" u="none" strike="noStrike" cap="none" spc="0" baseline="0">
           <a:ln>
             <a:noFill/>
           </a:ln>
@@ -2371,7 +2460,7 @@
         <a:buFontTx/>
         <a:buNone/>
         <a:tabLst/>
-        <a:defRPr b="0" baseline="0" cap="none" i="0" spc="0" strike="noStrike" sz="11200" u="none">
+        <a:defRPr sz="11200" b="0" i="0" u="none" strike="noStrike" cap="none" spc="0" baseline="0">
           <a:ln>
             <a:noFill/>
           </a:ln>
@@ -2400,7 +2489,7 @@
         <a:buFontTx/>
         <a:buNone/>
         <a:tabLst/>
-        <a:defRPr b="0" baseline="0" cap="none" i="0" spc="0" strike="noStrike" sz="11200" u="none">
+        <a:defRPr sz="11200" b="0" i="0" u="none" strike="noStrike" cap="none" spc="0" baseline="0">
           <a:ln>
             <a:noFill/>
           </a:ln>
@@ -2429,7 +2518,7 @@
         <a:buFontTx/>
         <a:buNone/>
         <a:tabLst/>
-        <a:defRPr b="0" baseline="0" cap="none" i="0" spc="0" strike="noStrike" sz="11200" u="none">
+        <a:defRPr sz="11200" b="0" i="0" u="none" strike="noStrike" cap="none" spc="0" baseline="0">
           <a:ln>
             <a:noFill/>
           </a:ln>
@@ -2458,7 +2547,7 @@
         <a:buFontTx/>
         <a:buNone/>
         <a:tabLst/>
-        <a:defRPr b="0" baseline="0" cap="none" i="0" spc="0" strike="noStrike" sz="11200" u="none">
+        <a:defRPr sz="11200" b="0" i="0" u="none" strike="noStrike" cap="none" spc="0" baseline="0">
           <a:ln>
             <a:noFill/>
           </a:ln>
@@ -2489,7 +2578,7 @@
         <a:buFontTx/>
         <a:buChar char="•"/>
         <a:tabLst/>
-        <a:defRPr b="0" baseline="0" cap="none" i="0" spc="0" strike="noStrike" sz="5200" u="none">
+        <a:defRPr sz="5200" b="0" i="0" u="none" strike="noStrike" cap="none" spc="0" baseline="0">
           <a:ln>
             <a:noFill/>
           </a:ln>
@@ -2518,7 +2607,7 @@
         <a:buFontTx/>
         <a:buChar char="•"/>
         <a:tabLst/>
-        <a:defRPr b="0" baseline="0" cap="none" i="0" spc="0" strike="noStrike" sz="5200" u="none">
+        <a:defRPr sz="5200" b="0" i="0" u="none" strike="noStrike" cap="none" spc="0" baseline="0">
           <a:ln>
             <a:noFill/>
           </a:ln>
@@ -2547,7 +2636,7 @@
         <a:buFontTx/>
         <a:buChar char="•"/>
         <a:tabLst/>
-        <a:defRPr b="0" baseline="0" cap="none" i="0" spc="0" strike="noStrike" sz="5200" u="none">
+        <a:defRPr sz="5200" b="0" i="0" u="none" strike="noStrike" cap="none" spc="0" baseline="0">
           <a:ln>
             <a:noFill/>
           </a:ln>
@@ -2576,7 +2665,7 @@
         <a:buFontTx/>
         <a:buChar char="•"/>
         <a:tabLst/>
-        <a:defRPr b="0" baseline="0" cap="none" i="0" spc="0" strike="noStrike" sz="5200" u="none">
+        <a:defRPr sz="5200" b="0" i="0" u="none" strike="noStrike" cap="none" spc="0" baseline="0">
           <a:ln>
             <a:noFill/>
           </a:ln>
@@ -2605,7 +2694,7 @@
         <a:buFontTx/>
         <a:buChar char="•"/>
         <a:tabLst/>
-        <a:defRPr b="0" baseline="0" cap="none" i="0" spc="0" strike="noStrike" sz="5200" u="none">
+        <a:defRPr sz="5200" b="0" i="0" u="none" strike="noStrike" cap="none" spc="0" baseline="0">
           <a:ln>
             <a:noFill/>
           </a:ln>
@@ -2634,7 +2723,7 @@
         <a:buFontTx/>
         <a:buChar char="•"/>
         <a:tabLst/>
-        <a:defRPr b="0" baseline="0" cap="none" i="0" spc="0" strike="noStrike" sz="5200" u="none">
+        <a:defRPr sz="5200" b="0" i="0" u="none" strike="noStrike" cap="none" spc="0" baseline="0">
           <a:ln>
             <a:noFill/>
           </a:ln>
@@ -2663,7 +2752,7 @@
         <a:buFontTx/>
         <a:buChar char="•"/>
         <a:tabLst/>
-        <a:defRPr b="0" baseline="0" cap="none" i="0" spc="0" strike="noStrike" sz="5200" u="none">
+        <a:defRPr sz="5200" b="0" i="0" u="none" strike="noStrike" cap="none" spc="0" baseline="0">
           <a:ln>
             <a:noFill/>
           </a:ln>
@@ -2692,7 +2781,7 @@
         <a:buFontTx/>
         <a:buChar char="•"/>
         <a:tabLst/>
-        <a:defRPr b="0" baseline="0" cap="none" i="0" spc="0" strike="noStrike" sz="5200" u="none">
+        <a:defRPr sz="5200" b="0" i="0" u="none" strike="noStrike" cap="none" spc="0" baseline="0">
           <a:ln>
             <a:noFill/>
           </a:ln>
@@ -2721,7 +2810,7 @@
         <a:buFontTx/>
         <a:buChar char="•"/>
         <a:tabLst/>
-        <a:defRPr b="0" baseline="0" cap="none" i="0" spc="0" strike="noStrike" sz="5200" u="none">
+        <a:defRPr sz="5200" b="0" i="0" u="none" strike="noStrike" cap="none" spc="0" baseline="0">
           <a:ln>
             <a:noFill/>
           </a:ln>
@@ -2752,7 +2841,7 @@
         <a:buFontTx/>
         <a:buNone/>
         <a:tabLst/>
-        <a:defRPr b="0" baseline="0" cap="none" i="0" spc="0" strike="noStrike" sz="2400" u="none">
+        <a:defRPr sz="2400" b="0" i="0" u="none" strike="noStrike" cap="none" spc="0" baseline="0">
           <a:ln>
             <a:noFill/>
           </a:ln>
@@ -2781,7 +2870,7 @@
         <a:buFontTx/>
         <a:buNone/>
         <a:tabLst/>
-        <a:defRPr b="0" baseline="0" cap="none" i="0" spc="0" strike="noStrike" sz="2400" u="none">
+        <a:defRPr sz="2400" b="0" i="0" u="none" strike="noStrike" cap="none" spc="0" baseline="0">
           <a:ln>
             <a:noFill/>
           </a:ln>
@@ -2810,7 +2899,7 @@
         <a:buFontTx/>
         <a:buNone/>
         <a:tabLst/>
-        <a:defRPr b="0" baseline="0" cap="none" i="0" spc="0" strike="noStrike" sz="2400" u="none">
+        <a:defRPr sz="2400" b="0" i="0" u="none" strike="noStrike" cap="none" spc="0" baseline="0">
           <a:ln>
             <a:noFill/>
           </a:ln>
@@ -2839,7 +2928,7 @@
         <a:buFontTx/>
         <a:buNone/>
         <a:tabLst/>
-        <a:defRPr b="0" baseline="0" cap="none" i="0" spc="0" strike="noStrike" sz="2400" u="none">
+        <a:defRPr sz="2400" b="0" i="0" u="none" strike="noStrike" cap="none" spc="0" baseline="0">
           <a:ln>
             <a:noFill/>
           </a:ln>
@@ -2868,7 +2957,7 @@
         <a:buFontTx/>
         <a:buNone/>
         <a:tabLst/>
-        <a:defRPr b="0" baseline="0" cap="none" i="0" spc="0" strike="noStrike" sz="2400" u="none">
+        <a:defRPr sz="2400" b="0" i="0" u="none" strike="noStrike" cap="none" spc="0" baseline="0">
           <a:ln>
             <a:noFill/>
           </a:ln>
@@ -2897,7 +2986,7 @@
         <a:buFontTx/>
         <a:buNone/>
         <a:tabLst/>
-        <a:defRPr b="0" baseline="0" cap="none" i="0" spc="0" strike="noStrike" sz="2400" u="none">
+        <a:defRPr sz="2400" b="0" i="0" u="none" strike="noStrike" cap="none" spc="0" baseline="0">
           <a:ln>
             <a:noFill/>
           </a:ln>
@@ -2926,7 +3015,7 @@
         <a:buFontTx/>
         <a:buNone/>
         <a:tabLst/>
-        <a:defRPr b="0" baseline="0" cap="none" i="0" spc="0" strike="noStrike" sz="2400" u="none">
+        <a:defRPr sz="2400" b="0" i="0" u="none" strike="noStrike" cap="none" spc="0" baseline="0">
           <a:ln>
             <a:noFill/>
           </a:ln>
@@ -2955,7 +3044,7 @@
         <a:buFontTx/>
         <a:buNone/>
         <a:tabLst/>
-        <a:defRPr b="0" baseline="0" cap="none" i="0" spc="0" strike="noStrike" sz="2400" u="none">
+        <a:defRPr sz="2400" b="0" i="0" u="none" strike="noStrike" cap="none" spc="0" baseline="0">
           <a:ln>
             <a:noFill/>
           </a:ln>
@@ -2984,7 +3073,7 @@
         <a:buFontTx/>
         <a:buNone/>
         <a:tabLst/>
-        <a:defRPr b="0" baseline="0" cap="none" i="0" spc="0" strike="noStrike" sz="2400" u="none">
+        <a:defRPr sz="2400" b="0" i="0" u="none" strike="noStrike" cap="none" spc="0" baseline="0">
           <a:ln>
             <a:noFill/>
           </a:ln>
@@ -3004,13 +3093,14 @@
 </file>
 
 <file path=ppt/slides/slide1.xml><?xml version="1.0" encoding="utf-8"?>
-<p:sld xmlns:a="http://schemas.openxmlformats.org/drawingml/2006/main" xmlns:r="http://schemas.openxmlformats.org/officeDocument/2006/relationships" xmlns:p="http://schemas.openxmlformats.org/presentationml/2006/main" xmlns:m="http://schemas.openxmlformats.org/officeDocument/2006/math" xmlns:a14="http://schemas.microsoft.com/office/drawing/2010/main" showMasterSp="1" showMasterPhAnim="1">
+<p:sld xmlns:a="http://schemas.openxmlformats.org/drawingml/2006/main" xmlns:r="http://schemas.openxmlformats.org/officeDocument/2006/relationships" xmlns:p="http://schemas.openxmlformats.org/presentationml/2006/main">
   <p:cSld>
     <p:bg>
       <p:bgPr>
         <a:solidFill>
           <a:srgbClr val="000000"/>
         </a:solidFill>
+        <a:effectLst/>
       </p:bgPr>
     </p:bg>
     <p:spTree>
@@ -3046,7 +3136,7 @@
           </a:ln>
           <a:extLst>
             <a:ext uri="{C572A759-6A51-4108-AA02-DFA0A04FC94B}">
-              <ma14:wrappingTextBoxFlag xmlns:ma14="http://schemas.microsoft.com/office/mac/drawingml/2011/main" val="1"/>
+              <ma14:wrappingTextBoxFlag xmlns:ma14="http://schemas.microsoft.com/office/mac/drawingml/2011/main" xmlns:a14="http://schemas.microsoft.com/office/drawing/2010/main" xmlns:m="http://schemas.openxmlformats.org/officeDocument/2006/math" xmlns="" val="1"/>
             </a:ext>
           </a:extLst>
         </p:spPr>
@@ -3057,7 +3147,7 @@
           <a:lstStyle/>
           <a:p>
             <a:pPr algn="l">
-              <a:defRPr b="0" sz="3500">
+              <a:defRPr sz="3500" b="0">
                 <a:solidFill>
                   <a:srgbClr val="0096FF"/>
                 </a:solidFill>
@@ -3134,7 +3224,7 @@
           </a:ln>
           <a:extLst>
             <a:ext uri="{C572A759-6A51-4108-AA02-DFA0A04FC94B}">
-              <ma14:wrappingTextBoxFlag xmlns:ma14="http://schemas.microsoft.com/office/mac/drawingml/2011/main" val="1"/>
+              <ma14:wrappingTextBoxFlag xmlns:ma14="http://schemas.microsoft.com/office/mac/drawingml/2011/main" xmlns:a14="http://schemas.microsoft.com/office/drawing/2010/main" xmlns:m="http://schemas.openxmlformats.org/officeDocument/2006/math" xmlns="" val="1"/>
             </a:ext>
           </a:extLst>
         </p:spPr>
@@ -3144,7 +3234,7 @@
           </a:bodyPr>
           <a:lstStyle>
             <a:lvl1pPr>
-              <a:defRPr b="0" sz="3500">
+              <a:defRPr sz="3500" b="0">
                 <a:solidFill>
                   <a:srgbClr val="FFFFFF"/>
                 </a:solidFill>
@@ -3156,7 +3246,6 @@
             </a:lvl1pPr>
           </a:lstStyle>
           <a:p>
-            <a:pPr/>
             <a:r>
               <a:t>TTM4115 — Design of Communicating Systems</a:t>
             </a:r>
@@ -3182,7 +3271,7 @@
           </a:ln>
           <a:extLst>
             <a:ext uri="{C572A759-6A51-4108-AA02-DFA0A04FC94B}">
-              <ma14:wrappingTextBoxFlag xmlns:ma14="http://schemas.microsoft.com/office/mac/drawingml/2011/main" val="1"/>
+              <ma14:wrappingTextBoxFlag xmlns:ma14="http://schemas.microsoft.com/office/mac/drawingml/2011/main" xmlns:a14="http://schemas.microsoft.com/office/drawing/2010/main" xmlns:m="http://schemas.openxmlformats.org/officeDocument/2006/math" xmlns="" val="1"/>
             </a:ext>
           </a:extLst>
         </p:spPr>
@@ -3192,7 +3281,7 @@
           </a:bodyPr>
           <a:lstStyle>
             <a:lvl1pPr>
-              <a:defRPr b="0" sz="10200">
+              <a:defRPr sz="10200" b="0">
                 <a:solidFill>
                   <a:srgbClr val="FFFFFF"/>
                 </a:solidFill>
@@ -3226,22 +3315,46 @@
         <p:nvGraphicFramePr>
           <p:cNvPr id="122" name="Table 1"/>
           <p:cNvGraphicFramePr/>
-          <p:nvPr/>
+          <p:nvPr>
+            <p:extLst>
+              <p:ext uri="{D42A27DB-BD31-4B8C-83A1-F6EECF244321}">
+                <p14:modId xmlns:p14="http://schemas.microsoft.com/office/powerpoint/2010/main" val="2744114398"/>
+              </p:ext>
+            </p:extLst>
+          </p:nvPr>
         </p:nvGraphicFramePr>
         <p:xfrm>
           <a:off x="723900" y="2432050"/>
-          <a:ext cx="3733800" cy="4702374"/>
+          <a:ext cx="5766344" cy="9575800"/>
         </p:xfrm>
-        <a:graphic xmlns:a="http://schemas.openxmlformats.org/drawingml/2006/main">
+        <a:graphic>
           <a:graphicData uri="http://schemas.openxmlformats.org/drawingml/2006/table">
             <a:tbl>
-              <a:tblPr firstCol="1" firstRow="0" lastCol="0" lastRow="0" bandCol="0" bandRow="0" rtl="0">
+              <a:tblPr firstCol="1">
                 <a:tableStyleId>{4C3C2611-4C71-4FC5-86AE-919BDF0F9419}</a:tableStyleId>
               </a:tblPr>
               <a:tblGrid>
-                <a:gridCol w="581967"/>
-                <a:gridCol w="2207914"/>
-                <a:gridCol w="2976463"/>
+                <a:gridCol w="581967">
+                  <a:extLst>
+                    <a:ext uri="{9D8B030D-6E8A-4147-A177-3AD203B41FA5}">
+                      <a16:colId xmlns:a16="http://schemas.microsoft.com/office/drawing/2014/main" val="20000"/>
+                    </a:ext>
+                  </a:extLst>
+                </a:gridCol>
+                <a:gridCol w="2207914">
+                  <a:extLst>
+                    <a:ext uri="{9D8B030D-6E8A-4147-A177-3AD203B41FA5}">
+                      <a16:colId xmlns:a16="http://schemas.microsoft.com/office/drawing/2014/main" val="20001"/>
+                    </a:ext>
+                  </a:extLst>
+                </a:gridCol>
+                <a:gridCol w="2976463">
+                  <a:extLst>
+                    <a:ext uri="{9D8B030D-6E8A-4147-A177-3AD203B41FA5}">
+                      <a16:colId xmlns:a16="http://schemas.microsoft.com/office/drawing/2014/main" val="20002"/>
+                    </a:ext>
+                  </a:extLst>
+                </a:gridCol>
               </a:tblGrid>
               <a:tr h="228600">
                 <a:tc gridSpan="3">
@@ -3250,7 +3363,7 @@
                     <a:lstStyle/>
                     <a:p>
                       <a:pPr defTabSz="457200">
-                        <a:defRPr b="0" sz="1800">
+                        <a:defRPr sz="1800" b="0">
                           <a:solidFill>
                             <a:srgbClr val="000000"/>
                           </a:solidFill>
@@ -3267,7 +3380,7 @@
                       </a:r>
                     </a:p>
                   </a:txBody>
-                  <a:tcPr marL="0" marR="0" marT="0" marB="0" anchor="ctr" anchorCtr="0" horzOverflow="overflow">
+                  <a:tcPr marL="0" marR="0" marT="0" marB="0" anchor="ctr" horzOverflow="overflow">
                     <a:lnL/>
                     <a:lnR/>
                     <a:lnT/>
@@ -3282,11 +3395,30 @@
                   </a:tcPr>
                 </a:tc>
                 <a:tc hMerge="1">
+                  <a:txBody>
+                    <a:bodyPr/>
+                    <a:lstStyle/>
+                    <a:p>
+                      <a:endParaRPr lang="nb-NO"/>
+                    </a:p>
+                  </a:txBody>
                   <a:tcPr/>
                 </a:tc>
                 <a:tc hMerge="1">
+                  <a:txBody>
+                    <a:bodyPr/>
+                    <a:lstStyle/>
+                    <a:p>
+                      <a:endParaRPr lang="nb-NO"/>
+                    </a:p>
+                  </a:txBody>
                   <a:tcPr/>
                 </a:tc>
+                <a:extLst>
+                  <a:ext uri="{0D108BD9-81ED-4DB2-BD59-A6C34878D82A}">
+                    <a16:rowId xmlns:a16="http://schemas.microsoft.com/office/drawing/2014/main" val="10000"/>
+                  </a:ext>
+                </a:extLst>
               </a:tr>
               <a:tr h="195932">
                 <a:tc>
@@ -3295,7 +3427,7 @@
                     <a:lstStyle/>
                     <a:p>
                       <a:pPr defTabSz="457200">
-                        <a:defRPr b="0" sz="1800">
+                        <a:defRPr sz="1800" b="0">
                           <a:solidFill>
                             <a:srgbClr val="000000"/>
                           </a:solidFill>
@@ -3315,7 +3447,7 @@
                       </a:r>
                     </a:p>
                   </a:txBody>
-                  <a:tcPr marL="25400" marR="25400" marT="0" marB="25400" anchor="b" anchorCtr="0" horzOverflow="overflow">
+                  <a:tcPr marL="25400" marR="25400" marT="0" marB="25400" anchor="b" horzOverflow="overflow">
                     <a:lnL w="0">
                       <a:miter lim="400000"/>
                     </a:lnL>
@@ -3355,7 +3487,7 @@
                       </a:r>
                     </a:p>
                   </a:txBody>
-                  <a:tcPr marL="25400" marR="25400" marT="0" marB="25400" anchor="b" anchorCtr="0" horzOverflow="overflow">
+                  <a:tcPr marL="25400" marR="25400" marT="0" marB="25400" anchor="b" horzOverflow="overflow">
                     <a:lnL w="0">
                       <a:miter lim="400000"/>
                     </a:lnL>
@@ -3395,24 +3527,29 @@
                       </a:r>
                     </a:p>
                   </a:txBody>
-                  <a:tcPr marL="25400" marR="25400" marT="0" marB="25400" anchor="b" anchorCtr="0" horzOverflow="overflow">
-                    <a:lnL w="0">
-                      <a:miter lim="400000"/>
-                    </a:lnL>
-                    <a:lnR w="0">
-                      <a:miter lim="400000"/>
-                    </a:lnR>
-                    <a:lnT w="0">
-                      <a:miter lim="400000"/>
-                    </a:lnT>
-                    <a:lnB w="0">
-                      <a:miter lim="400000"/>
-                    </a:lnB>
-                    <a:solidFill>
-                      <a:srgbClr val="000000"/>
-                    </a:solidFill>
-                  </a:tcPr>
-                </a:tc>
+                  <a:tcPr marL="25400" marR="25400" marT="0" marB="25400" anchor="b" horzOverflow="overflow">
+                    <a:lnL w="0">
+                      <a:miter lim="400000"/>
+                    </a:lnL>
+                    <a:lnR w="0">
+                      <a:miter lim="400000"/>
+                    </a:lnR>
+                    <a:lnT w="0">
+                      <a:miter lim="400000"/>
+                    </a:lnT>
+                    <a:lnB w="0">
+                      <a:miter lim="400000"/>
+                    </a:lnB>
+                    <a:solidFill>
+                      <a:srgbClr val="000000"/>
+                    </a:solidFill>
+                  </a:tcPr>
+                </a:tc>
+                <a:extLst>
+                  <a:ext uri="{0D108BD9-81ED-4DB2-BD59-A6C34878D82A}">
+                    <a16:rowId xmlns:a16="http://schemas.microsoft.com/office/drawing/2014/main" val="10001"/>
+                  </a:ext>
+                </a:extLst>
               </a:tr>
               <a:tr h="195932">
                 <a:tc>
@@ -3421,7 +3558,7 @@
                     <a:lstStyle/>
                     <a:p>
                       <a:pPr defTabSz="457200">
-                        <a:defRPr b="0" sz="1800">
+                        <a:defRPr sz="1800" b="0">
                           <a:solidFill>
                             <a:srgbClr val="000000"/>
                           </a:solidFill>
@@ -3441,7 +3578,7 @@
                       </a:r>
                     </a:p>
                   </a:txBody>
-                  <a:tcPr marL="25400" marR="25400" marT="0" marB="25400" anchor="b" anchorCtr="0" horzOverflow="overflow">
+                  <a:tcPr marL="25400" marR="25400" marT="0" marB="25400" anchor="b" horzOverflow="overflow">
                     <a:lnL w="0">
                       <a:miter lim="400000"/>
                     </a:lnL>
@@ -3481,7 +3618,7 @@
                       </a:r>
                     </a:p>
                   </a:txBody>
-                  <a:tcPr marL="25400" marR="25400" marT="0" marB="25400" anchor="b" anchorCtr="0" horzOverflow="overflow">
+                  <a:tcPr marL="25400" marR="25400" marT="0" marB="25400" anchor="b" horzOverflow="overflow">
                     <a:lnL w="0">
                       <a:miter lim="400000"/>
                     </a:lnL>
@@ -3521,24 +3658,29 @@
                       </a:r>
                     </a:p>
                   </a:txBody>
-                  <a:tcPr marL="25400" marR="25400" marT="0" marB="25400" anchor="b" anchorCtr="0" horzOverflow="overflow">
-                    <a:lnL w="0">
-                      <a:miter lim="400000"/>
-                    </a:lnL>
-                    <a:lnR w="0">
-                      <a:miter lim="400000"/>
-                    </a:lnR>
-                    <a:lnT w="0">
-                      <a:miter lim="400000"/>
-                    </a:lnT>
-                    <a:lnB w="0">
-                      <a:miter lim="400000"/>
-                    </a:lnB>
-                    <a:solidFill>
-                      <a:srgbClr val="000000"/>
-                    </a:solidFill>
-                  </a:tcPr>
-                </a:tc>
+                  <a:tcPr marL="25400" marR="25400" marT="0" marB="25400" anchor="b" horzOverflow="overflow">
+                    <a:lnL w="0">
+                      <a:miter lim="400000"/>
+                    </a:lnL>
+                    <a:lnR w="0">
+                      <a:miter lim="400000"/>
+                    </a:lnR>
+                    <a:lnT w="0">
+                      <a:miter lim="400000"/>
+                    </a:lnT>
+                    <a:lnB w="0">
+                      <a:miter lim="400000"/>
+                    </a:lnB>
+                    <a:solidFill>
+                      <a:srgbClr val="000000"/>
+                    </a:solidFill>
+                  </a:tcPr>
+                </a:tc>
+                <a:extLst>
+                  <a:ext uri="{0D108BD9-81ED-4DB2-BD59-A6C34878D82A}">
+                    <a16:rowId xmlns:a16="http://schemas.microsoft.com/office/drawing/2014/main" val="10002"/>
+                  </a:ext>
+                </a:extLst>
               </a:tr>
               <a:tr h="195932">
                 <a:tc>
@@ -3547,7 +3689,7 @@
                     <a:lstStyle/>
                     <a:p>
                       <a:pPr defTabSz="457200">
-                        <a:defRPr b="0" sz="1800">
+                        <a:defRPr sz="1800" b="0">
                           <a:solidFill>
                             <a:srgbClr val="000000"/>
                           </a:solidFill>
@@ -3567,7 +3709,7 @@
                       </a:r>
                     </a:p>
                   </a:txBody>
-                  <a:tcPr marL="25400" marR="25400" marT="0" marB="25400" anchor="b" anchorCtr="0" horzOverflow="overflow">
+                  <a:tcPr marL="25400" marR="25400" marT="0" marB="25400" anchor="b" horzOverflow="overflow">
                     <a:lnL w="0">
                       <a:miter lim="400000"/>
                     </a:lnL>
@@ -3607,7 +3749,7 @@
                       </a:r>
                     </a:p>
                   </a:txBody>
-                  <a:tcPr marL="25400" marR="25400" marT="0" marB="25400" anchor="b" anchorCtr="0" horzOverflow="overflow">
+                  <a:tcPr marL="25400" marR="25400" marT="0" marB="25400" anchor="b" horzOverflow="overflow">
                     <a:lnL w="0">
                       <a:miter lim="400000"/>
                     </a:lnL>
@@ -3647,24 +3789,29 @@
                       </a:r>
                     </a:p>
                   </a:txBody>
-                  <a:tcPr marL="25400" marR="25400" marT="0" marB="25400" anchor="b" anchorCtr="0" horzOverflow="overflow">
-                    <a:lnL w="0">
-                      <a:miter lim="400000"/>
-                    </a:lnL>
-                    <a:lnR w="0">
-                      <a:miter lim="400000"/>
-                    </a:lnR>
-                    <a:lnT w="0">
-                      <a:miter lim="400000"/>
-                    </a:lnT>
-                    <a:lnB w="0">
-                      <a:miter lim="400000"/>
-                    </a:lnB>
-                    <a:solidFill>
-                      <a:srgbClr val="000000"/>
-                    </a:solidFill>
-                  </a:tcPr>
-                </a:tc>
+                  <a:tcPr marL="25400" marR="25400" marT="0" marB="25400" anchor="b" horzOverflow="overflow">
+                    <a:lnL w="0">
+                      <a:miter lim="400000"/>
+                    </a:lnL>
+                    <a:lnR w="0">
+                      <a:miter lim="400000"/>
+                    </a:lnR>
+                    <a:lnT w="0">
+                      <a:miter lim="400000"/>
+                    </a:lnT>
+                    <a:lnB w="0">
+                      <a:miter lim="400000"/>
+                    </a:lnB>
+                    <a:solidFill>
+                      <a:srgbClr val="000000"/>
+                    </a:solidFill>
+                  </a:tcPr>
+                </a:tc>
+                <a:extLst>
+                  <a:ext uri="{0D108BD9-81ED-4DB2-BD59-A6C34878D82A}">
+                    <a16:rowId xmlns:a16="http://schemas.microsoft.com/office/drawing/2014/main" val="10003"/>
+                  </a:ext>
+                </a:extLst>
               </a:tr>
               <a:tr h="195932">
                 <a:tc>
@@ -3673,7 +3820,7 @@
                     <a:lstStyle/>
                     <a:p>
                       <a:pPr defTabSz="457200">
-                        <a:defRPr b="0" sz="1800">
+                        <a:defRPr sz="1800" b="0">
                           <a:solidFill>
                             <a:srgbClr val="000000"/>
                           </a:solidFill>
@@ -3693,7 +3840,7 @@
                       </a:r>
                     </a:p>
                   </a:txBody>
-                  <a:tcPr marL="25400" marR="25400" marT="0" marB="25400" anchor="b" anchorCtr="0" horzOverflow="overflow">
+                  <a:tcPr marL="25400" marR="25400" marT="0" marB="25400" anchor="b" horzOverflow="overflow">
                     <a:lnL w="0">
                       <a:miter lim="400000"/>
                     </a:lnL>
@@ -3733,7 +3880,7 @@
                       </a:r>
                     </a:p>
                   </a:txBody>
-                  <a:tcPr marL="25400" marR="25400" marT="0" marB="25400" anchor="b" anchorCtr="0" horzOverflow="overflow">
+                  <a:tcPr marL="25400" marR="25400" marT="0" marB="25400" anchor="b" horzOverflow="overflow">
                     <a:lnL w="0">
                       <a:miter lim="400000"/>
                     </a:lnL>
@@ -3773,24 +3920,29 @@
                       </a:r>
                     </a:p>
                   </a:txBody>
-                  <a:tcPr marL="25400" marR="25400" marT="0" marB="25400" anchor="b" anchorCtr="0" horzOverflow="overflow">
-                    <a:lnL w="0">
-                      <a:miter lim="400000"/>
-                    </a:lnL>
-                    <a:lnR w="0">
-                      <a:miter lim="400000"/>
-                    </a:lnR>
-                    <a:lnT w="0">
-                      <a:miter lim="400000"/>
-                    </a:lnT>
-                    <a:lnB w="0">
-                      <a:miter lim="400000"/>
-                    </a:lnB>
-                    <a:solidFill>
-                      <a:srgbClr val="000000"/>
-                    </a:solidFill>
-                  </a:tcPr>
-                </a:tc>
+                  <a:tcPr marL="25400" marR="25400" marT="0" marB="25400" anchor="b" horzOverflow="overflow">
+                    <a:lnL w="0">
+                      <a:miter lim="400000"/>
+                    </a:lnL>
+                    <a:lnR w="0">
+                      <a:miter lim="400000"/>
+                    </a:lnR>
+                    <a:lnT w="0">
+                      <a:miter lim="400000"/>
+                    </a:lnT>
+                    <a:lnB w="0">
+                      <a:miter lim="400000"/>
+                    </a:lnB>
+                    <a:solidFill>
+                      <a:srgbClr val="000000"/>
+                    </a:solidFill>
+                  </a:tcPr>
+                </a:tc>
+                <a:extLst>
+                  <a:ext uri="{0D108BD9-81ED-4DB2-BD59-A6C34878D82A}">
+                    <a16:rowId xmlns:a16="http://schemas.microsoft.com/office/drawing/2014/main" val="10004"/>
+                  </a:ext>
+                </a:extLst>
               </a:tr>
               <a:tr h="195932">
                 <a:tc>
@@ -3799,7 +3951,7 @@
                     <a:lstStyle/>
                     <a:p>
                       <a:pPr defTabSz="457200">
-                        <a:defRPr b="0" sz="1800">
+                        <a:defRPr sz="1800" b="0">
                           <a:solidFill>
                             <a:srgbClr val="000000"/>
                           </a:solidFill>
@@ -3819,7 +3971,7 @@
                       </a:r>
                     </a:p>
                   </a:txBody>
-                  <a:tcPr marL="25400" marR="25400" marT="0" marB="25400" anchor="b" anchorCtr="0" horzOverflow="overflow">
+                  <a:tcPr marL="25400" marR="25400" marT="0" marB="25400" anchor="b" horzOverflow="overflow">
                     <a:lnL w="0">
                       <a:miter lim="400000"/>
                     </a:lnL>
@@ -3859,7 +4011,7 @@
                       </a:r>
                     </a:p>
                   </a:txBody>
-                  <a:tcPr marL="25400" marR="25400" marT="0" marB="25400" anchor="b" anchorCtr="0" horzOverflow="overflow">
+                  <a:tcPr marL="25400" marR="25400" marT="0" marB="25400" anchor="b" horzOverflow="overflow">
                     <a:lnL w="0">
                       <a:miter lim="400000"/>
                     </a:lnL>
@@ -3899,24 +4051,29 @@
                       </a:r>
                     </a:p>
                   </a:txBody>
-                  <a:tcPr marL="25400" marR="25400" marT="0" marB="25400" anchor="b" anchorCtr="0" horzOverflow="overflow">
-                    <a:lnL w="0">
-                      <a:miter lim="400000"/>
-                    </a:lnL>
-                    <a:lnR w="0">
-                      <a:miter lim="400000"/>
-                    </a:lnR>
-                    <a:lnT w="0">
-                      <a:miter lim="400000"/>
-                    </a:lnT>
-                    <a:lnB w="0">
-                      <a:miter lim="400000"/>
-                    </a:lnB>
-                    <a:solidFill>
-                      <a:srgbClr val="000000"/>
-                    </a:solidFill>
-                  </a:tcPr>
-                </a:tc>
+                  <a:tcPr marL="25400" marR="25400" marT="0" marB="25400" anchor="b" horzOverflow="overflow">
+                    <a:lnL w="0">
+                      <a:miter lim="400000"/>
+                    </a:lnL>
+                    <a:lnR w="0">
+                      <a:miter lim="400000"/>
+                    </a:lnR>
+                    <a:lnT w="0">
+                      <a:miter lim="400000"/>
+                    </a:lnT>
+                    <a:lnB w="0">
+                      <a:miter lim="400000"/>
+                    </a:lnB>
+                    <a:solidFill>
+                      <a:srgbClr val="000000"/>
+                    </a:solidFill>
+                  </a:tcPr>
+                </a:tc>
+                <a:extLst>
+                  <a:ext uri="{0D108BD9-81ED-4DB2-BD59-A6C34878D82A}">
+                    <a16:rowId xmlns:a16="http://schemas.microsoft.com/office/drawing/2014/main" val="10005"/>
+                  </a:ext>
+                </a:extLst>
               </a:tr>
               <a:tr h="195932">
                 <a:tc>
@@ -3925,7 +4082,7 @@
                     <a:lstStyle/>
                     <a:p>
                       <a:pPr defTabSz="457200">
-                        <a:defRPr b="0" sz="1800">
+                        <a:defRPr sz="1800" b="0">
                           <a:solidFill>
                             <a:srgbClr val="000000"/>
                           </a:solidFill>
@@ -3945,7 +4102,7 @@
                       </a:r>
                     </a:p>
                   </a:txBody>
-                  <a:tcPr marL="25400" marR="25400" marT="0" marB="25400" anchor="b" anchorCtr="0" horzOverflow="overflow">
+                  <a:tcPr marL="25400" marR="25400" marT="0" marB="25400" anchor="b" horzOverflow="overflow">
                     <a:lnL w="0">
                       <a:miter lim="400000"/>
                     </a:lnL>
@@ -3985,7 +4142,7 @@
                       </a:r>
                     </a:p>
                   </a:txBody>
-                  <a:tcPr marL="25400" marR="25400" marT="0" marB="25400" anchor="b" anchorCtr="0" horzOverflow="overflow">
+                  <a:tcPr marL="25400" marR="25400" marT="0" marB="25400" anchor="b" horzOverflow="overflow">
                     <a:lnL w="0">
                       <a:miter lim="400000"/>
                     </a:lnL>
@@ -4025,24 +4182,29 @@
                       </a:r>
                     </a:p>
                   </a:txBody>
-                  <a:tcPr marL="25400" marR="25400" marT="0" marB="25400" anchor="b" anchorCtr="0" horzOverflow="overflow">
-                    <a:lnL w="0">
-                      <a:miter lim="400000"/>
-                    </a:lnL>
-                    <a:lnR w="0">
-                      <a:miter lim="400000"/>
-                    </a:lnR>
-                    <a:lnT w="0">
-                      <a:miter lim="400000"/>
-                    </a:lnT>
-                    <a:lnB w="0">
-                      <a:miter lim="400000"/>
-                    </a:lnB>
-                    <a:solidFill>
-                      <a:srgbClr val="000000"/>
-                    </a:solidFill>
-                  </a:tcPr>
-                </a:tc>
+                  <a:tcPr marL="25400" marR="25400" marT="0" marB="25400" anchor="b" horzOverflow="overflow">
+                    <a:lnL w="0">
+                      <a:miter lim="400000"/>
+                    </a:lnL>
+                    <a:lnR w="0">
+                      <a:miter lim="400000"/>
+                    </a:lnR>
+                    <a:lnT w="0">
+                      <a:miter lim="400000"/>
+                    </a:lnT>
+                    <a:lnB w="0">
+                      <a:miter lim="400000"/>
+                    </a:lnB>
+                    <a:solidFill>
+                      <a:srgbClr val="000000"/>
+                    </a:solidFill>
+                  </a:tcPr>
+                </a:tc>
+                <a:extLst>
+                  <a:ext uri="{0D108BD9-81ED-4DB2-BD59-A6C34878D82A}">
+                    <a16:rowId xmlns:a16="http://schemas.microsoft.com/office/drawing/2014/main" val="10006"/>
+                  </a:ext>
+                </a:extLst>
               </a:tr>
               <a:tr h="195932">
                 <a:tc>
@@ -4051,7 +4213,7 @@
                     <a:lstStyle/>
                     <a:p>
                       <a:pPr defTabSz="457200">
-                        <a:defRPr b="0" sz="1800">
+                        <a:defRPr sz="1800" b="0">
                           <a:solidFill>
                             <a:srgbClr val="000000"/>
                           </a:solidFill>
@@ -4071,7 +4233,7 @@
                       </a:r>
                     </a:p>
                   </a:txBody>
-                  <a:tcPr marL="25400" marR="25400" marT="0" marB="25400" anchor="b" anchorCtr="0" horzOverflow="overflow">
+                  <a:tcPr marL="25400" marR="25400" marT="0" marB="25400" anchor="b" horzOverflow="overflow">
                     <a:lnL w="0">
                       <a:miter lim="400000"/>
                     </a:lnL>
@@ -4111,7 +4273,7 @@
                       </a:r>
                     </a:p>
                   </a:txBody>
-                  <a:tcPr marL="25400" marR="25400" marT="0" marB="25400" anchor="b" anchorCtr="0" horzOverflow="overflow">
+                  <a:tcPr marL="25400" marR="25400" marT="0" marB="25400" anchor="b" horzOverflow="overflow">
                     <a:lnL w="0">
                       <a:miter lim="400000"/>
                     </a:lnL>
@@ -4151,24 +4313,29 @@
                       </a:r>
                     </a:p>
                   </a:txBody>
-                  <a:tcPr marL="25400" marR="25400" marT="0" marB="25400" anchor="b" anchorCtr="0" horzOverflow="overflow">
-                    <a:lnL w="0">
-                      <a:miter lim="400000"/>
-                    </a:lnL>
-                    <a:lnR w="0">
-                      <a:miter lim="400000"/>
-                    </a:lnR>
-                    <a:lnT w="0">
-                      <a:miter lim="400000"/>
-                    </a:lnT>
-                    <a:lnB w="0">
-                      <a:miter lim="400000"/>
-                    </a:lnB>
-                    <a:solidFill>
-                      <a:srgbClr val="000000"/>
-                    </a:solidFill>
-                  </a:tcPr>
-                </a:tc>
+                  <a:tcPr marL="25400" marR="25400" marT="0" marB="25400" anchor="b" horzOverflow="overflow">
+                    <a:lnL w="0">
+                      <a:miter lim="400000"/>
+                    </a:lnL>
+                    <a:lnR w="0">
+                      <a:miter lim="400000"/>
+                    </a:lnR>
+                    <a:lnT w="0">
+                      <a:miter lim="400000"/>
+                    </a:lnT>
+                    <a:lnB w="0">
+                      <a:miter lim="400000"/>
+                    </a:lnB>
+                    <a:solidFill>
+                      <a:srgbClr val="000000"/>
+                    </a:solidFill>
+                  </a:tcPr>
+                </a:tc>
+                <a:extLst>
+                  <a:ext uri="{0D108BD9-81ED-4DB2-BD59-A6C34878D82A}">
+                    <a16:rowId xmlns:a16="http://schemas.microsoft.com/office/drawing/2014/main" val="10007"/>
+                  </a:ext>
+                </a:extLst>
               </a:tr>
               <a:tr h="195932">
                 <a:tc>
@@ -4177,7 +4344,7 @@
                     <a:lstStyle/>
                     <a:p>
                       <a:pPr defTabSz="457200">
-                        <a:defRPr b="0" sz="1800">
+                        <a:defRPr sz="1800" b="0">
                           <a:solidFill>
                             <a:srgbClr val="000000"/>
                           </a:solidFill>
@@ -4197,7 +4364,7 @@
                       </a:r>
                     </a:p>
                   </a:txBody>
-                  <a:tcPr marL="25400" marR="25400" marT="0" marB="25400" anchor="b" anchorCtr="0" horzOverflow="overflow">
+                  <a:tcPr marL="25400" marR="25400" marT="0" marB="25400" anchor="b" horzOverflow="overflow">
                     <a:lnL w="0">
                       <a:miter lim="400000"/>
                     </a:lnL>
@@ -4237,7 +4404,7 @@
                       </a:r>
                     </a:p>
                   </a:txBody>
-                  <a:tcPr marL="25400" marR="25400" marT="0" marB="25400" anchor="b" anchorCtr="0" horzOverflow="overflow">
+                  <a:tcPr marL="25400" marR="25400" marT="0" marB="25400" anchor="b" horzOverflow="overflow">
                     <a:lnL w="0">
                       <a:miter lim="400000"/>
                     </a:lnL>
@@ -4277,24 +4444,29 @@
                       </a:r>
                     </a:p>
                   </a:txBody>
-                  <a:tcPr marL="25400" marR="25400" marT="0" marB="25400" anchor="b" anchorCtr="0" horzOverflow="overflow">
-                    <a:lnL w="0">
-                      <a:miter lim="400000"/>
-                    </a:lnL>
-                    <a:lnR w="0">
-                      <a:miter lim="400000"/>
-                    </a:lnR>
-                    <a:lnT w="0">
-                      <a:miter lim="400000"/>
-                    </a:lnT>
-                    <a:lnB w="0">
-                      <a:miter lim="400000"/>
-                    </a:lnB>
-                    <a:solidFill>
-                      <a:srgbClr val="000000"/>
-                    </a:solidFill>
-                  </a:tcPr>
-                </a:tc>
+                  <a:tcPr marL="25400" marR="25400" marT="0" marB="25400" anchor="b" horzOverflow="overflow">
+                    <a:lnL w="0">
+                      <a:miter lim="400000"/>
+                    </a:lnL>
+                    <a:lnR w="0">
+                      <a:miter lim="400000"/>
+                    </a:lnR>
+                    <a:lnT w="0">
+                      <a:miter lim="400000"/>
+                    </a:lnT>
+                    <a:lnB w="0">
+                      <a:miter lim="400000"/>
+                    </a:lnB>
+                    <a:solidFill>
+                      <a:srgbClr val="000000"/>
+                    </a:solidFill>
+                  </a:tcPr>
+                </a:tc>
+                <a:extLst>
+                  <a:ext uri="{0D108BD9-81ED-4DB2-BD59-A6C34878D82A}">
+                    <a16:rowId xmlns:a16="http://schemas.microsoft.com/office/drawing/2014/main" val="10008"/>
+                  </a:ext>
+                </a:extLst>
               </a:tr>
               <a:tr h="195932">
                 <a:tc>
@@ -4303,7 +4475,7 @@
                     <a:lstStyle/>
                     <a:p>
                       <a:pPr defTabSz="457200">
-                        <a:defRPr b="0" sz="1800">
+                        <a:defRPr sz="1800" b="0">
                           <a:solidFill>
                             <a:srgbClr val="000000"/>
                           </a:solidFill>
@@ -4323,7 +4495,7 @@
                       </a:r>
                     </a:p>
                   </a:txBody>
-                  <a:tcPr marL="25400" marR="25400" marT="0" marB="25400" anchor="b" anchorCtr="0" horzOverflow="overflow">
+                  <a:tcPr marL="25400" marR="25400" marT="0" marB="25400" anchor="b" horzOverflow="overflow">
                     <a:lnL w="0">
                       <a:miter lim="400000"/>
                     </a:lnL>
@@ -4363,7 +4535,7 @@
                       </a:r>
                     </a:p>
                   </a:txBody>
-                  <a:tcPr marL="25400" marR="25400" marT="0" marB="25400" anchor="b" anchorCtr="0" horzOverflow="overflow">
+                  <a:tcPr marL="25400" marR="25400" marT="0" marB="25400" anchor="b" horzOverflow="overflow">
                     <a:lnL w="0">
                       <a:miter lim="400000"/>
                     </a:lnL>
@@ -4403,24 +4575,29 @@
                       </a:r>
                     </a:p>
                   </a:txBody>
-                  <a:tcPr marL="25400" marR="25400" marT="0" marB="25400" anchor="b" anchorCtr="0" horzOverflow="overflow">
-                    <a:lnL w="0">
-                      <a:miter lim="400000"/>
-                    </a:lnL>
-                    <a:lnR w="0">
-                      <a:miter lim="400000"/>
-                    </a:lnR>
-                    <a:lnT w="0">
-                      <a:miter lim="400000"/>
-                    </a:lnT>
-                    <a:lnB w="0">
-                      <a:miter lim="400000"/>
-                    </a:lnB>
-                    <a:solidFill>
-                      <a:srgbClr val="000000"/>
-                    </a:solidFill>
-                  </a:tcPr>
-                </a:tc>
+                  <a:tcPr marL="25400" marR="25400" marT="0" marB="25400" anchor="b" horzOverflow="overflow">
+                    <a:lnL w="0">
+                      <a:miter lim="400000"/>
+                    </a:lnL>
+                    <a:lnR w="0">
+                      <a:miter lim="400000"/>
+                    </a:lnR>
+                    <a:lnT w="0">
+                      <a:miter lim="400000"/>
+                    </a:lnT>
+                    <a:lnB w="0">
+                      <a:miter lim="400000"/>
+                    </a:lnB>
+                    <a:solidFill>
+                      <a:srgbClr val="000000"/>
+                    </a:solidFill>
+                  </a:tcPr>
+                </a:tc>
+                <a:extLst>
+                  <a:ext uri="{0D108BD9-81ED-4DB2-BD59-A6C34878D82A}">
+                    <a16:rowId xmlns:a16="http://schemas.microsoft.com/office/drawing/2014/main" val="10009"/>
+                  </a:ext>
+                </a:extLst>
               </a:tr>
               <a:tr h="195932">
                 <a:tc>
@@ -4429,7 +4606,7 @@
                     <a:lstStyle/>
                     <a:p>
                       <a:pPr defTabSz="457200">
-                        <a:defRPr b="0" sz="1800">
+                        <a:defRPr sz="1800" b="0">
                           <a:solidFill>
                             <a:srgbClr val="000000"/>
                           </a:solidFill>
@@ -4449,7 +4626,7 @@
                       </a:r>
                     </a:p>
                   </a:txBody>
-                  <a:tcPr marL="25400" marR="25400" marT="0" marB="25400" anchor="b" anchorCtr="0" horzOverflow="overflow">
+                  <a:tcPr marL="25400" marR="25400" marT="0" marB="25400" anchor="b" horzOverflow="overflow">
                     <a:lnL w="0">
                       <a:miter lim="400000"/>
                     </a:lnL>
@@ -4489,7 +4666,7 @@
                       </a:r>
                     </a:p>
                   </a:txBody>
-                  <a:tcPr marL="25400" marR="25400" marT="0" marB="25400" anchor="b" anchorCtr="0" horzOverflow="overflow">
+                  <a:tcPr marL="25400" marR="25400" marT="0" marB="25400" anchor="b" horzOverflow="overflow">
                     <a:lnL w="0">
                       <a:miter lim="400000"/>
                     </a:lnL>
@@ -4529,24 +4706,29 @@
                       </a:r>
                     </a:p>
                   </a:txBody>
-                  <a:tcPr marL="25400" marR="25400" marT="0" marB="25400" anchor="b" anchorCtr="0" horzOverflow="overflow">
-                    <a:lnL w="0">
-                      <a:miter lim="400000"/>
-                    </a:lnL>
-                    <a:lnR w="0">
-                      <a:miter lim="400000"/>
-                    </a:lnR>
-                    <a:lnT w="0">
-                      <a:miter lim="400000"/>
-                    </a:lnT>
-                    <a:lnB w="0">
-                      <a:miter lim="400000"/>
-                    </a:lnB>
-                    <a:solidFill>
-                      <a:srgbClr val="000000"/>
-                    </a:solidFill>
-                  </a:tcPr>
-                </a:tc>
+                  <a:tcPr marL="25400" marR="25400" marT="0" marB="25400" anchor="b" horzOverflow="overflow">
+                    <a:lnL w="0">
+                      <a:miter lim="400000"/>
+                    </a:lnL>
+                    <a:lnR w="0">
+                      <a:miter lim="400000"/>
+                    </a:lnR>
+                    <a:lnT w="0">
+                      <a:miter lim="400000"/>
+                    </a:lnT>
+                    <a:lnB w="0">
+                      <a:miter lim="400000"/>
+                    </a:lnB>
+                    <a:solidFill>
+                      <a:srgbClr val="000000"/>
+                    </a:solidFill>
+                  </a:tcPr>
+                </a:tc>
+                <a:extLst>
+                  <a:ext uri="{0D108BD9-81ED-4DB2-BD59-A6C34878D82A}">
+                    <a16:rowId xmlns:a16="http://schemas.microsoft.com/office/drawing/2014/main" val="10010"/>
+                  </a:ext>
+                </a:extLst>
               </a:tr>
               <a:tr h="195932">
                 <a:tc>
@@ -4555,7 +4737,7 @@
                     <a:lstStyle/>
                     <a:p>
                       <a:pPr defTabSz="457200">
-                        <a:defRPr b="0" sz="1800">
+                        <a:defRPr sz="1800" b="0">
                           <a:solidFill>
                             <a:srgbClr val="000000"/>
                           </a:solidFill>
@@ -4575,7 +4757,7 @@
                       </a:r>
                     </a:p>
                   </a:txBody>
-                  <a:tcPr marL="25400" marR="25400" marT="0" marB="25400" anchor="b" anchorCtr="0" horzOverflow="overflow">
+                  <a:tcPr marL="25400" marR="25400" marT="0" marB="25400" anchor="b" horzOverflow="overflow">
                     <a:lnL w="0">
                       <a:miter lim="400000"/>
                     </a:lnL>
@@ -4615,7 +4797,7 @@
                       </a:r>
                     </a:p>
                   </a:txBody>
-                  <a:tcPr marL="25400" marR="25400" marT="0" marB="25400" anchor="b" anchorCtr="0" horzOverflow="overflow">
+                  <a:tcPr marL="25400" marR="25400" marT="0" marB="25400" anchor="b" horzOverflow="overflow">
                     <a:lnL w="0">
                       <a:miter lim="400000"/>
                     </a:lnL>
@@ -4655,24 +4837,29 @@
                       </a:r>
                     </a:p>
                   </a:txBody>
-                  <a:tcPr marL="25400" marR="25400" marT="0" marB="25400" anchor="b" anchorCtr="0" horzOverflow="overflow">
-                    <a:lnL w="0">
-                      <a:miter lim="400000"/>
-                    </a:lnL>
-                    <a:lnR w="0">
-                      <a:miter lim="400000"/>
-                    </a:lnR>
-                    <a:lnT w="0">
-                      <a:miter lim="400000"/>
-                    </a:lnT>
-                    <a:lnB w="0">
-                      <a:miter lim="400000"/>
-                    </a:lnB>
-                    <a:solidFill>
-                      <a:srgbClr val="000000"/>
-                    </a:solidFill>
-                  </a:tcPr>
-                </a:tc>
+                  <a:tcPr marL="25400" marR="25400" marT="0" marB="25400" anchor="b" horzOverflow="overflow">
+                    <a:lnL w="0">
+                      <a:miter lim="400000"/>
+                    </a:lnL>
+                    <a:lnR w="0">
+                      <a:miter lim="400000"/>
+                    </a:lnR>
+                    <a:lnT w="0">
+                      <a:miter lim="400000"/>
+                    </a:lnT>
+                    <a:lnB w="0">
+                      <a:miter lim="400000"/>
+                    </a:lnB>
+                    <a:solidFill>
+                      <a:srgbClr val="000000"/>
+                    </a:solidFill>
+                  </a:tcPr>
+                </a:tc>
+                <a:extLst>
+                  <a:ext uri="{0D108BD9-81ED-4DB2-BD59-A6C34878D82A}">
+                    <a16:rowId xmlns:a16="http://schemas.microsoft.com/office/drawing/2014/main" val="10011"/>
+                  </a:ext>
+                </a:extLst>
               </a:tr>
               <a:tr h="195932">
                 <a:tc>
@@ -4681,7 +4868,7 @@
                     <a:lstStyle/>
                     <a:p>
                       <a:pPr defTabSz="457200">
-                        <a:defRPr b="0" sz="1800">
+                        <a:defRPr sz="1800" b="0">
                           <a:solidFill>
                             <a:srgbClr val="000000"/>
                           </a:solidFill>
@@ -4701,7 +4888,7 @@
                       </a:r>
                     </a:p>
                   </a:txBody>
-                  <a:tcPr marL="25400" marR="25400" marT="0" marB="25400" anchor="b" anchorCtr="0" horzOverflow="overflow">
+                  <a:tcPr marL="25400" marR="25400" marT="0" marB="25400" anchor="b" horzOverflow="overflow">
                     <a:lnL w="0">
                       <a:miter lim="400000"/>
                     </a:lnL>
@@ -4741,7 +4928,7 @@
                       </a:r>
                     </a:p>
                   </a:txBody>
-                  <a:tcPr marL="25400" marR="25400" marT="0" marB="25400" anchor="b" anchorCtr="0" horzOverflow="overflow">
+                  <a:tcPr marL="25400" marR="25400" marT="0" marB="25400" anchor="b" horzOverflow="overflow">
                     <a:lnL w="0">
                       <a:miter lim="400000"/>
                     </a:lnL>
@@ -4781,24 +4968,29 @@
                       </a:r>
                     </a:p>
                   </a:txBody>
-                  <a:tcPr marL="25400" marR="25400" marT="0" marB="25400" anchor="b" anchorCtr="0" horzOverflow="overflow">
-                    <a:lnL w="0">
-                      <a:miter lim="400000"/>
-                    </a:lnL>
-                    <a:lnR w="0">
-                      <a:miter lim="400000"/>
-                    </a:lnR>
-                    <a:lnT w="0">
-                      <a:miter lim="400000"/>
-                    </a:lnT>
-                    <a:lnB w="0">
-                      <a:miter lim="400000"/>
-                    </a:lnB>
-                    <a:solidFill>
-                      <a:srgbClr val="000000"/>
-                    </a:solidFill>
-                  </a:tcPr>
-                </a:tc>
+                  <a:tcPr marL="25400" marR="25400" marT="0" marB="25400" anchor="b" horzOverflow="overflow">
+                    <a:lnL w="0">
+                      <a:miter lim="400000"/>
+                    </a:lnL>
+                    <a:lnR w="0">
+                      <a:miter lim="400000"/>
+                    </a:lnR>
+                    <a:lnT w="0">
+                      <a:miter lim="400000"/>
+                    </a:lnT>
+                    <a:lnB w="0">
+                      <a:miter lim="400000"/>
+                    </a:lnB>
+                    <a:solidFill>
+                      <a:srgbClr val="000000"/>
+                    </a:solidFill>
+                  </a:tcPr>
+                </a:tc>
+                <a:extLst>
+                  <a:ext uri="{0D108BD9-81ED-4DB2-BD59-A6C34878D82A}">
+                    <a16:rowId xmlns:a16="http://schemas.microsoft.com/office/drawing/2014/main" val="10012"/>
+                  </a:ext>
+                </a:extLst>
               </a:tr>
               <a:tr h="195932">
                 <a:tc>
@@ -4807,7 +4999,7 @@
                     <a:lstStyle/>
                     <a:p>
                       <a:pPr defTabSz="457200">
-                        <a:defRPr b="0" sz="1800">
+                        <a:defRPr sz="1800" b="0">
                           <a:solidFill>
                             <a:srgbClr val="000000"/>
                           </a:solidFill>
@@ -4823,18 +5015,20 @@
                           <a:cs typeface="Calibri"/>
                           <a:sym typeface="Calibri"/>
                         </a:rPr>
-                        <a:t>9</a:t>
-                      </a:r>
-                    </a:p>
-                  </a:txBody>
-                  <a:tcPr marL="25400" marR="25400" marT="0" marB="25400" anchor="b" anchorCtr="0" horzOverflow="overflow">
-                    <a:lnL w="0">
-                      <a:miter lim="400000"/>
-                    </a:lnL>
-                    <a:lnR w="0">
-                      <a:miter lim="400000"/>
-                    </a:lnR>
-                    <a:lnT w="0">
+                        <a:t>10</a:t>
+                      </a:r>
+                    </a:p>
+                  </a:txBody>
+                  <a:tcPr marL="25400" marR="25400" marT="0" marB="25400" anchor="b" horzOverflow="overflow">
+                    <a:lnL w="0">
+                      <a:miter lim="400000"/>
+                    </a:lnL>
+                    <a:lnR w="0">
+                      <a:noFill/>
+                      <a:miter lim="400000"/>
+                    </a:lnR>
+                    <a:lnT w="0">
+                      <a:noFill/>
                       <a:miter lim="400000"/>
                     </a:lnT>
                     <a:lnB w="0">
@@ -4863,18 +5057,21 @@
                           <a:cs typeface="Calibri"/>
                           <a:sym typeface="Calibri"/>
                         </a:rPr>
-                        <a:t>Dalen</a:t>
-                      </a:r>
-                    </a:p>
-                  </a:txBody>
-                  <a:tcPr marL="25400" marR="25400" marT="0" marB="25400" anchor="b" anchorCtr="0" horzOverflow="overflow">
-                    <a:lnL w="0">
-                      <a:miter lim="400000"/>
-                    </a:lnL>
-                    <a:lnR w="0">
-                      <a:miter lim="400000"/>
-                    </a:lnR>
-                    <a:lnT w="0">
+                        <a:t>Edvardsen</a:t>
+                      </a:r>
+                    </a:p>
+                  </a:txBody>
+                  <a:tcPr marL="25400" marR="25400" marT="0" marB="25400" anchor="b" horzOverflow="overflow">
+                    <a:lnL w="0">
+                      <a:noFill/>
+                      <a:miter lim="400000"/>
+                    </a:lnL>
+                    <a:lnR w="0">
+                      <a:noFill/>
+                      <a:miter lim="400000"/>
+                    </a:lnR>
+                    <a:lnT w="0">
+                      <a:noFill/>
                       <a:miter lim="400000"/>
                     </a:lnT>
                     <a:lnB w="0">
@@ -4894,7 +5091,7 @@
                         <a:defRPr sz="1800"/>
                       </a:pPr>
                       <a:r>
-                        <a:rPr sz="2500">
+                        <a:rPr sz="2500" dirty="0">
                           <a:solidFill>
                             <a:srgbClr val="A7A7A7"/>
                           </a:solidFill>
@@ -4903,28 +5100,56 @@
                           <a:cs typeface="Calibri"/>
                           <a:sym typeface="Calibri"/>
                         </a:rPr>
-                        <a:t>Even</a:t>
-                      </a:r>
-                    </a:p>
-                  </a:txBody>
-                  <a:tcPr marL="25400" marR="25400" marT="0" marB="25400" anchor="b" anchorCtr="0" horzOverflow="overflow">
-                    <a:lnL w="0">
-                      <a:miter lim="400000"/>
-                    </a:lnL>
-                    <a:lnR w="0">
-                      <a:miter lim="400000"/>
-                    </a:lnR>
-                    <a:lnT w="0">
-                      <a:miter lim="400000"/>
-                    </a:lnT>
-                    <a:lnB w="0">
-                      <a:miter lim="400000"/>
-                    </a:lnB>
-                    <a:solidFill>
-                      <a:srgbClr val="000000"/>
-                    </a:solidFill>
-                  </a:tcPr>
-                </a:tc>
+                        <a:t>Kristian </a:t>
+                      </a:r>
+                      <a:r>
+                        <a:rPr sz="2500" dirty="0" err="1">
+                          <a:solidFill>
+                            <a:srgbClr val="A7A7A7"/>
+                          </a:solidFill>
+                          <a:latin typeface="Calibri"/>
+                          <a:ea typeface="Calibri"/>
+                          <a:cs typeface="Calibri"/>
+                          <a:sym typeface="Calibri"/>
+                        </a:rPr>
+                        <a:t>Zunder</a:t>
+                      </a:r>
+                      <a:endParaRPr sz="2500" dirty="0">
+                        <a:solidFill>
+                          <a:srgbClr val="A7A7A7"/>
+                        </a:solidFill>
+                        <a:latin typeface="Calibri"/>
+                        <a:ea typeface="Calibri"/>
+                        <a:cs typeface="Calibri"/>
+                        <a:sym typeface="Calibri"/>
+                      </a:endParaRPr>
+                    </a:p>
+                  </a:txBody>
+                  <a:tcPr marL="25400" marR="25400" marT="0" marB="25400" anchor="b" horzOverflow="overflow">
+                    <a:lnL w="0">
+                      <a:noFill/>
+                      <a:miter lim="400000"/>
+                    </a:lnL>
+                    <a:lnR w="0">
+                      <a:miter lim="400000"/>
+                    </a:lnR>
+                    <a:lnT w="0">
+                      <a:noFill/>
+                      <a:miter lim="400000"/>
+                    </a:lnT>
+                    <a:lnB w="0">
+                      <a:miter lim="400000"/>
+                    </a:lnB>
+                    <a:solidFill>
+                      <a:srgbClr val="000000"/>
+                    </a:solidFill>
+                  </a:tcPr>
+                </a:tc>
+                <a:extLst>
+                  <a:ext uri="{0D108BD9-81ED-4DB2-BD59-A6C34878D82A}">
+                    <a16:rowId xmlns:a16="http://schemas.microsoft.com/office/drawing/2014/main" val="10014"/>
+                  </a:ext>
+                </a:extLst>
               </a:tr>
               <a:tr h="195932">
                 <a:tc>
@@ -4933,7 +5158,7 @@
                     <a:lstStyle/>
                     <a:p>
                       <a:pPr defTabSz="457200">
-                        <a:defRPr b="0" sz="1800">
+                        <a:defRPr sz="1800" b="0">
                           <a:solidFill>
                             <a:srgbClr val="000000"/>
                           </a:solidFill>
@@ -4949,11 +5174,11 @@
                           <a:cs typeface="Calibri"/>
                           <a:sym typeface="Calibri"/>
                         </a:rPr>
-                        <a:t>10</a:t>
-                      </a:r>
-                    </a:p>
-                  </a:txBody>
-                  <a:tcPr marL="25400" marR="25400" marT="0" marB="25400" anchor="b" anchorCtr="0" horzOverflow="overflow">
+                        <a:t>13</a:t>
+                      </a:r>
+                    </a:p>
+                  </a:txBody>
+                  <a:tcPr marL="25400" marR="25400" marT="0" marB="25400" anchor="b" horzOverflow="overflow">
                     <a:lnL w="0">
                       <a:miter lim="400000"/>
                     </a:lnL>
@@ -4989,11 +5214,11 @@
                           <a:cs typeface="Calibri"/>
                           <a:sym typeface="Calibri"/>
                         </a:rPr>
-                        <a:t>Edvardsen</a:t>
-                      </a:r>
-                    </a:p>
-                  </a:txBody>
-                  <a:tcPr marL="25400" marR="25400" marT="0" marB="25400" anchor="b" anchorCtr="0" horzOverflow="overflow">
+                        <a:t>Eltayeb</a:t>
+                      </a:r>
+                    </a:p>
+                  </a:txBody>
+                  <a:tcPr marL="25400" marR="25400" marT="0" marB="25400" anchor="b" horzOverflow="overflow">
                     <a:lnL w="0">
                       <a:miter lim="400000"/>
                     </a:lnL>
@@ -5029,28 +5254,33 @@
                           <a:cs typeface="Calibri"/>
                           <a:sym typeface="Calibri"/>
                         </a:rPr>
-                        <a:t>Kristian Zunder</a:t>
-                      </a:r>
-                    </a:p>
-                  </a:txBody>
-                  <a:tcPr marL="25400" marR="25400" marT="0" marB="25400" anchor="b" anchorCtr="0" horzOverflow="overflow">
-                    <a:lnL w="0">
-                      <a:miter lim="400000"/>
-                    </a:lnL>
-                    <a:lnR w="0">
-                      <a:miter lim="400000"/>
-                    </a:lnR>
-                    <a:lnT w="0">
-                      <a:miter lim="400000"/>
-                    </a:lnT>
-                    <a:lnB w="0">
-                      <a:miter lim="400000"/>
-                    </a:lnB>
-                    <a:solidFill>
-                      <a:srgbClr val="000000"/>
-                    </a:solidFill>
-                  </a:tcPr>
-                </a:tc>
+                        <a:t>Mathani</a:t>
+                      </a:r>
+                    </a:p>
+                  </a:txBody>
+                  <a:tcPr marL="25400" marR="25400" marT="0" marB="25400" anchor="b" horzOverflow="overflow">
+                    <a:lnL w="0">
+                      <a:miter lim="400000"/>
+                    </a:lnL>
+                    <a:lnR w="0">
+                      <a:miter lim="400000"/>
+                    </a:lnR>
+                    <a:lnT w="0">
+                      <a:miter lim="400000"/>
+                    </a:lnT>
+                    <a:lnB w="0">
+                      <a:miter lim="400000"/>
+                    </a:lnB>
+                    <a:solidFill>
+                      <a:srgbClr val="000000"/>
+                    </a:solidFill>
+                  </a:tcPr>
+                </a:tc>
+                <a:extLst>
+                  <a:ext uri="{0D108BD9-81ED-4DB2-BD59-A6C34878D82A}">
+                    <a16:rowId xmlns:a16="http://schemas.microsoft.com/office/drawing/2014/main" val="10015"/>
+                  </a:ext>
+                </a:extLst>
               </a:tr>
               <a:tr h="195932">
                 <a:tc>
@@ -5059,7 +5289,7 @@
                     <a:lstStyle/>
                     <a:p>
                       <a:pPr defTabSz="457200">
-                        <a:defRPr b="0" sz="1800">
+                        <a:defRPr sz="1800" b="0">
                           <a:solidFill>
                             <a:srgbClr val="000000"/>
                           </a:solidFill>
@@ -5075,11 +5305,11 @@
                           <a:cs typeface="Calibri"/>
                           <a:sym typeface="Calibri"/>
                         </a:rPr>
-                        <a:t>13</a:t>
-                      </a:r>
-                    </a:p>
-                  </a:txBody>
-                  <a:tcPr marL="25400" marR="25400" marT="0" marB="25400" anchor="b" anchorCtr="0" horzOverflow="overflow">
+                        <a:t>3</a:t>
+                      </a:r>
+                    </a:p>
+                  </a:txBody>
+                  <a:tcPr marL="25400" marR="25400" marT="0" marB="25400" anchor="b" horzOverflow="overflow">
                     <a:lnL w="0">
                       <a:miter lim="400000"/>
                     </a:lnL>
@@ -5115,11 +5345,11 @@
                           <a:cs typeface="Calibri"/>
                           <a:sym typeface="Calibri"/>
                         </a:rPr>
-                        <a:t>Eltayeb</a:t>
-                      </a:r>
-                    </a:p>
-                  </a:txBody>
-                  <a:tcPr marL="25400" marR="25400" marT="0" marB="25400" anchor="b" anchorCtr="0" horzOverflow="overflow">
+                        <a:t>Espedal</a:t>
+                      </a:r>
+                    </a:p>
+                  </a:txBody>
+                  <a:tcPr marL="25400" marR="25400" marT="0" marB="25400" anchor="b" horzOverflow="overflow">
                     <a:lnL w="0">
                       <a:miter lim="400000"/>
                     </a:lnL>
@@ -5155,28 +5385,33 @@
                           <a:cs typeface="Calibri"/>
                           <a:sym typeface="Calibri"/>
                         </a:rPr>
-                        <a:t>Mathani</a:t>
-                      </a:r>
-                    </a:p>
-                  </a:txBody>
-                  <a:tcPr marL="25400" marR="25400" marT="0" marB="25400" anchor="b" anchorCtr="0" horzOverflow="overflow">
-                    <a:lnL w="0">
-                      <a:miter lim="400000"/>
-                    </a:lnL>
-                    <a:lnR w="0">
-                      <a:miter lim="400000"/>
-                    </a:lnR>
-                    <a:lnT w="0">
-                      <a:miter lim="400000"/>
-                    </a:lnT>
-                    <a:lnB w="0">
-                      <a:miter lim="400000"/>
-                    </a:lnB>
-                    <a:solidFill>
-                      <a:srgbClr val="000000"/>
-                    </a:solidFill>
-                  </a:tcPr>
-                </a:tc>
+                        <a:t>Sjur</a:t>
+                      </a:r>
+                    </a:p>
+                  </a:txBody>
+                  <a:tcPr marL="25400" marR="25400" marT="0" marB="25400" anchor="b" horzOverflow="overflow">
+                    <a:lnL w="0">
+                      <a:miter lim="400000"/>
+                    </a:lnL>
+                    <a:lnR w="0">
+                      <a:miter lim="400000"/>
+                    </a:lnR>
+                    <a:lnT w="0">
+                      <a:miter lim="400000"/>
+                    </a:lnT>
+                    <a:lnB w="0">
+                      <a:miter lim="400000"/>
+                    </a:lnB>
+                    <a:solidFill>
+                      <a:srgbClr val="000000"/>
+                    </a:solidFill>
+                  </a:tcPr>
+                </a:tc>
+                <a:extLst>
+                  <a:ext uri="{0D108BD9-81ED-4DB2-BD59-A6C34878D82A}">
+                    <a16:rowId xmlns:a16="http://schemas.microsoft.com/office/drawing/2014/main" val="10016"/>
+                  </a:ext>
+                </a:extLst>
               </a:tr>
               <a:tr h="195932">
                 <a:tc>
@@ -5185,7 +5420,7 @@
                     <a:lstStyle/>
                     <a:p>
                       <a:pPr defTabSz="457200">
-                        <a:defRPr b="0" sz="1800">
+                        <a:defRPr sz="1800" b="0">
                           <a:solidFill>
                             <a:srgbClr val="000000"/>
                           </a:solidFill>
@@ -5201,11 +5436,11 @@
                           <a:cs typeface="Calibri"/>
                           <a:sym typeface="Calibri"/>
                         </a:rPr>
-                        <a:t>3</a:t>
-                      </a:r>
-                    </a:p>
-                  </a:txBody>
-                  <a:tcPr marL="25400" marR="25400" marT="0" marB="25400" anchor="b" anchorCtr="0" horzOverflow="overflow">
+                        <a:t>7</a:t>
+                      </a:r>
+                    </a:p>
+                  </a:txBody>
+                  <a:tcPr marL="25400" marR="25400" marT="0" marB="25400" anchor="b" horzOverflow="overflow">
                     <a:lnL w="0">
                       <a:miter lim="400000"/>
                     </a:lnL>
@@ -5241,11 +5476,11 @@
                           <a:cs typeface="Calibri"/>
                           <a:sym typeface="Calibri"/>
                         </a:rPr>
-                        <a:t>Espedal</a:t>
-                      </a:r>
-                    </a:p>
-                  </a:txBody>
-                  <a:tcPr marL="25400" marR="25400" marT="0" marB="25400" anchor="b" anchorCtr="0" horzOverflow="overflow">
+                        <a:t>Færøy</a:t>
+                      </a:r>
+                    </a:p>
+                  </a:txBody>
+                  <a:tcPr marL="25400" marR="25400" marT="0" marB="25400" anchor="b" horzOverflow="overflow">
                     <a:lnL w="0">
                       <a:miter lim="400000"/>
                     </a:lnL>
@@ -5281,28 +5516,33 @@
                           <a:cs typeface="Calibri"/>
                           <a:sym typeface="Calibri"/>
                         </a:rPr>
-                        <a:t>Sjur</a:t>
-                      </a:r>
-                    </a:p>
-                  </a:txBody>
-                  <a:tcPr marL="25400" marR="25400" marT="0" marB="25400" anchor="b" anchorCtr="0" horzOverflow="overflow">
-                    <a:lnL w="0">
-                      <a:miter lim="400000"/>
-                    </a:lnL>
-                    <a:lnR w="0">
-                      <a:miter lim="400000"/>
-                    </a:lnR>
-                    <a:lnT w="0">
-                      <a:miter lim="400000"/>
-                    </a:lnT>
-                    <a:lnB w="0">
-                      <a:miter lim="400000"/>
-                    </a:lnB>
-                    <a:solidFill>
-                      <a:srgbClr val="000000"/>
-                    </a:solidFill>
-                  </a:tcPr>
-                </a:tc>
+                        <a:t>Fartein</a:t>
+                      </a:r>
+                    </a:p>
+                  </a:txBody>
+                  <a:tcPr marL="25400" marR="25400" marT="0" marB="25400" anchor="b" horzOverflow="overflow">
+                    <a:lnL w="0">
+                      <a:miter lim="400000"/>
+                    </a:lnL>
+                    <a:lnR w="0">
+                      <a:miter lim="400000"/>
+                    </a:lnR>
+                    <a:lnT w="0">
+                      <a:miter lim="400000"/>
+                    </a:lnT>
+                    <a:lnB w="0">
+                      <a:miter lim="400000"/>
+                    </a:lnB>
+                    <a:solidFill>
+                      <a:srgbClr val="000000"/>
+                    </a:solidFill>
+                  </a:tcPr>
+                </a:tc>
+                <a:extLst>
+                  <a:ext uri="{0D108BD9-81ED-4DB2-BD59-A6C34878D82A}">
+                    <a16:rowId xmlns:a16="http://schemas.microsoft.com/office/drawing/2014/main" val="10017"/>
+                  </a:ext>
+                </a:extLst>
               </a:tr>
               <a:tr h="195932">
                 <a:tc>
@@ -5311,7 +5551,7 @@
                     <a:lstStyle/>
                     <a:p>
                       <a:pPr defTabSz="457200">
-                        <a:defRPr b="0" sz="1800">
+                        <a:defRPr sz="1800" b="0">
                           <a:solidFill>
                             <a:srgbClr val="000000"/>
                           </a:solidFill>
@@ -5327,11 +5567,11 @@
                           <a:cs typeface="Calibri"/>
                           <a:sym typeface="Calibri"/>
                         </a:rPr>
-                        <a:t>7</a:t>
-                      </a:r>
-                    </a:p>
-                  </a:txBody>
-                  <a:tcPr marL="25400" marR="25400" marT="0" marB="25400" anchor="b" anchorCtr="0" horzOverflow="overflow">
+                        <a:t>12</a:t>
+                      </a:r>
+                    </a:p>
+                  </a:txBody>
+                  <a:tcPr marL="25400" marR="25400" marT="0" marB="25400" anchor="b" horzOverflow="overflow">
                     <a:lnL w="0">
                       <a:miter lim="400000"/>
                     </a:lnL>
@@ -5367,11 +5607,11 @@
                           <a:cs typeface="Calibri"/>
                           <a:sym typeface="Calibri"/>
                         </a:rPr>
-                        <a:t>Færøy</a:t>
-                      </a:r>
-                    </a:p>
-                  </a:txBody>
-                  <a:tcPr marL="25400" marR="25400" marT="0" marB="25400" anchor="b" anchorCtr="0" horzOverflow="overflow">
+                        <a:t>Fredheim</a:t>
+                      </a:r>
+                    </a:p>
+                  </a:txBody>
+                  <a:tcPr marL="25400" marR="25400" marT="0" marB="25400" anchor="b" horzOverflow="overflow">
                     <a:lnL w="0">
                       <a:miter lim="400000"/>
                     </a:lnL>
@@ -5407,28 +5647,33 @@
                           <a:cs typeface="Calibri"/>
                           <a:sym typeface="Calibri"/>
                         </a:rPr>
-                        <a:t>Fartein</a:t>
-                      </a:r>
-                    </a:p>
-                  </a:txBody>
-                  <a:tcPr marL="25400" marR="25400" marT="0" marB="25400" anchor="b" anchorCtr="0" horzOverflow="overflow">
-                    <a:lnL w="0">
-                      <a:miter lim="400000"/>
-                    </a:lnL>
-                    <a:lnR w="0">
-                      <a:miter lim="400000"/>
-                    </a:lnR>
-                    <a:lnT w="0">
-                      <a:miter lim="400000"/>
-                    </a:lnT>
-                    <a:lnB w="0">
-                      <a:miter lim="400000"/>
-                    </a:lnB>
-                    <a:solidFill>
-                      <a:srgbClr val="000000"/>
-                    </a:solidFill>
-                  </a:tcPr>
-                </a:tc>
+                        <a:t>Lars Jørgen</a:t>
+                      </a:r>
+                    </a:p>
+                  </a:txBody>
+                  <a:tcPr marL="25400" marR="25400" marT="0" marB="25400" anchor="b" horzOverflow="overflow">
+                    <a:lnL w="0">
+                      <a:miter lim="400000"/>
+                    </a:lnL>
+                    <a:lnR w="0">
+                      <a:miter lim="400000"/>
+                    </a:lnR>
+                    <a:lnT w="0">
+                      <a:miter lim="400000"/>
+                    </a:lnT>
+                    <a:lnB w="0">
+                      <a:miter lim="400000"/>
+                    </a:lnB>
+                    <a:solidFill>
+                      <a:srgbClr val="000000"/>
+                    </a:solidFill>
+                  </a:tcPr>
+                </a:tc>
+                <a:extLst>
+                  <a:ext uri="{0D108BD9-81ED-4DB2-BD59-A6C34878D82A}">
+                    <a16:rowId xmlns:a16="http://schemas.microsoft.com/office/drawing/2014/main" val="10018"/>
+                  </a:ext>
+                </a:extLst>
               </a:tr>
               <a:tr h="195932">
                 <a:tc>
@@ -5437,7 +5682,7 @@
                     <a:lstStyle/>
                     <a:p>
                       <a:pPr defTabSz="457200">
-                        <a:defRPr b="0" sz="1800">
+                        <a:defRPr sz="1800" b="0">
                           <a:solidFill>
                             <a:srgbClr val="000000"/>
                           </a:solidFill>
@@ -5453,11 +5698,11 @@
                           <a:cs typeface="Calibri"/>
                           <a:sym typeface="Calibri"/>
                         </a:rPr>
-                        <a:t>12</a:t>
-                      </a:r>
-                    </a:p>
-                  </a:txBody>
-                  <a:tcPr marL="25400" marR="25400" marT="0" marB="25400" anchor="b" anchorCtr="0" horzOverflow="overflow">
+                        <a:t>5</a:t>
+                      </a:r>
+                    </a:p>
+                  </a:txBody>
+                  <a:tcPr marL="25400" marR="25400" marT="0" marB="25400" anchor="b" horzOverflow="overflow">
                     <a:lnL w="0">
                       <a:miter lim="400000"/>
                     </a:lnL>
@@ -5493,11 +5738,11 @@
                           <a:cs typeface="Calibri"/>
                           <a:sym typeface="Calibri"/>
                         </a:rPr>
-                        <a:t>Fredheim</a:t>
-                      </a:r>
-                    </a:p>
-                  </a:txBody>
-                  <a:tcPr marL="25400" marR="25400" marT="0" marB="25400" anchor="b" anchorCtr="0" horzOverflow="overflow">
+                        <a:t>Fredriksen</a:t>
+                      </a:r>
+                    </a:p>
+                  </a:txBody>
+                  <a:tcPr marL="25400" marR="25400" marT="0" marB="25400" anchor="b" horzOverflow="overflow">
                     <a:lnL w="0">
                       <a:miter lim="400000"/>
                     </a:lnL>
@@ -5533,28 +5778,33 @@
                           <a:cs typeface="Calibri"/>
                           <a:sym typeface="Calibri"/>
                         </a:rPr>
-                        <a:t>Lars Jørgen</a:t>
-                      </a:r>
-                    </a:p>
-                  </a:txBody>
-                  <a:tcPr marL="25400" marR="25400" marT="0" marB="25400" anchor="b" anchorCtr="0" horzOverflow="overflow">
-                    <a:lnL w="0">
-                      <a:miter lim="400000"/>
-                    </a:lnL>
-                    <a:lnR w="0">
-                      <a:miter lim="400000"/>
-                    </a:lnR>
-                    <a:lnT w="0">
-                      <a:miter lim="400000"/>
-                    </a:lnT>
-                    <a:lnB w="0">
-                      <a:miter lim="400000"/>
-                    </a:lnB>
-                    <a:solidFill>
-                      <a:srgbClr val="000000"/>
-                    </a:solidFill>
-                  </a:tcPr>
-                </a:tc>
+                        <a:t>Mari</a:t>
+                      </a:r>
+                    </a:p>
+                  </a:txBody>
+                  <a:tcPr marL="25400" marR="25400" marT="0" marB="25400" anchor="b" horzOverflow="overflow">
+                    <a:lnL w="0">
+                      <a:miter lim="400000"/>
+                    </a:lnL>
+                    <a:lnR w="0">
+                      <a:miter lim="400000"/>
+                    </a:lnR>
+                    <a:lnT w="0">
+                      <a:miter lim="400000"/>
+                    </a:lnT>
+                    <a:lnB w="0">
+                      <a:miter lim="400000"/>
+                    </a:lnB>
+                    <a:solidFill>
+                      <a:srgbClr val="000000"/>
+                    </a:solidFill>
+                  </a:tcPr>
+                </a:tc>
+                <a:extLst>
+                  <a:ext uri="{0D108BD9-81ED-4DB2-BD59-A6C34878D82A}">
+                    <a16:rowId xmlns:a16="http://schemas.microsoft.com/office/drawing/2014/main" val="10019"/>
+                  </a:ext>
+                </a:extLst>
               </a:tr>
               <a:tr h="195932">
                 <a:tc>
@@ -5563,7 +5813,7 @@
                     <a:lstStyle/>
                     <a:p>
                       <a:pPr defTabSz="457200">
-                        <a:defRPr b="0" sz="1800">
+                        <a:defRPr sz="1800" b="0">
                           <a:solidFill>
                             <a:srgbClr val="000000"/>
                           </a:solidFill>
@@ -5579,11 +5829,11 @@
                           <a:cs typeface="Calibri"/>
                           <a:sym typeface="Calibri"/>
                         </a:rPr>
-                        <a:t>5</a:t>
-                      </a:r>
-                    </a:p>
-                  </a:txBody>
-                  <a:tcPr marL="25400" marR="25400" marT="0" marB="25400" anchor="b" anchorCtr="0" horzOverflow="overflow">
+                        <a:t>4</a:t>
+                      </a:r>
+                    </a:p>
+                  </a:txBody>
+                  <a:tcPr marL="25400" marR="25400" marT="0" marB="25400" anchor="b" horzOverflow="overflow">
                     <a:lnL w="0">
                       <a:miter lim="400000"/>
                     </a:lnL>
@@ -5619,11 +5869,11 @@
                           <a:cs typeface="Calibri"/>
                           <a:sym typeface="Calibri"/>
                         </a:rPr>
-                        <a:t>Fredriksen</a:t>
-                      </a:r>
-                    </a:p>
-                  </a:txBody>
-                  <a:tcPr marL="25400" marR="25400" marT="0" marB="25400" anchor="b" anchorCtr="0" horzOverflow="overflow">
+                        <a:t>Frenje</a:t>
+                      </a:r>
+                    </a:p>
+                  </a:txBody>
+                  <a:tcPr marL="25400" marR="25400" marT="0" marB="25400" anchor="b" horzOverflow="overflow">
                     <a:lnL w="0">
                       <a:miter lim="400000"/>
                     </a:lnL>
@@ -5659,28 +5909,33 @@
                           <a:cs typeface="Calibri"/>
                           <a:sym typeface="Calibri"/>
                         </a:rPr>
-                        <a:t>Mari</a:t>
-                      </a:r>
-                    </a:p>
-                  </a:txBody>
-                  <a:tcPr marL="25400" marR="25400" marT="0" marB="25400" anchor="b" anchorCtr="0" horzOverflow="overflow">
-                    <a:lnL w="0">
-                      <a:miter lim="400000"/>
-                    </a:lnL>
-                    <a:lnR w="0">
-                      <a:miter lim="400000"/>
-                    </a:lnR>
-                    <a:lnT w="0">
-                      <a:miter lim="400000"/>
-                    </a:lnT>
-                    <a:lnB w="0">
-                      <a:miter lim="400000"/>
-                    </a:lnB>
-                    <a:solidFill>
-                      <a:srgbClr val="000000"/>
-                    </a:solidFill>
-                  </a:tcPr>
-                </a:tc>
+                        <a:t>Marcus</a:t>
+                      </a:r>
+                    </a:p>
+                  </a:txBody>
+                  <a:tcPr marL="25400" marR="25400" marT="0" marB="25400" anchor="b" horzOverflow="overflow">
+                    <a:lnL w="0">
+                      <a:miter lim="400000"/>
+                    </a:lnL>
+                    <a:lnR w="0">
+                      <a:miter lim="400000"/>
+                    </a:lnR>
+                    <a:lnT w="0">
+                      <a:miter lim="400000"/>
+                    </a:lnT>
+                    <a:lnB w="0">
+                      <a:miter lim="400000"/>
+                    </a:lnB>
+                    <a:solidFill>
+                      <a:srgbClr val="000000"/>
+                    </a:solidFill>
+                  </a:tcPr>
+                </a:tc>
+                <a:extLst>
+                  <a:ext uri="{0D108BD9-81ED-4DB2-BD59-A6C34878D82A}">
+                    <a16:rowId xmlns:a16="http://schemas.microsoft.com/office/drawing/2014/main" val="10020"/>
+                  </a:ext>
+                </a:extLst>
               </a:tr>
               <a:tr h="195932">
                 <a:tc>
@@ -5689,7 +5944,7 @@
                     <a:lstStyle/>
                     <a:p>
                       <a:pPr defTabSz="457200">
-                        <a:defRPr b="0" sz="1800">
+                        <a:defRPr sz="1800" b="0">
                           <a:solidFill>
                             <a:srgbClr val="000000"/>
                           </a:solidFill>
@@ -5705,11 +5960,11 @@
                           <a:cs typeface="Calibri"/>
                           <a:sym typeface="Calibri"/>
                         </a:rPr>
-                        <a:t>4</a:t>
-                      </a:r>
-                    </a:p>
-                  </a:txBody>
-                  <a:tcPr marL="25400" marR="25400" marT="0" marB="25400" anchor="b" anchorCtr="0" horzOverflow="overflow">
+                        <a:t>10</a:t>
+                      </a:r>
+                    </a:p>
+                  </a:txBody>
+                  <a:tcPr marL="25400" marR="25400" marT="0" marB="25400" anchor="b" horzOverflow="overflow">
                     <a:lnL w="0">
                       <a:miter lim="400000"/>
                     </a:lnL>
@@ -5745,11 +6000,11 @@
                           <a:cs typeface="Calibri"/>
                           <a:sym typeface="Calibri"/>
                         </a:rPr>
-                        <a:t>Frenje</a:t>
-                      </a:r>
-                    </a:p>
-                  </a:txBody>
-                  <a:tcPr marL="25400" marR="25400" marT="0" marB="25400" anchor="b" anchorCtr="0" horzOverflow="overflow">
+                        <a:t>Gnanasekaran</a:t>
+                      </a:r>
+                    </a:p>
+                  </a:txBody>
+                  <a:tcPr marL="25400" marR="25400" marT="0" marB="25400" anchor="b" horzOverflow="overflow">
                     <a:lnL w="0">
                       <a:miter lim="400000"/>
                     </a:lnL>
@@ -5785,28 +6040,33 @@
                           <a:cs typeface="Calibri"/>
                           <a:sym typeface="Calibri"/>
                         </a:rPr>
-                        <a:t>Marcus</a:t>
-                      </a:r>
-                    </a:p>
-                  </a:txBody>
-                  <a:tcPr marL="25400" marR="25400" marT="0" marB="25400" anchor="b" anchorCtr="0" horzOverflow="overflow">
-                    <a:lnL w="0">
-                      <a:miter lim="400000"/>
-                    </a:lnL>
-                    <a:lnR w="0">
-                      <a:miter lim="400000"/>
-                    </a:lnR>
-                    <a:lnT w="0">
-                      <a:miter lim="400000"/>
-                    </a:lnT>
-                    <a:lnB w="0">
-                      <a:miter lim="400000"/>
-                    </a:lnB>
-                    <a:solidFill>
-                      <a:srgbClr val="000000"/>
-                    </a:solidFill>
-                  </a:tcPr>
-                </a:tc>
+                        <a:t>Vahiny</a:t>
+                      </a:r>
+                    </a:p>
+                  </a:txBody>
+                  <a:tcPr marL="25400" marR="25400" marT="0" marB="25400" anchor="b" horzOverflow="overflow">
+                    <a:lnL w="0">
+                      <a:miter lim="400000"/>
+                    </a:lnL>
+                    <a:lnR w="0">
+                      <a:miter lim="400000"/>
+                    </a:lnR>
+                    <a:lnT w="0">
+                      <a:miter lim="400000"/>
+                    </a:lnT>
+                    <a:lnB w="0">
+                      <a:miter lim="400000"/>
+                    </a:lnB>
+                    <a:solidFill>
+                      <a:srgbClr val="000000"/>
+                    </a:solidFill>
+                  </a:tcPr>
+                </a:tc>
+                <a:extLst>
+                  <a:ext uri="{0D108BD9-81ED-4DB2-BD59-A6C34878D82A}">
+                    <a16:rowId xmlns:a16="http://schemas.microsoft.com/office/drawing/2014/main" val="10021"/>
+                  </a:ext>
+                </a:extLst>
               </a:tr>
               <a:tr h="195932">
                 <a:tc>
@@ -5815,7 +6075,7 @@
                     <a:lstStyle/>
                     <a:p>
                       <a:pPr defTabSz="457200">
-                        <a:defRPr b="0" sz="1800">
+                        <a:defRPr sz="1800" b="0">
                           <a:solidFill>
                             <a:srgbClr val="000000"/>
                           </a:solidFill>
@@ -5831,11 +6091,11 @@
                           <a:cs typeface="Calibri"/>
                           <a:sym typeface="Calibri"/>
                         </a:rPr>
-                        <a:t>10</a:t>
-                      </a:r>
-                    </a:p>
-                  </a:txBody>
-                  <a:tcPr marL="25400" marR="25400" marT="0" marB="25400" anchor="b" anchorCtr="0" horzOverflow="overflow">
+                        <a:t>5</a:t>
+                      </a:r>
+                    </a:p>
+                  </a:txBody>
+                  <a:tcPr marL="25400" marR="25400" marT="0" marB="25400" anchor="b" horzOverflow="overflow">
                     <a:lnL w="0">
                       <a:miter lim="400000"/>
                     </a:lnL>
@@ -5871,11 +6131,11 @@
                           <a:cs typeface="Calibri"/>
                           <a:sym typeface="Calibri"/>
                         </a:rPr>
-                        <a:t>Gnanasekaran</a:t>
-                      </a:r>
-                    </a:p>
-                  </a:txBody>
-                  <a:tcPr marL="25400" marR="25400" marT="0" marB="25400" anchor="b" anchorCtr="0" horzOverflow="overflow">
+                        <a:t>Grimsgaard</a:t>
+                      </a:r>
+                    </a:p>
+                  </a:txBody>
+                  <a:tcPr marL="25400" marR="25400" marT="0" marB="25400" anchor="b" horzOverflow="overflow">
                     <a:lnL w="0">
                       <a:miter lim="400000"/>
                     </a:lnL>
@@ -5911,28 +6171,33 @@
                           <a:cs typeface="Calibri"/>
                           <a:sym typeface="Calibri"/>
                         </a:rPr>
-                        <a:t>Vahiny</a:t>
-                      </a:r>
-                    </a:p>
-                  </a:txBody>
-                  <a:tcPr marL="25400" marR="25400" marT="0" marB="25400" anchor="b" anchorCtr="0" horzOverflow="overflow">
-                    <a:lnL w="0">
-                      <a:miter lim="400000"/>
-                    </a:lnL>
-                    <a:lnR w="0">
-                      <a:miter lim="400000"/>
-                    </a:lnR>
-                    <a:lnT w="0">
-                      <a:miter lim="400000"/>
-                    </a:lnT>
-                    <a:lnB w="0">
-                      <a:miter lim="400000"/>
-                    </a:lnB>
-                    <a:solidFill>
-                      <a:srgbClr val="000000"/>
-                    </a:solidFill>
-                  </a:tcPr>
-                </a:tc>
+                        <a:t>Stian Tornholm</a:t>
+                      </a:r>
+                    </a:p>
+                  </a:txBody>
+                  <a:tcPr marL="25400" marR="25400" marT="0" marB="25400" anchor="b" horzOverflow="overflow">
+                    <a:lnL w="0">
+                      <a:miter lim="400000"/>
+                    </a:lnL>
+                    <a:lnR w="0">
+                      <a:miter lim="400000"/>
+                    </a:lnR>
+                    <a:lnT w="0">
+                      <a:miter lim="400000"/>
+                    </a:lnT>
+                    <a:lnB w="0">
+                      <a:miter lim="400000"/>
+                    </a:lnB>
+                    <a:solidFill>
+                      <a:srgbClr val="000000"/>
+                    </a:solidFill>
+                  </a:tcPr>
+                </a:tc>
+                <a:extLst>
+                  <a:ext uri="{0D108BD9-81ED-4DB2-BD59-A6C34878D82A}">
+                    <a16:rowId xmlns:a16="http://schemas.microsoft.com/office/drawing/2014/main" val="10022"/>
+                  </a:ext>
+                </a:extLst>
               </a:tr>
               <a:tr h="195932">
                 <a:tc>
@@ -5941,7 +6206,7 @@
                     <a:lstStyle/>
                     <a:p>
                       <a:pPr defTabSz="457200">
-                        <a:defRPr b="0" sz="1800">
+                        <a:defRPr sz="1800" b="0">
                           <a:solidFill>
                             <a:srgbClr val="000000"/>
                           </a:solidFill>
@@ -5957,11 +6222,11 @@
                           <a:cs typeface="Calibri"/>
                           <a:sym typeface="Calibri"/>
                         </a:rPr>
-                        <a:t>5</a:t>
-                      </a:r>
-                    </a:p>
-                  </a:txBody>
-                  <a:tcPr marL="25400" marR="25400" marT="0" marB="25400" anchor="b" anchorCtr="0" horzOverflow="overflow">
+                        <a:t>3</a:t>
+                      </a:r>
+                    </a:p>
+                  </a:txBody>
+                  <a:tcPr marL="25400" marR="25400" marT="0" marB="25400" anchor="b" horzOverflow="overflow">
                     <a:lnL w="0">
                       <a:miter lim="400000"/>
                     </a:lnL>
@@ -5997,11 +6262,11 @@
                           <a:cs typeface="Calibri"/>
                           <a:sym typeface="Calibri"/>
                         </a:rPr>
-                        <a:t>Grimsgaard</a:t>
-                      </a:r>
-                    </a:p>
-                  </a:txBody>
-                  <a:tcPr marL="25400" marR="25400" marT="0" marB="25400" anchor="b" anchorCtr="0" horzOverflow="overflow">
+                        <a:t>Grujic</a:t>
+                      </a:r>
+                    </a:p>
+                  </a:txBody>
+                  <a:tcPr marL="25400" marR="25400" marT="0" marB="25400" anchor="b" horzOverflow="overflow">
                     <a:lnL w="0">
                       <a:miter lim="400000"/>
                     </a:lnL>
@@ -6037,28 +6302,33 @@
                           <a:cs typeface="Calibri"/>
                           <a:sym typeface="Calibri"/>
                         </a:rPr>
-                        <a:t>Stian Tornholm</a:t>
-                      </a:r>
-                    </a:p>
-                  </a:txBody>
-                  <a:tcPr marL="25400" marR="25400" marT="0" marB="25400" anchor="b" anchorCtr="0" horzOverflow="overflow">
-                    <a:lnL w="0">
-                      <a:miter lim="400000"/>
-                    </a:lnL>
-                    <a:lnR w="0">
-                      <a:miter lim="400000"/>
-                    </a:lnR>
-                    <a:lnT w="0">
-                      <a:miter lim="400000"/>
-                    </a:lnT>
-                    <a:lnB w="0">
-                      <a:miter lim="400000"/>
-                    </a:lnB>
-                    <a:solidFill>
-                      <a:srgbClr val="000000"/>
-                    </a:solidFill>
-                  </a:tcPr>
-                </a:tc>
+                        <a:t>Luka</a:t>
+                      </a:r>
+                    </a:p>
+                  </a:txBody>
+                  <a:tcPr marL="25400" marR="25400" marT="0" marB="25400" anchor="b" horzOverflow="overflow">
+                    <a:lnL w="0">
+                      <a:miter lim="400000"/>
+                    </a:lnL>
+                    <a:lnR w="0">
+                      <a:miter lim="400000"/>
+                    </a:lnR>
+                    <a:lnT w="0">
+                      <a:miter lim="400000"/>
+                    </a:lnT>
+                    <a:lnB w="0">
+                      <a:miter lim="400000"/>
+                    </a:lnB>
+                    <a:solidFill>
+                      <a:srgbClr val="000000"/>
+                    </a:solidFill>
+                  </a:tcPr>
+                </a:tc>
+                <a:extLst>
+                  <a:ext uri="{0D108BD9-81ED-4DB2-BD59-A6C34878D82A}">
+                    <a16:rowId xmlns:a16="http://schemas.microsoft.com/office/drawing/2014/main" val="10023"/>
+                  </a:ext>
+                </a:extLst>
               </a:tr>
               <a:tr h="195932">
                 <a:tc>
@@ -6067,7 +6337,7 @@
                     <a:lstStyle/>
                     <a:p>
                       <a:pPr defTabSz="457200">
-                        <a:defRPr b="0" sz="1800">
+                        <a:defRPr sz="1800" b="0">
                           <a:solidFill>
                             <a:srgbClr val="000000"/>
                           </a:solidFill>
@@ -6083,11 +6353,11 @@
                           <a:cs typeface="Calibri"/>
                           <a:sym typeface="Calibri"/>
                         </a:rPr>
-                        <a:t>3</a:t>
-                      </a:r>
-                    </a:p>
-                  </a:txBody>
-                  <a:tcPr marL="25400" marR="25400" marT="0" marB="25400" anchor="b" anchorCtr="0" horzOverflow="overflow">
+                        <a:t>4</a:t>
+                      </a:r>
+                    </a:p>
+                  </a:txBody>
+                  <a:tcPr marL="25400" marR="25400" marT="0" marB="25400" anchor="b" horzOverflow="overflow">
                     <a:lnL w="0">
                       <a:miter lim="400000"/>
                     </a:lnL>
@@ -6123,11 +6393,11 @@
                           <a:cs typeface="Calibri"/>
                           <a:sym typeface="Calibri"/>
                         </a:rPr>
-                        <a:t>Grujic</a:t>
-                      </a:r>
-                    </a:p>
-                  </a:txBody>
-                  <a:tcPr marL="25400" marR="25400" marT="0" marB="25400" anchor="b" anchorCtr="0" horzOverflow="overflow">
+                        <a:t>Gundersen</a:t>
+                      </a:r>
+                    </a:p>
+                  </a:txBody>
+                  <a:tcPr marL="25400" marR="25400" marT="0" marB="25400" anchor="b" horzOverflow="overflow">
                     <a:lnL w="0">
                       <a:miter lim="400000"/>
                     </a:lnL>
@@ -6154,7 +6424,7 @@
                         <a:defRPr sz="1800"/>
                       </a:pPr>
                       <a:r>
-                        <a:rPr sz="2500">
+                        <a:rPr sz="2500" dirty="0">
                           <a:solidFill>
                             <a:srgbClr val="A7A7A7"/>
                           </a:solidFill>
@@ -6163,154 +6433,33 @@
                           <a:cs typeface="Calibri"/>
                           <a:sym typeface="Calibri"/>
                         </a:rPr>
-                        <a:t>Luka</a:t>
-                      </a:r>
-                    </a:p>
-                  </a:txBody>
-                  <a:tcPr marL="25400" marR="25400" marT="0" marB="25400" anchor="b" anchorCtr="0" horzOverflow="overflow">
-                    <a:lnL w="0">
-                      <a:miter lim="400000"/>
-                    </a:lnL>
-                    <a:lnR w="0">
-                      <a:miter lim="400000"/>
-                    </a:lnR>
-                    <a:lnT w="0">
-                      <a:miter lim="400000"/>
-                    </a:lnT>
-                    <a:lnB w="0">
-                      <a:miter lim="400000"/>
-                    </a:lnB>
-                    <a:solidFill>
-                      <a:srgbClr val="000000"/>
-                    </a:solidFill>
-                  </a:tcPr>
-                </a:tc>
-              </a:tr>
-              <a:tr h="195932">
-                <a:tc>
-                  <a:txBody>
-                    <a:bodyPr/>
-                    <a:lstStyle/>
-                    <a:p>
-                      <a:pPr defTabSz="457200">
-                        <a:defRPr b="0" sz="1800">
-                          <a:solidFill>
-                            <a:srgbClr val="000000"/>
-                          </a:solidFill>
-                        </a:defRPr>
-                      </a:pPr>
-                      <a:r>
-                        <a:rPr sz="2500">
-                          <a:solidFill>
-                            <a:srgbClr val="F74D63"/>
-                          </a:solidFill>
-                          <a:latin typeface="Calibri"/>
-                          <a:ea typeface="Calibri"/>
-                          <a:cs typeface="Calibri"/>
-                          <a:sym typeface="Calibri"/>
-                        </a:rPr>
-                        <a:t>4</a:t>
-                      </a:r>
-                    </a:p>
-                  </a:txBody>
-                  <a:tcPr marL="25400" marR="25400" marT="0" marB="25400" anchor="b" anchorCtr="0" horzOverflow="overflow">
-                    <a:lnL w="0">
-                      <a:miter lim="400000"/>
-                    </a:lnL>
-                    <a:lnR w="0">
-                      <a:miter lim="400000"/>
-                    </a:lnR>
-                    <a:lnT w="0">
-                      <a:miter lim="400000"/>
-                    </a:lnT>
-                    <a:lnB w="0">
-                      <a:miter lim="400000"/>
-                    </a:lnB>
-                    <a:solidFill>
-                      <a:srgbClr val="000000"/>
-                    </a:solidFill>
-                  </a:tcPr>
-                </a:tc>
-                <a:tc>
-                  <a:txBody>
-                    <a:bodyPr/>
-                    <a:lstStyle/>
-                    <a:p>
-                      <a:pPr algn="l" defTabSz="457200">
-                        <a:defRPr sz="1800"/>
-                      </a:pPr>
-                      <a:r>
-                        <a:rPr sz="2500">
-                          <a:solidFill>
-                            <a:srgbClr val="FFFFFF"/>
-                          </a:solidFill>
-                          <a:latin typeface="Calibri"/>
-                          <a:ea typeface="Calibri"/>
-                          <a:cs typeface="Calibri"/>
-                          <a:sym typeface="Calibri"/>
-                        </a:rPr>
-                        <a:t>Gundersen</a:t>
-                      </a:r>
-                    </a:p>
-                  </a:txBody>
-                  <a:tcPr marL="25400" marR="25400" marT="0" marB="25400" anchor="b" anchorCtr="0" horzOverflow="overflow">
-                    <a:lnL w="0">
-                      <a:miter lim="400000"/>
-                    </a:lnL>
-                    <a:lnR w="0">
-                      <a:miter lim="400000"/>
-                    </a:lnR>
-                    <a:lnT w="0">
-                      <a:miter lim="400000"/>
-                    </a:lnT>
-                    <a:lnB w="0">
-                      <a:miter lim="400000"/>
-                    </a:lnB>
-                    <a:solidFill>
-                      <a:srgbClr val="000000"/>
-                    </a:solidFill>
-                  </a:tcPr>
-                </a:tc>
-                <a:tc>
-                  <a:txBody>
-                    <a:bodyPr/>
-                    <a:lstStyle/>
-                    <a:p>
-                      <a:pPr algn="l" defTabSz="457200">
-                        <a:defRPr sz="1800"/>
-                      </a:pPr>
-                      <a:r>
-                        <a:rPr sz="2500">
-                          <a:solidFill>
-                            <a:srgbClr val="A7A7A7"/>
-                          </a:solidFill>
-                          <a:latin typeface="Calibri"/>
-                          <a:ea typeface="Calibri"/>
-                          <a:cs typeface="Calibri"/>
-                          <a:sym typeface="Calibri"/>
-                        </a:rPr>
                         <a:t>Irina</a:t>
                       </a:r>
                     </a:p>
                   </a:txBody>
-                  <a:tcPr marL="25400" marR="25400" marT="0" marB="25400" anchor="b" anchorCtr="0" horzOverflow="overflow">
-                    <a:lnL w="0">
-                      <a:miter lim="400000"/>
-                    </a:lnL>
-                    <a:lnR w="0">
-                      <a:miter lim="400000"/>
-                    </a:lnR>
-                    <a:lnT w="0">
-                      <a:miter lim="400000"/>
-                    </a:lnT>
-                    <a:lnB w="0">
-                      <a:miter lim="400000"/>
-                    </a:lnB>
-                    <a:solidFill>
-                      <a:srgbClr val="000000"/>
-                    </a:solidFill>
-                  </a:tcPr>
-                </a:tc>
+                  <a:tcPr marL="25400" marR="25400" marT="0" marB="25400" anchor="b" horzOverflow="overflow">
+                    <a:lnL w="0">
+                      <a:miter lim="400000"/>
+                    </a:lnL>
+                    <a:lnR w="0">
+                      <a:miter lim="400000"/>
+                    </a:lnR>
+                    <a:lnT w="0">
+                      <a:miter lim="400000"/>
+                    </a:lnT>
+                    <a:lnB w="0">
+                      <a:miter lim="400000"/>
+                    </a:lnB>
+                    <a:solidFill>
+                      <a:srgbClr val="000000"/>
+                    </a:solidFill>
+                  </a:tcPr>
+                </a:tc>
+                <a:extLst>
+                  <a:ext uri="{0D108BD9-81ED-4DB2-BD59-A6C34878D82A}">
+                    <a16:rowId xmlns:a16="http://schemas.microsoft.com/office/drawing/2014/main" val="10024"/>
+                  </a:ext>
+                </a:extLst>
               </a:tr>
             </a:tbl>
           </a:graphicData>
@@ -6324,18 +6473,36 @@
         </p:nvGraphicFramePr>
         <p:xfrm>
           <a:off x="8282657" y="2343150"/>
-          <a:ext cx="3733801" cy="4702374"/>
+          <a:ext cx="4860130" cy="10388600"/>
         </p:xfrm>
-        <a:graphic xmlns:a="http://schemas.openxmlformats.org/drawingml/2006/main">
+        <a:graphic>
           <a:graphicData uri="http://schemas.openxmlformats.org/drawingml/2006/table">
             <a:tbl>
-              <a:tblPr firstCol="1" firstRow="0" lastCol="0" lastRow="0" bandCol="0" bandRow="0" rtl="0">
+              <a:tblPr firstCol="1">
                 <a:tableStyleId>{4C3C2611-4C71-4FC5-86AE-919BDF0F9419}</a:tableStyleId>
               </a:tblPr>
               <a:tblGrid>
-                <a:gridCol w="525462"/>
-                <a:gridCol w="1652488"/>
-                <a:gridCol w="2682180"/>
+                <a:gridCol w="525462">
+                  <a:extLst>
+                    <a:ext uri="{9D8B030D-6E8A-4147-A177-3AD203B41FA5}">
+                      <a16:colId xmlns:a16="http://schemas.microsoft.com/office/drawing/2014/main" val="20000"/>
+                    </a:ext>
+                  </a:extLst>
+                </a:gridCol>
+                <a:gridCol w="1652488">
+                  <a:extLst>
+                    <a:ext uri="{9D8B030D-6E8A-4147-A177-3AD203B41FA5}">
+                      <a16:colId xmlns:a16="http://schemas.microsoft.com/office/drawing/2014/main" val="20001"/>
+                    </a:ext>
+                  </a:extLst>
+                </a:gridCol>
+                <a:gridCol w="2682180">
+                  <a:extLst>
+                    <a:ext uri="{9D8B030D-6E8A-4147-A177-3AD203B41FA5}">
+                      <a16:colId xmlns:a16="http://schemas.microsoft.com/office/drawing/2014/main" val="20002"/>
+                    </a:ext>
+                  </a:extLst>
+                </a:gridCol>
               </a:tblGrid>
               <a:tr h="228600">
                 <a:tc gridSpan="3">
@@ -6344,7 +6511,7 @@
                     <a:lstStyle/>
                     <a:p>
                       <a:pPr defTabSz="457200">
-                        <a:defRPr b="0" sz="1800">
+                        <a:defRPr sz="1800" b="0">
                           <a:solidFill>
                             <a:srgbClr val="000000"/>
                           </a:solidFill>
@@ -6361,7 +6528,7 @@
                       </a:r>
                     </a:p>
                   </a:txBody>
-                  <a:tcPr marL="0" marR="0" marT="0" marB="0" anchor="ctr" anchorCtr="0" horzOverflow="overflow">
+                  <a:tcPr marL="0" marR="0" marT="0" marB="0" anchor="ctr" horzOverflow="overflow">
                     <a:lnL/>
                     <a:lnR/>
                     <a:lnT/>
@@ -6376,11 +6543,30 @@
                   </a:tcPr>
                 </a:tc>
                 <a:tc hMerge="1">
+                  <a:txBody>
+                    <a:bodyPr/>
+                    <a:lstStyle/>
+                    <a:p>
+                      <a:endParaRPr lang="nb-NO"/>
+                    </a:p>
+                  </a:txBody>
                   <a:tcPr/>
                 </a:tc>
                 <a:tc hMerge="1">
+                  <a:txBody>
+                    <a:bodyPr/>
+                    <a:lstStyle/>
+                    <a:p>
+                      <a:endParaRPr lang="nb-NO"/>
+                    </a:p>
+                  </a:txBody>
                   <a:tcPr/>
                 </a:tc>
+                <a:extLst>
+                  <a:ext uri="{0D108BD9-81ED-4DB2-BD59-A6C34878D82A}">
+                    <a16:rowId xmlns:a16="http://schemas.microsoft.com/office/drawing/2014/main" val="10000"/>
+                  </a:ext>
+                </a:extLst>
               </a:tr>
               <a:tr h="195932">
                 <a:tc>
@@ -6389,7 +6575,7 @@
                     <a:lstStyle/>
                     <a:p>
                       <a:pPr defTabSz="457200">
-                        <a:defRPr b="0" sz="1800">
+                        <a:defRPr sz="1800" b="0">
                           <a:solidFill>
                             <a:srgbClr val="000000"/>
                           </a:solidFill>
@@ -6409,7 +6595,7 @@
                       </a:r>
                     </a:p>
                   </a:txBody>
-                  <a:tcPr marL="25400" marR="25400" marT="0" marB="25400" anchor="b" anchorCtr="0" horzOverflow="overflow">
+                  <a:tcPr marL="25400" marR="25400" marT="0" marB="25400" anchor="b" horzOverflow="overflow">
                     <a:lnL w="0">
                       <a:miter lim="400000"/>
                     </a:lnL>
@@ -6449,7 +6635,7 @@
                       </a:r>
                     </a:p>
                   </a:txBody>
-                  <a:tcPr marL="25400" marR="25400" marT="0" marB="25400" anchor="b" anchorCtr="0" horzOverflow="overflow">
+                  <a:tcPr marL="25400" marR="25400" marT="0" marB="25400" anchor="b" horzOverflow="overflow">
                     <a:lnL w="0">
                       <a:miter lim="400000"/>
                     </a:lnL>
@@ -6489,24 +6675,29 @@
                       </a:r>
                     </a:p>
                   </a:txBody>
-                  <a:tcPr marL="25400" marR="25400" marT="0" marB="25400" anchor="b" anchorCtr="0" horzOverflow="overflow">
-                    <a:lnL w="0">
-                      <a:miter lim="400000"/>
-                    </a:lnL>
-                    <a:lnR w="0">
-                      <a:miter lim="400000"/>
-                    </a:lnR>
-                    <a:lnT w="0">
-                      <a:miter lim="400000"/>
-                    </a:lnT>
-                    <a:lnB w="0">
-                      <a:miter lim="400000"/>
-                    </a:lnB>
-                    <a:solidFill>
-                      <a:srgbClr val="000000"/>
-                    </a:solidFill>
-                  </a:tcPr>
-                </a:tc>
+                  <a:tcPr marL="25400" marR="25400" marT="0" marB="25400" anchor="b" horzOverflow="overflow">
+                    <a:lnL w="0">
+                      <a:miter lim="400000"/>
+                    </a:lnL>
+                    <a:lnR w="0">
+                      <a:miter lim="400000"/>
+                    </a:lnR>
+                    <a:lnT w="0">
+                      <a:miter lim="400000"/>
+                    </a:lnT>
+                    <a:lnB w="0">
+                      <a:miter lim="400000"/>
+                    </a:lnB>
+                    <a:solidFill>
+                      <a:srgbClr val="000000"/>
+                    </a:solidFill>
+                  </a:tcPr>
+                </a:tc>
+                <a:extLst>
+                  <a:ext uri="{0D108BD9-81ED-4DB2-BD59-A6C34878D82A}">
+                    <a16:rowId xmlns:a16="http://schemas.microsoft.com/office/drawing/2014/main" val="10001"/>
+                  </a:ext>
+                </a:extLst>
               </a:tr>
               <a:tr h="195932">
                 <a:tc>
@@ -6515,7 +6706,7 @@
                     <a:lstStyle/>
                     <a:p>
                       <a:pPr defTabSz="457200">
-                        <a:defRPr b="0" sz="1800">
+                        <a:defRPr sz="1800" b="0">
                           <a:solidFill>
                             <a:srgbClr val="000000"/>
                           </a:solidFill>
@@ -6535,7 +6726,7 @@
                       </a:r>
                     </a:p>
                   </a:txBody>
-                  <a:tcPr marL="25400" marR="25400" marT="0" marB="25400" anchor="b" anchorCtr="0" horzOverflow="overflow">
+                  <a:tcPr marL="25400" marR="25400" marT="0" marB="25400" anchor="b" horzOverflow="overflow">
                     <a:lnL w="0">
                       <a:miter lim="400000"/>
                     </a:lnL>
@@ -6575,7 +6766,7 @@
                       </a:r>
                     </a:p>
                   </a:txBody>
-                  <a:tcPr marL="25400" marR="25400" marT="0" marB="25400" anchor="b" anchorCtr="0" horzOverflow="overflow">
+                  <a:tcPr marL="25400" marR="25400" marT="0" marB="25400" anchor="b" horzOverflow="overflow">
                     <a:lnL w="0">
                       <a:miter lim="400000"/>
                     </a:lnL>
@@ -6615,24 +6806,29 @@
                       </a:r>
                     </a:p>
                   </a:txBody>
-                  <a:tcPr marL="25400" marR="25400" marT="0" marB="25400" anchor="b" anchorCtr="0" horzOverflow="overflow">
-                    <a:lnL w="0">
-                      <a:miter lim="400000"/>
-                    </a:lnL>
-                    <a:lnR w="0">
-                      <a:miter lim="400000"/>
-                    </a:lnR>
-                    <a:lnT w="0">
-                      <a:miter lim="400000"/>
-                    </a:lnT>
-                    <a:lnB w="0">
-                      <a:miter lim="400000"/>
-                    </a:lnB>
-                    <a:solidFill>
-                      <a:srgbClr val="000000"/>
-                    </a:solidFill>
-                  </a:tcPr>
-                </a:tc>
+                  <a:tcPr marL="25400" marR="25400" marT="0" marB="25400" anchor="b" horzOverflow="overflow">
+                    <a:lnL w="0">
+                      <a:miter lim="400000"/>
+                    </a:lnL>
+                    <a:lnR w="0">
+                      <a:miter lim="400000"/>
+                    </a:lnR>
+                    <a:lnT w="0">
+                      <a:miter lim="400000"/>
+                    </a:lnT>
+                    <a:lnB w="0">
+                      <a:miter lim="400000"/>
+                    </a:lnB>
+                    <a:solidFill>
+                      <a:srgbClr val="000000"/>
+                    </a:solidFill>
+                  </a:tcPr>
+                </a:tc>
+                <a:extLst>
+                  <a:ext uri="{0D108BD9-81ED-4DB2-BD59-A6C34878D82A}">
+                    <a16:rowId xmlns:a16="http://schemas.microsoft.com/office/drawing/2014/main" val="10002"/>
+                  </a:ext>
+                </a:extLst>
               </a:tr>
               <a:tr h="195932">
                 <a:tc>
@@ -6641,7 +6837,7 @@
                     <a:lstStyle/>
                     <a:p>
                       <a:pPr defTabSz="457200">
-                        <a:defRPr b="0" sz="1800">
+                        <a:defRPr sz="1800" b="0">
                           <a:solidFill>
                             <a:srgbClr val="000000"/>
                           </a:solidFill>
@@ -6661,7 +6857,7 @@
                       </a:r>
                     </a:p>
                   </a:txBody>
-                  <a:tcPr marL="25400" marR="25400" marT="0" marB="25400" anchor="b" anchorCtr="0" horzOverflow="overflow">
+                  <a:tcPr marL="25400" marR="25400" marT="0" marB="25400" anchor="b" horzOverflow="overflow">
                     <a:lnL w="0">
                       <a:miter lim="400000"/>
                     </a:lnL>
@@ -6701,7 +6897,7 @@
                       </a:r>
                     </a:p>
                   </a:txBody>
-                  <a:tcPr marL="25400" marR="25400" marT="0" marB="25400" anchor="b" anchorCtr="0" horzOverflow="overflow">
+                  <a:tcPr marL="25400" marR="25400" marT="0" marB="25400" anchor="b" horzOverflow="overflow">
                     <a:lnL w="0">
                       <a:miter lim="400000"/>
                     </a:lnL>
@@ -6741,24 +6937,29 @@
                       </a:r>
                     </a:p>
                   </a:txBody>
-                  <a:tcPr marL="25400" marR="25400" marT="0" marB="25400" anchor="b" anchorCtr="0" horzOverflow="overflow">
-                    <a:lnL w="0">
-                      <a:miter lim="400000"/>
-                    </a:lnL>
-                    <a:lnR w="0">
-                      <a:miter lim="400000"/>
-                    </a:lnR>
-                    <a:lnT w="0">
-                      <a:miter lim="400000"/>
-                    </a:lnT>
-                    <a:lnB w="0">
-                      <a:miter lim="400000"/>
-                    </a:lnB>
-                    <a:solidFill>
-                      <a:srgbClr val="000000"/>
-                    </a:solidFill>
-                  </a:tcPr>
-                </a:tc>
+                  <a:tcPr marL="25400" marR="25400" marT="0" marB="25400" anchor="b" horzOverflow="overflow">
+                    <a:lnL w="0">
+                      <a:miter lim="400000"/>
+                    </a:lnL>
+                    <a:lnR w="0">
+                      <a:miter lim="400000"/>
+                    </a:lnR>
+                    <a:lnT w="0">
+                      <a:miter lim="400000"/>
+                    </a:lnT>
+                    <a:lnB w="0">
+                      <a:miter lim="400000"/>
+                    </a:lnB>
+                    <a:solidFill>
+                      <a:srgbClr val="000000"/>
+                    </a:solidFill>
+                  </a:tcPr>
+                </a:tc>
+                <a:extLst>
+                  <a:ext uri="{0D108BD9-81ED-4DB2-BD59-A6C34878D82A}">
+                    <a16:rowId xmlns:a16="http://schemas.microsoft.com/office/drawing/2014/main" val="10003"/>
+                  </a:ext>
+                </a:extLst>
               </a:tr>
               <a:tr h="195932">
                 <a:tc>
@@ -6767,7 +6968,7 @@
                     <a:lstStyle/>
                     <a:p>
                       <a:pPr defTabSz="457200">
-                        <a:defRPr b="0" sz="1800">
+                        <a:defRPr sz="1800" b="0">
                           <a:solidFill>
                             <a:srgbClr val="000000"/>
                           </a:solidFill>
@@ -6787,7 +6988,7 @@
                       </a:r>
                     </a:p>
                   </a:txBody>
-                  <a:tcPr marL="25400" marR="25400" marT="0" marB="25400" anchor="b" anchorCtr="0" horzOverflow="overflow">
+                  <a:tcPr marL="25400" marR="25400" marT="0" marB="25400" anchor="b" horzOverflow="overflow">
                     <a:lnL w="0">
                       <a:miter lim="400000"/>
                     </a:lnL>
@@ -6827,7 +7028,7 @@
                       </a:r>
                     </a:p>
                   </a:txBody>
-                  <a:tcPr marL="25400" marR="25400" marT="0" marB="25400" anchor="b" anchorCtr="0" horzOverflow="overflow">
+                  <a:tcPr marL="25400" marR="25400" marT="0" marB="25400" anchor="b" horzOverflow="overflow">
                     <a:lnL w="0">
                       <a:miter lim="400000"/>
                     </a:lnL>
@@ -6867,24 +7068,29 @@
                       </a:r>
                     </a:p>
                   </a:txBody>
-                  <a:tcPr marL="25400" marR="25400" marT="0" marB="25400" anchor="b" anchorCtr="0" horzOverflow="overflow">
-                    <a:lnL w="0">
-                      <a:miter lim="400000"/>
-                    </a:lnL>
-                    <a:lnR w="0">
-                      <a:miter lim="400000"/>
-                    </a:lnR>
-                    <a:lnT w="0">
-                      <a:miter lim="400000"/>
-                    </a:lnT>
-                    <a:lnB w="0">
-                      <a:miter lim="400000"/>
-                    </a:lnB>
-                    <a:solidFill>
-                      <a:srgbClr val="000000"/>
-                    </a:solidFill>
-                  </a:tcPr>
-                </a:tc>
+                  <a:tcPr marL="25400" marR="25400" marT="0" marB="25400" anchor="b" horzOverflow="overflow">
+                    <a:lnL w="0">
+                      <a:miter lim="400000"/>
+                    </a:lnL>
+                    <a:lnR w="0">
+                      <a:miter lim="400000"/>
+                    </a:lnR>
+                    <a:lnT w="0">
+                      <a:miter lim="400000"/>
+                    </a:lnT>
+                    <a:lnB w="0">
+                      <a:miter lim="400000"/>
+                    </a:lnB>
+                    <a:solidFill>
+                      <a:srgbClr val="000000"/>
+                    </a:solidFill>
+                  </a:tcPr>
+                </a:tc>
+                <a:extLst>
+                  <a:ext uri="{0D108BD9-81ED-4DB2-BD59-A6C34878D82A}">
+                    <a16:rowId xmlns:a16="http://schemas.microsoft.com/office/drawing/2014/main" val="10004"/>
+                  </a:ext>
+                </a:extLst>
               </a:tr>
               <a:tr h="195932">
                 <a:tc>
@@ -6893,7 +7099,7 @@
                     <a:lstStyle/>
                     <a:p>
                       <a:pPr defTabSz="457200">
-                        <a:defRPr b="0" sz="1800">
+                        <a:defRPr sz="1800" b="0">
                           <a:solidFill>
                             <a:srgbClr val="000000"/>
                           </a:solidFill>
@@ -6913,7 +7119,7 @@
                       </a:r>
                     </a:p>
                   </a:txBody>
-                  <a:tcPr marL="25400" marR="25400" marT="0" marB="25400" anchor="b" anchorCtr="0" horzOverflow="overflow">
+                  <a:tcPr marL="25400" marR="25400" marT="0" marB="25400" anchor="b" horzOverflow="overflow">
                     <a:lnL w="0">
                       <a:miter lim="400000"/>
                     </a:lnL>
@@ -6953,7 +7159,7 @@
                       </a:r>
                     </a:p>
                   </a:txBody>
-                  <a:tcPr marL="25400" marR="25400" marT="0" marB="25400" anchor="b" anchorCtr="0" horzOverflow="overflow">
+                  <a:tcPr marL="25400" marR="25400" marT="0" marB="25400" anchor="b" horzOverflow="overflow">
                     <a:lnL w="0">
                       <a:miter lim="400000"/>
                     </a:lnL>
@@ -6993,24 +7199,29 @@
                       </a:r>
                     </a:p>
                   </a:txBody>
-                  <a:tcPr marL="25400" marR="25400" marT="0" marB="25400" anchor="b" anchorCtr="0" horzOverflow="overflow">
-                    <a:lnL w="0">
-                      <a:miter lim="400000"/>
-                    </a:lnL>
-                    <a:lnR w="0">
-                      <a:miter lim="400000"/>
-                    </a:lnR>
-                    <a:lnT w="0">
-                      <a:miter lim="400000"/>
-                    </a:lnT>
-                    <a:lnB w="0">
-                      <a:miter lim="400000"/>
-                    </a:lnB>
-                    <a:solidFill>
-                      <a:srgbClr val="000000"/>
-                    </a:solidFill>
-                  </a:tcPr>
-                </a:tc>
+                  <a:tcPr marL="25400" marR="25400" marT="0" marB="25400" anchor="b" horzOverflow="overflow">
+                    <a:lnL w="0">
+                      <a:miter lim="400000"/>
+                    </a:lnL>
+                    <a:lnR w="0">
+                      <a:miter lim="400000"/>
+                    </a:lnR>
+                    <a:lnT w="0">
+                      <a:miter lim="400000"/>
+                    </a:lnT>
+                    <a:lnB w="0">
+                      <a:miter lim="400000"/>
+                    </a:lnB>
+                    <a:solidFill>
+                      <a:srgbClr val="000000"/>
+                    </a:solidFill>
+                  </a:tcPr>
+                </a:tc>
+                <a:extLst>
+                  <a:ext uri="{0D108BD9-81ED-4DB2-BD59-A6C34878D82A}">
+                    <a16:rowId xmlns:a16="http://schemas.microsoft.com/office/drawing/2014/main" val="10005"/>
+                  </a:ext>
+                </a:extLst>
               </a:tr>
               <a:tr h="195932">
                 <a:tc>
@@ -7019,7 +7230,7 @@
                     <a:lstStyle/>
                     <a:p>
                       <a:pPr defTabSz="457200">
-                        <a:defRPr b="0" sz="1800">
+                        <a:defRPr sz="1800" b="0">
                           <a:solidFill>
                             <a:srgbClr val="000000"/>
                           </a:solidFill>
@@ -7039,7 +7250,7 @@
                       </a:r>
                     </a:p>
                   </a:txBody>
-                  <a:tcPr marL="25400" marR="25400" marT="0" marB="25400" anchor="b" anchorCtr="0" horzOverflow="overflow">
+                  <a:tcPr marL="25400" marR="25400" marT="0" marB="25400" anchor="b" horzOverflow="overflow">
                     <a:lnL w="0">
                       <a:miter lim="400000"/>
                     </a:lnL>
@@ -7079,7 +7290,7 @@
                       </a:r>
                     </a:p>
                   </a:txBody>
-                  <a:tcPr marL="25400" marR="25400" marT="0" marB="25400" anchor="b" anchorCtr="0" horzOverflow="overflow">
+                  <a:tcPr marL="25400" marR="25400" marT="0" marB="25400" anchor="b" horzOverflow="overflow">
                     <a:lnL w="0">
                       <a:miter lim="400000"/>
                     </a:lnL>
@@ -7119,24 +7330,29 @@
                       </a:r>
                     </a:p>
                   </a:txBody>
-                  <a:tcPr marL="25400" marR="25400" marT="0" marB="25400" anchor="b" anchorCtr="0" horzOverflow="overflow">
-                    <a:lnL w="0">
-                      <a:miter lim="400000"/>
-                    </a:lnL>
-                    <a:lnR w="0">
-                      <a:miter lim="400000"/>
-                    </a:lnR>
-                    <a:lnT w="0">
-                      <a:miter lim="400000"/>
-                    </a:lnT>
-                    <a:lnB w="0">
-                      <a:miter lim="400000"/>
-                    </a:lnB>
-                    <a:solidFill>
-                      <a:srgbClr val="000000"/>
-                    </a:solidFill>
-                  </a:tcPr>
-                </a:tc>
+                  <a:tcPr marL="25400" marR="25400" marT="0" marB="25400" anchor="b" horzOverflow="overflow">
+                    <a:lnL w="0">
+                      <a:miter lim="400000"/>
+                    </a:lnL>
+                    <a:lnR w="0">
+                      <a:miter lim="400000"/>
+                    </a:lnR>
+                    <a:lnT w="0">
+                      <a:miter lim="400000"/>
+                    </a:lnT>
+                    <a:lnB w="0">
+                      <a:miter lim="400000"/>
+                    </a:lnB>
+                    <a:solidFill>
+                      <a:srgbClr val="000000"/>
+                    </a:solidFill>
+                  </a:tcPr>
+                </a:tc>
+                <a:extLst>
+                  <a:ext uri="{0D108BD9-81ED-4DB2-BD59-A6C34878D82A}">
+                    <a16:rowId xmlns:a16="http://schemas.microsoft.com/office/drawing/2014/main" val="10006"/>
+                  </a:ext>
+                </a:extLst>
               </a:tr>
               <a:tr h="195932">
                 <a:tc>
@@ -7145,7 +7361,7 @@
                     <a:lstStyle/>
                     <a:p>
                       <a:pPr defTabSz="457200">
-                        <a:defRPr b="0" sz="1800">
+                        <a:defRPr sz="1800" b="0">
                           <a:solidFill>
                             <a:srgbClr val="000000"/>
                           </a:solidFill>
@@ -7165,7 +7381,7 @@
                       </a:r>
                     </a:p>
                   </a:txBody>
-                  <a:tcPr marL="25400" marR="25400" marT="0" marB="25400" anchor="b" anchorCtr="0" horzOverflow="overflow">
+                  <a:tcPr marL="25400" marR="25400" marT="0" marB="25400" anchor="b" horzOverflow="overflow">
                     <a:lnL w="0">
                       <a:miter lim="400000"/>
                     </a:lnL>
@@ -7205,7 +7421,7 @@
                       </a:r>
                     </a:p>
                   </a:txBody>
-                  <a:tcPr marL="25400" marR="25400" marT="0" marB="25400" anchor="b" anchorCtr="0" horzOverflow="overflow">
+                  <a:tcPr marL="25400" marR="25400" marT="0" marB="25400" anchor="b" horzOverflow="overflow">
                     <a:lnL w="0">
                       <a:miter lim="400000"/>
                     </a:lnL>
@@ -7245,24 +7461,29 @@
                       </a:r>
                     </a:p>
                   </a:txBody>
-                  <a:tcPr marL="25400" marR="25400" marT="0" marB="25400" anchor="b" anchorCtr="0" horzOverflow="overflow">
-                    <a:lnL w="0">
-                      <a:miter lim="400000"/>
-                    </a:lnL>
-                    <a:lnR w="0">
-                      <a:miter lim="400000"/>
-                    </a:lnR>
-                    <a:lnT w="0">
-                      <a:miter lim="400000"/>
-                    </a:lnT>
-                    <a:lnB w="0">
-                      <a:miter lim="400000"/>
-                    </a:lnB>
-                    <a:solidFill>
-                      <a:srgbClr val="000000"/>
-                    </a:solidFill>
-                  </a:tcPr>
-                </a:tc>
+                  <a:tcPr marL="25400" marR="25400" marT="0" marB="25400" anchor="b" horzOverflow="overflow">
+                    <a:lnL w="0">
+                      <a:miter lim="400000"/>
+                    </a:lnL>
+                    <a:lnR w="0">
+                      <a:miter lim="400000"/>
+                    </a:lnR>
+                    <a:lnT w="0">
+                      <a:miter lim="400000"/>
+                    </a:lnT>
+                    <a:lnB w="0">
+                      <a:miter lim="400000"/>
+                    </a:lnB>
+                    <a:solidFill>
+                      <a:srgbClr val="000000"/>
+                    </a:solidFill>
+                  </a:tcPr>
+                </a:tc>
+                <a:extLst>
+                  <a:ext uri="{0D108BD9-81ED-4DB2-BD59-A6C34878D82A}">
+                    <a16:rowId xmlns:a16="http://schemas.microsoft.com/office/drawing/2014/main" val="10007"/>
+                  </a:ext>
+                </a:extLst>
               </a:tr>
               <a:tr h="195932">
                 <a:tc>
@@ -7271,7 +7492,7 @@
                     <a:lstStyle/>
                     <a:p>
                       <a:pPr defTabSz="457200">
-                        <a:defRPr b="0" sz="1800">
+                        <a:defRPr sz="1800" b="0">
                           <a:solidFill>
                             <a:srgbClr val="000000"/>
                           </a:solidFill>
@@ -7291,7 +7512,7 @@
                       </a:r>
                     </a:p>
                   </a:txBody>
-                  <a:tcPr marL="25400" marR="25400" marT="0" marB="25400" anchor="b" anchorCtr="0" horzOverflow="overflow">
+                  <a:tcPr marL="25400" marR="25400" marT="0" marB="25400" anchor="b" horzOverflow="overflow">
                     <a:lnL w="0">
                       <a:miter lim="400000"/>
                     </a:lnL>
@@ -7331,7 +7552,7 @@
                       </a:r>
                     </a:p>
                   </a:txBody>
-                  <a:tcPr marL="25400" marR="25400" marT="0" marB="25400" anchor="b" anchorCtr="0" horzOverflow="overflow">
+                  <a:tcPr marL="25400" marR="25400" marT="0" marB="25400" anchor="b" horzOverflow="overflow">
                     <a:lnL w="0">
                       <a:miter lim="400000"/>
                     </a:lnL>
@@ -7371,24 +7592,29 @@
                       </a:r>
                     </a:p>
                   </a:txBody>
-                  <a:tcPr marL="25400" marR="25400" marT="0" marB="25400" anchor="b" anchorCtr="0" horzOverflow="overflow">
-                    <a:lnL w="0">
-                      <a:miter lim="400000"/>
-                    </a:lnL>
-                    <a:lnR w="0">
-                      <a:miter lim="400000"/>
-                    </a:lnR>
-                    <a:lnT w="0">
-                      <a:miter lim="400000"/>
-                    </a:lnT>
-                    <a:lnB w="0">
-                      <a:miter lim="400000"/>
-                    </a:lnB>
-                    <a:solidFill>
-                      <a:srgbClr val="000000"/>
-                    </a:solidFill>
-                  </a:tcPr>
-                </a:tc>
+                  <a:tcPr marL="25400" marR="25400" marT="0" marB="25400" anchor="b" horzOverflow="overflow">
+                    <a:lnL w="0">
+                      <a:miter lim="400000"/>
+                    </a:lnL>
+                    <a:lnR w="0">
+                      <a:miter lim="400000"/>
+                    </a:lnR>
+                    <a:lnT w="0">
+                      <a:miter lim="400000"/>
+                    </a:lnT>
+                    <a:lnB w="0">
+                      <a:miter lim="400000"/>
+                    </a:lnB>
+                    <a:solidFill>
+                      <a:srgbClr val="000000"/>
+                    </a:solidFill>
+                  </a:tcPr>
+                </a:tc>
+                <a:extLst>
+                  <a:ext uri="{0D108BD9-81ED-4DB2-BD59-A6C34878D82A}">
+                    <a16:rowId xmlns:a16="http://schemas.microsoft.com/office/drawing/2014/main" val="10008"/>
+                  </a:ext>
+                </a:extLst>
               </a:tr>
               <a:tr h="195932">
                 <a:tc>
@@ -7397,7 +7623,7 @@
                     <a:lstStyle/>
                     <a:p>
                       <a:pPr defTabSz="457200">
-                        <a:defRPr b="0" sz="1800">
+                        <a:defRPr sz="1800" b="0">
                           <a:solidFill>
                             <a:srgbClr val="000000"/>
                           </a:solidFill>
@@ -7417,7 +7643,7 @@
                       </a:r>
                     </a:p>
                   </a:txBody>
-                  <a:tcPr marL="25400" marR="25400" marT="0" marB="25400" anchor="b" anchorCtr="0" horzOverflow="overflow">
+                  <a:tcPr marL="25400" marR="25400" marT="0" marB="25400" anchor="b" horzOverflow="overflow">
                     <a:lnL w="0">
                       <a:miter lim="400000"/>
                     </a:lnL>
@@ -7457,7 +7683,7 @@
                       </a:r>
                     </a:p>
                   </a:txBody>
-                  <a:tcPr marL="25400" marR="25400" marT="0" marB="25400" anchor="b" anchorCtr="0" horzOverflow="overflow">
+                  <a:tcPr marL="25400" marR="25400" marT="0" marB="25400" anchor="b" horzOverflow="overflow">
                     <a:lnL w="0">
                       <a:miter lim="400000"/>
                     </a:lnL>
@@ -7497,24 +7723,29 @@
                       </a:r>
                     </a:p>
                   </a:txBody>
-                  <a:tcPr marL="25400" marR="25400" marT="0" marB="25400" anchor="b" anchorCtr="0" horzOverflow="overflow">
-                    <a:lnL w="0">
-                      <a:miter lim="400000"/>
-                    </a:lnL>
-                    <a:lnR w="0">
-                      <a:miter lim="400000"/>
-                    </a:lnR>
-                    <a:lnT w="0">
-                      <a:miter lim="400000"/>
-                    </a:lnT>
-                    <a:lnB w="0">
-                      <a:miter lim="400000"/>
-                    </a:lnB>
-                    <a:solidFill>
-                      <a:srgbClr val="000000"/>
-                    </a:solidFill>
-                  </a:tcPr>
-                </a:tc>
+                  <a:tcPr marL="25400" marR="25400" marT="0" marB="25400" anchor="b" horzOverflow="overflow">
+                    <a:lnL w="0">
+                      <a:miter lim="400000"/>
+                    </a:lnL>
+                    <a:lnR w="0">
+                      <a:miter lim="400000"/>
+                    </a:lnR>
+                    <a:lnT w="0">
+                      <a:miter lim="400000"/>
+                    </a:lnT>
+                    <a:lnB w="0">
+                      <a:miter lim="400000"/>
+                    </a:lnB>
+                    <a:solidFill>
+                      <a:srgbClr val="000000"/>
+                    </a:solidFill>
+                  </a:tcPr>
+                </a:tc>
+                <a:extLst>
+                  <a:ext uri="{0D108BD9-81ED-4DB2-BD59-A6C34878D82A}">
+                    <a16:rowId xmlns:a16="http://schemas.microsoft.com/office/drawing/2014/main" val="10009"/>
+                  </a:ext>
+                </a:extLst>
               </a:tr>
               <a:tr h="195932">
                 <a:tc>
@@ -7523,7 +7754,7 @@
                     <a:lstStyle/>
                     <a:p>
                       <a:pPr defTabSz="457200">
-                        <a:defRPr b="0" sz="1800">
+                        <a:defRPr sz="1800" b="0">
                           <a:solidFill>
                             <a:srgbClr val="000000"/>
                           </a:solidFill>
@@ -7543,7 +7774,7 @@
                       </a:r>
                     </a:p>
                   </a:txBody>
-                  <a:tcPr marL="25400" marR="25400" marT="0" marB="25400" anchor="b" anchorCtr="0" horzOverflow="overflow">
+                  <a:tcPr marL="25400" marR="25400" marT="0" marB="25400" anchor="b" horzOverflow="overflow">
                     <a:lnL w="0">
                       <a:miter lim="400000"/>
                     </a:lnL>
@@ -7583,7 +7814,7 @@
                       </a:r>
                     </a:p>
                   </a:txBody>
-                  <a:tcPr marL="25400" marR="25400" marT="0" marB="25400" anchor="b" anchorCtr="0" horzOverflow="overflow">
+                  <a:tcPr marL="25400" marR="25400" marT="0" marB="25400" anchor="b" horzOverflow="overflow">
                     <a:lnL w="0">
                       <a:miter lim="400000"/>
                     </a:lnL>
@@ -7623,24 +7854,29 @@
                       </a:r>
                     </a:p>
                   </a:txBody>
-                  <a:tcPr marL="25400" marR="25400" marT="0" marB="25400" anchor="b" anchorCtr="0" horzOverflow="overflow">
-                    <a:lnL w="0">
-                      <a:miter lim="400000"/>
-                    </a:lnL>
-                    <a:lnR w="0">
-                      <a:miter lim="400000"/>
-                    </a:lnR>
-                    <a:lnT w="0">
-                      <a:miter lim="400000"/>
-                    </a:lnT>
-                    <a:lnB w="0">
-                      <a:miter lim="400000"/>
-                    </a:lnB>
-                    <a:solidFill>
-                      <a:srgbClr val="000000"/>
-                    </a:solidFill>
-                  </a:tcPr>
-                </a:tc>
+                  <a:tcPr marL="25400" marR="25400" marT="0" marB="25400" anchor="b" horzOverflow="overflow">
+                    <a:lnL w="0">
+                      <a:miter lim="400000"/>
+                    </a:lnL>
+                    <a:lnR w="0">
+                      <a:miter lim="400000"/>
+                    </a:lnR>
+                    <a:lnT w="0">
+                      <a:miter lim="400000"/>
+                    </a:lnT>
+                    <a:lnB w="0">
+                      <a:miter lim="400000"/>
+                    </a:lnB>
+                    <a:solidFill>
+                      <a:srgbClr val="000000"/>
+                    </a:solidFill>
+                  </a:tcPr>
+                </a:tc>
+                <a:extLst>
+                  <a:ext uri="{0D108BD9-81ED-4DB2-BD59-A6C34878D82A}">
+                    <a16:rowId xmlns:a16="http://schemas.microsoft.com/office/drawing/2014/main" val="10010"/>
+                  </a:ext>
+                </a:extLst>
               </a:tr>
               <a:tr h="195932">
                 <a:tc>
@@ -7649,7 +7885,7 @@
                     <a:lstStyle/>
                     <a:p>
                       <a:pPr defTabSz="457200">
-                        <a:defRPr b="0" sz="1800">
+                        <a:defRPr sz="1800" b="0">
                           <a:solidFill>
                             <a:srgbClr val="000000"/>
                           </a:solidFill>
@@ -7669,7 +7905,7 @@
                       </a:r>
                     </a:p>
                   </a:txBody>
-                  <a:tcPr marL="25400" marR="25400" marT="0" marB="25400" anchor="b" anchorCtr="0" horzOverflow="overflow">
+                  <a:tcPr marL="25400" marR="25400" marT="0" marB="25400" anchor="b" horzOverflow="overflow">
                     <a:lnL w="0">
                       <a:miter lim="400000"/>
                     </a:lnL>
@@ -7709,7 +7945,7 @@
                       </a:r>
                     </a:p>
                   </a:txBody>
-                  <a:tcPr marL="25400" marR="25400" marT="0" marB="25400" anchor="b" anchorCtr="0" horzOverflow="overflow">
+                  <a:tcPr marL="25400" marR="25400" marT="0" marB="25400" anchor="b" horzOverflow="overflow">
                     <a:lnL w="0">
                       <a:miter lim="400000"/>
                     </a:lnL>
@@ -7749,24 +7985,29 @@
                       </a:r>
                     </a:p>
                   </a:txBody>
-                  <a:tcPr marL="25400" marR="25400" marT="0" marB="25400" anchor="b" anchorCtr="0" horzOverflow="overflow">
-                    <a:lnL w="0">
-                      <a:miter lim="400000"/>
-                    </a:lnL>
-                    <a:lnR w="0">
-                      <a:miter lim="400000"/>
-                    </a:lnR>
-                    <a:lnT w="0">
-                      <a:miter lim="400000"/>
-                    </a:lnT>
-                    <a:lnB w="0">
-                      <a:miter lim="400000"/>
-                    </a:lnB>
-                    <a:solidFill>
-                      <a:srgbClr val="000000"/>
-                    </a:solidFill>
-                  </a:tcPr>
-                </a:tc>
+                  <a:tcPr marL="25400" marR="25400" marT="0" marB="25400" anchor="b" horzOverflow="overflow">
+                    <a:lnL w="0">
+                      <a:miter lim="400000"/>
+                    </a:lnL>
+                    <a:lnR w="0">
+                      <a:miter lim="400000"/>
+                    </a:lnR>
+                    <a:lnT w="0">
+                      <a:miter lim="400000"/>
+                    </a:lnT>
+                    <a:lnB w="0">
+                      <a:miter lim="400000"/>
+                    </a:lnB>
+                    <a:solidFill>
+                      <a:srgbClr val="000000"/>
+                    </a:solidFill>
+                  </a:tcPr>
+                </a:tc>
+                <a:extLst>
+                  <a:ext uri="{0D108BD9-81ED-4DB2-BD59-A6C34878D82A}">
+                    <a16:rowId xmlns:a16="http://schemas.microsoft.com/office/drawing/2014/main" val="10011"/>
+                  </a:ext>
+                </a:extLst>
               </a:tr>
               <a:tr h="195932">
                 <a:tc>
@@ -7775,7 +8016,7 @@
                     <a:lstStyle/>
                     <a:p>
                       <a:pPr defTabSz="457200">
-                        <a:defRPr b="0" sz="1800">
+                        <a:defRPr sz="1800" b="0">
                           <a:solidFill>
                             <a:srgbClr val="000000"/>
                           </a:solidFill>
@@ -7795,7 +8036,7 @@
                       </a:r>
                     </a:p>
                   </a:txBody>
-                  <a:tcPr marL="25400" marR="25400" marT="0" marB="25400" anchor="b" anchorCtr="0" horzOverflow="overflow">
+                  <a:tcPr marL="25400" marR="25400" marT="0" marB="25400" anchor="b" horzOverflow="overflow">
                     <a:lnL w="0">
                       <a:miter lim="400000"/>
                     </a:lnL>
@@ -7835,7 +8076,7 @@
                       </a:r>
                     </a:p>
                   </a:txBody>
-                  <a:tcPr marL="25400" marR="25400" marT="0" marB="25400" anchor="b" anchorCtr="0" horzOverflow="overflow">
+                  <a:tcPr marL="25400" marR="25400" marT="0" marB="25400" anchor="b" horzOverflow="overflow">
                     <a:lnL w="0">
                       <a:miter lim="400000"/>
                     </a:lnL>
@@ -7875,24 +8116,29 @@
                       </a:r>
                     </a:p>
                   </a:txBody>
-                  <a:tcPr marL="25400" marR="25400" marT="0" marB="25400" anchor="b" anchorCtr="0" horzOverflow="overflow">
-                    <a:lnL w="0">
-                      <a:miter lim="400000"/>
-                    </a:lnL>
-                    <a:lnR w="0">
-                      <a:miter lim="400000"/>
-                    </a:lnR>
-                    <a:lnT w="0">
-                      <a:miter lim="400000"/>
-                    </a:lnT>
-                    <a:lnB w="0">
-                      <a:miter lim="400000"/>
-                    </a:lnB>
-                    <a:solidFill>
-                      <a:srgbClr val="000000"/>
-                    </a:solidFill>
-                  </a:tcPr>
-                </a:tc>
+                  <a:tcPr marL="25400" marR="25400" marT="0" marB="25400" anchor="b" horzOverflow="overflow">
+                    <a:lnL w="0">
+                      <a:miter lim="400000"/>
+                    </a:lnL>
+                    <a:lnR w="0">
+                      <a:miter lim="400000"/>
+                    </a:lnR>
+                    <a:lnT w="0">
+                      <a:miter lim="400000"/>
+                    </a:lnT>
+                    <a:lnB w="0">
+                      <a:miter lim="400000"/>
+                    </a:lnB>
+                    <a:solidFill>
+                      <a:srgbClr val="000000"/>
+                    </a:solidFill>
+                  </a:tcPr>
+                </a:tc>
+                <a:extLst>
+                  <a:ext uri="{0D108BD9-81ED-4DB2-BD59-A6C34878D82A}">
+                    <a16:rowId xmlns:a16="http://schemas.microsoft.com/office/drawing/2014/main" val="10012"/>
+                  </a:ext>
+                </a:extLst>
               </a:tr>
               <a:tr h="195932">
                 <a:tc>
@@ -7901,7 +8147,7 @@
                     <a:lstStyle/>
                     <a:p>
                       <a:pPr defTabSz="457200">
-                        <a:defRPr b="0" sz="1800">
+                        <a:defRPr sz="1800" b="0">
                           <a:solidFill>
                             <a:srgbClr val="000000"/>
                           </a:solidFill>
@@ -7921,7 +8167,7 @@
                       </a:r>
                     </a:p>
                   </a:txBody>
-                  <a:tcPr marL="25400" marR="25400" marT="0" marB="25400" anchor="b" anchorCtr="0" horzOverflow="overflow">
+                  <a:tcPr marL="25400" marR="25400" marT="0" marB="25400" anchor="b" horzOverflow="overflow">
                     <a:lnL w="0">
                       <a:miter lim="400000"/>
                     </a:lnL>
@@ -7961,7 +8207,7 @@
                       </a:r>
                     </a:p>
                   </a:txBody>
-                  <a:tcPr marL="25400" marR="25400" marT="0" marB="25400" anchor="b" anchorCtr="0" horzOverflow="overflow">
+                  <a:tcPr marL="25400" marR="25400" marT="0" marB="25400" anchor="b" horzOverflow="overflow">
                     <a:lnL w="0">
                       <a:miter lim="400000"/>
                     </a:lnL>
@@ -8001,24 +8247,29 @@
                       </a:r>
                     </a:p>
                   </a:txBody>
-                  <a:tcPr marL="25400" marR="25400" marT="0" marB="25400" anchor="b" anchorCtr="0" horzOverflow="overflow">
-                    <a:lnL w="0">
-                      <a:miter lim="400000"/>
-                    </a:lnL>
-                    <a:lnR w="0">
-                      <a:miter lim="400000"/>
-                    </a:lnR>
-                    <a:lnT w="0">
-                      <a:miter lim="400000"/>
-                    </a:lnT>
-                    <a:lnB w="0">
-                      <a:miter lim="400000"/>
-                    </a:lnB>
-                    <a:solidFill>
-                      <a:srgbClr val="000000"/>
-                    </a:solidFill>
-                  </a:tcPr>
-                </a:tc>
+                  <a:tcPr marL="25400" marR="25400" marT="0" marB="25400" anchor="b" horzOverflow="overflow">
+                    <a:lnL w="0">
+                      <a:miter lim="400000"/>
+                    </a:lnL>
+                    <a:lnR w="0">
+                      <a:miter lim="400000"/>
+                    </a:lnR>
+                    <a:lnT w="0">
+                      <a:miter lim="400000"/>
+                    </a:lnT>
+                    <a:lnB w="0">
+                      <a:miter lim="400000"/>
+                    </a:lnB>
+                    <a:solidFill>
+                      <a:srgbClr val="000000"/>
+                    </a:solidFill>
+                  </a:tcPr>
+                </a:tc>
+                <a:extLst>
+                  <a:ext uri="{0D108BD9-81ED-4DB2-BD59-A6C34878D82A}">
+                    <a16:rowId xmlns:a16="http://schemas.microsoft.com/office/drawing/2014/main" val="10013"/>
+                  </a:ext>
+                </a:extLst>
               </a:tr>
               <a:tr h="195932">
                 <a:tc>
@@ -8027,7 +8278,7 @@
                     <a:lstStyle/>
                     <a:p>
                       <a:pPr defTabSz="457200">
-                        <a:defRPr b="0" sz="1800">
+                        <a:defRPr sz="1800" b="0">
                           <a:solidFill>
                             <a:srgbClr val="000000"/>
                           </a:solidFill>
@@ -8047,7 +8298,7 @@
                       </a:r>
                     </a:p>
                   </a:txBody>
-                  <a:tcPr marL="25400" marR="25400" marT="0" marB="25400" anchor="b" anchorCtr="0" horzOverflow="overflow">
+                  <a:tcPr marL="25400" marR="25400" marT="0" marB="25400" anchor="b" horzOverflow="overflow">
                     <a:lnL w="0">
                       <a:miter lim="400000"/>
                     </a:lnL>
@@ -8087,7 +8338,7 @@
                       </a:r>
                     </a:p>
                   </a:txBody>
-                  <a:tcPr marL="25400" marR="25400" marT="0" marB="25400" anchor="b" anchorCtr="0" horzOverflow="overflow">
+                  <a:tcPr marL="25400" marR="25400" marT="0" marB="25400" anchor="b" horzOverflow="overflow">
                     <a:lnL w="0">
                       <a:miter lim="400000"/>
                     </a:lnL>
@@ -8127,24 +8378,29 @@
                       </a:r>
                     </a:p>
                   </a:txBody>
-                  <a:tcPr marL="25400" marR="25400" marT="0" marB="25400" anchor="b" anchorCtr="0" horzOverflow="overflow">
-                    <a:lnL w="0">
-                      <a:miter lim="400000"/>
-                    </a:lnL>
-                    <a:lnR w="0">
-                      <a:miter lim="400000"/>
-                    </a:lnR>
-                    <a:lnT w="0">
-                      <a:miter lim="400000"/>
-                    </a:lnT>
-                    <a:lnB w="0">
-                      <a:miter lim="400000"/>
-                    </a:lnB>
-                    <a:solidFill>
-                      <a:srgbClr val="000000"/>
-                    </a:solidFill>
-                  </a:tcPr>
-                </a:tc>
+                  <a:tcPr marL="25400" marR="25400" marT="0" marB="25400" anchor="b" horzOverflow="overflow">
+                    <a:lnL w="0">
+                      <a:miter lim="400000"/>
+                    </a:lnL>
+                    <a:lnR w="0">
+                      <a:miter lim="400000"/>
+                    </a:lnR>
+                    <a:lnT w="0">
+                      <a:miter lim="400000"/>
+                    </a:lnT>
+                    <a:lnB w="0">
+                      <a:miter lim="400000"/>
+                    </a:lnB>
+                    <a:solidFill>
+                      <a:srgbClr val="000000"/>
+                    </a:solidFill>
+                  </a:tcPr>
+                </a:tc>
+                <a:extLst>
+                  <a:ext uri="{0D108BD9-81ED-4DB2-BD59-A6C34878D82A}">
+                    <a16:rowId xmlns:a16="http://schemas.microsoft.com/office/drawing/2014/main" val="10014"/>
+                  </a:ext>
+                </a:extLst>
               </a:tr>
               <a:tr h="195932">
                 <a:tc>
@@ -8153,7 +8409,7 @@
                     <a:lstStyle/>
                     <a:p>
                       <a:pPr defTabSz="457200">
-                        <a:defRPr b="0" sz="1800">
+                        <a:defRPr sz="1800" b="0">
                           <a:solidFill>
                             <a:srgbClr val="000000"/>
                           </a:solidFill>
@@ -8173,7 +8429,7 @@
                       </a:r>
                     </a:p>
                   </a:txBody>
-                  <a:tcPr marL="25400" marR="25400" marT="0" marB="25400" anchor="b" anchorCtr="0" horzOverflow="overflow">
+                  <a:tcPr marL="25400" marR="25400" marT="0" marB="25400" anchor="b" horzOverflow="overflow">
                     <a:lnL w="0">
                       <a:miter lim="400000"/>
                     </a:lnL>
@@ -8213,7 +8469,7 @@
                       </a:r>
                     </a:p>
                   </a:txBody>
-                  <a:tcPr marL="25400" marR="25400" marT="0" marB="25400" anchor="b" anchorCtr="0" horzOverflow="overflow">
+                  <a:tcPr marL="25400" marR="25400" marT="0" marB="25400" anchor="b" horzOverflow="overflow">
                     <a:lnL w="0">
                       <a:miter lim="400000"/>
                     </a:lnL>
@@ -8253,24 +8509,29 @@
                       </a:r>
                     </a:p>
                   </a:txBody>
-                  <a:tcPr marL="25400" marR="25400" marT="0" marB="25400" anchor="b" anchorCtr="0" horzOverflow="overflow">
-                    <a:lnL w="0">
-                      <a:miter lim="400000"/>
-                    </a:lnL>
-                    <a:lnR w="0">
-                      <a:miter lim="400000"/>
-                    </a:lnR>
-                    <a:lnT w="0">
-                      <a:miter lim="400000"/>
-                    </a:lnT>
-                    <a:lnB w="0">
-                      <a:miter lim="400000"/>
-                    </a:lnB>
-                    <a:solidFill>
-                      <a:srgbClr val="000000"/>
-                    </a:solidFill>
-                  </a:tcPr>
-                </a:tc>
+                  <a:tcPr marL="25400" marR="25400" marT="0" marB="25400" anchor="b" horzOverflow="overflow">
+                    <a:lnL w="0">
+                      <a:miter lim="400000"/>
+                    </a:lnL>
+                    <a:lnR w="0">
+                      <a:miter lim="400000"/>
+                    </a:lnR>
+                    <a:lnT w="0">
+                      <a:miter lim="400000"/>
+                    </a:lnT>
+                    <a:lnB w="0">
+                      <a:miter lim="400000"/>
+                    </a:lnB>
+                    <a:solidFill>
+                      <a:srgbClr val="000000"/>
+                    </a:solidFill>
+                  </a:tcPr>
+                </a:tc>
+                <a:extLst>
+                  <a:ext uri="{0D108BD9-81ED-4DB2-BD59-A6C34878D82A}">
+                    <a16:rowId xmlns:a16="http://schemas.microsoft.com/office/drawing/2014/main" val="10015"/>
+                  </a:ext>
+                </a:extLst>
               </a:tr>
               <a:tr h="195932">
                 <a:tc>
@@ -8279,7 +8540,7 @@
                     <a:lstStyle/>
                     <a:p>
                       <a:pPr defTabSz="457200">
-                        <a:defRPr b="0" sz="1800">
+                        <a:defRPr sz="1800" b="0">
                           <a:solidFill>
                             <a:srgbClr val="000000"/>
                           </a:solidFill>
@@ -8299,7 +8560,7 @@
                       </a:r>
                     </a:p>
                   </a:txBody>
-                  <a:tcPr marL="25400" marR="25400" marT="0" marB="25400" anchor="b" anchorCtr="0" horzOverflow="overflow">
+                  <a:tcPr marL="25400" marR="25400" marT="0" marB="25400" anchor="b" horzOverflow="overflow">
                     <a:lnL w="0">
                       <a:miter lim="400000"/>
                     </a:lnL>
@@ -8339,7 +8600,7 @@
                       </a:r>
                     </a:p>
                   </a:txBody>
-                  <a:tcPr marL="25400" marR="25400" marT="0" marB="25400" anchor="b" anchorCtr="0" horzOverflow="overflow">
+                  <a:tcPr marL="25400" marR="25400" marT="0" marB="25400" anchor="b" horzOverflow="overflow">
                     <a:lnL w="0">
                       <a:miter lim="400000"/>
                     </a:lnL>
@@ -8379,24 +8640,29 @@
                       </a:r>
                     </a:p>
                   </a:txBody>
-                  <a:tcPr marL="25400" marR="25400" marT="0" marB="25400" anchor="b" anchorCtr="0" horzOverflow="overflow">
-                    <a:lnL w="0">
-                      <a:miter lim="400000"/>
-                    </a:lnL>
-                    <a:lnR w="0">
-                      <a:miter lim="400000"/>
-                    </a:lnR>
-                    <a:lnT w="0">
-                      <a:miter lim="400000"/>
-                    </a:lnT>
-                    <a:lnB w="0">
-                      <a:miter lim="400000"/>
-                    </a:lnB>
-                    <a:solidFill>
-                      <a:srgbClr val="000000"/>
-                    </a:solidFill>
-                  </a:tcPr>
-                </a:tc>
+                  <a:tcPr marL="25400" marR="25400" marT="0" marB="25400" anchor="b" horzOverflow="overflow">
+                    <a:lnL w="0">
+                      <a:miter lim="400000"/>
+                    </a:lnL>
+                    <a:lnR w="0">
+                      <a:miter lim="400000"/>
+                    </a:lnR>
+                    <a:lnT w="0">
+                      <a:miter lim="400000"/>
+                    </a:lnT>
+                    <a:lnB w="0">
+                      <a:miter lim="400000"/>
+                    </a:lnB>
+                    <a:solidFill>
+                      <a:srgbClr val="000000"/>
+                    </a:solidFill>
+                  </a:tcPr>
+                </a:tc>
+                <a:extLst>
+                  <a:ext uri="{0D108BD9-81ED-4DB2-BD59-A6C34878D82A}">
+                    <a16:rowId xmlns:a16="http://schemas.microsoft.com/office/drawing/2014/main" val="10016"/>
+                  </a:ext>
+                </a:extLst>
               </a:tr>
               <a:tr h="195932">
                 <a:tc>
@@ -8405,7 +8671,7 @@
                     <a:lstStyle/>
                     <a:p>
                       <a:pPr defTabSz="457200">
-                        <a:defRPr b="0" sz="1800">
+                        <a:defRPr sz="1800" b="0">
                           <a:solidFill>
                             <a:srgbClr val="000000"/>
                           </a:solidFill>
@@ -8425,7 +8691,7 @@
                       </a:r>
                     </a:p>
                   </a:txBody>
-                  <a:tcPr marL="25400" marR="25400" marT="0" marB="25400" anchor="b" anchorCtr="0" horzOverflow="overflow">
+                  <a:tcPr marL="25400" marR="25400" marT="0" marB="25400" anchor="b" horzOverflow="overflow">
                     <a:lnL w="0">
                       <a:miter lim="400000"/>
                     </a:lnL>
@@ -8465,7 +8731,7 @@
                       </a:r>
                     </a:p>
                   </a:txBody>
-                  <a:tcPr marL="25400" marR="25400" marT="0" marB="25400" anchor="b" anchorCtr="0" horzOverflow="overflow">
+                  <a:tcPr marL="25400" marR="25400" marT="0" marB="25400" anchor="b" horzOverflow="overflow">
                     <a:lnL w="0">
                       <a:miter lim="400000"/>
                     </a:lnL>
@@ -8505,24 +8771,29 @@
                       </a:r>
                     </a:p>
                   </a:txBody>
-                  <a:tcPr marL="25400" marR="25400" marT="0" marB="25400" anchor="b" anchorCtr="0" horzOverflow="overflow">
-                    <a:lnL w="0">
-                      <a:miter lim="400000"/>
-                    </a:lnL>
-                    <a:lnR w="0">
-                      <a:miter lim="400000"/>
-                    </a:lnR>
-                    <a:lnT w="0">
-                      <a:miter lim="400000"/>
-                    </a:lnT>
-                    <a:lnB w="0">
-                      <a:miter lim="400000"/>
-                    </a:lnB>
-                    <a:solidFill>
-                      <a:srgbClr val="000000"/>
-                    </a:solidFill>
-                  </a:tcPr>
-                </a:tc>
+                  <a:tcPr marL="25400" marR="25400" marT="0" marB="25400" anchor="b" horzOverflow="overflow">
+                    <a:lnL w="0">
+                      <a:miter lim="400000"/>
+                    </a:lnL>
+                    <a:lnR w="0">
+                      <a:miter lim="400000"/>
+                    </a:lnR>
+                    <a:lnT w="0">
+                      <a:miter lim="400000"/>
+                    </a:lnT>
+                    <a:lnB w="0">
+                      <a:miter lim="400000"/>
+                    </a:lnB>
+                    <a:solidFill>
+                      <a:srgbClr val="000000"/>
+                    </a:solidFill>
+                  </a:tcPr>
+                </a:tc>
+                <a:extLst>
+                  <a:ext uri="{0D108BD9-81ED-4DB2-BD59-A6C34878D82A}">
+                    <a16:rowId xmlns:a16="http://schemas.microsoft.com/office/drawing/2014/main" val="10017"/>
+                  </a:ext>
+                </a:extLst>
               </a:tr>
               <a:tr h="195932">
                 <a:tc>
@@ -8531,7 +8802,7 @@
                     <a:lstStyle/>
                     <a:p>
                       <a:pPr defTabSz="457200">
-                        <a:defRPr b="0" sz="1800">
+                        <a:defRPr sz="1800" b="0">
                           <a:solidFill>
                             <a:srgbClr val="000000"/>
                           </a:solidFill>
@@ -8551,7 +8822,7 @@
                       </a:r>
                     </a:p>
                   </a:txBody>
-                  <a:tcPr marL="25400" marR="25400" marT="0" marB="25400" anchor="b" anchorCtr="0" horzOverflow="overflow">
+                  <a:tcPr marL="25400" marR="25400" marT="0" marB="25400" anchor="b" horzOverflow="overflow">
                     <a:lnL w="0">
                       <a:miter lim="400000"/>
                     </a:lnL>
@@ -8591,7 +8862,7 @@
                       </a:r>
                     </a:p>
                   </a:txBody>
-                  <a:tcPr marL="25400" marR="25400" marT="0" marB="25400" anchor="b" anchorCtr="0" horzOverflow="overflow">
+                  <a:tcPr marL="25400" marR="25400" marT="0" marB="25400" anchor="b" horzOverflow="overflow">
                     <a:lnL w="0">
                       <a:miter lim="400000"/>
                     </a:lnL>
@@ -8631,24 +8902,29 @@
                       </a:r>
                     </a:p>
                   </a:txBody>
-                  <a:tcPr marL="25400" marR="25400" marT="0" marB="25400" anchor="b" anchorCtr="0" horzOverflow="overflow">
-                    <a:lnL w="0">
-                      <a:miter lim="400000"/>
-                    </a:lnL>
-                    <a:lnR w="0">
-                      <a:miter lim="400000"/>
-                    </a:lnR>
-                    <a:lnT w="0">
-                      <a:miter lim="400000"/>
-                    </a:lnT>
-                    <a:lnB w="0">
-                      <a:miter lim="400000"/>
-                    </a:lnB>
-                    <a:solidFill>
-                      <a:srgbClr val="000000"/>
-                    </a:solidFill>
-                  </a:tcPr>
-                </a:tc>
+                  <a:tcPr marL="25400" marR="25400" marT="0" marB="25400" anchor="b" horzOverflow="overflow">
+                    <a:lnL w="0">
+                      <a:miter lim="400000"/>
+                    </a:lnL>
+                    <a:lnR w="0">
+                      <a:miter lim="400000"/>
+                    </a:lnR>
+                    <a:lnT w="0">
+                      <a:miter lim="400000"/>
+                    </a:lnT>
+                    <a:lnB w="0">
+                      <a:miter lim="400000"/>
+                    </a:lnB>
+                    <a:solidFill>
+                      <a:srgbClr val="000000"/>
+                    </a:solidFill>
+                  </a:tcPr>
+                </a:tc>
+                <a:extLst>
+                  <a:ext uri="{0D108BD9-81ED-4DB2-BD59-A6C34878D82A}">
+                    <a16:rowId xmlns:a16="http://schemas.microsoft.com/office/drawing/2014/main" val="10018"/>
+                  </a:ext>
+                </a:extLst>
               </a:tr>
               <a:tr h="195932">
                 <a:tc>
@@ -8657,7 +8933,7 @@
                     <a:lstStyle/>
                     <a:p>
                       <a:pPr defTabSz="457200">
-                        <a:defRPr b="0" sz="1800">
+                        <a:defRPr sz="1800" b="0">
                           <a:solidFill>
                             <a:srgbClr val="000000"/>
                           </a:solidFill>
@@ -8677,7 +8953,7 @@
                       </a:r>
                     </a:p>
                   </a:txBody>
-                  <a:tcPr marL="25400" marR="25400" marT="0" marB="25400" anchor="b" anchorCtr="0" horzOverflow="overflow">
+                  <a:tcPr marL="25400" marR="25400" marT="0" marB="25400" anchor="b" horzOverflow="overflow">
                     <a:lnL w="0">
                       <a:miter lim="400000"/>
                     </a:lnL>
@@ -8717,7 +8993,7 @@
                       </a:r>
                     </a:p>
                   </a:txBody>
-                  <a:tcPr marL="25400" marR="25400" marT="0" marB="25400" anchor="b" anchorCtr="0" horzOverflow="overflow">
+                  <a:tcPr marL="25400" marR="25400" marT="0" marB="25400" anchor="b" horzOverflow="overflow">
                     <a:lnL w="0">
                       <a:miter lim="400000"/>
                     </a:lnL>
@@ -8757,24 +9033,29 @@
                       </a:r>
                     </a:p>
                   </a:txBody>
-                  <a:tcPr marL="25400" marR="25400" marT="0" marB="25400" anchor="b" anchorCtr="0" horzOverflow="overflow">
-                    <a:lnL w="0">
-                      <a:miter lim="400000"/>
-                    </a:lnL>
-                    <a:lnR w="0">
-                      <a:miter lim="400000"/>
-                    </a:lnR>
-                    <a:lnT w="0">
-                      <a:miter lim="400000"/>
-                    </a:lnT>
-                    <a:lnB w="0">
-                      <a:miter lim="400000"/>
-                    </a:lnB>
-                    <a:solidFill>
-                      <a:srgbClr val="000000"/>
-                    </a:solidFill>
-                  </a:tcPr>
-                </a:tc>
+                  <a:tcPr marL="25400" marR="25400" marT="0" marB="25400" anchor="b" horzOverflow="overflow">
+                    <a:lnL w="0">
+                      <a:miter lim="400000"/>
+                    </a:lnL>
+                    <a:lnR w="0">
+                      <a:miter lim="400000"/>
+                    </a:lnR>
+                    <a:lnT w="0">
+                      <a:miter lim="400000"/>
+                    </a:lnT>
+                    <a:lnB w="0">
+                      <a:miter lim="400000"/>
+                    </a:lnB>
+                    <a:solidFill>
+                      <a:srgbClr val="000000"/>
+                    </a:solidFill>
+                  </a:tcPr>
+                </a:tc>
+                <a:extLst>
+                  <a:ext uri="{0D108BD9-81ED-4DB2-BD59-A6C34878D82A}">
+                    <a16:rowId xmlns:a16="http://schemas.microsoft.com/office/drawing/2014/main" val="10019"/>
+                  </a:ext>
+                </a:extLst>
               </a:tr>
               <a:tr h="195932">
                 <a:tc>
@@ -8783,7 +9064,7 @@
                     <a:lstStyle/>
                     <a:p>
                       <a:pPr defTabSz="457200">
-                        <a:defRPr b="0" sz="1800">
+                        <a:defRPr sz="1800" b="0">
                           <a:solidFill>
                             <a:srgbClr val="000000"/>
                           </a:solidFill>
@@ -8803,7 +9084,7 @@
                       </a:r>
                     </a:p>
                   </a:txBody>
-                  <a:tcPr marL="25400" marR="25400" marT="0" marB="25400" anchor="b" anchorCtr="0" horzOverflow="overflow">
+                  <a:tcPr marL="25400" marR="25400" marT="0" marB="25400" anchor="b" horzOverflow="overflow">
                     <a:lnL w="0">
                       <a:miter lim="400000"/>
                     </a:lnL>
@@ -8843,7 +9124,7 @@
                       </a:r>
                     </a:p>
                   </a:txBody>
-                  <a:tcPr marL="25400" marR="25400" marT="0" marB="25400" anchor="b" anchorCtr="0" horzOverflow="overflow">
+                  <a:tcPr marL="25400" marR="25400" marT="0" marB="25400" anchor="b" horzOverflow="overflow">
                     <a:lnL w="0">
                       <a:miter lim="400000"/>
                     </a:lnL>
@@ -8883,24 +9164,29 @@
                       </a:r>
                     </a:p>
                   </a:txBody>
-                  <a:tcPr marL="25400" marR="25400" marT="0" marB="25400" anchor="b" anchorCtr="0" horzOverflow="overflow">
-                    <a:lnL w="0">
-                      <a:miter lim="400000"/>
-                    </a:lnL>
-                    <a:lnR w="0">
-                      <a:miter lim="400000"/>
-                    </a:lnR>
-                    <a:lnT w="0">
-                      <a:miter lim="400000"/>
-                    </a:lnT>
-                    <a:lnB w="0">
-                      <a:miter lim="400000"/>
-                    </a:lnB>
-                    <a:solidFill>
-                      <a:srgbClr val="000000"/>
-                    </a:solidFill>
-                  </a:tcPr>
-                </a:tc>
+                  <a:tcPr marL="25400" marR="25400" marT="0" marB="25400" anchor="b" horzOverflow="overflow">
+                    <a:lnL w="0">
+                      <a:miter lim="400000"/>
+                    </a:lnL>
+                    <a:lnR w="0">
+                      <a:miter lim="400000"/>
+                    </a:lnR>
+                    <a:lnT w="0">
+                      <a:miter lim="400000"/>
+                    </a:lnT>
+                    <a:lnB w="0">
+                      <a:miter lim="400000"/>
+                    </a:lnB>
+                    <a:solidFill>
+                      <a:srgbClr val="000000"/>
+                    </a:solidFill>
+                  </a:tcPr>
+                </a:tc>
+                <a:extLst>
+                  <a:ext uri="{0D108BD9-81ED-4DB2-BD59-A6C34878D82A}">
+                    <a16:rowId xmlns:a16="http://schemas.microsoft.com/office/drawing/2014/main" val="10020"/>
+                  </a:ext>
+                </a:extLst>
               </a:tr>
               <a:tr h="195932">
                 <a:tc>
@@ -8909,7 +9195,7 @@
                     <a:lstStyle/>
                     <a:p>
                       <a:pPr defTabSz="457200">
-                        <a:defRPr b="0" sz="1800">
+                        <a:defRPr sz="1800" b="0">
                           <a:solidFill>
                             <a:srgbClr val="000000"/>
                           </a:solidFill>
@@ -8929,7 +9215,7 @@
                       </a:r>
                     </a:p>
                   </a:txBody>
-                  <a:tcPr marL="25400" marR="25400" marT="0" marB="25400" anchor="b" anchorCtr="0" horzOverflow="overflow">
+                  <a:tcPr marL="25400" marR="25400" marT="0" marB="25400" anchor="b" horzOverflow="overflow">
                     <a:lnL w="0">
                       <a:miter lim="400000"/>
                     </a:lnL>
@@ -8969,7 +9255,7 @@
                       </a:r>
                     </a:p>
                   </a:txBody>
-                  <a:tcPr marL="25400" marR="25400" marT="0" marB="25400" anchor="b" anchorCtr="0" horzOverflow="overflow">
+                  <a:tcPr marL="25400" marR="25400" marT="0" marB="25400" anchor="b" horzOverflow="overflow">
                     <a:lnL w="0">
                       <a:miter lim="400000"/>
                     </a:lnL>
@@ -9009,24 +9295,29 @@
                       </a:r>
                     </a:p>
                   </a:txBody>
-                  <a:tcPr marL="25400" marR="25400" marT="0" marB="25400" anchor="b" anchorCtr="0" horzOverflow="overflow">
-                    <a:lnL w="0">
-                      <a:miter lim="400000"/>
-                    </a:lnL>
-                    <a:lnR w="0">
-                      <a:miter lim="400000"/>
-                    </a:lnR>
-                    <a:lnT w="0">
-                      <a:miter lim="400000"/>
-                    </a:lnT>
-                    <a:lnB w="0">
-                      <a:miter lim="400000"/>
-                    </a:lnB>
-                    <a:solidFill>
-                      <a:srgbClr val="000000"/>
-                    </a:solidFill>
-                  </a:tcPr>
-                </a:tc>
+                  <a:tcPr marL="25400" marR="25400" marT="0" marB="25400" anchor="b" horzOverflow="overflow">
+                    <a:lnL w="0">
+                      <a:miter lim="400000"/>
+                    </a:lnL>
+                    <a:lnR w="0">
+                      <a:miter lim="400000"/>
+                    </a:lnR>
+                    <a:lnT w="0">
+                      <a:miter lim="400000"/>
+                    </a:lnT>
+                    <a:lnB w="0">
+                      <a:miter lim="400000"/>
+                    </a:lnB>
+                    <a:solidFill>
+                      <a:srgbClr val="000000"/>
+                    </a:solidFill>
+                  </a:tcPr>
+                </a:tc>
+                <a:extLst>
+                  <a:ext uri="{0D108BD9-81ED-4DB2-BD59-A6C34878D82A}">
+                    <a16:rowId xmlns:a16="http://schemas.microsoft.com/office/drawing/2014/main" val="10021"/>
+                  </a:ext>
+                </a:extLst>
               </a:tr>
               <a:tr h="195932">
                 <a:tc>
@@ -9035,7 +9326,7 @@
                     <a:lstStyle/>
                     <a:p>
                       <a:pPr defTabSz="457200">
-                        <a:defRPr b="0" sz="1800">
+                        <a:defRPr sz="1800" b="0">
                           <a:solidFill>
                             <a:srgbClr val="000000"/>
                           </a:solidFill>
@@ -9055,7 +9346,7 @@
                       </a:r>
                     </a:p>
                   </a:txBody>
-                  <a:tcPr marL="25400" marR="25400" marT="0" marB="25400" anchor="b" anchorCtr="0" horzOverflow="overflow">
+                  <a:tcPr marL="25400" marR="25400" marT="0" marB="25400" anchor="b" horzOverflow="overflow">
                     <a:lnL w="0">
                       <a:miter lim="400000"/>
                     </a:lnL>
@@ -9095,7 +9386,7 @@
                       </a:r>
                     </a:p>
                   </a:txBody>
-                  <a:tcPr marL="25400" marR="25400" marT="0" marB="25400" anchor="b" anchorCtr="0" horzOverflow="overflow">
+                  <a:tcPr marL="25400" marR="25400" marT="0" marB="25400" anchor="b" horzOverflow="overflow">
                     <a:lnL w="0">
                       <a:miter lim="400000"/>
                     </a:lnL>
@@ -9135,24 +9426,29 @@
                       </a:r>
                     </a:p>
                   </a:txBody>
-                  <a:tcPr marL="25400" marR="25400" marT="0" marB="25400" anchor="b" anchorCtr="0" horzOverflow="overflow">
-                    <a:lnL w="0">
-                      <a:miter lim="400000"/>
-                    </a:lnL>
-                    <a:lnR w="0">
-                      <a:miter lim="400000"/>
-                    </a:lnR>
-                    <a:lnT w="0">
-                      <a:miter lim="400000"/>
-                    </a:lnT>
-                    <a:lnB w="0">
-                      <a:miter lim="400000"/>
-                    </a:lnB>
-                    <a:solidFill>
-                      <a:srgbClr val="000000"/>
-                    </a:solidFill>
-                  </a:tcPr>
-                </a:tc>
+                  <a:tcPr marL="25400" marR="25400" marT="0" marB="25400" anchor="b" horzOverflow="overflow">
+                    <a:lnL w="0">
+                      <a:miter lim="400000"/>
+                    </a:lnL>
+                    <a:lnR w="0">
+                      <a:miter lim="400000"/>
+                    </a:lnR>
+                    <a:lnT w="0">
+                      <a:miter lim="400000"/>
+                    </a:lnT>
+                    <a:lnB w="0">
+                      <a:miter lim="400000"/>
+                    </a:lnB>
+                    <a:solidFill>
+                      <a:srgbClr val="000000"/>
+                    </a:solidFill>
+                  </a:tcPr>
+                </a:tc>
+                <a:extLst>
+                  <a:ext uri="{0D108BD9-81ED-4DB2-BD59-A6C34878D82A}">
+                    <a16:rowId xmlns:a16="http://schemas.microsoft.com/office/drawing/2014/main" val="10022"/>
+                  </a:ext>
+                </a:extLst>
               </a:tr>
               <a:tr h="195932">
                 <a:tc>
@@ -9161,7 +9457,7 @@
                     <a:lstStyle/>
                     <a:p>
                       <a:pPr defTabSz="457200">
-                        <a:defRPr b="0" sz="1800">
+                        <a:defRPr sz="1800" b="0">
                           <a:solidFill>
                             <a:srgbClr val="000000"/>
                           </a:solidFill>
@@ -9181,7 +9477,7 @@
                       </a:r>
                     </a:p>
                   </a:txBody>
-                  <a:tcPr marL="25400" marR="25400" marT="0" marB="25400" anchor="b" anchorCtr="0" horzOverflow="overflow">
+                  <a:tcPr marL="25400" marR="25400" marT="0" marB="25400" anchor="b" horzOverflow="overflow">
                     <a:lnL w="0">
                       <a:miter lim="400000"/>
                     </a:lnL>
@@ -9221,7 +9517,7 @@
                       </a:r>
                     </a:p>
                   </a:txBody>
-                  <a:tcPr marL="25400" marR="25400" marT="0" marB="25400" anchor="b" anchorCtr="0" horzOverflow="overflow">
+                  <a:tcPr marL="25400" marR="25400" marT="0" marB="25400" anchor="b" horzOverflow="overflow">
                     <a:lnL w="0">
                       <a:miter lim="400000"/>
                     </a:lnL>
@@ -9261,24 +9557,29 @@
                       </a:r>
                     </a:p>
                   </a:txBody>
-                  <a:tcPr marL="25400" marR="25400" marT="0" marB="25400" anchor="b" anchorCtr="0" horzOverflow="overflow">
-                    <a:lnL w="0">
-                      <a:miter lim="400000"/>
-                    </a:lnL>
-                    <a:lnR w="0">
-                      <a:miter lim="400000"/>
-                    </a:lnR>
-                    <a:lnT w="0">
-                      <a:miter lim="400000"/>
-                    </a:lnT>
-                    <a:lnB w="0">
-                      <a:miter lim="400000"/>
-                    </a:lnB>
-                    <a:solidFill>
-                      <a:srgbClr val="000000"/>
-                    </a:solidFill>
-                  </a:tcPr>
-                </a:tc>
+                  <a:tcPr marL="25400" marR="25400" marT="0" marB="25400" anchor="b" horzOverflow="overflow">
+                    <a:lnL w="0">
+                      <a:miter lim="400000"/>
+                    </a:lnL>
+                    <a:lnR w="0">
+                      <a:miter lim="400000"/>
+                    </a:lnR>
+                    <a:lnT w="0">
+                      <a:miter lim="400000"/>
+                    </a:lnT>
+                    <a:lnB w="0">
+                      <a:miter lim="400000"/>
+                    </a:lnB>
+                    <a:solidFill>
+                      <a:srgbClr val="000000"/>
+                    </a:solidFill>
+                  </a:tcPr>
+                </a:tc>
+                <a:extLst>
+                  <a:ext uri="{0D108BD9-81ED-4DB2-BD59-A6C34878D82A}">
+                    <a16:rowId xmlns:a16="http://schemas.microsoft.com/office/drawing/2014/main" val="10023"/>
+                  </a:ext>
+                </a:extLst>
               </a:tr>
               <a:tr h="195932">
                 <a:tc>
@@ -9287,7 +9588,7 @@
                     <a:lstStyle/>
                     <a:p>
                       <a:pPr defTabSz="457200">
-                        <a:defRPr b="0" sz="1800">
+                        <a:defRPr sz="1800" b="0">
                           <a:solidFill>
                             <a:srgbClr val="000000"/>
                           </a:solidFill>
@@ -9307,7 +9608,7 @@
                       </a:r>
                     </a:p>
                   </a:txBody>
-                  <a:tcPr marL="25400" marR="25400" marT="0" marB="25400" anchor="b" anchorCtr="0" horzOverflow="overflow">
+                  <a:tcPr marL="25400" marR="25400" marT="0" marB="25400" anchor="b" horzOverflow="overflow">
                     <a:lnL w="0">
                       <a:miter lim="400000"/>
                     </a:lnL>
@@ -9347,7 +9648,7 @@
                       </a:r>
                     </a:p>
                   </a:txBody>
-                  <a:tcPr marL="25400" marR="25400" marT="0" marB="25400" anchor="b" anchorCtr="0" horzOverflow="overflow">
+                  <a:tcPr marL="25400" marR="25400" marT="0" marB="25400" anchor="b" horzOverflow="overflow">
                     <a:lnL w="0">
                       <a:miter lim="400000"/>
                     </a:lnL>
@@ -9387,24 +9688,29 @@
                       </a:r>
                     </a:p>
                   </a:txBody>
-                  <a:tcPr marL="25400" marR="25400" marT="0" marB="25400" anchor="b" anchorCtr="0" horzOverflow="overflow">
-                    <a:lnL w="0">
-                      <a:miter lim="400000"/>
-                    </a:lnL>
-                    <a:lnR w="0">
-                      <a:miter lim="400000"/>
-                    </a:lnR>
-                    <a:lnT w="0">
-                      <a:miter lim="400000"/>
-                    </a:lnT>
-                    <a:lnB w="0">
-                      <a:miter lim="400000"/>
-                    </a:lnB>
-                    <a:solidFill>
-                      <a:srgbClr val="000000"/>
-                    </a:solidFill>
-                  </a:tcPr>
-                </a:tc>
+                  <a:tcPr marL="25400" marR="25400" marT="0" marB="25400" anchor="b" horzOverflow="overflow">
+                    <a:lnL w="0">
+                      <a:miter lim="400000"/>
+                    </a:lnL>
+                    <a:lnR w="0">
+                      <a:miter lim="400000"/>
+                    </a:lnR>
+                    <a:lnT w="0">
+                      <a:miter lim="400000"/>
+                    </a:lnT>
+                    <a:lnB w="0">
+                      <a:miter lim="400000"/>
+                    </a:lnB>
+                    <a:solidFill>
+                      <a:srgbClr val="000000"/>
+                    </a:solidFill>
+                  </a:tcPr>
+                </a:tc>
+                <a:extLst>
+                  <a:ext uri="{0D108BD9-81ED-4DB2-BD59-A6C34878D82A}">
+                    <a16:rowId xmlns:a16="http://schemas.microsoft.com/office/drawing/2014/main" val="10024"/>
+                  </a:ext>
+                </a:extLst>
               </a:tr>
               <a:tr h="195932">
                 <a:tc>
@@ -9413,7 +9719,7 @@
                     <a:lstStyle/>
                     <a:p>
                       <a:pPr defTabSz="457200">
-                        <a:defRPr b="0" sz="1800">
+                        <a:defRPr sz="1800" b="0">
                           <a:solidFill>
                             <a:srgbClr val="000000"/>
                           </a:solidFill>
@@ -9433,7 +9739,7 @@
                       </a:r>
                     </a:p>
                   </a:txBody>
-                  <a:tcPr marL="25400" marR="25400" marT="0" marB="25400" anchor="b" anchorCtr="0" horzOverflow="overflow">
+                  <a:tcPr marL="25400" marR="25400" marT="0" marB="25400" anchor="b" horzOverflow="overflow">
                     <a:lnL w="0">
                       <a:miter lim="400000"/>
                     </a:lnL>
@@ -9473,7 +9779,7 @@
                       </a:r>
                     </a:p>
                   </a:txBody>
-                  <a:tcPr marL="25400" marR="25400" marT="0" marB="25400" anchor="b" anchorCtr="0" horzOverflow="overflow">
+                  <a:tcPr marL="25400" marR="25400" marT="0" marB="25400" anchor="b" horzOverflow="overflow">
                     <a:lnL w="0">
                       <a:miter lim="400000"/>
                     </a:lnL>
@@ -9513,24 +9819,29 @@
                       </a:r>
                     </a:p>
                   </a:txBody>
-                  <a:tcPr marL="25400" marR="25400" marT="0" marB="25400" anchor="b" anchorCtr="0" horzOverflow="overflow">
-                    <a:lnL w="0">
-                      <a:miter lim="400000"/>
-                    </a:lnL>
-                    <a:lnR w="0">
-                      <a:miter lim="400000"/>
-                    </a:lnR>
-                    <a:lnT w="0">
-                      <a:miter lim="400000"/>
-                    </a:lnT>
-                    <a:lnB w="0">
-                      <a:miter lim="400000"/>
-                    </a:lnB>
-                    <a:solidFill>
-                      <a:srgbClr val="000000"/>
-                    </a:solidFill>
-                  </a:tcPr>
-                </a:tc>
+                  <a:tcPr marL="25400" marR="25400" marT="0" marB="25400" anchor="b" horzOverflow="overflow">
+                    <a:lnL w="0">
+                      <a:miter lim="400000"/>
+                    </a:lnL>
+                    <a:lnR w="0">
+                      <a:miter lim="400000"/>
+                    </a:lnR>
+                    <a:lnT w="0">
+                      <a:miter lim="400000"/>
+                    </a:lnT>
+                    <a:lnB w="0">
+                      <a:miter lim="400000"/>
+                    </a:lnB>
+                    <a:solidFill>
+                      <a:srgbClr val="000000"/>
+                    </a:solidFill>
+                  </a:tcPr>
+                </a:tc>
+                <a:extLst>
+                  <a:ext uri="{0D108BD9-81ED-4DB2-BD59-A6C34878D82A}">
+                    <a16:rowId xmlns:a16="http://schemas.microsoft.com/office/drawing/2014/main" val="10025"/>
+                  </a:ext>
+                </a:extLst>
               </a:tr>
             </a:tbl>
           </a:graphicData>
@@ -9540,22 +9851,46 @@
         <p:nvGraphicFramePr>
           <p:cNvPr id="124" name="Table 1-2"/>
           <p:cNvGraphicFramePr/>
-          <p:nvPr/>
+          <p:nvPr>
+            <p:extLst>
+              <p:ext uri="{D42A27DB-BD31-4B8C-83A1-F6EECF244321}">
+                <p14:modId xmlns:p14="http://schemas.microsoft.com/office/powerpoint/2010/main" val="3697498411"/>
+              </p:ext>
+            </p:extLst>
+          </p:nvPr>
         </p:nvGraphicFramePr>
         <p:xfrm>
           <a:off x="16220926" y="2343150"/>
-          <a:ext cx="3733801" cy="4702374"/>
+          <a:ext cx="6267747" cy="10795000"/>
         </p:xfrm>
-        <a:graphic xmlns:a="http://schemas.openxmlformats.org/drawingml/2006/main">
+        <a:graphic>
           <a:graphicData uri="http://schemas.openxmlformats.org/drawingml/2006/table">
             <a:tbl>
-              <a:tblPr firstCol="1" firstRow="0" lastCol="0" lastRow="0" bandCol="0" bandRow="0" rtl="0">
+              <a:tblPr firstCol="1">
                 <a:tableStyleId>{4C3C2611-4C71-4FC5-86AE-919BDF0F9419}</a:tableStyleId>
               </a:tblPr>
               <a:tblGrid>
-                <a:gridCol w="562223"/>
-                <a:gridCol w="2756197"/>
-                <a:gridCol w="2949327"/>
+                <a:gridCol w="562223">
+                  <a:extLst>
+                    <a:ext uri="{9D8B030D-6E8A-4147-A177-3AD203B41FA5}">
+                      <a16:colId xmlns:a16="http://schemas.microsoft.com/office/drawing/2014/main" val="20000"/>
+                    </a:ext>
+                  </a:extLst>
+                </a:gridCol>
+                <a:gridCol w="2756197">
+                  <a:extLst>
+                    <a:ext uri="{9D8B030D-6E8A-4147-A177-3AD203B41FA5}">
+                      <a16:colId xmlns:a16="http://schemas.microsoft.com/office/drawing/2014/main" val="20001"/>
+                    </a:ext>
+                  </a:extLst>
+                </a:gridCol>
+                <a:gridCol w="2949327">
+                  <a:extLst>
+                    <a:ext uri="{9D8B030D-6E8A-4147-A177-3AD203B41FA5}">
+                      <a16:colId xmlns:a16="http://schemas.microsoft.com/office/drawing/2014/main" val="20002"/>
+                    </a:ext>
+                  </a:extLst>
+                </a:gridCol>
               </a:tblGrid>
               <a:tr h="228600">
                 <a:tc gridSpan="3">
@@ -9564,7 +9899,7 @@
                     <a:lstStyle/>
                     <a:p>
                       <a:pPr defTabSz="457200">
-                        <a:defRPr b="0" sz="1800">
+                        <a:defRPr sz="1800" b="0">
                           <a:solidFill>
                             <a:srgbClr val="000000"/>
                           </a:solidFill>
@@ -9581,7 +9916,7 @@
                       </a:r>
                     </a:p>
                   </a:txBody>
-                  <a:tcPr marL="0" marR="0" marT="0" marB="0" anchor="ctr" anchorCtr="0" horzOverflow="overflow">
+                  <a:tcPr marL="0" marR="0" marT="0" marB="0" anchor="ctr" horzOverflow="overflow">
                     <a:lnL/>
                     <a:lnR/>
                     <a:lnT/>
@@ -9596,11 +9931,30 @@
                   </a:tcPr>
                 </a:tc>
                 <a:tc hMerge="1">
+                  <a:txBody>
+                    <a:bodyPr/>
+                    <a:lstStyle/>
+                    <a:p>
+                      <a:endParaRPr lang="nb-NO"/>
+                    </a:p>
+                  </a:txBody>
                   <a:tcPr/>
                 </a:tc>
                 <a:tc hMerge="1">
+                  <a:txBody>
+                    <a:bodyPr/>
+                    <a:lstStyle/>
+                    <a:p>
+                      <a:endParaRPr lang="nb-NO"/>
+                    </a:p>
+                  </a:txBody>
                   <a:tcPr/>
                 </a:tc>
+                <a:extLst>
+                  <a:ext uri="{0D108BD9-81ED-4DB2-BD59-A6C34878D82A}">
+                    <a16:rowId xmlns:a16="http://schemas.microsoft.com/office/drawing/2014/main" val="10000"/>
+                  </a:ext>
+                </a:extLst>
               </a:tr>
               <a:tr h="195932">
                 <a:tc>
@@ -9609,7 +9963,7 @@
                     <a:lstStyle/>
                     <a:p>
                       <a:pPr defTabSz="457200">
-                        <a:defRPr b="0" sz="1800">
+                        <a:defRPr sz="1800" b="0">
                           <a:solidFill>
                             <a:srgbClr val="000000"/>
                           </a:solidFill>
@@ -9629,7 +9983,7 @@
                       </a:r>
                     </a:p>
                   </a:txBody>
-                  <a:tcPr marL="25400" marR="25400" marT="0" marB="25400" anchor="b" anchorCtr="0" horzOverflow="overflow">
+                  <a:tcPr marL="25400" marR="25400" marT="0" marB="25400" anchor="b" horzOverflow="overflow">
                     <a:lnL w="0">
                       <a:miter lim="400000"/>
                     </a:lnL>
@@ -9669,7 +10023,7 @@
                       </a:r>
                     </a:p>
                   </a:txBody>
-                  <a:tcPr marL="25400" marR="25400" marT="0" marB="25400" anchor="b" anchorCtr="0" horzOverflow="overflow">
+                  <a:tcPr marL="25400" marR="25400" marT="0" marB="25400" anchor="b" horzOverflow="overflow">
                     <a:lnL w="0">
                       <a:miter lim="400000"/>
                     </a:lnL>
@@ -9709,24 +10063,29 @@
                       </a:r>
                     </a:p>
                   </a:txBody>
-                  <a:tcPr marL="25400" marR="25400" marT="0" marB="25400" anchor="b" anchorCtr="0" horzOverflow="overflow">
-                    <a:lnL w="0">
-                      <a:miter lim="400000"/>
-                    </a:lnL>
-                    <a:lnR w="0">
-                      <a:miter lim="400000"/>
-                    </a:lnR>
-                    <a:lnT w="0">
-                      <a:miter lim="400000"/>
-                    </a:lnT>
-                    <a:lnB w="0">
-                      <a:miter lim="400000"/>
-                    </a:lnB>
-                    <a:solidFill>
-                      <a:srgbClr val="000000"/>
-                    </a:solidFill>
-                  </a:tcPr>
-                </a:tc>
+                  <a:tcPr marL="25400" marR="25400" marT="0" marB="25400" anchor="b" horzOverflow="overflow">
+                    <a:lnL w="0">
+                      <a:miter lim="400000"/>
+                    </a:lnL>
+                    <a:lnR w="0">
+                      <a:miter lim="400000"/>
+                    </a:lnR>
+                    <a:lnT w="0">
+                      <a:miter lim="400000"/>
+                    </a:lnT>
+                    <a:lnB w="0">
+                      <a:miter lim="400000"/>
+                    </a:lnB>
+                    <a:solidFill>
+                      <a:srgbClr val="000000"/>
+                    </a:solidFill>
+                  </a:tcPr>
+                </a:tc>
+                <a:extLst>
+                  <a:ext uri="{0D108BD9-81ED-4DB2-BD59-A6C34878D82A}">
+                    <a16:rowId xmlns:a16="http://schemas.microsoft.com/office/drawing/2014/main" val="10001"/>
+                  </a:ext>
+                </a:extLst>
               </a:tr>
               <a:tr h="195932">
                 <a:tc>
@@ -9735,7 +10094,7 @@
                     <a:lstStyle/>
                     <a:p>
                       <a:pPr defTabSz="457200">
-                        <a:defRPr b="0" sz="1800">
+                        <a:defRPr sz="1800" b="0">
                           <a:solidFill>
                             <a:srgbClr val="000000"/>
                           </a:solidFill>
@@ -9755,7 +10114,7 @@
                       </a:r>
                     </a:p>
                   </a:txBody>
-                  <a:tcPr marL="25400" marR="25400" marT="0" marB="25400" anchor="b" anchorCtr="0" horzOverflow="overflow">
+                  <a:tcPr marL="25400" marR="25400" marT="0" marB="25400" anchor="b" horzOverflow="overflow">
                     <a:lnL w="0">
                       <a:miter lim="400000"/>
                     </a:lnL>
@@ -9795,7 +10154,7 @@
                       </a:r>
                     </a:p>
                   </a:txBody>
-                  <a:tcPr marL="25400" marR="25400" marT="0" marB="25400" anchor="b" anchorCtr="0" horzOverflow="overflow">
+                  <a:tcPr marL="25400" marR="25400" marT="0" marB="25400" anchor="b" horzOverflow="overflow">
                     <a:lnL w="0">
                       <a:miter lim="400000"/>
                     </a:lnL>
@@ -9835,24 +10194,29 @@
                       </a:r>
                     </a:p>
                   </a:txBody>
-                  <a:tcPr marL="25400" marR="25400" marT="0" marB="25400" anchor="b" anchorCtr="0" horzOverflow="overflow">
-                    <a:lnL w="0">
-                      <a:miter lim="400000"/>
-                    </a:lnL>
-                    <a:lnR w="0">
-                      <a:miter lim="400000"/>
-                    </a:lnR>
-                    <a:lnT w="0">
-                      <a:miter lim="400000"/>
-                    </a:lnT>
-                    <a:lnB w="0">
-                      <a:miter lim="400000"/>
-                    </a:lnB>
-                    <a:solidFill>
-                      <a:srgbClr val="000000"/>
-                    </a:solidFill>
-                  </a:tcPr>
-                </a:tc>
+                  <a:tcPr marL="25400" marR="25400" marT="0" marB="25400" anchor="b" horzOverflow="overflow">
+                    <a:lnL w="0">
+                      <a:miter lim="400000"/>
+                    </a:lnL>
+                    <a:lnR w="0">
+                      <a:miter lim="400000"/>
+                    </a:lnR>
+                    <a:lnT w="0">
+                      <a:miter lim="400000"/>
+                    </a:lnT>
+                    <a:lnB w="0">
+                      <a:miter lim="400000"/>
+                    </a:lnB>
+                    <a:solidFill>
+                      <a:srgbClr val="000000"/>
+                    </a:solidFill>
+                  </a:tcPr>
+                </a:tc>
+                <a:extLst>
+                  <a:ext uri="{0D108BD9-81ED-4DB2-BD59-A6C34878D82A}">
+                    <a16:rowId xmlns:a16="http://schemas.microsoft.com/office/drawing/2014/main" val="10002"/>
+                  </a:ext>
+                </a:extLst>
               </a:tr>
               <a:tr h="195932">
                 <a:tc>
@@ -9861,7 +10225,7 @@
                     <a:lstStyle/>
                     <a:p>
                       <a:pPr defTabSz="457200">
-                        <a:defRPr b="0" sz="1800">
+                        <a:defRPr sz="1800" b="0">
                           <a:solidFill>
                             <a:srgbClr val="000000"/>
                           </a:solidFill>
@@ -9881,7 +10245,7 @@
                       </a:r>
                     </a:p>
                   </a:txBody>
-                  <a:tcPr marL="25400" marR="25400" marT="0" marB="25400" anchor="b" anchorCtr="0" horzOverflow="overflow">
+                  <a:tcPr marL="25400" marR="25400" marT="0" marB="25400" anchor="b" horzOverflow="overflow">
                     <a:lnL w="0">
                       <a:miter lim="400000"/>
                     </a:lnL>
@@ -9921,7 +10285,7 @@
                       </a:r>
                     </a:p>
                   </a:txBody>
-                  <a:tcPr marL="25400" marR="25400" marT="0" marB="25400" anchor="b" anchorCtr="0" horzOverflow="overflow">
+                  <a:tcPr marL="25400" marR="25400" marT="0" marB="25400" anchor="b" horzOverflow="overflow">
                     <a:lnL w="0">
                       <a:miter lim="400000"/>
                     </a:lnL>
@@ -9961,24 +10325,29 @@
                       </a:r>
                     </a:p>
                   </a:txBody>
-                  <a:tcPr marL="25400" marR="25400" marT="0" marB="25400" anchor="b" anchorCtr="0" horzOverflow="overflow">
-                    <a:lnL w="0">
-                      <a:miter lim="400000"/>
-                    </a:lnL>
-                    <a:lnR w="0">
-                      <a:miter lim="400000"/>
-                    </a:lnR>
-                    <a:lnT w="0">
-                      <a:miter lim="400000"/>
-                    </a:lnT>
-                    <a:lnB w="0">
-                      <a:miter lim="400000"/>
-                    </a:lnB>
-                    <a:solidFill>
-                      <a:srgbClr val="000000"/>
-                    </a:solidFill>
-                  </a:tcPr>
-                </a:tc>
+                  <a:tcPr marL="25400" marR="25400" marT="0" marB="25400" anchor="b" horzOverflow="overflow">
+                    <a:lnL w="0">
+                      <a:miter lim="400000"/>
+                    </a:lnL>
+                    <a:lnR w="0">
+                      <a:miter lim="400000"/>
+                    </a:lnR>
+                    <a:lnT w="0">
+                      <a:miter lim="400000"/>
+                    </a:lnT>
+                    <a:lnB w="0">
+                      <a:miter lim="400000"/>
+                    </a:lnB>
+                    <a:solidFill>
+                      <a:srgbClr val="000000"/>
+                    </a:solidFill>
+                  </a:tcPr>
+                </a:tc>
+                <a:extLst>
+                  <a:ext uri="{0D108BD9-81ED-4DB2-BD59-A6C34878D82A}">
+                    <a16:rowId xmlns:a16="http://schemas.microsoft.com/office/drawing/2014/main" val="10003"/>
+                  </a:ext>
+                </a:extLst>
               </a:tr>
               <a:tr h="195932">
                 <a:tc>
@@ -9987,7 +10356,7 @@
                     <a:lstStyle/>
                     <a:p>
                       <a:pPr defTabSz="457200">
-                        <a:defRPr b="0" sz="1800">
+                        <a:defRPr sz="1800" b="0">
                           <a:solidFill>
                             <a:srgbClr val="000000"/>
                           </a:solidFill>
@@ -10007,7 +10376,7 @@
                       </a:r>
                     </a:p>
                   </a:txBody>
-                  <a:tcPr marL="25400" marR="25400" marT="0" marB="25400" anchor="b" anchorCtr="0" horzOverflow="overflow">
+                  <a:tcPr marL="25400" marR="25400" marT="0" marB="25400" anchor="b" horzOverflow="overflow">
                     <a:lnL w="0">
                       <a:miter lim="400000"/>
                     </a:lnL>
@@ -10047,7 +10416,7 @@
                       </a:r>
                     </a:p>
                   </a:txBody>
-                  <a:tcPr marL="25400" marR="25400" marT="0" marB="25400" anchor="b" anchorCtr="0" horzOverflow="overflow">
+                  <a:tcPr marL="25400" marR="25400" marT="0" marB="25400" anchor="b" horzOverflow="overflow">
                     <a:lnL w="0">
                       <a:miter lim="400000"/>
                     </a:lnL>
@@ -10087,24 +10456,29 @@
                       </a:r>
                     </a:p>
                   </a:txBody>
-                  <a:tcPr marL="25400" marR="25400" marT="0" marB="25400" anchor="b" anchorCtr="0" horzOverflow="overflow">
-                    <a:lnL w="0">
-                      <a:miter lim="400000"/>
-                    </a:lnL>
-                    <a:lnR w="0">
-                      <a:miter lim="400000"/>
-                    </a:lnR>
-                    <a:lnT w="0">
-                      <a:miter lim="400000"/>
-                    </a:lnT>
-                    <a:lnB w="0">
-                      <a:miter lim="400000"/>
-                    </a:lnB>
-                    <a:solidFill>
-                      <a:srgbClr val="000000"/>
-                    </a:solidFill>
-                  </a:tcPr>
-                </a:tc>
+                  <a:tcPr marL="25400" marR="25400" marT="0" marB="25400" anchor="b" horzOverflow="overflow">
+                    <a:lnL w="0">
+                      <a:miter lim="400000"/>
+                    </a:lnL>
+                    <a:lnR w="0">
+                      <a:miter lim="400000"/>
+                    </a:lnR>
+                    <a:lnT w="0">
+                      <a:miter lim="400000"/>
+                    </a:lnT>
+                    <a:lnB w="0">
+                      <a:miter lim="400000"/>
+                    </a:lnB>
+                    <a:solidFill>
+                      <a:srgbClr val="000000"/>
+                    </a:solidFill>
+                  </a:tcPr>
+                </a:tc>
+                <a:extLst>
+                  <a:ext uri="{0D108BD9-81ED-4DB2-BD59-A6C34878D82A}">
+                    <a16:rowId xmlns:a16="http://schemas.microsoft.com/office/drawing/2014/main" val="10004"/>
+                  </a:ext>
+                </a:extLst>
               </a:tr>
               <a:tr h="195932">
                 <a:tc>
@@ -10113,7 +10487,7 @@
                     <a:lstStyle/>
                     <a:p>
                       <a:pPr defTabSz="457200">
-                        <a:defRPr b="0" sz="1800">
+                        <a:defRPr sz="1800" b="0">
                           <a:solidFill>
                             <a:srgbClr val="000000"/>
                           </a:solidFill>
@@ -10133,7 +10507,7 @@
                       </a:r>
                     </a:p>
                   </a:txBody>
-                  <a:tcPr marL="25400" marR="25400" marT="0" marB="25400" anchor="b" anchorCtr="0" horzOverflow="overflow">
+                  <a:tcPr marL="25400" marR="25400" marT="0" marB="25400" anchor="b" horzOverflow="overflow">
                     <a:lnL w="0">
                       <a:miter lim="400000"/>
                     </a:lnL>
@@ -10173,7 +10547,7 @@
                       </a:r>
                     </a:p>
                   </a:txBody>
-                  <a:tcPr marL="25400" marR="25400" marT="0" marB="25400" anchor="b" anchorCtr="0" horzOverflow="overflow">
+                  <a:tcPr marL="25400" marR="25400" marT="0" marB="25400" anchor="b" horzOverflow="overflow">
                     <a:lnL w="0">
                       <a:miter lim="400000"/>
                     </a:lnL>
@@ -10213,24 +10587,29 @@
                       </a:r>
                     </a:p>
                   </a:txBody>
-                  <a:tcPr marL="25400" marR="25400" marT="0" marB="25400" anchor="b" anchorCtr="0" horzOverflow="overflow">
-                    <a:lnL w="0">
-                      <a:miter lim="400000"/>
-                    </a:lnL>
-                    <a:lnR w="0">
-                      <a:miter lim="400000"/>
-                    </a:lnR>
-                    <a:lnT w="0">
-                      <a:miter lim="400000"/>
-                    </a:lnT>
-                    <a:lnB w="0">
-                      <a:miter lim="400000"/>
-                    </a:lnB>
-                    <a:solidFill>
-                      <a:srgbClr val="000000"/>
-                    </a:solidFill>
-                  </a:tcPr>
-                </a:tc>
+                  <a:tcPr marL="25400" marR="25400" marT="0" marB="25400" anchor="b" horzOverflow="overflow">
+                    <a:lnL w="0">
+                      <a:miter lim="400000"/>
+                    </a:lnL>
+                    <a:lnR w="0">
+                      <a:miter lim="400000"/>
+                    </a:lnR>
+                    <a:lnT w="0">
+                      <a:miter lim="400000"/>
+                    </a:lnT>
+                    <a:lnB w="0">
+                      <a:miter lim="400000"/>
+                    </a:lnB>
+                    <a:solidFill>
+                      <a:srgbClr val="000000"/>
+                    </a:solidFill>
+                  </a:tcPr>
+                </a:tc>
+                <a:extLst>
+                  <a:ext uri="{0D108BD9-81ED-4DB2-BD59-A6C34878D82A}">
+                    <a16:rowId xmlns:a16="http://schemas.microsoft.com/office/drawing/2014/main" val="10005"/>
+                  </a:ext>
+                </a:extLst>
               </a:tr>
               <a:tr h="195932">
                 <a:tc>
@@ -10239,7 +10618,7 @@
                     <a:lstStyle/>
                     <a:p>
                       <a:pPr defTabSz="457200">
-                        <a:defRPr b="0" sz="1800">
+                        <a:defRPr sz="1800" b="0">
                           <a:solidFill>
                             <a:srgbClr val="000000"/>
                           </a:solidFill>
@@ -10259,7 +10638,7 @@
                       </a:r>
                     </a:p>
                   </a:txBody>
-                  <a:tcPr marL="25400" marR="25400" marT="0" marB="25400" anchor="b" anchorCtr="0" horzOverflow="overflow">
+                  <a:tcPr marL="25400" marR="25400" marT="0" marB="25400" anchor="b" horzOverflow="overflow">
                     <a:lnL w="0">
                       <a:miter lim="400000"/>
                     </a:lnL>
@@ -10299,7 +10678,7 @@
                       </a:r>
                     </a:p>
                   </a:txBody>
-                  <a:tcPr marL="25400" marR="25400" marT="0" marB="25400" anchor="b" anchorCtr="0" horzOverflow="overflow">
+                  <a:tcPr marL="25400" marR="25400" marT="0" marB="25400" anchor="b" horzOverflow="overflow">
                     <a:lnL w="0">
                       <a:miter lim="400000"/>
                     </a:lnL>
@@ -10339,24 +10718,29 @@
                       </a:r>
                     </a:p>
                   </a:txBody>
-                  <a:tcPr marL="25400" marR="25400" marT="0" marB="25400" anchor="b" anchorCtr="0" horzOverflow="overflow">
-                    <a:lnL w="0">
-                      <a:miter lim="400000"/>
-                    </a:lnL>
-                    <a:lnR w="0">
-                      <a:miter lim="400000"/>
-                    </a:lnR>
-                    <a:lnT w="0">
-                      <a:miter lim="400000"/>
-                    </a:lnT>
-                    <a:lnB w="0">
-                      <a:miter lim="400000"/>
-                    </a:lnB>
-                    <a:solidFill>
-                      <a:srgbClr val="000000"/>
-                    </a:solidFill>
-                  </a:tcPr>
-                </a:tc>
+                  <a:tcPr marL="25400" marR="25400" marT="0" marB="25400" anchor="b" horzOverflow="overflow">
+                    <a:lnL w="0">
+                      <a:miter lim="400000"/>
+                    </a:lnL>
+                    <a:lnR w="0">
+                      <a:miter lim="400000"/>
+                    </a:lnR>
+                    <a:lnT w="0">
+                      <a:miter lim="400000"/>
+                    </a:lnT>
+                    <a:lnB w="0">
+                      <a:miter lim="400000"/>
+                    </a:lnB>
+                    <a:solidFill>
+                      <a:srgbClr val="000000"/>
+                    </a:solidFill>
+                  </a:tcPr>
+                </a:tc>
+                <a:extLst>
+                  <a:ext uri="{0D108BD9-81ED-4DB2-BD59-A6C34878D82A}">
+                    <a16:rowId xmlns:a16="http://schemas.microsoft.com/office/drawing/2014/main" val="10006"/>
+                  </a:ext>
+                </a:extLst>
               </a:tr>
               <a:tr h="195932">
                 <a:tc>
@@ -10365,7 +10749,7 @@
                     <a:lstStyle/>
                     <a:p>
                       <a:pPr defTabSz="457200">
-                        <a:defRPr b="0" sz="1800">
+                        <a:defRPr sz="1800" b="0">
                           <a:solidFill>
                             <a:srgbClr val="000000"/>
                           </a:solidFill>
@@ -10385,7 +10769,7 @@
                       </a:r>
                     </a:p>
                   </a:txBody>
-                  <a:tcPr marL="25400" marR="25400" marT="0" marB="25400" anchor="b" anchorCtr="0" horzOverflow="overflow">
+                  <a:tcPr marL="25400" marR="25400" marT="0" marB="25400" anchor="b" horzOverflow="overflow">
                     <a:lnL w="0">
                       <a:miter lim="400000"/>
                     </a:lnL>
@@ -10425,7 +10809,7 @@
                       </a:r>
                     </a:p>
                   </a:txBody>
-                  <a:tcPr marL="25400" marR="25400" marT="0" marB="25400" anchor="b" anchorCtr="0" horzOverflow="overflow">
+                  <a:tcPr marL="25400" marR="25400" marT="0" marB="25400" anchor="b" horzOverflow="overflow">
                     <a:lnL w="0">
                       <a:miter lim="400000"/>
                     </a:lnL>
@@ -10465,24 +10849,29 @@
                       </a:r>
                     </a:p>
                   </a:txBody>
-                  <a:tcPr marL="25400" marR="25400" marT="0" marB="25400" anchor="b" anchorCtr="0" horzOverflow="overflow">
-                    <a:lnL w="0">
-                      <a:miter lim="400000"/>
-                    </a:lnL>
-                    <a:lnR w="0">
-                      <a:miter lim="400000"/>
-                    </a:lnR>
-                    <a:lnT w="0">
-                      <a:miter lim="400000"/>
-                    </a:lnT>
-                    <a:lnB w="0">
-                      <a:miter lim="400000"/>
-                    </a:lnB>
-                    <a:solidFill>
-                      <a:srgbClr val="000000"/>
-                    </a:solidFill>
-                  </a:tcPr>
-                </a:tc>
+                  <a:tcPr marL="25400" marR="25400" marT="0" marB="25400" anchor="b" horzOverflow="overflow">
+                    <a:lnL w="0">
+                      <a:miter lim="400000"/>
+                    </a:lnL>
+                    <a:lnR w="0">
+                      <a:miter lim="400000"/>
+                    </a:lnR>
+                    <a:lnT w="0">
+                      <a:miter lim="400000"/>
+                    </a:lnT>
+                    <a:lnB w="0">
+                      <a:miter lim="400000"/>
+                    </a:lnB>
+                    <a:solidFill>
+                      <a:srgbClr val="000000"/>
+                    </a:solidFill>
+                  </a:tcPr>
+                </a:tc>
+                <a:extLst>
+                  <a:ext uri="{0D108BD9-81ED-4DB2-BD59-A6C34878D82A}">
+                    <a16:rowId xmlns:a16="http://schemas.microsoft.com/office/drawing/2014/main" val="10007"/>
+                  </a:ext>
+                </a:extLst>
               </a:tr>
               <a:tr h="195932">
                 <a:tc>
@@ -10491,7 +10880,7 @@
                     <a:lstStyle/>
                     <a:p>
                       <a:pPr defTabSz="457200">
-                        <a:defRPr b="0" sz="1800">
+                        <a:defRPr sz="1800" b="0">
                           <a:solidFill>
                             <a:srgbClr val="000000"/>
                           </a:solidFill>
@@ -10511,7 +10900,7 @@
                       </a:r>
                     </a:p>
                   </a:txBody>
-                  <a:tcPr marL="25400" marR="25400" marT="0" marB="25400" anchor="b" anchorCtr="0" horzOverflow="overflow">
+                  <a:tcPr marL="25400" marR="25400" marT="0" marB="25400" anchor="b" horzOverflow="overflow">
                     <a:lnL w="0">
                       <a:miter lim="400000"/>
                     </a:lnL>
@@ -10551,7 +10940,7 @@
                       </a:r>
                     </a:p>
                   </a:txBody>
-                  <a:tcPr marL="25400" marR="25400" marT="0" marB="25400" anchor="b" anchorCtr="0" horzOverflow="overflow">
+                  <a:tcPr marL="25400" marR="25400" marT="0" marB="25400" anchor="b" horzOverflow="overflow">
                     <a:lnL w="0">
                       <a:miter lim="400000"/>
                     </a:lnL>
@@ -10591,24 +10980,29 @@
                       </a:r>
                     </a:p>
                   </a:txBody>
-                  <a:tcPr marL="25400" marR="25400" marT="0" marB="25400" anchor="b" anchorCtr="0" horzOverflow="overflow">
-                    <a:lnL w="0">
-                      <a:miter lim="400000"/>
-                    </a:lnL>
-                    <a:lnR w="0">
-                      <a:miter lim="400000"/>
-                    </a:lnR>
-                    <a:lnT w="0">
-                      <a:miter lim="400000"/>
-                    </a:lnT>
-                    <a:lnB w="0">
-                      <a:miter lim="400000"/>
-                    </a:lnB>
-                    <a:solidFill>
-                      <a:srgbClr val="000000"/>
-                    </a:solidFill>
-                  </a:tcPr>
-                </a:tc>
+                  <a:tcPr marL="25400" marR="25400" marT="0" marB="25400" anchor="b" horzOverflow="overflow">
+                    <a:lnL w="0">
+                      <a:miter lim="400000"/>
+                    </a:lnL>
+                    <a:lnR w="0">
+                      <a:miter lim="400000"/>
+                    </a:lnR>
+                    <a:lnT w="0">
+                      <a:miter lim="400000"/>
+                    </a:lnT>
+                    <a:lnB w="0">
+                      <a:miter lim="400000"/>
+                    </a:lnB>
+                    <a:solidFill>
+                      <a:srgbClr val="000000"/>
+                    </a:solidFill>
+                  </a:tcPr>
+                </a:tc>
+                <a:extLst>
+                  <a:ext uri="{0D108BD9-81ED-4DB2-BD59-A6C34878D82A}">
+                    <a16:rowId xmlns:a16="http://schemas.microsoft.com/office/drawing/2014/main" val="10008"/>
+                  </a:ext>
+                </a:extLst>
               </a:tr>
               <a:tr h="195932">
                 <a:tc>
@@ -10617,7 +11011,7 @@
                     <a:lstStyle/>
                     <a:p>
                       <a:pPr defTabSz="457200">
-                        <a:defRPr b="0" sz="1800">
+                        <a:defRPr sz="1800" b="0">
                           <a:solidFill>
                             <a:srgbClr val="000000"/>
                           </a:solidFill>
@@ -10637,7 +11031,7 @@
                       </a:r>
                     </a:p>
                   </a:txBody>
-                  <a:tcPr marL="25400" marR="25400" marT="0" marB="25400" anchor="b" anchorCtr="0" horzOverflow="overflow">
+                  <a:tcPr marL="25400" marR="25400" marT="0" marB="25400" anchor="b" horzOverflow="overflow">
                     <a:lnL w="0">
                       <a:miter lim="400000"/>
                     </a:lnL>
@@ -10677,7 +11071,7 @@
                       </a:r>
                     </a:p>
                   </a:txBody>
-                  <a:tcPr marL="25400" marR="25400" marT="0" marB="25400" anchor="b" anchorCtr="0" horzOverflow="overflow">
+                  <a:tcPr marL="25400" marR="25400" marT="0" marB="25400" anchor="b" horzOverflow="overflow">
                     <a:lnL w="0">
                       <a:miter lim="400000"/>
                     </a:lnL>
@@ -10717,24 +11111,29 @@
                       </a:r>
                     </a:p>
                   </a:txBody>
-                  <a:tcPr marL="25400" marR="25400" marT="0" marB="25400" anchor="b" anchorCtr="0" horzOverflow="overflow">
-                    <a:lnL w="0">
-                      <a:miter lim="400000"/>
-                    </a:lnL>
-                    <a:lnR w="0">
-                      <a:miter lim="400000"/>
-                    </a:lnR>
-                    <a:lnT w="0">
-                      <a:miter lim="400000"/>
-                    </a:lnT>
-                    <a:lnB w="0">
-                      <a:miter lim="400000"/>
-                    </a:lnB>
-                    <a:solidFill>
-                      <a:srgbClr val="000000"/>
-                    </a:solidFill>
-                  </a:tcPr>
-                </a:tc>
+                  <a:tcPr marL="25400" marR="25400" marT="0" marB="25400" anchor="b" horzOverflow="overflow">
+                    <a:lnL w="0">
+                      <a:miter lim="400000"/>
+                    </a:lnL>
+                    <a:lnR w="0">
+                      <a:miter lim="400000"/>
+                    </a:lnR>
+                    <a:lnT w="0">
+                      <a:miter lim="400000"/>
+                    </a:lnT>
+                    <a:lnB w="0">
+                      <a:miter lim="400000"/>
+                    </a:lnB>
+                    <a:solidFill>
+                      <a:srgbClr val="000000"/>
+                    </a:solidFill>
+                  </a:tcPr>
+                </a:tc>
+                <a:extLst>
+                  <a:ext uri="{0D108BD9-81ED-4DB2-BD59-A6C34878D82A}">
+                    <a16:rowId xmlns:a16="http://schemas.microsoft.com/office/drawing/2014/main" val="10009"/>
+                  </a:ext>
+                </a:extLst>
               </a:tr>
               <a:tr h="195932">
                 <a:tc>
@@ -10743,7 +11142,7 @@
                     <a:lstStyle/>
                     <a:p>
                       <a:pPr defTabSz="457200">
-                        <a:defRPr b="0" sz="1800">
+                        <a:defRPr sz="1800" b="0">
                           <a:solidFill>
                             <a:srgbClr val="000000"/>
                           </a:solidFill>
@@ -10763,7 +11162,7 @@
                       </a:r>
                     </a:p>
                   </a:txBody>
-                  <a:tcPr marL="25400" marR="25400" marT="0" marB="25400" anchor="b" anchorCtr="0" horzOverflow="overflow">
+                  <a:tcPr marL="25400" marR="25400" marT="0" marB="25400" anchor="b" horzOverflow="overflow">
                     <a:lnL w="0">
                       <a:miter lim="400000"/>
                     </a:lnL>
@@ -10803,7 +11202,7 @@
                       </a:r>
                     </a:p>
                   </a:txBody>
-                  <a:tcPr marL="25400" marR="25400" marT="0" marB="25400" anchor="b" anchorCtr="0" horzOverflow="overflow">
+                  <a:tcPr marL="25400" marR="25400" marT="0" marB="25400" anchor="b" horzOverflow="overflow">
                     <a:lnL w="0">
                       <a:miter lim="400000"/>
                     </a:lnL>
@@ -10843,24 +11242,29 @@
                       </a:r>
                     </a:p>
                   </a:txBody>
-                  <a:tcPr marL="25400" marR="25400" marT="0" marB="25400" anchor="b" anchorCtr="0" horzOverflow="overflow">
-                    <a:lnL w="0">
-                      <a:miter lim="400000"/>
-                    </a:lnL>
-                    <a:lnR w="0">
-                      <a:miter lim="400000"/>
-                    </a:lnR>
-                    <a:lnT w="0">
-                      <a:miter lim="400000"/>
-                    </a:lnT>
-                    <a:lnB w="0">
-                      <a:miter lim="400000"/>
-                    </a:lnB>
-                    <a:solidFill>
-                      <a:srgbClr val="000000"/>
-                    </a:solidFill>
-                  </a:tcPr>
-                </a:tc>
+                  <a:tcPr marL="25400" marR="25400" marT="0" marB="25400" anchor="b" horzOverflow="overflow">
+                    <a:lnL w="0">
+                      <a:miter lim="400000"/>
+                    </a:lnL>
+                    <a:lnR w="0">
+                      <a:miter lim="400000"/>
+                    </a:lnR>
+                    <a:lnT w="0">
+                      <a:miter lim="400000"/>
+                    </a:lnT>
+                    <a:lnB w="0">
+                      <a:miter lim="400000"/>
+                    </a:lnB>
+                    <a:solidFill>
+                      <a:srgbClr val="000000"/>
+                    </a:solidFill>
+                  </a:tcPr>
+                </a:tc>
+                <a:extLst>
+                  <a:ext uri="{0D108BD9-81ED-4DB2-BD59-A6C34878D82A}">
+                    <a16:rowId xmlns:a16="http://schemas.microsoft.com/office/drawing/2014/main" val="10010"/>
+                  </a:ext>
+                </a:extLst>
               </a:tr>
               <a:tr h="195932">
                 <a:tc>
@@ -10869,7 +11273,7 @@
                     <a:lstStyle/>
                     <a:p>
                       <a:pPr defTabSz="457200">
-                        <a:defRPr b="0" sz="1800">
+                        <a:defRPr sz="1800" b="0">
                           <a:solidFill>
                             <a:srgbClr val="000000"/>
                           </a:solidFill>
@@ -10889,7 +11293,7 @@
                       </a:r>
                     </a:p>
                   </a:txBody>
-                  <a:tcPr marL="25400" marR="25400" marT="0" marB="25400" anchor="b" anchorCtr="0" horzOverflow="overflow">
+                  <a:tcPr marL="25400" marR="25400" marT="0" marB="25400" anchor="b" horzOverflow="overflow">
                     <a:lnL w="0">
                       <a:miter lim="400000"/>
                     </a:lnL>
@@ -10929,7 +11333,7 @@
                       </a:r>
                     </a:p>
                   </a:txBody>
-                  <a:tcPr marL="25400" marR="25400" marT="0" marB="25400" anchor="b" anchorCtr="0" horzOverflow="overflow">
+                  <a:tcPr marL="25400" marR="25400" marT="0" marB="25400" anchor="b" horzOverflow="overflow">
                     <a:lnL w="0">
                       <a:miter lim="400000"/>
                     </a:lnL>
@@ -10969,24 +11373,29 @@
                       </a:r>
                     </a:p>
                   </a:txBody>
-                  <a:tcPr marL="25400" marR="25400" marT="0" marB="25400" anchor="b" anchorCtr="0" horzOverflow="overflow">
-                    <a:lnL w="0">
-                      <a:miter lim="400000"/>
-                    </a:lnL>
-                    <a:lnR w="0">
-                      <a:miter lim="400000"/>
-                    </a:lnR>
-                    <a:lnT w="0">
-                      <a:miter lim="400000"/>
-                    </a:lnT>
-                    <a:lnB w="0">
-                      <a:miter lim="400000"/>
-                    </a:lnB>
-                    <a:solidFill>
-                      <a:srgbClr val="000000"/>
-                    </a:solidFill>
-                  </a:tcPr>
-                </a:tc>
+                  <a:tcPr marL="25400" marR="25400" marT="0" marB="25400" anchor="b" horzOverflow="overflow">
+                    <a:lnL w="0">
+                      <a:miter lim="400000"/>
+                    </a:lnL>
+                    <a:lnR w="0">
+                      <a:miter lim="400000"/>
+                    </a:lnR>
+                    <a:lnT w="0">
+                      <a:miter lim="400000"/>
+                    </a:lnT>
+                    <a:lnB w="0">
+                      <a:miter lim="400000"/>
+                    </a:lnB>
+                    <a:solidFill>
+                      <a:srgbClr val="000000"/>
+                    </a:solidFill>
+                  </a:tcPr>
+                </a:tc>
+                <a:extLst>
+                  <a:ext uri="{0D108BD9-81ED-4DB2-BD59-A6C34878D82A}">
+                    <a16:rowId xmlns:a16="http://schemas.microsoft.com/office/drawing/2014/main" val="10011"/>
+                  </a:ext>
+                </a:extLst>
               </a:tr>
               <a:tr h="195932">
                 <a:tc>
@@ -10995,7 +11404,7 @@
                     <a:lstStyle/>
                     <a:p>
                       <a:pPr defTabSz="457200">
-                        <a:defRPr b="0" sz="1800">
+                        <a:defRPr sz="1800" b="0">
                           <a:solidFill>
                             <a:srgbClr val="000000"/>
                           </a:solidFill>
@@ -11015,7 +11424,7 @@
                       </a:r>
                     </a:p>
                   </a:txBody>
-                  <a:tcPr marL="25400" marR="25400" marT="0" marB="25400" anchor="b" anchorCtr="0" horzOverflow="overflow">
+                  <a:tcPr marL="25400" marR="25400" marT="0" marB="25400" anchor="b" horzOverflow="overflow">
                     <a:lnL w="0">
                       <a:miter lim="400000"/>
                     </a:lnL>
@@ -11055,7 +11464,7 @@
                       </a:r>
                     </a:p>
                   </a:txBody>
-                  <a:tcPr marL="25400" marR="25400" marT="0" marB="25400" anchor="b" anchorCtr="0" horzOverflow="overflow">
+                  <a:tcPr marL="25400" marR="25400" marT="0" marB="25400" anchor="b" horzOverflow="overflow">
                     <a:lnL w="0">
                       <a:miter lim="400000"/>
                     </a:lnL>
@@ -11095,24 +11504,29 @@
                       </a:r>
                     </a:p>
                   </a:txBody>
-                  <a:tcPr marL="25400" marR="25400" marT="0" marB="25400" anchor="b" anchorCtr="0" horzOverflow="overflow">
-                    <a:lnL w="0">
-                      <a:miter lim="400000"/>
-                    </a:lnL>
-                    <a:lnR w="0">
-                      <a:miter lim="400000"/>
-                    </a:lnR>
-                    <a:lnT w="0">
-                      <a:miter lim="400000"/>
-                    </a:lnT>
-                    <a:lnB w="0">
-                      <a:miter lim="400000"/>
-                    </a:lnB>
-                    <a:solidFill>
-                      <a:srgbClr val="000000"/>
-                    </a:solidFill>
-                  </a:tcPr>
-                </a:tc>
+                  <a:tcPr marL="25400" marR="25400" marT="0" marB="25400" anchor="b" horzOverflow="overflow">
+                    <a:lnL w="0">
+                      <a:miter lim="400000"/>
+                    </a:lnL>
+                    <a:lnR w="0">
+                      <a:miter lim="400000"/>
+                    </a:lnR>
+                    <a:lnT w="0">
+                      <a:miter lim="400000"/>
+                    </a:lnT>
+                    <a:lnB w="0">
+                      <a:miter lim="400000"/>
+                    </a:lnB>
+                    <a:solidFill>
+                      <a:srgbClr val="000000"/>
+                    </a:solidFill>
+                  </a:tcPr>
+                </a:tc>
+                <a:extLst>
+                  <a:ext uri="{0D108BD9-81ED-4DB2-BD59-A6C34878D82A}">
+                    <a16:rowId xmlns:a16="http://schemas.microsoft.com/office/drawing/2014/main" val="10012"/>
+                  </a:ext>
+                </a:extLst>
               </a:tr>
               <a:tr h="195932">
                 <a:tc>
@@ -11121,7 +11535,7 @@
                     <a:lstStyle/>
                     <a:p>
                       <a:pPr defTabSz="457200">
-                        <a:defRPr b="0" sz="1800">
+                        <a:defRPr sz="1800" b="0">
                           <a:solidFill>
                             <a:srgbClr val="000000"/>
                           </a:solidFill>
@@ -11141,7 +11555,7 @@
                       </a:r>
                     </a:p>
                   </a:txBody>
-                  <a:tcPr marL="25400" marR="25400" marT="0" marB="25400" anchor="b" anchorCtr="0" horzOverflow="overflow">
+                  <a:tcPr marL="25400" marR="25400" marT="0" marB="25400" anchor="b" horzOverflow="overflow">
                     <a:lnL w="0">
                       <a:miter lim="400000"/>
                     </a:lnL>
@@ -11181,7 +11595,7 @@
                       </a:r>
                     </a:p>
                   </a:txBody>
-                  <a:tcPr marL="25400" marR="25400" marT="0" marB="25400" anchor="b" anchorCtr="0" horzOverflow="overflow">
+                  <a:tcPr marL="25400" marR="25400" marT="0" marB="25400" anchor="b" horzOverflow="overflow">
                     <a:lnL w="0">
                       <a:miter lim="400000"/>
                     </a:lnL>
@@ -11221,24 +11635,29 @@
                       </a:r>
                     </a:p>
                   </a:txBody>
-                  <a:tcPr marL="25400" marR="25400" marT="0" marB="25400" anchor="b" anchorCtr="0" horzOverflow="overflow">
-                    <a:lnL w="0">
-                      <a:miter lim="400000"/>
-                    </a:lnL>
-                    <a:lnR w="0">
-                      <a:miter lim="400000"/>
-                    </a:lnR>
-                    <a:lnT w="0">
-                      <a:miter lim="400000"/>
-                    </a:lnT>
-                    <a:lnB w="0">
-                      <a:miter lim="400000"/>
-                    </a:lnB>
-                    <a:solidFill>
-                      <a:srgbClr val="000000"/>
-                    </a:solidFill>
-                  </a:tcPr>
-                </a:tc>
+                  <a:tcPr marL="25400" marR="25400" marT="0" marB="25400" anchor="b" horzOverflow="overflow">
+                    <a:lnL w="0">
+                      <a:miter lim="400000"/>
+                    </a:lnL>
+                    <a:lnR w="0">
+                      <a:miter lim="400000"/>
+                    </a:lnR>
+                    <a:lnT w="0">
+                      <a:miter lim="400000"/>
+                    </a:lnT>
+                    <a:lnB w="0">
+                      <a:miter lim="400000"/>
+                    </a:lnB>
+                    <a:solidFill>
+                      <a:srgbClr val="000000"/>
+                    </a:solidFill>
+                  </a:tcPr>
+                </a:tc>
+                <a:extLst>
+                  <a:ext uri="{0D108BD9-81ED-4DB2-BD59-A6C34878D82A}">
+                    <a16:rowId xmlns:a16="http://schemas.microsoft.com/office/drawing/2014/main" val="10013"/>
+                  </a:ext>
+                </a:extLst>
               </a:tr>
               <a:tr h="195932">
                 <a:tc>
@@ -11247,7 +11666,7 @@
                     <a:lstStyle/>
                     <a:p>
                       <a:pPr defTabSz="457200">
-                        <a:defRPr b="0" sz="1800">
+                        <a:defRPr sz="1800" b="0">
                           <a:solidFill>
                             <a:srgbClr val="000000"/>
                           </a:solidFill>
@@ -11267,7 +11686,7 @@
                       </a:r>
                     </a:p>
                   </a:txBody>
-                  <a:tcPr marL="25400" marR="25400" marT="0" marB="25400" anchor="b" anchorCtr="0" horzOverflow="overflow">
+                  <a:tcPr marL="25400" marR="25400" marT="0" marB="25400" anchor="b" horzOverflow="overflow">
                     <a:lnL w="0">
                       <a:miter lim="400000"/>
                     </a:lnL>
@@ -11307,7 +11726,7 @@
                       </a:r>
                     </a:p>
                   </a:txBody>
-                  <a:tcPr marL="25400" marR="25400" marT="0" marB="25400" anchor="b" anchorCtr="0" horzOverflow="overflow">
+                  <a:tcPr marL="25400" marR="25400" marT="0" marB="25400" anchor="b" horzOverflow="overflow">
                     <a:lnL w="0">
                       <a:miter lim="400000"/>
                     </a:lnL>
@@ -11347,24 +11766,29 @@
                       </a:r>
                     </a:p>
                   </a:txBody>
-                  <a:tcPr marL="25400" marR="25400" marT="0" marB="25400" anchor="b" anchorCtr="0" horzOverflow="overflow">
-                    <a:lnL w="0">
-                      <a:miter lim="400000"/>
-                    </a:lnL>
-                    <a:lnR w="0">
-                      <a:miter lim="400000"/>
-                    </a:lnR>
-                    <a:lnT w="0">
-                      <a:miter lim="400000"/>
-                    </a:lnT>
-                    <a:lnB w="0">
-                      <a:miter lim="400000"/>
-                    </a:lnB>
-                    <a:solidFill>
-                      <a:srgbClr val="000000"/>
-                    </a:solidFill>
-                  </a:tcPr>
-                </a:tc>
+                  <a:tcPr marL="25400" marR="25400" marT="0" marB="25400" anchor="b" horzOverflow="overflow">
+                    <a:lnL w="0">
+                      <a:miter lim="400000"/>
+                    </a:lnL>
+                    <a:lnR w="0">
+                      <a:miter lim="400000"/>
+                    </a:lnR>
+                    <a:lnT w="0">
+                      <a:miter lim="400000"/>
+                    </a:lnT>
+                    <a:lnB w="0">
+                      <a:miter lim="400000"/>
+                    </a:lnB>
+                    <a:solidFill>
+                      <a:srgbClr val="000000"/>
+                    </a:solidFill>
+                  </a:tcPr>
+                </a:tc>
+                <a:extLst>
+                  <a:ext uri="{0D108BD9-81ED-4DB2-BD59-A6C34878D82A}">
+                    <a16:rowId xmlns:a16="http://schemas.microsoft.com/office/drawing/2014/main" val="10014"/>
+                  </a:ext>
+                </a:extLst>
               </a:tr>
               <a:tr h="195932">
                 <a:tc>
@@ -11373,7 +11797,7 @@
                     <a:lstStyle/>
                     <a:p>
                       <a:pPr defTabSz="457200">
-                        <a:defRPr b="0" sz="1800">
+                        <a:defRPr sz="1800" b="0">
                           <a:solidFill>
                             <a:srgbClr val="000000"/>
                           </a:solidFill>
@@ -11393,7 +11817,7 @@
                       </a:r>
                     </a:p>
                   </a:txBody>
-                  <a:tcPr marL="25400" marR="25400" marT="0" marB="25400" anchor="b" anchorCtr="0" horzOverflow="overflow">
+                  <a:tcPr marL="25400" marR="25400" marT="0" marB="25400" anchor="b" horzOverflow="overflow">
                     <a:lnL w="0">
                       <a:miter lim="400000"/>
                     </a:lnL>
@@ -11433,7 +11857,7 @@
                       </a:r>
                     </a:p>
                   </a:txBody>
-                  <a:tcPr marL="25400" marR="25400" marT="0" marB="25400" anchor="b" anchorCtr="0" horzOverflow="overflow">
+                  <a:tcPr marL="25400" marR="25400" marT="0" marB="25400" anchor="b" horzOverflow="overflow">
                     <a:lnL w="0">
                       <a:miter lim="400000"/>
                     </a:lnL>
@@ -11473,24 +11897,29 @@
                       </a:r>
                     </a:p>
                   </a:txBody>
-                  <a:tcPr marL="25400" marR="25400" marT="0" marB="25400" anchor="b" anchorCtr="0" horzOverflow="overflow">
-                    <a:lnL w="0">
-                      <a:miter lim="400000"/>
-                    </a:lnL>
-                    <a:lnR w="0">
-                      <a:miter lim="400000"/>
-                    </a:lnR>
-                    <a:lnT w="0">
-                      <a:miter lim="400000"/>
-                    </a:lnT>
-                    <a:lnB w="0">
-                      <a:miter lim="400000"/>
-                    </a:lnB>
-                    <a:solidFill>
-                      <a:srgbClr val="000000"/>
-                    </a:solidFill>
-                  </a:tcPr>
-                </a:tc>
+                  <a:tcPr marL="25400" marR="25400" marT="0" marB="25400" anchor="b" horzOverflow="overflow">
+                    <a:lnL w="0">
+                      <a:miter lim="400000"/>
+                    </a:lnL>
+                    <a:lnR w="0">
+                      <a:miter lim="400000"/>
+                    </a:lnR>
+                    <a:lnT w="0">
+                      <a:miter lim="400000"/>
+                    </a:lnT>
+                    <a:lnB w="0">
+                      <a:miter lim="400000"/>
+                    </a:lnB>
+                    <a:solidFill>
+                      <a:srgbClr val="000000"/>
+                    </a:solidFill>
+                  </a:tcPr>
+                </a:tc>
+                <a:extLst>
+                  <a:ext uri="{0D108BD9-81ED-4DB2-BD59-A6C34878D82A}">
+                    <a16:rowId xmlns:a16="http://schemas.microsoft.com/office/drawing/2014/main" val="10015"/>
+                  </a:ext>
+                </a:extLst>
               </a:tr>
               <a:tr h="195932">
                 <a:tc>
@@ -11499,7 +11928,7 @@
                     <a:lstStyle/>
                     <a:p>
                       <a:pPr defTabSz="457200">
-                        <a:defRPr b="0" sz="1800">
+                        <a:defRPr sz="1800" b="0">
                           <a:solidFill>
                             <a:srgbClr val="000000"/>
                           </a:solidFill>
@@ -11519,7 +11948,7 @@
                       </a:r>
                     </a:p>
                   </a:txBody>
-                  <a:tcPr marL="25400" marR="25400" marT="0" marB="25400" anchor="b" anchorCtr="0" horzOverflow="overflow">
+                  <a:tcPr marL="25400" marR="25400" marT="0" marB="25400" anchor="b" horzOverflow="overflow">
                     <a:lnL w="0">
                       <a:miter lim="400000"/>
                     </a:lnL>
@@ -11559,7 +11988,7 @@
                       </a:r>
                     </a:p>
                   </a:txBody>
-                  <a:tcPr marL="25400" marR="25400" marT="0" marB="25400" anchor="b" anchorCtr="0" horzOverflow="overflow">
+                  <a:tcPr marL="25400" marR="25400" marT="0" marB="25400" anchor="b" horzOverflow="overflow">
                     <a:lnL w="0">
                       <a:miter lim="400000"/>
                     </a:lnL>
@@ -11599,24 +12028,29 @@
                       </a:r>
                     </a:p>
                   </a:txBody>
-                  <a:tcPr marL="25400" marR="25400" marT="0" marB="25400" anchor="b" anchorCtr="0" horzOverflow="overflow">
-                    <a:lnL w="0">
-                      <a:miter lim="400000"/>
-                    </a:lnL>
-                    <a:lnR w="0">
-                      <a:miter lim="400000"/>
-                    </a:lnR>
-                    <a:lnT w="0">
-                      <a:miter lim="400000"/>
-                    </a:lnT>
-                    <a:lnB w="0">
-                      <a:miter lim="400000"/>
-                    </a:lnB>
-                    <a:solidFill>
-                      <a:srgbClr val="000000"/>
-                    </a:solidFill>
-                  </a:tcPr>
-                </a:tc>
+                  <a:tcPr marL="25400" marR="25400" marT="0" marB="25400" anchor="b" horzOverflow="overflow">
+                    <a:lnL w="0">
+                      <a:miter lim="400000"/>
+                    </a:lnL>
+                    <a:lnR w="0">
+                      <a:miter lim="400000"/>
+                    </a:lnR>
+                    <a:lnT w="0">
+                      <a:miter lim="400000"/>
+                    </a:lnT>
+                    <a:lnB w="0">
+                      <a:miter lim="400000"/>
+                    </a:lnB>
+                    <a:solidFill>
+                      <a:srgbClr val="000000"/>
+                    </a:solidFill>
+                  </a:tcPr>
+                </a:tc>
+                <a:extLst>
+                  <a:ext uri="{0D108BD9-81ED-4DB2-BD59-A6C34878D82A}">
+                    <a16:rowId xmlns:a16="http://schemas.microsoft.com/office/drawing/2014/main" val="10016"/>
+                  </a:ext>
+                </a:extLst>
               </a:tr>
               <a:tr h="195932">
                 <a:tc>
@@ -11625,7 +12059,7 @@
                     <a:lstStyle/>
                     <a:p>
                       <a:pPr defTabSz="457200">
-                        <a:defRPr b="0" sz="1800">
+                        <a:defRPr sz="1800" b="0">
                           <a:solidFill>
                             <a:srgbClr val="000000"/>
                           </a:solidFill>
@@ -11645,7 +12079,7 @@
                       </a:r>
                     </a:p>
                   </a:txBody>
-                  <a:tcPr marL="25400" marR="25400" marT="0" marB="25400" anchor="b" anchorCtr="0" horzOverflow="overflow">
+                  <a:tcPr marL="25400" marR="25400" marT="0" marB="25400" anchor="b" horzOverflow="overflow">
                     <a:lnL w="0">
                       <a:miter lim="400000"/>
                     </a:lnL>
@@ -11685,7 +12119,7 @@
                       </a:r>
                     </a:p>
                   </a:txBody>
-                  <a:tcPr marL="25400" marR="25400" marT="0" marB="25400" anchor="b" anchorCtr="0" horzOverflow="overflow">
+                  <a:tcPr marL="25400" marR="25400" marT="0" marB="25400" anchor="b" horzOverflow="overflow">
                     <a:lnL w="0">
                       <a:miter lim="400000"/>
                     </a:lnL>
@@ -11725,24 +12159,29 @@
                       </a:r>
                     </a:p>
                   </a:txBody>
-                  <a:tcPr marL="25400" marR="25400" marT="0" marB="25400" anchor="b" anchorCtr="0" horzOverflow="overflow">
-                    <a:lnL w="0">
-                      <a:miter lim="400000"/>
-                    </a:lnL>
-                    <a:lnR w="0">
-                      <a:miter lim="400000"/>
-                    </a:lnR>
-                    <a:lnT w="0">
-                      <a:miter lim="400000"/>
-                    </a:lnT>
-                    <a:lnB w="0">
-                      <a:miter lim="400000"/>
-                    </a:lnB>
-                    <a:solidFill>
-                      <a:srgbClr val="000000"/>
-                    </a:solidFill>
-                  </a:tcPr>
-                </a:tc>
+                  <a:tcPr marL="25400" marR="25400" marT="0" marB="25400" anchor="b" horzOverflow="overflow">
+                    <a:lnL w="0">
+                      <a:miter lim="400000"/>
+                    </a:lnL>
+                    <a:lnR w="0">
+                      <a:miter lim="400000"/>
+                    </a:lnR>
+                    <a:lnT w="0">
+                      <a:miter lim="400000"/>
+                    </a:lnT>
+                    <a:lnB w="0">
+                      <a:miter lim="400000"/>
+                    </a:lnB>
+                    <a:solidFill>
+                      <a:srgbClr val="000000"/>
+                    </a:solidFill>
+                  </a:tcPr>
+                </a:tc>
+                <a:extLst>
+                  <a:ext uri="{0D108BD9-81ED-4DB2-BD59-A6C34878D82A}">
+                    <a16:rowId xmlns:a16="http://schemas.microsoft.com/office/drawing/2014/main" val="10017"/>
+                  </a:ext>
+                </a:extLst>
               </a:tr>
               <a:tr h="195932">
                 <a:tc>
@@ -11751,7 +12190,7 @@
                     <a:lstStyle/>
                     <a:p>
                       <a:pPr defTabSz="457200">
-                        <a:defRPr b="0" sz="1800">
+                        <a:defRPr sz="1800" b="0">
                           <a:solidFill>
                             <a:srgbClr val="000000"/>
                           </a:solidFill>
@@ -11771,7 +12210,7 @@
                       </a:r>
                     </a:p>
                   </a:txBody>
-                  <a:tcPr marL="25400" marR="25400" marT="0" marB="25400" anchor="b" anchorCtr="0" horzOverflow="overflow">
+                  <a:tcPr marL="25400" marR="25400" marT="0" marB="25400" anchor="b" horzOverflow="overflow">
                     <a:lnL w="0">
                       <a:miter lim="400000"/>
                     </a:lnL>
@@ -11811,7 +12250,7 @@
                       </a:r>
                     </a:p>
                   </a:txBody>
-                  <a:tcPr marL="25400" marR="25400" marT="0" marB="25400" anchor="b" anchorCtr="0" horzOverflow="overflow">
+                  <a:tcPr marL="25400" marR="25400" marT="0" marB="25400" anchor="b" horzOverflow="overflow">
                     <a:lnL w="0">
                       <a:miter lim="400000"/>
                     </a:lnL>
@@ -11851,24 +12290,29 @@
                       </a:r>
                     </a:p>
                   </a:txBody>
-                  <a:tcPr marL="25400" marR="25400" marT="0" marB="25400" anchor="b" anchorCtr="0" horzOverflow="overflow">
-                    <a:lnL w="0">
-                      <a:miter lim="400000"/>
-                    </a:lnL>
-                    <a:lnR w="0">
-                      <a:miter lim="400000"/>
-                    </a:lnR>
-                    <a:lnT w="0">
-                      <a:miter lim="400000"/>
-                    </a:lnT>
-                    <a:lnB w="0">
-                      <a:miter lim="400000"/>
-                    </a:lnB>
-                    <a:solidFill>
-                      <a:srgbClr val="000000"/>
-                    </a:solidFill>
-                  </a:tcPr>
-                </a:tc>
+                  <a:tcPr marL="25400" marR="25400" marT="0" marB="25400" anchor="b" horzOverflow="overflow">
+                    <a:lnL w="0">
+                      <a:miter lim="400000"/>
+                    </a:lnL>
+                    <a:lnR w="0">
+                      <a:miter lim="400000"/>
+                    </a:lnR>
+                    <a:lnT w="0">
+                      <a:miter lim="400000"/>
+                    </a:lnT>
+                    <a:lnB w="0">
+                      <a:miter lim="400000"/>
+                    </a:lnB>
+                    <a:solidFill>
+                      <a:srgbClr val="000000"/>
+                    </a:solidFill>
+                  </a:tcPr>
+                </a:tc>
+                <a:extLst>
+                  <a:ext uri="{0D108BD9-81ED-4DB2-BD59-A6C34878D82A}">
+                    <a16:rowId xmlns:a16="http://schemas.microsoft.com/office/drawing/2014/main" val="10018"/>
+                  </a:ext>
+                </a:extLst>
               </a:tr>
               <a:tr h="195932">
                 <a:tc>
@@ -11877,7 +12321,7 @@
                     <a:lstStyle/>
                     <a:p>
                       <a:pPr defTabSz="457200">
-                        <a:defRPr b="0" sz="1800">
+                        <a:defRPr sz="1800" b="0">
                           <a:solidFill>
                             <a:srgbClr val="000000"/>
                           </a:solidFill>
@@ -11897,7 +12341,7 @@
                       </a:r>
                     </a:p>
                   </a:txBody>
-                  <a:tcPr marL="25400" marR="25400" marT="0" marB="25400" anchor="b" anchorCtr="0" horzOverflow="overflow">
+                  <a:tcPr marL="25400" marR="25400" marT="0" marB="25400" anchor="b" horzOverflow="overflow">
                     <a:lnL w="0">
                       <a:miter lim="400000"/>
                     </a:lnL>
@@ -11937,7 +12381,7 @@
                       </a:r>
                     </a:p>
                   </a:txBody>
-                  <a:tcPr marL="25400" marR="25400" marT="0" marB="25400" anchor="b" anchorCtr="0" horzOverflow="overflow">
+                  <a:tcPr marL="25400" marR="25400" marT="0" marB="25400" anchor="b" horzOverflow="overflow">
                     <a:lnL w="0">
                       <a:miter lim="400000"/>
                     </a:lnL>
@@ -11977,24 +12421,29 @@
                       </a:r>
                     </a:p>
                   </a:txBody>
-                  <a:tcPr marL="25400" marR="25400" marT="0" marB="25400" anchor="b" anchorCtr="0" horzOverflow="overflow">
-                    <a:lnL w="0">
-                      <a:miter lim="400000"/>
-                    </a:lnL>
-                    <a:lnR w="0">
-                      <a:miter lim="400000"/>
-                    </a:lnR>
-                    <a:lnT w="0">
-                      <a:miter lim="400000"/>
-                    </a:lnT>
-                    <a:lnB w="0">
-                      <a:miter lim="400000"/>
-                    </a:lnB>
-                    <a:solidFill>
-                      <a:srgbClr val="000000"/>
-                    </a:solidFill>
-                  </a:tcPr>
-                </a:tc>
+                  <a:tcPr marL="25400" marR="25400" marT="0" marB="25400" anchor="b" horzOverflow="overflow">
+                    <a:lnL w="0">
+                      <a:miter lim="400000"/>
+                    </a:lnL>
+                    <a:lnR w="0">
+                      <a:miter lim="400000"/>
+                    </a:lnR>
+                    <a:lnT w="0">
+                      <a:miter lim="400000"/>
+                    </a:lnT>
+                    <a:lnB w="0">
+                      <a:miter lim="400000"/>
+                    </a:lnB>
+                    <a:solidFill>
+                      <a:srgbClr val="000000"/>
+                    </a:solidFill>
+                  </a:tcPr>
+                </a:tc>
+                <a:extLst>
+                  <a:ext uri="{0D108BD9-81ED-4DB2-BD59-A6C34878D82A}">
+                    <a16:rowId xmlns:a16="http://schemas.microsoft.com/office/drawing/2014/main" val="10019"/>
+                  </a:ext>
+                </a:extLst>
               </a:tr>
               <a:tr h="195932">
                 <a:tc>
@@ -12003,7 +12452,7 @@
                     <a:lstStyle/>
                     <a:p>
                       <a:pPr defTabSz="457200">
-                        <a:defRPr b="0" sz="1800">
+                        <a:defRPr sz="1800" b="0">
                           <a:solidFill>
                             <a:srgbClr val="000000"/>
                           </a:solidFill>
@@ -12023,7 +12472,7 @@
                       </a:r>
                     </a:p>
                   </a:txBody>
-                  <a:tcPr marL="25400" marR="25400" marT="0" marB="25400" anchor="b" anchorCtr="0" horzOverflow="overflow">
+                  <a:tcPr marL="25400" marR="25400" marT="0" marB="25400" anchor="b" horzOverflow="overflow">
                     <a:lnL w="0">
                       <a:miter lim="400000"/>
                     </a:lnL>
@@ -12063,7 +12512,7 @@
                       </a:r>
                     </a:p>
                   </a:txBody>
-                  <a:tcPr marL="25400" marR="25400" marT="0" marB="25400" anchor="b" anchorCtr="0" horzOverflow="overflow">
+                  <a:tcPr marL="25400" marR="25400" marT="0" marB="25400" anchor="b" horzOverflow="overflow">
                     <a:lnL w="0">
                       <a:miter lim="400000"/>
                     </a:lnL>
@@ -12103,24 +12552,29 @@
                       </a:r>
                     </a:p>
                   </a:txBody>
-                  <a:tcPr marL="25400" marR="25400" marT="0" marB="25400" anchor="b" anchorCtr="0" horzOverflow="overflow">
-                    <a:lnL w="0">
-                      <a:miter lim="400000"/>
-                    </a:lnL>
-                    <a:lnR w="0">
-                      <a:miter lim="400000"/>
-                    </a:lnR>
-                    <a:lnT w="0">
-                      <a:miter lim="400000"/>
-                    </a:lnT>
-                    <a:lnB w="0">
-                      <a:miter lim="400000"/>
-                    </a:lnB>
-                    <a:solidFill>
-                      <a:srgbClr val="000000"/>
-                    </a:solidFill>
-                  </a:tcPr>
-                </a:tc>
+                  <a:tcPr marL="25400" marR="25400" marT="0" marB="25400" anchor="b" horzOverflow="overflow">
+                    <a:lnL w="0">
+                      <a:miter lim="400000"/>
+                    </a:lnL>
+                    <a:lnR w="0">
+                      <a:miter lim="400000"/>
+                    </a:lnR>
+                    <a:lnT w="0">
+                      <a:miter lim="400000"/>
+                    </a:lnT>
+                    <a:lnB w="0">
+                      <a:miter lim="400000"/>
+                    </a:lnB>
+                    <a:solidFill>
+                      <a:srgbClr val="000000"/>
+                    </a:solidFill>
+                  </a:tcPr>
+                </a:tc>
+                <a:extLst>
+                  <a:ext uri="{0D108BD9-81ED-4DB2-BD59-A6C34878D82A}">
+                    <a16:rowId xmlns:a16="http://schemas.microsoft.com/office/drawing/2014/main" val="10020"/>
+                  </a:ext>
+                </a:extLst>
               </a:tr>
               <a:tr h="195932">
                 <a:tc>
@@ -12129,7 +12583,7 @@
                     <a:lstStyle/>
                     <a:p>
                       <a:pPr defTabSz="457200">
-                        <a:defRPr b="0" sz="1800">
+                        <a:defRPr sz="1800" b="0">
                           <a:solidFill>
                             <a:srgbClr val="000000"/>
                           </a:solidFill>
@@ -12149,7 +12603,7 @@
                       </a:r>
                     </a:p>
                   </a:txBody>
-                  <a:tcPr marL="25400" marR="25400" marT="0" marB="25400" anchor="b" anchorCtr="0" horzOverflow="overflow">
+                  <a:tcPr marL="25400" marR="25400" marT="0" marB="25400" anchor="b" horzOverflow="overflow">
                     <a:lnL w="0">
                       <a:miter lim="400000"/>
                     </a:lnL>
@@ -12189,7 +12643,7 @@
                       </a:r>
                     </a:p>
                   </a:txBody>
-                  <a:tcPr marL="25400" marR="25400" marT="0" marB="25400" anchor="b" anchorCtr="0" horzOverflow="overflow">
+                  <a:tcPr marL="25400" marR="25400" marT="0" marB="25400" anchor="b" horzOverflow="overflow">
                     <a:lnL w="0">
                       <a:miter lim="400000"/>
                     </a:lnL>
@@ -12229,24 +12683,29 @@
                       </a:r>
                     </a:p>
                   </a:txBody>
-                  <a:tcPr marL="25400" marR="25400" marT="0" marB="25400" anchor="b" anchorCtr="0" horzOverflow="overflow">
-                    <a:lnL w="0">
-                      <a:miter lim="400000"/>
-                    </a:lnL>
-                    <a:lnR w="0">
-                      <a:miter lim="400000"/>
-                    </a:lnR>
-                    <a:lnT w="0">
-                      <a:miter lim="400000"/>
-                    </a:lnT>
-                    <a:lnB w="0">
-                      <a:miter lim="400000"/>
-                    </a:lnB>
-                    <a:solidFill>
-                      <a:srgbClr val="000000"/>
-                    </a:solidFill>
-                  </a:tcPr>
-                </a:tc>
+                  <a:tcPr marL="25400" marR="25400" marT="0" marB="25400" anchor="b" horzOverflow="overflow">
+                    <a:lnL w="0">
+                      <a:miter lim="400000"/>
+                    </a:lnL>
+                    <a:lnR w="0">
+                      <a:miter lim="400000"/>
+                    </a:lnR>
+                    <a:lnT w="0">
+                      <a:miter lim="400000"/>
+                    </a:lnT>
+                    <a:lnB w="0">
+                      <a:miter lim="400000"/>
+                    </a:lnB>
+                    <a:solidFill>
+                      <a:srgbClr val="000000"/>
+                    </a:solidFill>
+                  </a:tcPr>
+                </a:tc>
+                <a:extLst>
+                  <a:ext uri="{0D108BD9-81ED-4DB2-BD59-A6C34878D82A}">
+                    <a16:rowId xmlns:a16="http://schemas.microsoft.com/office/drawing/2014/main" val="10021"/>
+                  </a:ext>
+                </a:extLst>
               </a:tr>
               <a:tr h="195932">
                 <a:tc>
@@ -12255,7 +12714,7 @@
                     <a:lstStyle/>
                     <a:p>
                       <a:pPr defTabSz="457200">
-                        <a:defRPr b="0" sz="1800">
+                        <a:defRPr sz="1800" b="0">
                           <a:solidFill>
                             <a:srgbClr val="000000"/>
                           </a:solidFill>
@@ -12275,7 +12734,7 @@
                       </a:r>
                     </a:p>
                   </a:txBody>
-                  <a:tcPr marL="25400" marR="25400" marT="0" marB="25400" anchor="b" anchorCtr="0" horzOverflow="overflow">
+                  <a:tcPr marL="25400" marR="25400" marT="0" marB="25400" anchor="b" horzOverflow="overflow">
                     <a:lnL w="0">
                       <a:miter lim="400000"/>
                     </a:lnL>
@@ -12315,7 +12774,7 @@
                       </a:r>
                     </a:p>
                   </a:txBody>
-                  <a:tcPr marL="25400" marR="25400" marT="0" marB="25400" anchor="b" anchorCtr="0" horzOverflow="overflow">
+                  <a:tcPr marL="25400" marR="25400" marT="0" marB="25400" anchor="b" horzOverflow="overflow">
                     <a:lnL w="0">
                       <a:miter lim="400000"/>
                     </a:lnL>
@@ -12355,24 +12814,29 @@
                       </a:r>
                     </a:p>
                   </a:txBody>
-                  <a:tcPr marL="25400" marR="25400" marT="0" marB="25400" anchor="b" anchorCtr="0" horzOverflow="overflow">
-                    <a:lnL w="0">
-                      <a:miter lim="400000"/>
-                    </a:lnL>
-                    <a:lnR w="0">
-                      <a:miter lim="400000"/>
-                    </a:lnR>
-                    <a:lnT w="0">
-                      <a:miter lim="400000"/>
-                    </a:lnT>
-                    <a:lnB w="0">
-                      <a:miter lim="400000"/>
-                    </a:lnB>
-                    <a:solidFill>
-                      <a:srgbClr val="000000"/>
-                    </a:solidFill>
-                  </a:tcPr>
-                </a:tc>
+                  <a:tcPr marL="25400" marR="25400" marT="0" marB="25400" anchor="b" horzOverflow="overflow">
+                    <a:lnL w="0">
+                      <a:miter lim="400000"/>
+                    </a:lnL>
+                    <a:lnR w="0">
+                      <a:miter lim="400000"/>
+                    </a:lnR>
+                    <a:lnT w="0">
+                      <a:miter lim="400000"/>
+                    </a:lnT>
+                    <a:lnB w="0">
+                      <a:miter lim="400000"/>
+                    </a:lnB>
+                    <a:solidFill>
+                      <a:srgbClr val="000000"/>
+                    </a:solidFill>
+                  </a:tcPr>
+                </a:tc>
+                <a:extLst>
+                  <a:ext uri="{0D108BD9-81ED-4DB2-BD59-A6C34878D82A}">
+                    <a16:rowId xmlns:a16="http://schemas.microsoft.com/office/drawing/2014/main" val="10022"/>
+                  </a:ext>
+                </a:extLst>
               </a:tr>
               <a:tr h="195932">
                 <a:tc>
@@ -12381,7 +12845,7 @@
                     <a:lstStyle/>
                     <a:p>
                       <a:pPr defTabSz="457200">
-                        <a:defRPr b="0" sz="1800">
+                        <a:defRPr sz="1800" b="0">
                           <a:solidFill>
                             <a:srgbClr val="000000"/>
                           </a:solidFill>
@@ -12401,7 +12865,7 @@
                       </a:r>
                     </a:p>
                   </a:txBody>
-                  <a:tcPr marL="25400" marR="25400" marT="0" marB="25400" anchor="b" anchorCtr="0" horzOverflow="overflow">
+                  <a:tcPr marL="25400" marR="25400" marT="0" marB="25400" anchor="b" horzOverflow="overflow">
                     <a:lnL w="0">
                       <a:miter lim="400000"/>
                     </a:lnL>
@@ -12441,7 +12905,7 @@
                       </a:r>
                     </a:p>
                   </a:txBody>
-                  <a:tcPr marL="25400" marR="25400" marT="0" marB="25400" anchor="b" anchorCtr="0" horzOverflow="overflow">
+                  <a:tcPr marL="25400" marR="25400" marT="0" marB="25400" anchor="b" horzOverflow="overflow">
                     <a:lnL w="0">
                       <a:miter lim="400000"/>
                     </a:lnL>
@@ -12481,24 +12945,29 @@
                       </a:r>
                     </a:p>
                   </a:txBody>
-                  <a:tcPr marL="25400" marR="25400" marT="0" marB="25400" anchor="b" anchorCtr="0" horzOverflow="overflow">
-                    <a:lnL w="0">
-                      <a:miter lim="400000"/>
-                    </a:lnL>
-                    <a:lnR w="0">
-                      <a:miter lim="400000"/>
-                    </a:lnR>
-                    <a:lnT w="0">
-                      <a:miter lim="400000"/>
-                    </a:lnT>
-                    <a:lnB w="0">
-                      <a:miter lim="400000"/>
-                    </a:lnB>
-                    <a:solidFill>
-                      <a:srgbClr val="000000"/>
-                    </a:solidFill>
-                  </a:tcPr>
-                </a:tc>
+                  <a:tcPr marL="25400" marR="25400" marT="0" marB="25400" anchor="b" horzOverflow="overflow">
+                    <a:lnL w="0">
+                      <a:miter lim="400000"/>
+                    </a:lnL>
+                    <a:lnR w="0">
+                      <a:miter lim="400000"/>
+                    </a:lnR>
+                    <a:lnT w="0">
+                      <a:miter lim="400000"/>
+                    </a:lnT>
+                    <a:lnB w="0">
+                      <a:miter lim="400000"/>
+                    </a:lnB>
+                    <a:solidFill>
+                      <a:srgbClr val="000000"/>
+                    </a:solidFill>
+                  </a:tcPr>
+                </a:tc>
+                <a:extLst>
+                  <a:ext uri="{0D108BD9-81ED-4DB2-BD59-A6C34878D82A}">
+                    <a16:rowId xmlns:a16="http://schemas.microsoft.com/office/drawing/2014/main" val="10023"/>
+                  </a:ext>
+                </a:extLst>
               </a:tr>
               <a:tr h="195932">
                 <a:tc>
@@ -12507,7 +12976,7 @@
                     <a:lstStyle/>
                     <a:p>
                       <a:pPr defTabSz="457200">
-                        <a:defRPr b="0" sz="1800">
+                        <a:defRPr sz="1800" b="0">
                           <a:solidFill>
                             <a:srgbClr val="000000"/>
                           </a:solidFill>
@@ -12527,7 +12996,7 @@
                       </a:r>
                     </a:p>
                   </a:txBody>
-                  <a:tcPr marL="25400" marR="25400" marT="0" marB="25400" anchor="b" anchorCtr="0" horzOverflow="overflow">
+                  <a:tcPr marL="25400" marR="25400" marT="0" marB="25400" anchor="b" horzOverflow="overflow">
                     <a:lnL w="0">
                       <a:miter lim="400000"/>
                     </a:lnL>
@@ -12567,7 +13036,7 @@
                       </a:r>
                     </a:p>
                   </a:txBody>
-                  <a:tcPr marL="25400" marR="25400" marT="0" marB="25400" anchor="b" anchorCtr="0" horzOverflow="overflow">
+                  <a:tcPr marL="25400" marR="25400" marT="0" marB="25400" anchor="b" horzOverflow="overflow">
                     <a:lnL w="0">
                       <a:miter lim="400000"/>
                     </a:lnL>
@@ -12607,24 +13076,29 @@
                       </a:r>
                     </a:p>
                   </a:txBody>
-                  <a:tcPr marL="25400" marR="25400" marT="0" marB="25400" anchor="b" anchorCtr="0" horzOverflow="overflow">
-                    <a:lnL w="0">
-                      <a:miter lim="400000"/>
-                    </a:lnL>
-                    <a:lnR w="0">
-                      <a:miter lim="400000"/>
-                    </a:lnR>
-                    <a:lnT w="0">
-                      <a:miter lim="400000"/>
-                    </a:lnT>
-                    <a:lnB w="0">
-                      <a:miter lim="400000"/>
-                    </a:lnB>
-                    <a:solidFill>
-                      <a:srgbClr val="000000"/>
-                    </a:solidFill>
-                  </a:tcPr>
-                </a:tc>
+                  <a:tcPr marL="25400" marR="25400" marT="0" marB="25400" anchor="b" horzOverflow="overflow">
+                    <a:lnL w="0">
+                      <a:miter lim="400000"/>
+                    </a:lnL>
+                    <a:lnR w="0">
+                      <a:miter lim="400000"/>
+                    </a:lnR>
+                    <a:lnT w="0">
+                      <a:miter lim="400000"/>
+                    </a:lnT>
+                    <a:lnB w="0">
+                      <a:miter lim="400000"/>
+                    </a:lnB>
+                    <a:solidFill>
+                      <a:srgbClr val="000000"/>
+                    </a:solidFill>
+                  </a:tcPr>
+                </a:tc>
+                <a:extLst>
+                  <a:ext uri="{0D108BD9-81ED-4DB2-BD59-A6C34878D82A}">
+                    <a16:rowId xmlns:a16="http://schemas.microsoft.com/office/drawing/2014/main" val="10024"/>
+                  </a:ext>
+                </a:extLst>
               </a:tr>
               <a:tr h="195932">
                 <a:tc>
@@ -12633,14 +13107,14 @@
                     <a:lstStyle/>
                     <a:p>
                       <a:pPr defTabSz="457200">
-                        <a:defRPr b="0" sz="1800">
+                        <a:defRPr sz="1800" b="0">
                           <a:solidFill>
                             <a:srgbClr val="000000"/>
                           </a:solidFill>
                         </a:defRPr>
                       </a:pPr>
                       <a:r>
-                        <a:rPr sz="2500">
+                        <a:rPr lang="nb-NO" sz="2500" dirty="0">
                           <a:solidFill>
                             <a:srgbClr val="F74D63"/>
                           </a:solidFill>
@@ -12649,21 +13123,32 @@
                           <a:cs typeface="Calibri"/>
                           <a:sym typeface="Calibri"/>
                         </a:rPr>
-                        <a:t>1</a:t>
-                      </a:r>
-                    </a:p>
-                  </a:txBody>
-                  <a:tcPr marL="25400" marR="25400" marT="0" marB="25400" anchor="b" anchorCtr="0" horzOverflow="overflow">
-                    <a:lnL w="0">
-                      <a:miter lim="400000"/>
-                    </a:lnL>
-                    <a:lnR w="0">
-                      <a:miter lim="400000"/>
-                    </a:lnR>
-                    <a:lnT w="0">
-                      <a:miter lim="400000"/>
-                    </a:lnT>
-                    <a:lnB w="0">
+                        <a:t>9</a:t>
+                      </a:r>
+                      <a:endParaRPr sz="2500" dirty="0">
+                        <a:solidFill>
+                          <a:srgbClr val="F74D63"/>
+                        </a:solidFill>
+                        <a:latin typeface="Calibri"/>
+                        <a:ea typeface="Calibri"/>
+                        <a:cs typeface="Calibri"/>
+                        <a:sym typeface="Calibri"/>
+                      </a:endParaRPr>
+                    </a:p>
+                  </a:txBody>
+                  <a:tcPr marL="25400" marR="25400" marT="0" marB="25400" anchor="b" horzOverflow="overflow">
+                    <a:lnL w="0">
+                      <a:miter lim="400000"/>
+                    </a:lnL>
+                    <a:lnR w="0">
+                      <a:noFill/>
+                      <a:miter lim="400000"/>
+                    </a:lnR>
+                    <a:lnT w="0">
+                      <a:miter lim="400000"/>
+                    </a:lnT>
+                    <a:lnB w="0">
+                      <a:noFill/>
                       <a:miter lim="400000"/>
                     </a:lnB>
                     <a:solidFill>
@@ -12680,7 +13165,7 @@
                         <a:defRPr sz="1800"/>
                       </a:pPr>
                       <a:r>
-                        <a:rPr sz="2500">
+                        <a:rPr lang="nb-NO" sz="2500" dirty="0">
                           <a:solidFill>
                             <a:srgbClr val="FFFFFF"/>
                           </a:solidFill>
@@ -12689,21 +13174,33 @@
                           <a:cs typeface="Calibri"/>
                           <a:sym typeface="Calibri"/>
                         </a:rPr>
-                        <a:t>Weber</a:t>
-                      </a:r>
-                    </a:p>
-                  </a:txBody>
-                  <a:tcPr marL="25400" marR="25400" marT="0" marB="25400" anchor="b" anchorCtr="0" horzOverflow="overflow">
-                    <a:lnL w="0">
-                      <a:miter lim="400000"/>
-                    </a:lnL>
-                    <a:lnR w="0">
-                      <a:miter lim="400000"/>
-                    </a:lnR>
-                    <a:lnT w="0">
-                      <a:miter lim="400000"/>
-                    </a:lnT>
-                    <a:lnB w="0">
+                        <a:t>Warsame</a:t>
+                      </a:r>
+                      <a:endParaRPr sz="2500" dirty="0">
+                        <a:solidFill>
+                          <a:srgbClr val="FFFFFF"/>
+                        </a:solidFill>
+                        <a:latin typeface="Calibri"/>
+                        <a:ea typeface="Calibri"/>
+                        <a:cs typeface="Calibri"/>
+                        <a:sym typeface="Calibri"/>
+                      </a:endParaRPr>
+                    </a:p>
+                  </a:txBody>
+                  <a:tcPr marL="25400" marR="25400" marT="0" marB="25400" anchor="b" horzOverflow="overflow">
+                    <a:lnL w="0">
+                      <a:noFill/>
+                      <a:miter lim="400000"/>
+                    </a:lnL>
+                    <a:lnR w="0">
+                      <a:noFill/>
+                      <a:miter lim="400000"/>
+                    </a:lnR>
+                    <a:lnT w="0">
+                      <a:miter lim="400000"/>
+                    </a:lnT>
+                    <a:lnB w="0">
+                      <a:noFill/>
                       <a:miter lim="400000"/>
                     </a:lnB>
                     <a:solidFill>
@@ -12720,7 +13217,7 @@
                         <a:defRPr sz="1800"/>
                       </a:pPr>
                       <a:r>
-                        <a:rPr sz="2500">
+                        <a:rPr lang="nb-NO" sz="2500" dirty="0">
                           <a:solidFill>
                             <a:srgbClr val="A7A7A7"/>
                           </a:solidFill>
@@ -12729,28 +13226,175 @@
                           <a:cs typeface="Calibri"/>
                           <a:sym typeface="Calibri"/>
                         </a:rPr>
+                        <a:t>Mohammed</a:t>
+                      </a:r>
+                      <a:endParaRPr sz="2500" dirty="0">
+                        <a:solidFill>
+                          <a:srgbClr val="A7A7A7"/>
+                        </a:solidFill>
+                        <a:latin typeface="Calibri"/>
+                        <a:ea typeface="Calibri"/>
+                        <a:cs typeface="Calibri"/>
+                        <a:sym typeface="Calibri"/>
+                      </a:endParaRPr>
+                    </a:p>
+                  </a:txBody>
+                  <a:tcPr marL="25400" marR="25400" marT="0" marB="25400" anchor="b" horzOverflow="overflow">
+                    <a:lnL w="0">
+                      <a:noFill/>
+                      <a:miter lim="400000"/>
+                    </a:lnL>
+                    <a:lnR w="0">
+                      <a:miter lim="400000"/>
+                    </a:lnR>
+                    <a:lnT w="0">
+                      <a:miter lim="400000"/>
+                    </a:lnT>
+                    <a:lnB w="0">
+                      <a:noFill/>
+                      <a:miter lim="400000"/>
+                    </a:lnB>
+                    <a:solidFill>
+                      <a:srgbClr val="000000"/>
+                    </a:solidFill>
+                  </a:tcPr>
+                </a:tc>
+                <a:extLst>
+                  <a:ext uri="{0D108BD9-81ED-4DB2-BD59-A6C34878D82A}">
+                    <a16:rowId xmlns:a16="http://schemas.microsoft.com/office/drawing/2014/main" val="1358313177"/>
+                  </a:ext>
+                </a:extLst>
+              </a:tr>
+              <a:tr h="195932">
+                <a:tc>
+                  <a:txBody>
+                    <a:bodyPr/>
+                    <a:lstStyle/>
+                    <a:p>
+                      <a:pPr defTabSz="457200">
+                        <a:defRPr sz="1800" b="0">
+                          <a:solidFill>
+                            <a:srgbClr val="000000"/>
+                          </a:solidFill>
+                        </a:defRPr>
+                      </a:pPr>
+                      <a:r>
+                        <a:rPr sz="2500">
+                          <a:solidFill>
+                            <a:srgbClr val="F74D63"/>
+                          </a:solidFill>
+                          <a:latin typeface="Calibri"/>
+                          <a:ea typeface="Calibri"/>
+                          <a:cs typeface="Calibri"/>
+                          <a:sym typeface="Calibri"/>
+                        </a:rPr>
+                        <a:t>1</a:t>
+                      </a:r>
+                    </a:p>
+                  </a:txBody>
+                  <a:tcPr marL="25400" marR="25400" marT="0" marB="25400" anchor="b" horzOverflow="overflow">
+                    <a:lnL w="0">
+                      <a:miter lim="400000"/>
+                    </a:lnL>
+                    <a:lnR w="0">
+                      <a:miter lim="400000"/>
+                    </a:lnR>
+                    <a:lnT w="0">
+                      <a:miter lim="400000"/>
+                    </a:lnT>
+                    <a:lnB w="0">
+                      <a:miter lim="400000"/>
+                    </a:lnB>
+                    <a:solidFill>
+                      <a:srgbClr val="000000"/>
+                    </a:solidFill>
+                  </a:tcPr>
+                </a:tc>
+                <a:tc>
+                  <a:txBody>
+                    <a:bodyPr/>
+                    <a:lstStyle/>
+                    <a:p>
+                      <a:pPr algn="l" defTabSz="457200">
+                        <a:defRPr sz="1800"/>
+                      </a:pPr>
+                      <a:r>
+                        <a:rPr sz="2500" dirty="0">
+                          <a:solidFill>
+                            <a:srgbClr val="FFFFFF"/>
+                          </a:solidFill>
+                          <a:latin typeface="Calibri"/>
+                          <a:ea typeface="Calibri"/>
+                          <a:cs typeface="Calibri"/>
+                          <a:sym typeface="Calibri"/>
+                        </a:rPr>
+                        <a:t>Weber</a:t>
+                      </a:r>
+                    </a:p>
+                  </a:txBody>
+                  <a:tcPr marL="25400" marR="25400" marT="0" marB="25400" anchor="b" horzOverflow="overflow">
+                    <a:lnL w="0">
+                      <a:miter lim="400000"/>
+                    </a:lnL>
+                    <a:lnR w="0">
+                      <a:miter lim="400000"/>
+                    </a:lnR>
+                    <a:lnT w="0">
+                      <a:miter lim="400000"/>
+                    </a:lnT>
+                    <a:lnB w="0">
+                      <a:miter lim="400000"/>
+                    </a:lnB>
+                    <a:solidFill>
+                      <a:srgbClr val="000000"/>
+                    </a:solidFill>
+                  </a:tcPr>
+                </a:tc>
+                <a:tc>
+                  <a:txBody>
+                    <a:bodyPr/>
+                    <a:lstStyle/>
+                    <a:p>
+                      <a:pPr algn="l" defTabSz="457200">
+                        <a:defRPr sz="1800"/>
+                      </a:pPr>
+                      <a:r>
+                        <a:rPr sz="2500" dirty="0">
+                          <a:solidFill>
+                            <a:srgbClr val="A7A7A7"/>
+                          </a:solidFill>
+                          <a:latin typeface="Calibri"/>
+                          <a:ea typeface="Calibri"/>
+                          <a:cs typeface="Calibri"/>
+                          <a:sym typeface="Calibri"/>
+                        </a:rPr>
                         <a:t>Caroline-Milena</a:t>
                       </a:r>
                     </a:p>
                   </a:txBody>
-                  <a:tcPr marL="25400" marR="25400" marT="0" marB="25400" anchor="b" anchorCtr="0" horzOverflow="overflow">
-                    <a:lnL w="0">
-                      <a:miter lim="400000"/>
-                    </a:lnL>
-                    <a:lnR w="0">
-                      <a:miter lim="400000"/>
-                    </a:lnR>
-                    <a:lnT w="0">
-                      <a:miter lim="400000"/>
-                    </a:lnT>
-                    <a:lnB w="0">
-                      <a:miter lim="400000"/>
-                    </a:lnB>
-                    <a:solidFill>
-                      <a:srgbClr val="000000"/>
-                    </a:solidFill>
-                  </a:tcPr>
-                </a:tc>
+                  <a:tcPr marL="25400" marR="25400" marT="0" marB="25400" anchor="b" horzOverflow="overflow">
+                    <a:lnL w="0">
+                      <a:miter lim="400000"/>
+                    </a:lnL>
+                    <a:lnR w="0">
+                      <a:miter lim="400000"/>
+                    </a:lnR>
+                    <a:lnT w="0">
+                      <a:miter lim="400000"/>
+                    </a:lnT>
+                    <a:lnB w="0">
+                      <a:miter lim="400000"/>
+                    </a:lnB>
+                    <a:solidFill>
+                      <a:srgbClr val="000000"/>
+                    </a:solidFill>
+                  </a:tcPr>
+                </a:tc>
+                <a:extLst>
+                  <a:ext uri="{0D108BD9-81ED-4DB2-BD59-A6C34878D82A}">
+                    <a16:rowId xmlns:a16="http://schemas.microsoft.com/office/drawing/2014/main" val="10025"/>
+                  </a:ext>
+                </a:extLst>
               </a:tr>
             </a:tbl>
           </a:graphicData>
@@ -12761,18 +13405,19 @@
   <p:clrMapOvr>
     <a:masterClrMapping/>
   </p:clrMapOvr>
-  <p:transition xmlns:p14="http://schemas.microsoft.com/office/powerpoint/2010/main" spd="med" advClick="1"/>
+  <p:transition spd="med"/>
 </p:sld>
 </file>
 
 <file path=ppt/slides/slide2.xml><?xml version="1.0" encoding="utf-8"?>
-<p:sld xmlns:a="http://schemas.openxmlformats.org/drawingml/2006/main" xmlns:r="http://schemas.openxmlformats.org/officeDocument/2006/relationships" xmlns:p="http://schemas.openxmlformats.org/presentationml/2006/main" xmlns:m="http://schemas.openxmlformats.org/officeDocument/2006/math" xmlns:a14="http://schemas.microsoft.com/office/drawing/2010/main" showMasterSp="1" showMasterPhAnim="1">
+<p:sld xmlns:a="http://schemas.openxmlformats.org/drawingml/2006/main" xmlns:r="http://schemas.openxmlformats.org/officeDocument/2006/relationships" xmlns:p="http://schemas.openxmlformats.org/presentationml/2006/main">
   <p:cSld>
     <p:bg>
       <p:bgPr>
         <a:solidFill>
           <a:srgbClr val="000000"/>
         </a:solidFill>
+        <a:effectLst/>
       </p:bgPr>
     </p:bg>
     <p:spTree>
@@ -12808,7 +13453,7 @@
           </a:ln>
           <a:extLst>
             <a:ext uri="{C572A759-6A51-4108-AA02-DFA0A04FC94B}">
-              <ma14:wrappingTextBoxFlag xmlns:ma14="http://schemas.microsoft.com/office/mac/drawingml/2011/main" val="1"/>
+              <ma14:wrappingTextBoxFlag xmlns:ma14="http://schemas.microsoft.com/office/mac/drawingml/2011/main" xmlns:a14="http://schemas.microsoft.com/office/drawing/2010/main" xmlns:m="http://schemas.openxmlformats.org/officeDocument/2006/math" xmlns="" val="1"/>
             </a:ext>
           </a:extLst>
         </p:spPr>
@@ -12862,7 +13507,7 @@
           </a:ln>
           <a:extLst>
             <a:ext uri="{C572A759-6A51-4108-AA02-DFA0A04FC94B}">
-              <ma14:wrappingTextBoxFlag xmlns:ma14="http://schemas.microsoft.com/office/mac/drawingml/2011/main" val="1"/>
+              <ma14:wrappingTextBoxFlag xmlns:ma14="http://schemas.microsoft.com/office/mac/drawingml/2011/main" xmlns:a14="http://schemas.microsoft.com/office/drawing/2010/main" xmlns:m="http://schemas.openxmlformats.org/officeDocument/2006/math" xmlns="" val="1"/>
             </a:ext>
           </a:extLst>
         </p:spPr>
@@ -12884,7 +13529,6 @@
             </a:lvl1pPr>
           </a:lstStyle>
           <a:p>
-            <a:pPr/>
             <a:r>
               <a:t>Mobile in flight mode, in your bag.</a:t>
             </a:r>
@@ -12910,7 +13554,7 @@
           </a:ln>
           <a:extLst>
             <a:ext uri="{C572A759-6A51-4108-AA02-DFA0A04FC94B}">
-              <ma14:wrappingTextBoxFlag xmlns:ma14="http://schemas.microsoft.com/office/mac/drawingml/2011/main" val="1"/>
+              <ma14:wrappingTextBoxFlag xmlns:ma14="http://schemas.microsoft.com/office/mac/drawingml/2011/main" xmlns:a14="http://schemas.microsoft.com/office/drawing/2010/main" xmlns:m="http://schemas.openxmlformats.org/officeDocument/2006/math" xmlns="" val="1"/>
             </a:ext>
           </a:extLst>
         </p:spPr>
@@ -12932,7 +13576,6 @@
             </a:lvl1pPr>
           </a:lstStyle>
           <a:p>
-            <a:pPr/>
             <a:r>
               <a:t>All bags in front.</a:t>
             </a:r>
@@ -12958,7 +13601,7 @@
           </a:ln>
           <a:extLst>
             <a:ext uri="{C572A759-6A51-4108-AA02-DFA0A04FC94B}">
-              <ma14:wrappingTextBoxFlag xmlns:ma14="http://schemas.microsoft.com/office/mac/drawingml/2011/main" val="1"/>
+              <ma14:wrappingTextBoxFlag xmlns:ma14="http://schemas.microsoft.com/office/mac/drawingml/2011/main" xmlns:a14="http://schemas.microsoft.com/office/drawing/2010/main" xmlns:m="http://schemas.openxmlformats.org/officeDocument/2006/math" xmlns="" val="1"/>
             </a:ext>
           </a:extLst>
         </p:spPr>
@@ -12980,7 +13623,6 @@
             </a:lvl1pPr>
           </a:lstStyle>
           <a:p>
-            <a:pPr/>
             <a:r>
               <a:t>No talking.</a:t>
             </a:r>
@@ -13018,7 +13660,7 @@
             </a:cxnLst>
             <a:rect l="0" t="0" r="r" b="b"/>
             <a:pathLst>
-              <a:path w="21600" h="21600" fill="norm" stroke="1" extrusionOk="0">
+              <a:path w="21600" h="21600" extrusionOk="0">
                 <a:moveTo>
                   <a:pt x="8684" y="0"/>
                 </a:moveTo>
@@ -13153,7 +13795,7 @@
           <a:lstStyle/>
           <a:p>
             <a:pPr>
-              <a:defRPr b="0" sz="3200">
+              <a:defRPr sz="3200" b="0">
                 <a:solidFill>
                   <a:srgbClr val="FFFFFF"/>
                 </a:solidFill>
@@ -13163,6 +13805,7 @@
                 <a:sym typeface="Helvetica Neue Medium"/>
               </a:defRPr>
             </a:pPr>
+            <a:endParaRPr/>
           </a:p>
         </p:txBody>
       </p:sp>
@@ -13195,7 +13838,7 @@
           <a:lstStyle/>
           <a:p>
             <a:pPr>
-              <a:defRPr b="0" sz="3200">
+              <a:defRPr sz="3200" b="0">
                 <a:solidFill>
                   <a:srgbClr val="FFFFFF"/>
                 </a:solidFill>
@@ -13205,6 +13848,7 @@
                 <a:sym typeface="Helvetica Neue Medium"/>
               </a:defRPr>
             </a:pPr>
+            <a:endParaRPr/>
           </a:p>
         </p:txBody>
       </p:sp>
@@ -13239,7 +13883,7 @@
             </a:cxnLst>
             <a:rect l="0" t="0" r="r" b="b"/>
             <a:pathLst>
-              <a:path w="21600" h="21600" fill="norm" stroke="1" extrusionOk="0">
+              <a:path w="21600" h="21600" extrusionOk="0">
                 <a:moveTo>
                   <a:pt x="2068" y="0"/>
                 </a:moveTo>
@@ -13337,7 +13981,7 @@
           <a:lstStyle/>
           <a:p>
             <a:pPr>
-              <a:defRPr b="0" sz="3200">
+              <a:defRPr sz="3200" b="0">
                 <a:solidFill>
                   <a:srgbClr val="FFFFFF"/>
                 </a:solidFill>
@@ -13347,6 +13991,7 @@
                 <a:sym typeface="Helvetica Neue Medium"/>
               </a:defRPr>
             </a:pPr>
+            <a:endParaRPr/>
           </a:p>
         </p:txBody>
       </p:sp>
@@ -13379,7 +14024,7 @@
           <a:lstStyle/>
           <a:p>
             <a:pPr>
-              <a:defRPr b="0" sz="3200">
+              <a:defRPr sz="3200" b="0">
                 <a:solidFill>
                   <a:srgbClr val="FFFFFF"/>
                 </a:solidFill>
@@ -13389,6 +14034,7 @@
                 <a:sym typeface="Helvetica Neue Medium"/>
               </a:defRPr>
             </a:pPr>
+            <a:endParaRPr/>
           </a:p>
         </p:txBody>
       </p:sp>
@@ -13421,7 +14067,7 @@
           <a:lstStyle/>
           <a:p>
             <a:pPr>
-              <a:defRPr b="0" sz="3200">
+              <a:defRPr sz="3200" b="0">
                 <a:solidFill>
                   <a:srgbClr val="FFFFFF"/>
                 </a:solidFill>
@@ -13431,6 +14077,7 @@
                 <a:sym typeface="Helvetica Neue Medium"/>
               </a:defRPr>
             </a:pPr>
+            <a:endParaRPr/>
           </a:p>
         </p:txBody>
       </p:sp>
@@ -13463,7 +14110,7 @@
           <a:lstStyle/>
           <a:p>
             <a:pPr>
-              <a:defRPr b="0" sz="3200">
+              <a:defRPr sz="3200" b="0">
                 <a:solidFill>
                   <a:srgbClr val="FFFFFF"/>
                 </a:solidFill>
@@ -13473,6 +14120,7 @@
                 <a:sym typeface="Helvetica Neue Medium"/>
               </a:defRPr>
             </a:pPr>
+            <a:endParaRPr/>
           </a:p>
         </p:txBody>
       </p:sp>
@@ -13481,18 +14129,19 @@
   <p:clrMapOvr>
     <a:masterClrMapping/>
   </p:clrMapOvr>
-  <p:transition xmlns:p14="http://schemas.microsoft.com/office/powerpoint/2010/main" spd="med" advClick="1"/>
+  <p:transition spd="med"/>
 </p:sld>
 </file>
 
 <file path=ppt/slides/slide3.xml><?xml version="1.0" encoding="utf-8"?>
-<p:sld xmlns:a="http://schemas.openxmlformats.org/drawingml/2006/main" xmlns:r="http://schemas.openxmlformats.org/officeDocument/2006/relationships" xmlns:p="http://schemas.openxmlformats.org/presentationml/2006/main" xmlns:m="http://schemas.openxmlformats.org/officeDocument/2006/math" xmlns:a14="http://schemas.microsoft.com/office/drawing/2010/main" showMasterSp="1" showMasterPhAnim="1">
+<p:sld xmlns:a="http://schemas.openxmlformats.org/drawingml/2006/main" xmlns:r="http://schemas.openxmlformats.org/officeDocument/2006/relationships" xmlns:p="http://schemas.openxmlformats.org/presentationml/2006/main">
   <p:cSld>
     <p:bg>
       <p:bgPr>
         <a:solidFill>
           <a:srgbClr val="000000"/>
         </a:solidFill>
+        <a:effectLst/>
       </p:bgPr>
     </p:bg>
     <p:spTree>
@@ -13528,7 +14177,7 @@
           </a:ln>
           <a:extLst>
             <a:ext uri="{C572A759-6A51-4108-AA02-DFA0A04FC94B}">
-              <ma14:wrappingTextBoxFlag xmlns:ma14="http://schemas.microsoft.com/office/mac/drawingml/2011/main" val="1"/>
+              <ma14:wrappingTextBoxFlag xmlns:ma14="http://schemas.microsoft.com/office/mac/drawingml/2011/main" xmlns:a14="http://schemas.microsoft.com/office/drawing/2010/main" xmlns:m="http://schemas.openxmlformats.org/officeDocument/2006/math" xmlns="" val="1"/>
             </a:ext>
           </a:extLst>
         </p:spPr>
@@ -13550,7 +14199,6 @@
             </a:lvl1pPr>
           </a:lstStyle>
           <a:p>
-            <a:pPr/>
             <a:r>
               <a:t>Mobile in flight mode, in your bag.</a:t>
             </a:r>
@@ -13576,7 +14224,7 @@
           </a:ln>
           <a:extLst>
             <a:ext uri="{C572A759-6A51-4108-AA02-DFA0A04FC94B}">
-              <ma14:wrappingTextBoxFlag xmlns:ma14="http://schemas.microsoft.com/office/mac/drawingml/2011/main" val="1"/>
+              <ma14:wrappingTextBoxFlag xmlns:ma14="http://schemas.microsoft.com/office/mac/drawingml/2011/main" xmlns:a14="http://schemas.microsoft.com/office/drawing/2010/main" xmlns:m="http://schemas.openxmlformats.org/officeDocument/2006/math" xmlns="" val="1"/>
             </a:ext>
           </a:extLst>
         </p:spPr>
@@ -13598,7 +14246,6 @@
             </a:lvl1pPr>
           </a:lstStyle>
           <a:p>
-            <a:pPr/>
             <a:r>
               <a:t>All bags in front.</a:t>
             </a:r>
@@ -13624,7 +14271,7 @@
           </a:ln>
           <a:extLst>
             <a:ext uri="{C572A759-6A51-4108-AA02-DFA0A04FC94B}">
-              <ma14:wrappingTextBoxFlag xmlns:ma14="http://schemas.microsoft.com/office/mac/drawingml/2011/main" val="1"/>
+              <ma14:wrappingTextBoxFlag xmlns:ma14="http://schemas.microsoft.com/office/mac/drawingml/2011/main" xmlns:a14="http://schemas.microsoft.com/office/drawing/2010/main" xmlns:m="http://schemas.openxmlformats.org/officeDocument/2006/math" xmlns="" val="1"/>
             </a:ext>
           </a:extLst>
         </p:spPr>
@@ -13646,7 +14293,6 @@
             </a:lvl1pPr>
           </a:lstStyle>
           <a:p>
-            <a:pPr/>
             <a:r>
               <a:t>No talking.</a:t>
             </a:r>
@@ -13684,7 +14330,7 @@
             </a:cxnLst>
             <a:rect l="0" t="0" r="r" b="b"/>
             <a:pathLst>
-              <a:path w="21600" h="21600" fill="norm" stroke="1" extrusionOk="0">
+              <a:path w="21600" h="21600" extrusionOk="0">
                 <a:moveTo>
                   <a:pt x="8684" y="0"/>
                 </a:moveTo>
@@ -13819,7 +14465,7 @@
           <a:lstStyle/>
           <a:p>
             <a:pPr>
-              <a:defRPr b="0" sz="3200">
+              <a:defRPr sz="3200" b="0">
                 <a:solidFill>
                   <a:srgbClr val="FFFFFF"/>
                 </a:solidFill>
@@ -13829,6 +14475,7 @@
                 <a:sym typeface="Helvetica Neue Medium"/>
               </a:defRPr>
             </a:pPr>
+            <a:endParaRPr/>
           </a:p>
         </p:txBody>
       </p:sp>
@@ -13861,7 +14508,7 @@
           <a:lstStyle/>
           <a:p>
             <a:pPr>
-              <a:defRPr b="0" sz="3200">
+              <a:defRPr sz="3200" b="0">
                 <a:solidFill>
                   <a:srgbClr val="FFFFFF"/>
                 </a:solidFill>
@@ -13871,6 +14518,7 @@
                 <a:sym typeface="Helvetica Neue Medium"/>
               </a:defRPr>
             </a:pPr>
+            <a:endParaRPr/>
           </a:p>
         </p:txBody>
       </p:sp>
@@ -13905,7 +14553,7 @@
             </a:cxnLst>
             <a:rect l="0" t="0" r="r" b="b"/>
             <a:pathLst>
-              <a:path w="21600" h="21600" fill="norm" stroke="1" extrusionOk="0">
+              <a:path w="21600" h="21600" extrusionOk="0">
                 <a:moveTo>
                   <a:pt x="2068" y="0"/>
                 </a:moveTo>
@@ -14003,7 +14651,7 @@
           <a:lstStyle/>
           <a:p>
             <a:pPr>
-              <a:defRPr b="0" sz="3200">
+              <a:defRPr sz="3200" b="0">
                 <a:solidFill>
                   <a:srgbClr val="FFFFFF"/>
                 </a:solidFill>
@@ -14013,6 +14661,7 @@
                 <a:sym typeface="Helvetica Neue Medium"/>
               </a:defRPr>
             </a:pPr>
+            <a:endParaRPr/>
           </a:p>
         </p:txBody>
       </p:sp>
@@ -14045,7 +14694,7 @@
           <a:lstStyle/>
           <a:p>
             <a:pPr>
-              <a:defRPr b="0" sz="3200">
+              <a:defRPr sz="3200" b="0">
                 <a:solidFill>
                   <a:srgbClr val="FFFFFF"/>
                 </a:solidFill>
@@ -14055,6 +14704,7 @@
                 <a:sym typeface="Helvetica Neue Medium"/>
               </a:defRPr>
             </a:pPr>
+            <a:endParaRPr/>
           </a:p>
         </p:txBody>
       </p:sp>
@@ -14087,7 +14737,7 @@
           <a:lstStyle/>
           <a:p>
             <a:pPr>
-              <a:defRPr b="0" sz="3200">
+              <a:defRPr sz="3200" b="0">
                 <a:solidFill>
                   <a:srgbClr val="FFFFFF"/>
                 </a:solidFill>
@@ -14097,6 +14747,7 @@
                 <a:sym typeface="Helvetica Neue Medium"/>
               </a:defRPr>
             </a:pPr>
+            <a:endParaRPr/>
           </a:p>
         </p:txBody>
       </p:sp>
@@ -14129,7 +14780,7 @@
           <a:lstStyle/>
           <a:p>
             <a:pPr>
-              <a:defRPr b="0" sz="3200">
+              <a:defRPr sz="3200" b="0">
                 <a:solidFill>
                   <a:srgbClr val="FFFFFF"/>
                 </a:solidFill>
@@ -14139,6 +14790,7 @@
                 <a:sym typeface="Helvetica Neue Medium"/>
               </a:defRPr>
             </a:pPr>
+            <a:endParaRPr/>
           </a:p>
         </p:txBody>
       </p:sp>
@@ -14161,7 +14813,7 @@
           </a:ln>
           <a:extLst>
             <a:ext uri="{C572A759-6A51-4108-AA02-DFA0A04FC94B}">
-              <ma14:wrappingTextBoxFlag xmlns:ma14="http://schemas.microsoft.com/office/mac/drawingml/2011/main" val="1"/>
+              <ma14:wrappingTextBoxFlag xmlns:ma14="http://schemas.microsoft.com/office/mac/drawingml/2011/main" xmlns:a14="http://schemas.microsoft.com/office/drawing/2010/main" xmlns:m="http://schemas.openxmlformats.org/officeDocument/2006/math" xmlns="" val="1"/>
             </a:ext>
           </a:extLst>
         </p:spPr>
@@ -14183,7 +14835,6 @@
             </a:lvl1pPr>
           </a:lstStyle>
           <a:p>
-            <a:pPr/>
             <a:r>
               <a:t>A friendly reminder:</a:t>
             </a:r>
@@ -14209,7 +14860,7 @@
           </a:ln>
           <a:extLst>
             <a:ext uri="{C572A759-6A51-4108-AA02-DFA0A04FC94B}">
-              <ma14:wrappingTextBoxFlag xmlns:ma14="http://schemas.microsoft.com/office/mac/drawingml/2011/main" val="1"/>
+              <ma14:wrappingTextBoxFlag xmlns:ma14="http://schemas.microsoft.com/office/mac/drawingml/2011/main" xmlns:a14="http://schemas.microsoft.com/office/drawing/2010/main" xmlns:m="http://schemas.openxmlformats.org/officeDocument/2006/math" xmlns="" val="1"/>
             </a:ext>
           </a:extLst>
         </p:spPr>
@@ -14248,13 +14899,13 @@
         <p:nvPicPr>
           <p:cNvPr id="148" name="20_min" descr="20_min"/>
           <p:cNvPicPr>
-            <a:picLocks noChangeAspect="0"/>
+            <a:picLocks/>
           </p:cNvPicPr>
           <p:nvPr>
             <a:videoFile r:link="rId2"/>
             <p:extLst>
               <p:ext uri="{DAA4B4D4-6D71-4841-9C94-3DE7FCFB9230}">
-                <p14:media xmlns:p14="http://schemas.microsoft.com/office/powerpoint/2010/main" r:embed="rId3"/>
+                <p14:media xmlns:p14="http://schemas.microsoft.com/office/powerpoint/2010/main" r:embed="rId1"/>
               </p:ext>
             </p:extLst>
           </p:nvPr>
@@ -14285,14 +14936,14 @@
   <p:clrMapOvr>
     <a:masterClrMapping/>
   </p:clrMapOvr>
-  <p:transition xmlns:p14="http://schemas.microsoft.com/office/powerpoint/2010/main" spd="med" advClick="1"/>
+  <p:transition spd="med"/>
   <p:timing>
     <p:tnLst>
       <p:par>
-        <p:cTn id="1" nodeType="tmRoot" restart="never" dur="indefinite" fill="hold">
+        <p:cTn id="1" dur="indefinite" restart="never" fill="hold" nodeType="tmRoot">
           <p:childTnLst>
             <p:seq concurrent="1" prevAc="none" nextAc="seek">
-              <p:cTn id="2" nodeType="mainSeq" dur="indefinite" fill="hold">
+              <p:cTn id="2" dur="indefinite" fill="hold" nodeType="mainSeq">
                 <p:childTnLst>
                   <p:par>
                     <p:cTn id="3" fill="hold">
@@ -14307,7 +14958,7 @@
                             </p:stCondLst>
                             <p:childTnLst>
                               <p:par>
-                                <p:cTn id="5" presetClass="mediacall" nodeType="clickEffect" presetSubtype="0" presetID="1" grpId="1" fill="hold">
+                                <p:cTn id="5" presetID="1" presetClass="mediacall" presetSubtype="0" fill="hold" nodeType="clickEffect">
                                   <p:stCondLst>
                                     <p:cond delay="0"/>
                                   </p:stCondLst>
@@ -14342,7 +14993,7 @@
                             </p:stCondLst>
                             <p:childTnLst>
                               <p:par>
-                                <p:cTn id="9" presetClass="mediacall" nodeType="clickEffect" presetSubtype="0" presetID="3" grpId="1" fill="hold">
+                                <p:cTn id="9" presetID="3" presetClass="mediacall" presetSubtype="0" fill="hold" nodeType="clickEffect">
                                   <p:stCondLst>
                                     <p:cond delay="0"/>
                                   </p:stCondLst>
@@ -14367,22 +15018,22 @@
                 </p:childTnLst>
               </p:cTn>
               <p:prevCondLst>
-                <p:cond evt="onPrev">
+                <p:cond evt="onPrev" delay="0">
                   <p:tgtEl>
                     <p:sldTgt/>
                   </p:tgtEl>
                 </p:cond>
               </p:prevCondLst>
               <p:nextCondLst>
-                <p:cond evt="onNext">
+                <p:cond evt="onNext" delay="0">
                   <p:tgtEl>
                     <p:sldTgt/>
                   </p:tgtEl>
                 </p:cond>
               </p:nextCondLst>
             </p:seq>
-            <p:video fullScrn="0">
-              <p:cMediaNode mute="0" showWhenStopped="1" numSld="1" vol="80000">
+            <p:video>
+              <p:cMediaNode vol="80000">
                 <p:cTn id="11" fill="hold" display="0">
                   <p:stCondLst>
                     <p:cond delay="indefinite"/>
@@ -14402,13 +15053,14 @@
 </file>
 
 <file path=ppt/slides/slide4.xml><?xml version="1.0" encoding="utf-8"?>
-<p:sld xmlns:a="http://schemas.openxmlformats.org/drawingml/2006/main" xmlns:r="http://schemas.openxmlformats.org/officeDocument/2006/relationships" xmlns:p="http://schemas.openxmlformats.org/presentationml/2006/main" xmlns:m="http://schemas.openxmlformats.org/officeDocument/2006/math" xmlns:a14="http://schemas.microsoft.com/office/drawing/2010/main" showMasterSp="1" showMasterPhAnim="1">
+<p:sld xmlns:a="http://schemas.openxmlformats.org/drawingml/2006/main" xmlns:r="http://schemas.openxmlformats.org/officeDocument/2006/relationships" xmlns:p="http://schemas.openxmlformats.org/presentationml/2006/main">
   <p:cSld>
     <p:bg>
       <p:bgPr>
         <a:solidFill>
           <a:srgbClr val="000000"/>
         </a:solidFill>
+        <a:effectLst/>
       </p:bgPr>
     </p:bg>
     <p:spTree>
@@ -14444,7 +15096,7 @@
           </a:ln>
           <a:extLst>
             <a:ext uri="{C572A759-6A51-4108-AA02-DFA0A04FC94B}">
-              <ma14:wrappingTextBoxFlag xmlns:ma14="http://schemas.microsoft.com/office/mac/drawingml/2011/main" val="1"/>
+              <ma14:wrappingTextBoxFlag xmlns:ma14="http://schemas.microsoft.com/office/mac/drawingml/2011/main" xmlns:a14="http://schemas.microsoft.com/office/drawing/2010/main" xmlns:m="http://schemas.openxmlformats.org/officeDocument/2006/math" xmlns="" val="1"/>
             </a:ext>
           </a:extLst>
         </p:spPr>
@@ -14466,7 +15118,6 @@
             </a:lvl1pPr>
           </a:lstStyle>
           <a:p>
-            <a:pPr/>
             <a:r>
               <a:t>Mobile in flight mode, in your bag.</a:t>
             </a:r>
@@ -14492,7 +15143,7 @@
           </a:ln>
           <a:extLst>
             <a:ext uri="{C572A759-6A51-4108-AA02-DFA0A04FC94B}">
-              <ma14:wrappingTextBoxFlag xmlns:ma14="http://schemas.microsoft.com/office/mac/drawingml/2011/main" val="1"/>
+              <ma14:wrappingTextBoxFlag xmlns:ma14="http://schemas.microsoft.com/office/mac/drawingml/2011/main" xmlns:a14="http://schemas.microsoft.com/office/drawing/2010/main" xmlns:m="http://schemas.openxmlformats.org/officeDocument/2006/math" xmlns="" val="1"/>
             </a:ext>
           </a:extLst>
         </p:spPr>
@@ -14514,7 +15165,6 @@
             </a:lvl1pPr>
           </a:lstStyle>
           <a:p>
-            <a:pPr/>
             <a:r>
               <a:t>All bags in front.</a:t>
             </a:r>
@@ -14540,7 +15190,7 @@
           </a:ln>
           <a:extLst>
             <a:ext uri="{C572A759-6A51-4108-AA02-DFA0A04FC94B}">
-              <ma14:wrappingTextBoxFlag xmlns:ma14="http://schemas.microsoft.com/office/mac/drawingml/2011/main" val="1"/>
+              <ma14:wrappingTextBoxFlag xmlns:ma14="http://schemas.microsoft.com/office/mac/drawingml/2011/main" xmlns:a14="http://schemas.microsoft.com/office/drawing/2010/main" xmlns:m="http://schemas.openxmlformats.org/officeDocument/2006/math" xmlns="" val="1"/>
             </a:ext>
           </a:extLst>
         </p:spPr>
@@ -14562,7 +15212,6 @@
             </a:lvl1pPr>
           </a:lstStyle>
           <a:p>
-            <a:pPr/>
             <a:r>
               <a:t>No talking across teams.</a:t>
             </a:r>
@@ -14600,7 +15249,7 @@
             </a:cxnLst>
             <a:rect l="0" t="0" r="r" b="b"/>
             <a:pathLst>
-              <a:path w="21600" h="21600" fill="norm" stroke="1" extrusionOk="0">
+              <a:path w="21600" h="21600" extrusionOk="0">
                 <a:moveTo>
                   <a:pt x="8684" y="0"/>
                 </a:moveTo>
@@ -14735,7 +15384,7 @@
           <a:lstStyle/>
           <a:p>
             <a:pPr>
-              <a:defRPr b="0" sz="3200">
+              <a:defRPr sz="3200" b="0">
                 <a:solidFill>
                   <a:srgbClr val="FFFFFF"/>
                 </a:solidFill>
@@ -14745,6 +15394,7 @@
                 <a:sym typeface="Helvetica Neue Medium"/>
               </a:defRPr>
             </a:pPr>
+            <a:endParaRPr/>
           </a:p>
         </p:txBody>
       </p:sp>
@@ -14777,7 +15427,7 @@
           <a:lstStyle/>
           <a:p>
             <a:pPr>
-              <a:defRPr b="0" sz="3200">
+              <a:defRPr sz="3200" b="0">
                 <a:solidFill>
                   <a:srgbClr val="FFFFFF"/>
                 </a:solidFill>
@@ -14787,6 +15437,7 @@
                 <a:sym typeface="Helvetica Neue Medium"/>
               </a:defRPr>
             </a:pPr>
+            <a:endParaRPr/>
           </a:p>
         </p:txBody>
       </p:sp>
@@ -14821,7 +15472,7 @@
             </a:cxnLst>
             <a:rect l="0" t="0" r="r" b="b"/>
             <a:pathLst>
-              <a:path w="21600" h="21600" fill="norm" stroke="1" extrusionOk="0">
+              <a:path w="21600" h="21600" extrusionOk="0">
                 <a:moveTo>
                   <a:pt x="2068" y="0"/>
                 </a:moveTo>
@@ -14919,7 +15570,7 @@
           <a:lstStyle/>
           <a:p>
             <a:pPr>
-              <a:defRPr b="0" sz="3200">
+              <a:defRPr sz="3200" b="0">
                 <a:solidFill>
                   <a:srgbClr val="FFFFFF"/>
                 </a:solidFill>
@@ -14929,6 +15580,7 @@
                 <a:sym typeface="Helvetica Neue Medium"/>
               </a:defRPr>
             </a:pPr>
+            <a:endParaRPr/>
           </a:p>
         </p:txBody>
       </p:sp>
@@ -14961,7 +15613,7 @@
           <a:lstStyle/>
           <a:p>
             <a:pPr>
-              <a:defRPr b="0" sz="3200">
+              <a:defRPr sz="3200" b="0">
                 <a:solidFill>
                   <a:srgbClr val="FFFFFF"/>
                 </a:solidFill>
@@ -14971,6 +15623,7 @@
                 <a:sym typeface="Helvetica Neue Medium"/>
               </a:defRPr>
             </a:pPr>
+            <a:endParaRPr/>
           </a:p>
         </p:txBody>
       </p:sp>
@@ -15003,7 +15656,7 @@
           <a:lstStyle/>
           <a:p>
             <a:pPr>
-              <a:defRPr b="0" sz="3200">
+              <a:defRPr sz="3200" b="0">
                 <a:solidFill>
                   <a:srgbClr val="FFFFFF"/>
                 </a:solidFill>
@@ -15013,6 +15666,7 @@
                 <a:sym typeface="Helvetica Neue Medium"/>
               </a:defRPr>
             </a:pPr>
+            <a:endParaRPr/>
           </a:p>
         </p:txBody>
       </p:sp>
@@ -15045,7 +15699,7 @@
           <a:lstStyle/>
           <a:p>
             <a:pPr>
-              <a:defRPr b="0" sz="3200">
+              <a:defRPr sz="3200" b="0">
                 <a:solidFill>
                   <a:srgbClr val="FFFFFF"/>
                 </a:solidFill>
@@ -15055,6 +15709,7 @@
                 <a:sym typeface="Helvetica Neue Medium"/>
               </a:defRPr>
             </a:pPr>
+            <a:endParaRPr/>
           </a:p>
         </p:txBody>
       </p:sp>
@@ -15077,7 +15732,7 @@
           </a:ln>
           <a:extLst>
             <a:ext uri="{C572A759-6A51-4108-AA02-DFA0A04FC94B}">
-              <ma14:wrappingTextBoxFlag xmlns:ma14="http://schemas.microsoft.com/office/mac/drawingml/2011/main" val="1"/>
+              <ma14:wrappingTextBoxFlag xmlns:ma14="http://schemas.microsoft.com/office/mac/drawingml/2011/main" xmlns:a14="http://schemas.microsoft.com/office/drawing/2010/main" xmlns:m="http://schemas.openxmlformats.org/officeDocument/2006/math" xmlns="" val="1"/>
             </a:ext>
           </a:extLst>
         </p:spPr>
@@ -15099,7 +15754,6 @@
             </a:lvl1pPr>
           </a:lstStyle>
           <a:p>
-            <a:pPr/>
             <a:r>
               <a:t>A friendly reminder:</a:t>
             </a:r>
@@ -15125,7 +15779,7 @@
           </a:ln>
           <a:extLst>
             <a:ext uri="{C572A759-6A51-4108-AA02-DFA0A04FC94B}">
-              <ma14:wrappingTextBoxFlag xmlns:ma14="http://schemas.microsoft.com/office/mac/drawingml/2011/main" val="1"/>
+              <ma14:wrappingTextBoxFlag xmlns:ma14="http://schemas.microsoft.com/office/mac/drawingml/2011/main" xmlns:a14="http://schemas.microsoft.com/office/drawing/2010/main" xmlns:m="http://schemas.openxmlformats.org/officeDocument/2006/math" xmlns="" val="1"/>
             </a:ext>
           </a:extLst>
         </p:spPr>
@@ -15147,7 +15801,6 @@
             </a:lvl1pPr>
           </a:lstStyle>
           <a:p>
-            <a:pPr/>
             <a:r>
               <a:t>Team RAT</a:t>
             </a:r>
@@ -15173,7 +15826,7 @@
           </a:ln>
           <a:extLst>
             <a:ext uri="{C572A759-6A51-4108-AA02-DFA0A04FC94B}">
-              <ma14:wrappingTextBoxFlag xmlns:ma14="http://schemas.microsoft.com/office/mac/drawingml/2011/main" val="1"/>
+              <ma14:wrappingTextBoxFlag xmlns:ma14="http://schemas.microsoft.com/office/mac/drawingml/2011/main" xmlns:a14="http://schemas.microsoft.com/office/drawing/2010/main" xmlns:m="http://schemas.openxmlformats.org/officeDocument/2006/math" xmlns="" val="1"/>
             </a:ext>
           </a:extLst>
         </p:spPr>
@@ -15215,13 +15868,13 @@
         <p:nvPicPr>
           <p:cNvPr id="162" name="20_min" descr="20_min"/>
           <p:cNvPicPr>
-            <a:picLocks noChangeAspect="0"/>
+            <a:picLocks/>
           </p:cNvPicPr>
           <p:nvPr>
             <a:videoFile r:link="rId2"/>
             <p:extLst>
               <p:ext uri="{DAA4B4D4-6D71-4841-9C94-3DE7FCFB9230}">
-                <p14:media xmlns:p14="http://schemas.microsoft.com/office/powerpoint/2010/main" r:embed="rId3"/>
+                <p14:media xmlns:p14="http://schemas.microsoft.com/office/powerpoint/2010/main" r:embed="rId1"/>
               </p:ext>
             </p:extLst>
           </p:nvPr>
@@ -15252,14 +15905,14 @@
   <p:clrMapOvr>
     <a:masterClrMapping/>
   </p:clrMapOvr>
-  <p:transition xmlns:p14="http://schemas.microsoft.com/office/powerpoint/2010/main" spd="med" advClick="1"/>
+  <p:transition spd="med"/>
   <p:timing>
     <p:tnLst>
       <p:par>
-        <p:cTn id="1" nodeType="tmRoot" restart="never" dur="indefinite" fill="hold">
+        <p:cTn id="1" dur="indefinite" restart="never" fill="hold" nodeType="tmRoot">
           <p:childTnLst>
             <p:seq concurrent="1" prevAc="none" nextAc="seek">
-              <p:cTn id="2" nodeType="mainSeq" dur="indefinite" fill="hold">
+              <p:cTn id="2" dur="indefinite" fill="hold" nodeType="mainSeq">
                 <p:childTnLst>
                   <p:par>
                     <p:cTn id="3" fill="hold">
@@ -15274,7 +15927,7 @@
                             </p:stCondLst>
                             <p:childTnLst>
                               <p:par>
-                                <p:cTn id="5" presetClass="mediacall" nodeType="clickEffect" presetSubtype="0" presetID="1" grpId="1" fill="hold">
+                                <p:cTn id="5" presetID="1" presetClass="mediacall" presetSubtype="0" fill="hold" nodeType="clickEffect">
                                   <p:stCondLst>
                                     <p:cond delay="0"/>
                                   </p:stCondLst>
@@ -15309,7 +15962,7 @@
                             </p:stCondLst>
                             <p:childTnLst>
                               <p:par>
-                                <p:cTn id="9" presetClass="mediacall" nodeType="clickEffect" presetSubtype="0" presetID="3" grpId="1" fill="hold">
+                                <p:cTn id="9" presetID="3" presetClass="mediacall" presetSubtype="0" fill="hold" nodeType="clickEffect">
                                   <p:stCondLst>
                                     <p:cond delay="0"/>
                                   </p:stCondLst>
@@ -15334,22 +15987,22 @@
                 </p:childTnLst>
               </p:cTn>
               <p:prevCondLst>
-                <p:cond evt="onPrev">
+                <p:cond evt="onPrev" delay="0">
                   <p:tgtEl>
                     <p:sldTgt/>
                   </p:tgtEl>
                 </p:cond>
               </p:prevCondLst>
               <p:nextCondLst>
-                <p:cond evt="onNext">
+                <p:cond evt="onNext" delay="0">
                   <p:tgtEl>
                     <p:sldTgt/>
                   </p:tgtEl>
                 </p:cond>
               </p:nextCondLst>
             </p:seq>
-            <p:video fullScrn="0">
-              <p:cMediaNode mute="0" showWhenStopped="1" numSld="1" vol="80000">
+            <p:video>
+              <p:cMediaNode vol="80000">
                 <p:cTn id="11" fill="hold" display="0">
                   <p:stCondLst>
                     <p:cond delay="indefinite"/>
@@ -15369,7 +16022,7 @@
 </file>
 
 <file path=ppt/slides/slide5.xml><?xml version="1.0" encoding="utf-8"?>
-<p:sld xmlns:a="http://schemas.openxmlformats.org/drawingml/2006/main" xmlns:r="http://schemas.openxmlformats.org/officeDocument/2006/relationships" xmlns:p="http://schemas.openxmlformats.org/presentationml/2006/main" xmlns:m="http://schemas.openxmlformats.org/officeDocument/2006/math" xmlns:a14="http://schemas.microsoft.com/office/drawing/2010/main" showMasterSp="1" showMasterPhAnim="1">
+<p:sld xmlns:a="http://schemas.openxmlformats.org/drawingml/2006/main" xmlns:r="http://schemas.openxmlformats.org/officeDocument/2006/relationships" xmlns:p="http://schemas.openxmlformats.org/presentationml/2006/main">
   <p:cSld>
     <p:spTree>
       <p:nvGrpSpPr>
@@ -15419,12 +16072,12 @@
   <p:clrMapOvr>
     <a:masterClrMapping/>
   </p:clrMapOvr>
-  <p:transition xmlns:p14="http://schemas.microsoft.com/office/powerpoint/2010/main" spd="med" advClick="1"/>
+  <p:transition spd="med"/>
 </p:sld>
 </file>
 
 <file path=ppt/slides/slide6.xml><?xml version="1.0" encoding="utf-8"?>
-<p:sld xmlns:a="http://schemas.openxmlformats.org/drawingml/2006/main" xmlns:r="http://schemas.openxmlformats.org/officeDocument/2006/relationships" xmlns:p="http://schemas.openxmlformats.org/presentationml/2006/main" xmlns:m="http://schemas.openxmlformats.org/officeDocument/2006/math" xmlns:a14="http://schemas.microsoft.com/office/drawing/2010/main" showMasterSp="1" showMasterPhAnim="1">
+<p:sld xmlns:a="http://schemas.openxmlformats.org/drawingml/2006/main" xmlns:r="http://schemas.openxmlformats.org/officeDocument/2006/relationships" xmlns:p="http://schemas.openxmlformats.org/presentationml/2006/main">
   <p:cSld>
     <p:spTree>
       <p:nvGrpSpPr>
@@ -15469,7 +16122,7 @@
           <a:lstStyle/>
           <a:p>
             <a:pPr>
-              <a:defRPr b="0" sz="3200">
+              <a:defRPr sz="3200" b="0">
                 <a:solidFill>
                   <a:srgbClr val="FFFFFF"/>
                 </a:solidFill>
@@ -15479,6 +16132,7 @@
                 <a:sym typeface="Helvetica Neue Medium"/>
               </a:defRPr>
             </a:pPr>
+            <a:endParaRPr/>
           </a:p>
         </p:txBody>
       </p:sp>
@@ -15511,7 +16165,7 @@
           <a:lstStyle/>
           <a:p>
             <a:pPr>
-              <a:defRPr b="0" sz="3200">
+              <a:defRPr sz="3200" b="0">
                 <a:solidFill>
                   <a:srgbClr val="FFFFFF"/>
                 </a:solidFill>
@@ -15521,6 +16175,7 @@
                 <a:sym typeface="Helvetica Neue Medium"/>
               </a:defRPr>
             </a:pPr>
+            <a:endParaRPr/>
           </a:p>
         </p:txBody>
       </p:sp>
@@ -15553,7 +16208,7 @@
           <a:lstStyle/>
           <a:p>
             <a:pPr>
-              <a:defRPr b="0" sz="3200">
+              <a:defRPr sz="3200" b="0">
                 <a:solidFill>
                   <a:srgbClr val="FFFFFF"/>
                 </a:solidFill>
@@ -15563,6 +16218,7 @@
                 <a:sym typeface="Helvetica Neue Medium"/>
               </a:defRPr>
             </a:pPr>
+            <a:endParaRPr/>
           </a:p>
         </p:txBody>
       </p:sp>
@@ -15592,7 +16248,7 @@
           <a:lstStyle/>
           <a:p>
             <a:pPr>
-              <a:defRPr b="0" sz="3200">
+              <a:defRPr sz="3200" b="0">
                 <a:solidFill>
                   <a:srgbClr val="FFFFFF"/>
                 </a:solidFill>
@@ -15602,6 +16258,7 @@
                 <a:sym typeface="Helvetica Neue Medium"/>
               </a:defRPr>
             </a:pPr>
+            <a:endParaRPr/>
           </a:p>
         </p:txBody>
       </p:sp>
@@ -15631,7 +16288,7 @@
           <a:lstStyle/>
           <a:p>
             <a:pPr>
-              <a:defRPr b="0" sz="3200">
+              <a:defRPr sz="3200" b="0">
                 <a:solidFill>
                   <a:srgbClr val="FFFFFF"/>
                 </a:solidFill>
@@ -15641,6 +16298,7 @@
                 <a:sym typeface="Helvetica Neue Medium"/>
               </a:defRPr>
             </a:pPr>
+            <a:endParaRPr/>
           </a:p>
         </p:txBody>
       </p:sp>
@@ -15735,7 +16393,7 @@
         <p:nvPicPr>
           <p:cNvPr id="174" name="Line" descr="Line"/>
           <p:cNvPicPr>
-            <a:picLocks noChangeAspect="0"/>
+            <a:picLocks/>
           </p:cNvPicPr>
           <p:nvPr/>
         </p:nvPicPr>
@@ -15761,7 +16419,7 @@
         <p:nvPicPr>
           <p:cNvPr id="176" name="Line" descr="Line"/>
           <p:cNvPicPr>
-            <a:picLocks noChangeAspect="0"/>
+            <a:picLocks/>
           </p:cNvPicPr>
           <p:nvPr/>
         </p:nvPicPr>
@@ -15802,7 +16460,7 @@
           </a:ln>
           <a:extLst>
             <a:ext uri="{C572A759-6A51-4108-AA02-DFA0A04FC94B}">
-              <ma14:wrappingTextBoxFlag xmlns:ma14="http://schemas.microsoft.com/office/mac/drawingml/2011/main" val="1"/>
+              <ma14:wrappingTextBoxFlag xmlns:ma14="http://schemas.microsoft.com/office/mac/drawingml/2011/main" xmlns:a14="http://schemas.microsoft.com/office/drawing/2010/main" xmlns:m="http://schemas.openxmlformats.org/officeDocument/2006/math" xmlns="" val="1"/>
             </a:ext>
           </a:extLst>
         </p:spPr>
@@ -15816,7 +16474,6 @@
             </a:lvl1pPr>
           </a:lstStyle>
           <a:p>
-            <a:pPr/>
             <a:r>
               <a:t>Delivery on BB</a:t>
             </a:r>
@@ -15828,12 +16485,12 @@
   <p:clrMapOvr>
     <a:masterClrMapping/>
   </p:clrMapOvr>
-  <p:transition xmlns:p14="http://schemas.microsoft.com/office/powerpoint/2010/main" spd="med" advClick="1"/>
+  <p:transition spd="med"/>
 </p:sld>
 </file>
 
 <file path=ppt/slides/slide7.xml><?xml version="1.0" encoding="utf-8"?>
-<p:sld xmlns:a="http://schemas.openxmlformats.org/drawingml/2006/main" xmlns:r="http://schemas.openxmlformats.org/officeDocument/2006/relationships" xmlns:p="http://schemas.openxmlformats.org/presentationml/2006/main" xmlns:m="http://schemas.openxmlformats.org/officeDocument/2006/math" xmlns:a14="http://schemas.microsoft.com/office/drawing/2010/main" showMasterSp="1" showMasterPhAnim="1">
+<p:sld xmlns:a="http://schemas.openxmlformats.org/drawingml/2006/main" xmlns:r="http://schemas.openxmlformats.org/officeDocument/2006/relationships" xmlns:p="http://schemas.openxmlformats.org/presentationml/2006/main">
   <p:cSld>
     <p:spTree>
       <p:nvGrpSpPr>
@@ -15882,7 +16539,7 @@
         <p:nvPicPr>
           <p:cNvPr id="181" name="Line" descr="Line"/>
           <p:cNvPicPr>
-            <a:picLocks noChangeAspect="0"/>
+            <a:picLocks/>
           </p:cNvPicPr>
           <p:nvPr/>
         </p:nvPicPr>
@@ -15908,7 +16565,7 @@
         <p:nvPicPr>
           <p:cNvPr id="183" name="Line" descr="Line"/>
           <p:cNvPicPr>
-            <a:picLocks noChangeAspect="0"/>
+            <a:picLocks/>
           </p:cNvPicPr>
           <p:nvPr/>
         </p:nvPicPr>
@@ -15949,7 +16606,7 @@
           </a:ln>
           <a:extLst>
             <a:ext uri="{C572A759-6A51-4108-AA02-DFA0A04FC94B}">
-              <ma14:wrappingTextBoxFlag xmlns:ma14="http://schemas.microsoft.com/office/mac/drawingml/2011/main" val="1"/>
+              <ma14:wrappingTextBoxFlag xmlns:ma14="http://schemas.microsoft.com/office/mac/drawingml/2011/main" xmlns:a14="http://schemas.microsoft.com/office/drawing/2010/main" xmlns:m="http://schemas.openxmlformats.org/officeDocument/2006/math" xmlns="" val="1"/>
             </a:ext>
           </a:extLst>
         </p:spPr>
@@ -15963,7 +16620,6 @@
             </a:lvl1pPr>
           </a:lstStyle>
           <a:p>
-            <a:pPr/>
             <a:r>
               <a:t>Delivery on BB</a:t>
             </a:r>
@@ -16004,12 +16660,12 @@
   <p:clrMapOvr>
     <a:masterClrMapping/>
   </p:clrMapOvr>
-  <p:transition xmlns:p14="http://schemas.microsoft.com/office/powerpoint/2010/main" spd="med" advClick="1"/>
+  <p:transition spd="med"/>
 </p:sld>
 </file>
 
 <file path=ppt/theme/theme1.xml><?xml version="1.0" encoding="utf-8"?>
-<a:theme xmlns:a="http://schemas.openxmlformats.org/drawingml/2006/main" xmlns:r="http://schemas.openxmlformats.org/officeDocument/2006/relationships" name="White">
+<a:theme xmlns:a="http://schemas.openxmlformats.org/drawingml/2006/main" name="White">
   <a:themeElements>
     <a:clrScheme name="White">
       <a:dk1>
@@ -16208,7 +16864,7 @@
         <a:effectLst/>
         <a:sp3d/>
       </a:spPr>
-      <a:bodyPr rot="0" spcFirstLastPara="1" vertOverflow="overflow" horzOverflow="overflow" vert="horz" wrap="square" lIns="0" tIns="0" rIns="0" bIns="0" numCol="1" spcCol="38100" rtlCol="0" anchor="ctr" upright="0">
+      <a:bodyPr rot="0" spcFirstLastPara="1" vertOverflow="overflow" horzOverflow="overflow" vert="horz" wrap="square" lIns="0" tIns="0" rIns="0" bIns="0" numCol="1" spcCol="38100" rtlCol="0" anchor="ctr">
         <a:spAutoFit/>
       </a:bodyPr>
       <a:lstStyle>
@@ -16227,7 +16883,7 @@
           <a:buFontTx/>
           <a:buNone/>
           <a:tabLst/>
-          <a:defRPr b="0" baseline="0" cap="none" i="0" spc="0" strike="noStrike" sz="3200" u="none" kumimoji="0" normalizeH="0">
+          <a:defRPr kumimoji="0" sz="3200" b="0" i="0" u="none" strike="noStrike" cap="none" spc="0" normalizeH="0" baseline="0">
             <a:ln>
               <a:noFill/>
             </a:ln>
@@ -16257,7 +16913,7 @@
           <a:buFontTx/>
           <a:buNone/>
           <a:tabLst/>
-          <a:defRPr b="0" baseline="0" cap="none" i="0" spc="0" strike="noStrike" sz="1800" u="none" kumimoji="0" normalizeH="0">
+          <a:defRPr kumimoji="0" sz="1800" b="0" i="0" u="none" strike="noStrike" cap="none" spc="0" normalizeH="0" baseline="0">
             <a:ln>
               <a:noFill/>
             </a:ln>
@@ -16283,7 +16939,7 @@
           <a:buFontTx/>
           <a:buNone/>
           <a:tabLst/>
-          <a:defRPr b="0" baseline="0" cap="none" i="0" spc="0" strike="noStrike" sz="1800" u="none" kumimoji="0" normalizeH="0">
+          <a:defRPr kumimoji="0" sz="1800" b="0" i="0" u="none" strike="noStrike" cap="none" spc="0" normalizeH="0" baseline="0">
             <a:ln>
               <a:noFill/>
             </a:ln>
@@ -16309,7 +16965,7 @@
           <a:buFontTx/>
           <a:buNone/>
           <a:tabLst/>
-          <a:defRPr b="0" baseline="0" cap="none" i="0" spc="0" strike="noStrike" sz="1800" u="none" kumimoji="0" normalizeH="0">
+          <a:defRPr kumimoji="0" sz="1800" b="0" i="0" u="none" strike="noStrike" cap="none" spc="0" normalizeH="0" baseline="0">
             <a:ln>
               <a:noFill/>
             </a:ln>
@@ -16335,7 +16991,7 @@
           <a:buFontTx/>
           <a:buNone/>
           <a:tabLst/>
-          <a:defRPr b="0" baseline="0" cap="none" i="0" spc="0" strike="noStrike" sz="1800" u="none" kumimoji="0" normalizeH="0">
+          <a:defRPr kumimoji="0" sz="1800" b="0" i="0" u="none" strike="noStrike" cap="none" spc="0" normalizeH="0" baseline="0">
             <a:ln>
               <a:noFill/>
             </a:ln>
@@ -16361,7 +17017,7 @@
           <a:buFontTx/>
           <a:buNone/>
           <a:tabLst/>
-          <a:defRPr b="0" baseline="0" cap="none" i="0" spc="0" strike="noStrike" sz="1800" u="none" kumimoji="0" normalizeH="0">
+          <a:defRPr kumimoji="0" sz="1800" b="0" i="0" u="none" strike="noStrike" cap="none" spc="0" normalizeH="0" baseline="0">
             <a:ln>
               <a:noFill/>
             </a:ln>
@@ -16387,7 +17043,7 @@
           <a:buFontTx/>
           <a:buNone/>
           <a:tabLst/>
-          <a:defRPr b="0" baseline="0" cap="none" i="0" spc="0" strike="noStrike" sz="1800" u="none" kumimoji="0" normalizeH="0">
+          <a:defRPr kumimoji="0" sz="1800" b="0" i="0" u="none" strike="noStrike" cap="none" spc="0" normalizeH="0" baseline="0">
             <a:ln>
               <a:noFill/>
             </a:ln>
@@ -16413,7 +17069,7 @@
           <a:buFontTx/>
           <a:buNone/>
           <a:tabLst/>
-          <a:defRPr b="0" baseline="0" cap="none" i="0" spc="0" strike="noStrike" sz="1800" u="none" kumimoji="0" normalizeH="0">
+          <a:defRPr kumimoji="0" sz="1800" b="0" i="0" u="none" strike="noStrike" cap="none" spc="0" normalizeH="0" baseline="0">
             <a:ln>
               <a:noFill/>
             </a:ln>
@@ -16439,7 +17095,7 @@
           <a:buFontTx/>
           <a:buNone/>
           <a:tabLst/>
-          <a:defRPr b="0" baseline="0" cap="none" i="0" spc="0" strike="noStrike" sz="1800" u="none" kumimoji="0" normalizeH="0">
+          <a:defRPr kumimoji="0" sz="1800" b="0" i="0" u="none" strike="noStrike" cap="none" spc="0" normalizeH="0" baseline="0">
             <a:ln>
               <a:noFill/>
             </a:ln>
@@ -16465,7 +17121,7 @@
           <a:buFontTx/>
           <a:buNone/>
           <a:tabLst/>
-          <a:defRPr b="0" baseline="0" cap="none" i="0" spc="0" strike="noStrike" sz="1800" u="none" kumimoji="0" normalizeH="0">
+          <a:defRPr kumimoji="0" sz="1800" b="0" i="0" u="none" strike="noStrike" cap="none" spc="0" normalizeH="0" baseline="0">
             <a:ln>
               <a:noFill/>
             </a:ln>
@@ -16478,9 +17134,15 @@
         </a:lvl9pPr>
       </a:lstStyle>
       <a:style>
-        <a:lnRef idx="0"/>
-        <a:fillRef idx="0"/>
-        <a:effectRef idx="0"/>
+        <a:lnRef idx="0">
+          <a:scrgbClr r="0" g="0" b="0"/>
+        </a:lnRef>
+        <a:fillRef idx="0">
+          <a:scrgbClr r="0" g="0" b="0"/>
+        </a:fillRef>
+        <a:effectRef idx="0">
+          <a:scrgbClr r="0" g="0" b="0"/>
+        </a:effectRef>
         <a:fontRef idx="none"/>
       </a:style>
     </a:spDef>
@@ -16497,7 +17159,7 @@
         <a:effectLst/>
         <a:sp3d/>
       </a:spPr>
-      <a:bodyPr rot="0" spcFirstLastPara="1" vertOverflow="overflow" horzOverflow="overflow" vert="horz" wrap="square" lIns="91439" tIns="45719" rIns="91439" bIns="45719" numCol="1" spcCol="38100" rtlCol="0" anchor="t" upright="0">
+      <a:bodyPr rot="0" spcFirstLastPara="1" vertOverflow="overflow" horzOverflow="overflow" vert="horz" wrap="square" lIns="91439" tIns="45719" rIns="91439" bIns="45719" numCol="1" spcCol="38100" rtlCol="0" anchor="t">
         <a:noAutofit/>
       </a:bodyPr>
       <a:lstStyle>
@@ -16516,7 +17178,7 @@
           <a:buFontTx/>
           <a:buNone/>
           <a:tabLst/>
-          <a:defRPr b="0" baseline="0" cap="none" i="0" spc="0" strike="noStrike" sz="1800" u="none" kumimoji="0" normalizeH="0">
+          <a:defRPr kumimoji="0" sz="1800" b="0" i="0" u="none" strike="noStrike" cap="none" spc="0" normalizeH="0" baseline="0">
             <a:ln>
               <a:noFill/>
             </a:ln>
@@ -16542,7 +17204,7 @@
           <a:buFontTx/>
           <a:buNone/>
           <a:tabLst/>
-          <a:defRPr b="0" baseline="0" cap="none" i="0" spc="0" strike="noStrike" sz="1800" u="none" kumimoji="0" normalizeH="0">
+          <a:defRPr kumimoji="0" sz="1800" b="0" i="0" u="none" strike="noStrike" cap="none" spc="0" normalizeH="0" baseline="0">
             <a:ln>
               <a:noFill/>
             </a:ln>
@@ -16568,7 +17230,7 @@
           <a:buFontTx/>
           <a:buNone/>
           <a:tabLst/>
-          <a:defRPr b="0" baseline="0" cap="none" i="0" spc="0" strike="noStrike" sz="1800" u="none" kumimoji="0" normalizeH="0">
+          <a:defRPr kumimoji="0" sz="1800" b="0" i="0" u="none" strike="noStrike" cap="none" spc="0" normalizeH="0" baseline="0">
             <a:ln>
               <a:noFill/>
             </a:ln>
@@ -16594,7 +17256,7 @@
           <a:buFontTx/>
           <a:buNone/>
           <a:tabLst/>
-          <a:defRPr b="0" baseline="0" cap="none" i="0" spc="0" strike="noStrike" sz="1800" u="none" kumimoji="0" normalizeH="0">
+          <a:defRPr kumimoji="0" sz="1800" b="0" i="0" u="none" strike="noStrike" cap="none" spc="0" normalizeH="0" baseline="0">
             <a:ln>
               <a:noFill/>
             </a:ln>
@@ -16620,7 +17282,7 @@
           <a:buFontTx/>
           <a:buNone/>
           <a:tabLst/>
-          <a:defRPr b="0" baseline="0" cap="none" i="0" spc="0" strike="noStrike" sz="1800" u="none" kumimoji="0" normalizeH="0">
+          <a:defRPr kumimoji="0" sz="1800" b="0" i="0" u="none" strike="noStrike" cap="none" spc="0" normalizeH="0" baseline="0">
             <a:ln>
               <a:noFill/>
             </a:ln>
@@ -16646,7 +17308,7 @@
           <a:buFontTx/>
           <a:buNone/>
           <a:tabLst/>
-          <a:defRPr b="0" baseline="0" cap="none" i="0" spc="0" strike="noStrike" sz="1800" u="none" kumimoji="0" normalizeH="0">
+          <a:defRPr kumimoji="0" sz="1800" b="0" i="0" u="none" strike="noStrike" cap="none" spc="0" normalizeH="0" baseline="0">
             <a:ln>
               <a:noFill/>
             </a:ln>
@@ -16672,7 +17334,7 @@
           <a:buFontTx/>
           <a:buNone/>
           <a:tabLst/>
-          <a:defRPr b="0" baseline="0" cap="none" i="0" spc="0" strike="noStrike" sz="1800" u="none" kumimoji="0" normalizeH="0">
+          <a:defRPr kumimoji="0" sz="1800" b="0" i="0" u="none" strike="noStrike" cap="none" spc="0" normalizeH="0" baseline="0">
             <a:ln>
               <a:noFill/>
             </a:ln>
@@ -16698,7 +17360,7 @@
           <a:buFontTx/>
           <a:buNone/>
           <a:tabLst/>
-          <a:defRPr b="0" baseline="0" cap="none" i="0" spc="0" strike="noStrike" sz="1800" u="none" kumimoji="0" normalizeH="0">
+          <a:defRPr kumimoji="0" sz="1800" b="0" i="0" u="none" strike="noStrike" cap="none" spc="0" normalizeH="0" baseline="0">
             <a:ln>
               <a:noFill/>
             </a:ln>
@@ -16724,7 +17386,7 @@
           <a:buFontTx/>
           <a:buNone/>
           <a:tabLst/>
-          <a:defRPr b="0" baseline="0" cap="none" i="0" spc="0" strike="noStrike" sz="1800" u="none" kumimoji="0" normalizeH="0">
+          <a:defRPr kumimoji="0" sz="1800" b="0" i="0" u="none" strike="noStrike" cap="none" spc="0" normalizeH="0" baseline="0">
             <a:ln>
               <a:noFill/>
             </a:ln>
@@ -16750,7 +17412,7 @@
           <a:buFontTx/>
           <a:buNone/>
           <a:tabLst/>
-          <a:defRPr b="0" baseline="0" cap="none" i="0" spc="0" strike="noStrike" sz="1800" u="none" kumimoji="0" normalizeH="0">
+          <a:defRPr kumimoji="0" sz="1800" b="0" i="0" u="none" strike="noStrike" cap="none" spc="0" normalizeH="0" baseline="0">
             <a:ln>
               <a:noFill/>
             </a:ln>
@@ -16763,9 +17425,15 @@
         </a:lvl9pPr>
       </a:lstStyle>
       <a:style>
-        <a:lnRef idx="0"/>
-        <a:fillRef idx="0"/>
-        <a:effectRef idx="0"/>
+        <a:lnRef idx="0">
+          <a:scrgbClr r="0" g="0" b="0"/>
+        </a:lnRef>
+        <a:fillRef idx="0">
+          <a:scrgbClr r="0" g="0" b="0"/>
+        </a:fillRef>
+        <a:effectRef idx="0">
+          <a:scrgbClr r="0" g="0" b="0"/>
+        </a:effectRef>
         <a:fontRef idx="none"/>
       </a:style>
     </a:lnDef>
@@ -16779,7 +17447,7 @@
         <a:effectLst/>
         <a:sp3d/>
       </a:spPr>
-      <a:bodyPr rot="0" spcFirstLastPara="1" vertOverflow="overflow" horzOverflow="overflow" vert="horz" wrap="square" lIns="50800" tIns="50800" rIns="50800" bIns="50800" numCol="1" spcCol="38100" rtlCol="0" anchor="ctr" upright="0">
+      <a:bodyPr rot="0" spcFirstLastPara="1" vertOverflow="overflow" horzOverflow="overflow" vert="horz" wrap="square" lIns="50800" tIns="50800" rIns="50800" bIns="50800" numCol="1" spcCol="38100" rtlCol="0" anchor="ctr">
         <a:spAutoFit/>
       </a:bodyPr>
       <a:lstStyle>
@@ -16798,7 +17466,7 @@
           <a:buFontTx/>
           <a:buNone/>
           <a:tabLst/>
-          <a:defRPr b="1" baseline="0" cap="none" i="0" spc="0" strike="noStrike" sz="3000" u="none" kumimoji="0" normalizeH="0">
+          <a:defRPr kumimoji="0" sz="3000" b="1" i="0" u="none" strike="noStrike" cap="none" spc="0" normalizeH="0" baseline="0">
             <a:ln>
               <a:noFill/>
             </a:ln>
@@ -16828,7 +17496,7 @@
           <a:buFontTx/>
           <a:buNone/>
           <a:tabLst/>
-          <a:defRPr b="0" baseline="0" cap="none" i="0" spc="0" strike="noStrike" sz="1800" u="none" kumimoji="0" normalizeH="0">
+          <a:defRPr kumimoji="0" sz="1800" b="0" i="0" u="none" strike="noStrike" cap="none" spc="0" normalizeH="0" baseline="0">
             <a:ln>
               <a:noFill/>
             </a:ln>
@@ -16854,7 +17522,7 @@
           <a:buFontTx/>
           <a:buNone/>
           <a:tabLst/>
-          <a:defRPr b="0" baseline="0" cap="none" i="0" spc="0" strike="noStrike" sz="1800" u="none" kumimoji="0" normalizeH="0">
+          <a:defRPr kumimoji="0" sz="1800" b="0" i="0" u="none" strike="noStrike" cap="none" spc="0" normalizeH="0" baseline="0">
             <a:ln>
               <a:noFill/>
             </a:ln>
@@ -16880,7 +17548,7 @@
           <a:buFontTx/>
           <a:buNone/>
           <a:tabLst/>
-          <a:defRPr b="0" baseline="0" cap="none" i="0" spc="0" strike="noStrike" sz="1800" u="none" kumimoji="0" normalizeH="0">
+          <a:defRPr kumimoji="0" sz="1800" b="0" i="0" u="none" strike="noStrike" cap="none" spc="0" normalizeH="0" baseline="0">
             <a:ln>
               <a:noFill/>
             </a:ln>
@@ -16906,7 +17574,7 @@
           <a:buFontTx/>
           <a:buNone/>
           <a:tabLst/>
-          <a:defRPr b="0" baseline="0" cap="none" i="0" spc="0" strike="noStrike" sz="1800" u="none" kumimoji="0" normalizeH="0">
+          <a:defRPr kumimoji="0" sz="1800" b="0" i="0" u="none" strike="noStrike" cap="none" spc="0" normalizeH="0" baseline="0">
             <a:ln>
               <a:noFill/>
             </a:ln>
@@ -16932,7 +17600,7 @@
           <a:buFontTx/>
           <a:buNone/>
           <a:tabLst/>
-          <a:defRPr b="0" baseline="0" cap="none" i="0" spc="0" strike="noStrike" sz="1800" u="none" kumimoji="0" normalizeH="0">
+          <a:defRPr kumimoji="0" sz="1800" b="0" i="0" u="none" strike="noStrike" cap="none" spc="0" normalizeH="0" baseline="0">
             <a:ln>
               <a:noFill/>
             </a:ln>
@@ -16958,7 +17626,7 @@
           <a:buFontTx/>
           <a:buNone/>
           <a:tabLst/>
-          <a:defRPr b="0" baseline="0" cap="none" i="0" spc="0" strike="noStrike" sz="1800" u="none" kumimoji="0" normalizeH="0">
+          <a:defRPr kumimoji="0" sz="1800" b="0" i="0" u="none" strike="noStrike" cap="none" spc="0" normalizeH="0" baseline="0">
             <a:ln>
               <a:noFill/>
             </a:ln>
@@ -16984,7 +17652,7 @@
           <a:buFontTx/>
           <a:buNone/>
           <a:tabLst/>
-          <a:defRPr b="0" baseline="0" cap="none" i="0" spc="0" strike="noStrike" sz="1800" u="none" kumimoji="0" normalizeH="0">
+          <a:defRPr kumimoji="0" sz="1800" b="0" i="0" u="none" strike="noStrike" cap="none" spc="0" normalizeH="0" baseline="0">
             <a:ln>
               <a:noFill/>
             </a:ln>
@@ -17010,7 +17678,7 @@
           <a:buFontTx/>
           <a:buNone/>
           <a:tabLst/>
-          <a:defRPr b="0" baseline="0" cap="none" i="0" spc="0" strike="noStrike" sz="1800" u="none" kumimoji="0" normalizeH="0">
+          <a:defRPr kumimoji="0" sz="1800" b="0" i="0" u="none" strike="noStrike" cap="none" spc="0" normalizeH="0" baseline="0">
             <a:ln>
               <a:noFill/>
             </a:ln>
@@ -17036,7 +17704,7 @@
           <a:buFontTx/>
           <a:buNone/>
           <a:tabLst/>
-          <a:defRPr b="0" baseline="0" cap="none" i="0" spc="0" strike="noStrike" sz="1800" u="none" kumimoji="0" normalizeH="0">
+          <a:defRPr kumimoji="0" sz="1800" b="0" i="0" u="none" strike="noStrike" cap="none" spc="0" normalizeH="0" baseline="0">
             <a:ln>
               <a:noFill/>
             </a:ln>
@@ -17049,18 +17717,25 @@
         </a:lvl9pPr>
       </a:lstStyle>
       <a:style>
-        <a:lnRef idx="0"/>
-        <a:fillRef idx="0"/>
-        <a:effectRef idx="0"/>
+        <a:lnRef idx="0">
+          <a:scrgbClr r="0" g="0" b="0"/>
+        </a:lnRef>
+        <a:fillRef idx="0">
+          <a:scrgbClr r="0" g="0" b="0"/>
+        </a:fillRef>
+        <a:effectRef idx="0">
+          <a:scrgbClr r="0" g="0" b="0"/>
+        </a:effectRef>
         <a:fontRef idx="none"/>
       </a:style>
     </a:txDef>
   </a:objectDefaults>
+  <a:extraClrSchemeLst/>
 </a:theme>
 </file>
 
 <file path=ppt/theme/theme2.xml><?xml version="1.0" encoding="utf-8"?>
-<a:theme xmlns:a="http://schemas.openxmlformats.org/drawingml/2006/main" xmlns:r="http://schemas.openxmlformats.org/officeDocument/2006/relationships" name="White">
+<a:theme xmlns:a="http://schemas.openxmlformats.org/drawingml/2006/main" name="White">
   <a:themeElements>
     <a:clrScheme name="White">
       <a:dk1>
@@ -17259,7 +17934,7 @@
         <a:effectLst/>
         <a:sp3d/>
       </a:spPr>
-      <a:bodyPr rot="0" spcFirstLastPara="1" vertOverflow="overflow" horzOverflow="overflow" vert="horz" wrap="square" lIns="0" tIns="0" rIns="0" bIns="0" numCol="1" spcCol="38100" rtlCol="0" anchor="ctr" upright="0">
+      <a:bodyPr rot="0" spcFirstLastPara="1" vertOverflow="overflow" horzOverflow="overflow" vert="horz" wrap="square" lIns="0" tIns="0" rIns="0" bIns="0" numCol="1" spcCol="38100" rtlCol="0" anchor="ctr">
         <a:spAutoFit/>
       </a:bodyPr>
       <a:lstStyle>
@@ -17278,7 +17953,7 @@
           <a:buFontTx/>
           <a:buNone/>
           <a:tabLst/>
-          <a:defRPr b="0" baseline="0" cap="none" i="0" spc="0" strike="noStrike" sz="3200" u="none" kumimoji="0" normalizeH="0">
+          <a:defRPr kumimoji="0" sz="3200" b="0" i="0" u="none" strike="noStrike" cap="none" spc="0" normalizeH="0" baseline="0">
             <a:ln>
               <a:noFill/>
             </a:ln>
@@ -17308,7 +17983,7 @@
           <a:buFontTx/>
           <a:buNone/>
           <a:tabLst/>
-          <a:defRPr b="0" baseline="0" cap="none" i="0" spc="0" strike="noStrike" sz="1800" u="none" kumimoji="0" normalizeH="0">
+          <a:defRPr kumimoji="0" sz="1800" b="0" i="0" u="none" strike="noStrike" cap="none" spc="0" normalizeH="0" baseline="0">
             <a:ln>
               <a:noFill/>
             </a:ln>
@@ -17334,7 +18009,7 @@
           <a:buFontTx/>
           <a:buNone/>
           <a:tabLst/>
-          <a:defRPr b="0" baseline="0" cap="none" i="0" spc="0" strike="noStrike" sz="1800" u="none" kumimoji="0" normalizeH="0">
+          <a:defRPr kumimoji="0" sz="1800" b="0" i="0" u="none" strike="noStrike" cap="none" spc="0" normalizeH="0" baseline="0">
             <a:ln>
               <a:noFill/>
             </a:ln>
@@ -17360,7 +18035,7 @@
           <a:buFontTx/>
           <a:buNone/>
           <a:tabLst/>
-          <a:defRPr b="0" baseline="0" cap="none" i="0" spc="0" strike="noStrike" sz="1800" u="none" kumimoji="0" normalizeH="0">
+          <a:defRPr kumimoji="0" sz="1800" b="0" i="0" u="none" strike="noStrike" cap="none" spc="0" normalizeH="0" baseline="0">
             <a:ln>
               <a:noFill/>
             </a:ln>
@@ -17386,7 +18061,7 @@
           <a:buFontTx/>
           <a:buNone/>
           <a:tabLst/>
-          <a:defRPr b="0" baseline="0" cap="none" i="0" spc="0" strike="noStrike" sz="1800" u="none" kumimoji="0" normalizeH="0">
+          <a:defRPr kumimoji="0" sz="1800" b="0" i="0" u="none" strike="noStrike" cap="none" spc="0" normalizeH="0" baseline="0">
             <a:ln>
               <a:noFill/>
             </a:ln>
@@ -17412,7 +18087,7 @@
           <a:buFontTx/>
           <a:buNone/>
           <a:tabLst/>
-          <a:defRPr b="0" baseline="0" cap="none" i="0" spc="0" strike="noStrike" sz="1800" u="none" kumimoji="0" normalizeH="0">
+          <a:defRPr kumimoji="0" sz="1800" b="0" i="0" u="none" strike="noStrike" cap="none" spc="0" normalizeH="0" baseline="0">
             <a:ln>
               <a:noFill/>
             </a:ln>
@@ -17438,7 +18113,7 @@
           <a:buFontTx/>
           <a:buNone/>
           <a:tabLst/>
-          <a:defRPr b="0" baseline="0" cap="none" i="0" spc="0" strike="noStrike" sz="1800" u="none" kumimoji="0" normalizeH="0">
+          <a:defRPr kumimoji="0" sz="1800" b="0" i="0" u="none" strike="noStrike" cap="none" spc="0" normalizeH="0" baseline="0">
             <a:ln>
               <a:noFill/>
             </a:ln>
@@ -17464,7 +18139,7 @@
           <a:buFontTx/>
           <a:buNone/>
           <a:tabLst/>
-          <a:defRPr b="0" baseline="0" cap="none" i="0" spc="0" strike="noStrike" sz="1800" u="none" kumimoji="0" normalizeH="0">
+          <a:defRPr kumimoji="0" sz="1800" b="0" i="0" u="none" strike="noStrike" cap="none" spc="0" normalizeH="0" baseline="0">
             <a:ln>
               <a:noFill/>
             </a:ln>
@@ -17490,7 +18165,7 @@
           <a:buFontTx/>
           <a:buNone/>
           <a:tabLst/>
-          <a:defRPr b="0" baseline="0" cap="none" i="0" spc="0" strike="noStrike" sz="1800" u="none" kumimoji="0" normalizeH="0">
+          <a:defRPr kumimoji="0" sz="1800" b="0" i="0" u="none" strike="noStrike" cap="none" spc="0" normalizeH="0" baseline="0">
             <a:ln>
               <a:noFill/>
             </a:ln>
@@ -17516,7 +18191,7 @@
           <a:buFontTx/>
           <a:buNone/>
           <a:tabLst/>
-          <a:defRPr b="0" baseline="0" cap="none" i="0" spc="0" strike="noStrike" sz="1800" u="none" kumimoji="0" normalizeH="0">
+          <a:defRPr kumimoji="0" sz="1800" b="0" i="0" u="none" strike="noStrike" cap="none" spc="0" normalizeH="0" baseline="0">
             <a:ln>
               <a:noFill/>
             </a:ln>
@@ -17529,9 +18204,15 @@
         </a:lvl9pPr>
       </a:lstStyle>
       <a:style>
-        <a:lnRef idx="0"/>
-        <a:fillRef idx="0"/>
-        <a:effectRef idx="0"/>
+        <a:lnRef idx="0">
+          <a:scrgbClr r="0" g="0" b="0"/>
+        </a:lnRef>
+        <a:fillRef idx="0">
+          <a:scrgbClr r="0" g="0" b="0"/>
+        </a:fillRef>
+        <a:effectRef idx="0">
+          <a:scrgbClr r="0" g="0" b="0"/>
+        </a:effectRef>
         <a:fontRef idx="none"/>
       </a:style>
     </a:spDef>
@@ -17548,7 +18229,7 @@
         <a:effectLst/>
         <a:sp3d/>
       </a:spPr>
-      <a:bodyPr rot="0" spcFirstLastPara="1" vertOverflow="overflow" horzOverflow="overflow" vert="horz" wrap="square" lIns="91439" tIns="45719" rIns="91439" bIns="45719" numCol="1" spcCol="38100" rtlCol="0" anchor="t" upright="0">
+      <a:bodyPr rot="0" spcFirstLastPara="1" vertOverflow="overflow" horzOverflow="overflow" vert="horz" wrap="square" lIns="91439" tIns="45719" rIns="91439" bIns="45719" numCol="1" spcCol="38100" rtlCol="0" anchor="t">
         <a:noAutofit/>
       </a:bodyPr>
       <a:lstStyle>
@@ -17567,7 +18248,7 @@
           <a:buFontTx/>
           <a:buNone/>
           <a:tabLst/>
-          <a:defRPr b="0" baseline="0" cap="none" i="0" spc="0" strike="noStrike" sz="1800" u="none" kumimoji="0" normalizeH="0">
+          <a:defRPr kumimoji="0" sz="1800" b="0" i="0" u="none" strike="noStrike" cap="none" spc="0" normalizeH="0" baseline="0">
             <a:ln>
               <a:noFill/>
             </a:ln>
@@ -17593,7 +18274,7 @@
           <a:buFontTx/>
           <a:buNone/>
           <a:tabLst/>
-          <a:defRPr b="0" baseline="0" cap="none" i="0" spc="0" strike="noStrike" sz="1800" u="none" kumimoji="0" normalizeH="0">
+          <a:defRPr kumimoji="0" sz="1800" b="0" i="0" u="none" strike="noStrike" cap="none" spc="0" normalizeH="0" baseline="0">
             <a:ln>
               <a:noFill/>
             </a:ln>
@@ -17619,7 +18300,7 @@
           <a:buFontTx/>
           <a:buNone/>
           <a:tabLst/>
-          <a:defRPr b="0" baseline="0" cap="none" i="0" spc="0" strike="noStrike" sz="1800" u="none" kumimoji="0" normalizeH="0">
+          <a:defRPr kumimoji="0" sz="1800" b="0" i="0" u="none" strike="noStrike" cap="none" spc="0" normalizeH="0" baseline="0">
             <a:ln>
               <a:noFill/>
             </a:ln>
@@ -17645,7 +18326,7 @@
           <a:buFontTx/>
           <a:buNone/>
           <a:tabLst/>
-          <a:defRPr b="0" baseline="0" cap="none" i="0" spc="0" strike="noStrike" sz="1800" u="none" kumimoji="0" normalizeH="0">
+          <a:defRPr kumimoji="0" sz="1800" b="0" i="0" u="none" strike="noStrike" cap="none" spc="0" normalizeH="0" baseline="0">
             <a:ln>
               <a:noFill/>
             </a:ln>
@@ -17671,7 +18352,7 @@
           <a:buFontTx/>
           <a:buNone/>
           <a:tabLst/>
-          <a:defRPr b="0" baseline="0" cap="none" i="0" spc="0" strike="noStrike" sz="1800" u="none" kumimoji="0" normalizeH="0">
+          <a:defRPr kumimoji="0" sz="1800" b="0" i="0" u="none" strike="noStrike" cap="none" spc="0" normalizeH="0" baseline="0">
             <a:ln>
               <a:noFill/>
             </a:ln>
@@ -17697,7 +18378,7 @@
           <a:buFontTx/>
           <a:buNone/>
           <a:tabLst/>
-          <a:defRPr b="0" baseline="0" cap="none" i="0" spc="0" strike="noStrike" sz="1800" u="none" kumimoji="0" normalizeH="0">
+          <a:defRPr kumimoji="0" sz="1800" b="0" i="0" u="none" strike="noStrike" cap="none" spc="0" normalizeH="0" baseline="0">
             <a:ln>
               <a:noFill/>
             </a:ln>
@@ -17723,7 +18404,7 @@
           <a:buFontTx/>
           <a:buNone/>
           <a:tabLst/>
-          <a:defRPr b="0" baseline="0" cap="none" i="0" spc="0" strike="noStrike" sz="1800" u="none" kumimoji="0" normalizeH="0">
+          <a:defRPr kumimoji="0" sz="1800" b="0" i="0" u="none" strike="noStrike" cap="none" spc="0" normalizeH="0" baseline="0">
             <a:ln>
               <a:noFill/>
             </a:ln>
@@ -17749,7 +18430,7 @@
           <a:buFontTx/>
           <a:buNone/>
           <a:tabLst/>
-          <a:defRPr b="0" baseline="0" cap="none" i="0" spc="0" strike="noStrike" sz="1800" u="none" kumimoji="0" normalizeH="0">
+          <a:defRPr kumimoji="0" sz="1800" b="0" i="0" u="none" strike="noStrike" cap="none" spc="0" normalizeH="0" baseline="0">
             <a:ln>
               <a:noFill/>
             </a:ln>
@@ -17775,7 +18456,7 @@
           <a:buFontTx/>
           <a:buNone/>
           <a:tabLst/>
-          <a:defRPr b="0" baseline="0" cap="none" i="0" spc="0" strike="noStrike" sz="1800" u="none" kumimoji="0" normalizeH="0">
+          <a:defRPr kumimoji="0" sz="1800" b="0" i="0" u="none" strike="noStrike" cap="none" spc="0" normalizeH="0" baseline="0">
             <a:ln>
               <a:noFill/>
             </a:ln>
@@ -17801,7 +18482,7 @@
           <a:buFontTx/>
           <a:buNone/>
           <a:tabLst/>
-          <a:defRPr b="0" baseline="0" cap="none" i="0" spc="0" strike="noStrike" sz="1800" u="none" kumimoji="0" normalizeH="0">
+          <a:defRPr kumimoji="0" sz="1800" b="0" i="0" u="none" strike="noStrike" cap="none" spc="0" normalizeH="0" baseline="0">
             <a:ln>
               <a:noFill/>
             </a:ln>
@@ -17814,9 +18495,15 @@
         </a:lvl9pPr>
       </a:lstStyle>
       <a:style>
-        <a:lnRef idx="0"/>
-        <a:fillRef idx="0"/>
-        <a:effectRef idx="0"/>
+        <a:lnRef idx="0">
+          <a:scrgbClr r="0" g="0" b="0"/>
+        </a:lnRef>
+        <a:fillRef idx="0">
+          <a:scrgbClr r="0" g="0" b="0"/>
+        </a:fillRef>
+        <a:effectRef idx="0">
+          <a:scrgbClr r="0" g="0" b="0"/>
+        </a:effectRef>
         <a:fontRef idx="none"/>
       </a:style>
     </a:lnDef>
@@ -17830,7 +18517,7 @@
         <a:effectLst/>
         <a:sp3d/>
       </a:spPr>
-      <a:bodyPr rot="0" spcFirstLastPara="1" vertOverflow="overflow" horzOverflow="overflow" vert="horz" wrap="square" lIns="50800" tIns="50800" rIns="50800" bIns="50800" numCol="1" spcCol="38100" rtlCol="0" anchor="ctr" upright="0">
+      <a:bodyPr rot="0" spcFirstLastPara="1" vertOverflow="overflow" horzOverflow="overflow" vert="horz" wrap="square" lIns="50800" tIns="50800" rIns="50800" bIns="50800" numCol="1" spcCol="38100" rtlCol="0" anchor="ctr">
         <a:spAutoFit/>
       </a:bodyPr>
       <a:lstStyle>
@@ -17849,7 +18536,7 @@
           <a:buFontTx/>
           <a:buNone/>
           <a:tabLst/>
-          <a:defRPr b="1" baseline="0" cap="none" i="0" spc="0" strike="noStrike" sz="3000" u="none" kumimoji="0" normalizeH="0">
+          <a:defRPr kumimoji="0" sz="3000" b="1" i="0" u="none" strike="noStrike" cap="none" spc="0" normalizeH="0" baseline="0">
             <a:ln>
               <a:noFill/>
             </a:ln>
@@ -17879,7 +18566,7 @@
           <a:buFontTx/>
           <a:buNone/>
           <a:tabLst/>
-          <a:defRPr b="0" baseline="0" cap="none" i="0" spc="0" strike="noStrike" sz="1800" u="none" kumimoji="0" normalizeH="0">
+          <a:defRPr kumimoji="0" sz="1800" b="0" i="0" u="none" strike="noStrike" cap="none" spc="0" normalizeH="0" baseline="0">
             <a:ln>
               <a:noFill/>
             </a:ln>
@@ -17905,7 +18592,7 @@
           <a:buFontTx/>
           <a:buNone/>
           <a:tabLst/>
-          <a:defRPr b="0" baseline="0" cap="none" i="0" spc="0" strike="noStrike" sz="1800" u="none" kumimoji="0" normalizeH="0">
+          <a:defRPr kumimoji="0" sz="1800" b="0" i="0" u="none" strike="noStrike" cap="none" spc="0" normalizeH="0" baseline="0">
             <a:ln>
               <a:noFill/>
             </a:ln>
@@ -17931,7 +18618,7 @@
           <a:buFontTx/>
           <a:buNone/>
           <a:tabLst/>
-          <a:defRPr b="0" baseline="0" cap="none" i="0" spc="0" strike="noStrike" sz="1800" u="none" kumimoji="0" normalizeH="0">
+          <a:defRPr kumimoji="0" sz="1800" b="0" i="0" u="none" strike="noStrike" cap="none" spc="0" normalizeH="0" baseline="0">
             <a:ln>
               <a:noFill/>
             </a:ln>
@@ -17957,7 +18644,7 @@
           <a:buFontTx/>
           <a:buNone/>
           <a:tabLst/>
-          <a:defRPr b="0" baseline="0" cap="none" i="0" spc="0" strike="noStrike" sz="1800" u="none" kumimoji="0" normalizeH="0">
+          <a:defRPr kumimoji="0" sz="1800" b="0" i="0" u="none" strike="noStrike" cap="none" spc="0" normalizeH="0" baseline="0">
             <a:ln>
               <a:noFill/>
             </a:ln>
@@ -17983,7 +18670,7 @@
           <a:buFontTx/>
           <a:buNone/>
           <a:tabLst/>
-          <a:defRPr b="0" baseline="0" cap="none" i="0" spc="0" strike="noStrike" sz="1800" u="none" kumimoji="0" normalizeH="0">
+          <a:defRPr kumimoji="0" sz="1800" b="0" i="0" u="none" strike="noStrike" cap="none" spc="0" normalizeH="0" baseline="0">
             <a:ln>
               <a:noFill/>
             </a:ln>
@@ -18009,7 +18696,7 @@
           <a:buFontTx/>
           <a:buNone/>
           <a:tabLst/>
-          <a:defRPr b="0" baseline="0" cap="none" i="0" spc="0" strike="noStrike" sz="1800" u="none" kumimoji="0" normalizeH="0">
+          <a:defRPr kumimoji="0" sz="1800" b="0" i="0" u="none" strike="noStrike" cap="none" spc="0" normalizeH="0" baseline="0">
             <a:ln>
               <a:noFill/>
             </a:ln>
@@ -18035,7 +18722,7 @@
           <a:buFontTx/>
           <a:buNone/>
           <a:tabLst/>
-          <a:defRPr b="0" baseline="0" cap="none" i="0" spc="0" strike="noStrike" sz="1800" u="none" kumimoji="0" normalizeH="0">
+          <a:defRPr kumimoji="0" sz="1800" b="0" i="0" u="none" strike="noStrike" cap="none" spc="0" normalizeH="0" baseline="0">
             <a:ln>
               <a:noFill/>
             </a:ln>
@@ -18061,7 +18748,7 @@
           <a:buFontTx/>
           <a:buNone/>
           <a:tabLst/>
-          <a:defRPr b="0" baseline="0" cap="none" i="0" spc="0" strike="noStrike" sz="1800" u="none" kumimoji="0" normalizeH="0">
+          <a:defRPr kumimoji="0" sz="1800" b="0" i="0" u="none" strike="noStrike" cap="none" spc="0" normalizeH="0" baseline="0">
             <a:ln>
               <a:noFill/>
             </a:ln>
@@ -18087,7 +18774,7 @@
           <a:buFontTx/>
           <a:buNone/>
           <a:tabLst/>
-          <a:defRPr b="0" baseline="0" cap="none" i="0" spc="0" strike="noStrike" sz="1800" u="none" kumimoji="0" normalizeH="0">
+          <a:defRPr kumimoji="0" sz="1800" b="0" i="0" u="none" strike="noStrike" cap="none" spc="0" normalizeH="0" baseline="0">
             <a:ln>
               <a:noFill/>
             </a:ln>
@@ -18100,12 +18787,19 @@
         </a:lvl9pPr>
       </a:lstStyle>
       <a:style>
-        <a:lnRef idx="0"/>
-        <a:fillRef idx="0"/>
-        <a:effectRef idx="0"/>
+        <a:lnRef idx="0">
+          <a:scrgbClr r="0" g="0" b="0"/>
+        </a:lnRef>
+        <a:fillRef idx="0">
+          <a:scrgbClr r="0" g="0" b="0"/>
+        </a:fillRef>
+        <a:effectRef idx="0">
+          <a:scrgbClr r="0" g="0" b="0"/>
+        </a:effectRef>
         <a:fontRef idx="none"/>
       </a:style>
     </a:txDef>
   </a:objectDefaults>
+  <a:extraClrSchemeLst/>
 </a:theme>
 </file>